--- a/Edu2Job-TeamA.pptx
+++ b/Edu2Job-TeamA.pptx
@@ -5,7 +5,7 @@
     <p:sldMasterId id="2147483648" r:id="rId1"/>
   </p:sldMasterIdLst>
   <p:notesMasterIdLst>
-    <p:notesMasterId r:id="rId19"/>
+    <p:notesMasterId r:id="rId14"/>
   </p:notesMasterIdLst>
   <p:sldIdLst>
     <p:sldId id="256" r:id="rId2"/>
@@ -14,17 +14,12 @@
     <p:sldId id="259" r:id="rId5"/>
     <p:sldId id="260" r:id="rId6"/>
     <p:sldId id="261" r:id="rId7"/>
-    <p:sldId id="276" r:id="rId8"/>
-    <p:sldId id="264" r:id="rId9"/>
-    <p:sldId id="277" r:id="rId10"/>
-    <p:sldId id="267" r:id="rId11"/>
-    <p:sldId id="278" r:id="rId12"/>
-    <p:sldId id="279" r:id="rId13"/>
-    <p:sldId id="269" r:id="rId14"/>
-    <p:sldId id="280" r:id="rId15"/>
-    <p:sldId id="273" r:id="rId16"/>
-    <p:sldId id="274" r:id="rId17"/>
-    <p:sldId id="275" r:id="rId18"/>
+    <p:sldId id="264" r:id="rId8"/>
+    <p:sldId id="267" r:id="rId9"/>
+    <p:sldId id="269" r:id="rId10"/>
+    <p:sldId id="273" r:id="rId11"/>
+    <p:sldId id="274" r:id="rId12"/>
+    <p:sldId id="275" r:id="rId13"/>
   </p:sldIdLst>
   <p:sldSz cx="12192000" cy="6858000"/>
   <p:notesSz cx="6858000" cy="9144000"/>
@@ -213,7 +208,7 @@
           <a:p>
             <a:fld id="{B1FBD4D0-239C-45FC-844B-A7E01E0CC938}" type="datetimeFigureOut">
               <a:rPr lang="en-IN" smtClean="0"/>
-              <a:t>20-01-2026</a:t>
+              <a:t>18-01-2026</a:t>
             </a:fld>
             <a:endParaRPr lang="en-IN"/>
           </a:p>
@@ -546,7 +541,7 @@
           <a:p>
             <a:fld id="{5F50F29B-E061-4A94-844B-90530497D680}" type="slidenum">
               <a:rPr lang="en-IN" smtClean="0"/>
-              <a:t>1</a:t>
+              <a:t>5</a:t>
             </a:fld>
             <a:endParaRPr lang="en-IN"/>
           </a:p>
@@ -555,7 +550,7 @@
     </p:spTree>
     <p:extLst>
       <p:ext uri="{BB962C8B-B14F-4D97-AF65-F5344CB8AC3E}">
-        <p14:creationId xmlns:p14="http://schemas.microsoft.com/office/powerpoint/2010/main" val="2367423115"/>
+        <p14:creationId xmlns:p14="http://schemas.microsoft.com/office/powerpoint/2010/main" val="2277815197"/>
       </p:ext>
     </p:extLst>
   </p:cSld>
@@ -630,91 +625,7 @@
           <a:p>
             <a:fld id="{5F50F29B-E061-4A94-844B-90530497D680}" type="slidenum">
               <a:rPr lang="en-IN" smtClean="0"/>
-              <a:t>5</a:t>
-            </a:fld>
-            <a:endParaRPr lang="en-IN"/>
-          </a:p>
-        </p:txBody>
-      </p:sp>
-    </p:spTree>
-    <p:extLst>
-      <p:ext uri="{BB962C8B-B14F-4D97-AF65-F5344CB8AC3E}">
-        <p14:creationId xmlns:p14="http://schemas.microsoft.com/office/powerpoint/2010/main" val="2277815197"/>
-      </p:ext>
-    </p:extLst>
-  </p:cSld>
-  <p:clrMapOvr>
-    <a:masterClrMapping/>
-  </p:clrMapOvr>
-</p:notes>
-</file>
-
-<file path=ppt/notesSlides/notesSlide3.xml><?xml version="1.0" encoding="utf-8"?>
-<p:notes xmlns:a="http://schemas.openxmlformats.org/drawingml/2006/main" xmlns:r="http://schemas.openxmlformats.org/officeDocument/2006/relationships" xmlns:p="http://schemas.openxmlformats.org/presentationml/2006/main">
-  <p:cSld>
-    <p:spTree>
-      <p:nvGrpSpPr>
-        <p:cNvPr id="1" name=""/>
-        <p:cNvGrpSpPr/>
-        <p:nvPr/>
-      </p:nvGrpSpPr>
-      <p:grpSpPr>
-        <a:xfrm>
-          <a:off x="0" y="0"/>
-          <a:ext cx="0" cy="0"/>
-          <a:chOff x="0" y="0"/>
-          <a:chExt cx="0" cy="0"/>
-        </a:xfrm>
-      </p:grpSpPr>
-      <p:sp>
-        <p:nvSpPr>
-          <p:cNvPr id="2" name="Slide Image Placeholder 1"/>
-          <p:cNvSpPr>
-            <a:spLocks noGrp="1" noRot="1" noChangeAspect="1"/>
-          </p:cNvSpPr>
-          <p:nvPr>
-            <p:ph type="sldImg"/>
-          </p:nvPr>
-        </p:nvSpPr>
-        <p:spPr/>
-      </p:sp>
-      <p:sp>
-        <p:nvSpPr>
-          <p:cNvPr id="3" name="Notes Placeholder 2"/>
-          <p:cNvSpPr>
-            <a:spLocks noGrp="1"/>
-          </p:cNvSpPr>
-          <p:nvPr>
-            <p:ph type="body" idx="1"/>
-          </p:nvPr>
-        </p:nvSpPr>
-        <p:spPr/>
-        <p:txBody>
-          <a:bodyPr/>
-          <a:lstStyle/>
-          <a:p>
-            <a:endParaRPr lang="en-IN" dirty="0"/>
-          </a:p>
-        </p:txBody>
-      </p:sp>
-      <p:sp>
-        <p:nvSpPr>
-          <p:cNvPr id="4" name="Slide Number Placeholder 3"/>
-          <p:cNvSpPr>
-            <a:spLocks noGrp="1"/>
-          </p:cNvSpPr>
-          <p:nvPr>
-            <p:ph type="sldNum" sz="quarter" idx="5"/>
-          </p:nvPr>
-        </p:nvSpPr>
-        <p:spPr/>
-        <p:txBody>
-          <a:bodyPr/>
-          <a:lstStyle/>
-          <a:p>
-            <a:fld id="{5F50F29B-E061-4A94-844B-90530497D680}" type="slidenum">
-              <a:rPr lang="en-IN" smtClean="0"/>
-              <a:t>17</a:t>
+              <a:t>12</a:t>
             </a:fld>
             <a:endParaRPr lang="en-IN"/>
           </a:p>
@@ -882,7 +793,7 @@
           <a:p>
             <a:fld id="{E3E36570-D847-480A-AAD4-6B02C674D222}" type="datetimeFigureOut">
               <a:rPr lang="en-IN" smtClean="0"/>
-              <a:t>20-01-2026</a:t>
+              <a:t>18-01-2026</a:t>
             </a:fld>
             <a:endParaRPr lang="en-IN"/>
           </a:p>
@@ -1082,7 +993,7 @@
           <a:p>
             <a:fld id="{E3E36570-D847-480A-AAD4-6B02C674D222}" type="datetimeFigureOut">
               <a:rPr lang="en-IN" smtClean="0"/>
-              <a:t>20-01-2026</a:t>
+              <a:t>18-01-2026</a:t>
             </a:fld>
             <a:endParaRPr lang="en-IN"/>
           </a:p>
@@ -1292,7 +1203,7 @@
           <a:p>
             <a:fld id="{E3E36570-D847-480A-AAD4-6B02C674D222}" type="datetimeFigureOut">
               <a:rPr lang="en-IN" smtClean="0"/>
-              <a:t>20-01-2026</a:t>
+              <a:t>18-01-2026</a:t>
             </a:fld>
             <a:endParaRPr lang="en-IN"/>
           </a:p>
@@ -1492,7 +1403,7 @@
           <a:p>
             <a:fld id="{E3E36570-D847-480A-AAD4-6B02C674D222}" type="datetimeFigureOut">
               <a:rPr lang="en-IN" smtClean="0"/>
-              <a:t>20-01-2026</a:t>
+              <a:t>18-01-2026</a:t>
             </a:fld>
             <a:endParaRPr lang="en-IN"/>
           </a:p>
@@ -1768,7 +1679,7 @@
           <a:p>
             <a:fld id="{E3E36570-D847-480A-AAD4-6B02C674D222}" type="datetimeFigureOut">
               <a:rPr lang="en-IN" smtClean="0"/>
-              <a:t>20-01-2026</a:t>
+              <a:t>18-01-2026</a:t>
             </a:fld>
             <a:endParaRPr lang="en-IN"/>
           </a:p>
@@ -2036,7 +1947,7 @@
           <a:p>
             <a:fld id="{E3E36570-D847-480A-AAD4-6B02C674D222}" type="datetimeFigureOut">
               <a:rPr lang="en-IN" smtClean="0"/>
-              <a:t>20-01-2026</a:t>
+              <a:t>18-01-2026</a:t>
             </a:fld>
             <a:endParaRPr lang="en-IN"/>
           </a:p>
@@ -2451,7 +2362,7 @@
           <a:p>
             <a:fld id="{E3E36570-D847-480A-AAD4-6B02C674D222}" type="datetimeFigureOut">
               <a:rPr lang="en-IN" smtClean="0"/>
-              <a:t>20-01-2026</a:t>
+              <a:t>18-01-2026</a:t>
             </a:fld>
             <a:endParaRPr lang="en-IN"/>
           </a:p>
@@ -2593,7 +2504,7 @@
           <a:p>
             <a:fld id="{E3E36570-D847-480A-AAD4-6B02C674D222}" type="datetimeFigureOut">
               <a:rPr lang="en-IN" smtClean="0"/>
-              <a:t>20-01-2026</a:t>
+              <a:t>18-01-2026</a:t>
             </a:fld>
             <a:endParaRPr lang="en-IN"/>
           </a:p>
@@ -2706,7 +2617,7 @@
           <a:p>
             <a:fld id="{E3E36570-D847-480A-AAD4-6B02C674D222}" type="datetimeFigureOut">
               <a:rPr lang="en-IN" smtClean="0"/>
-              <a:t>20-01-2026</a:t>
+              <a:t>18-01-2026</a:t>
             </a:fld>
             <a:endParaRPr lang="en-IN"/>
           </a:p>
@@ -3019,7 +2930,7 @@
           <a:p>
             <a:fld id="{E3E36570-D847-480A-AAD4-6B02C674D222}" type="datetimeFigureOut">
               <a:rPr lang="en-IN" smtClean="0"/>
-              <a:t>20-01-2026</a:t>
+              <a:t>18-01-2026</a:t>
             </a:fld>
             <a:endParaRPr lang="en-IN"/>
           </a:p>
@@ -3312,7 +3223,7 @@
           <a:p>
             <a:fld id="{E3E36570-D847-480A-AAD4-6B02C674D222}" type="datetimeFigureOut">
               <a:rPr lang="en-IN" smtClean="0"/>
-              <a:t>20-01-2026</a:t>
+              <a:t>18-01-2026</a:t>
             </a:fld>
             <a:endParaRPr lang="en-IN"/>
           </a:p>
@@ -3555,7 +3466,7 @@
           <a:p>
             <a:fld id="{E3E36570-D847-480A-AAD4-6B02C674D222}" type="datetimeFigureOut">
               <a:rPr lang="en-IN" smtClean="0"/>
-              <a:t>20-01-2026</a:t>
+              <a:t>18-01-2026</a:t>
             </a:fld>
             <a:endParaRPr lang="en-IN"/>
           </a:p>
@@ -4236,1483 +4147,6 @@
           <p:cNvPr id="2" name="Title 1">
             <a:extLst>
               <a:ext uri="{FF2B5EF4-FFF2-40B4-BE49-F238E27FC236}">
-                <a16:creationId xmlns:a16="http://schemas.microsoft.com/office/drawing/2014/main" id="{8617DB0C-D5BB-AF4A-77E0-FC741C774408}"/>
-              </a:ext>
-            </a:extLst>
-          </p:cNvPr>
-          <p:cNvSpPr>
-            <a:spLocks noGrp="1"/>
-          </p:cNvSpPr>
-          <p:nvPr>
-            <p:ph type="title"/>
-          </p:nvPr>
-        </p:nvSpPr>
-        <p:spPr/>
-        <p:txBody>
-          <a:bodyPr>
-            <a:normAutofit/>
-          </a:bodyPr>
-          <a:lstStyle/>
-          <a:p>
-            <a:r>
-              <a:rPr lang="en-IN" sz="4000" u="sng" spc="-45" dirty="0">
-                <a:latin typeface="Tahoma" panose="020B0604030504040204" pitchFamily="34" charset="0"/>
-                <a:ea typeface="Tahoma" panose="020B0604030504040204" pitchFamily="34" charset="0"/>
-                <a:cs typeface="Tahoma" panose="020B0604030504040204" pitchFamily="34" charset="0"/>
-              </a:rPr>
-              <a:t>Milestone 3: Job</a:t>
-            </a:r>
-            <a:r>
-              <a:rPr lang="en-IN" sz="4000" u="sng" spc="-270" dirty="0">
-                <a:latin typeface="Tahoma" panose="020B0604030504040204" pitchFamily="34" charset="0"/>
-                <a:ea typeface="Tahoma" panose="020B0604030504040204" pitchFamily="34" charset="0"/>
-                <a:cs typeface="Tahoma" panose="020B0604030504040204" pitchFamily="34" charset="0"/>
-              </a:rPr>
-              <a:t> </a:t>
-            </a:r>
-            <a:r>
-              <a:rPr lang="en-IN" sz="4000" u="sng" spc="-245" dirty="0">
-                <a:latin typeface="Tahoma" panose="020B0604030504040204" pitchFamily="34" charset="0"/>
-                <a:ea typeface="Tahoma" panose="020B0604030504040204" pitchFamily="34" charset="0"/>
-                <a:cs typeface="Tahoma" panose="020B0604030504040204" pitchFamily="34" charset="0"/>
-              </a:rPr>
-              <a:t>Role</a:t>
-            </a:r>
-            <a:r>
-              <a:rPr lang="en-IN" sz="4000" u="sng" spc="-270" dirty="0">
-                <a:latin typeface="Tahoma" panose="020B0604030504040204" pitchFamily="34" charset="0"/>
-                <a:ea typeface="Tahoma" panose="020B0604030504040204" pitchFamily="34" charset="0"/>
-                <a:cs typeface="Tahoma" panose="020B0604030504040204" pitchFamily="34" charset="0"/>
-              </a:rPr>
-              <a:t> </a:t>
-            </a:r>
-            <a:r>
-              <a:rPr lang="en-IN" sz="4000" u="sng" spc="-170" dirty="0">
-                <a:latin typeface="Tahoma" panose="020B0604030504040204" pitchFamily="34" charset="0"/>
-                <a:ea typeface="Tahoma" panose="020B0604030504040204" pitchFamily="34" charset="0"/>
-                <a:cs typeface="Tahoma" panose="020B0604030504040204" pitchFamily="34" charset="0"/>
-              </a:rPr>
-              <a:t>Prediction</a:t>
-            </a:r>
-            <a:r>
-              <a:rPr lang="en-IN" sz="4000" u="sng" spc="-265" dirty="0">
-                <a:latin typeface="Tahoma" panose="020B0604030504040204" pitchFamily="34" charset="0"/>
-                <a:ea typeface="Tahoma" panose="020B0604030504040204" pitchFamily="34" charset="0"/>
-                <a:cs typeface="Tahoma" panose="020B0604030504040204" pitchFamily="34" charset="0"/>
-              </a:rPr>
-              <a:t> </a:t>
-            </a:r>
-            <a:r>
-              <a:rPr lang="en-IN" sz="4000" u="sng" spc="-300" dirty="0">
-                <a:latin typeface="Tahoma" panose="020B0604030504040204" pitchFamily="34" charset="0"/>
-                <a:ea typeface="Tahoma" panose="020B0604030504040204" pitchFamily="34" charset="0"/>
-                <a:cs typeface="Tahoma" panose="020B0604030504040204" pitchFamily="34" charset="0"/>
-              </a:rPr>
-              <a:t>Module</a:t>
-            </a:r>
-            <a:endParaRPr lang="en-IN" sz="4000" u="sng" dirty="0">
-              <a:latin typeface="Tahoma" panose="020B0604030504040204" pitchFamily="34" charset="0"/>
-              <a:ea typeface="Tahoma" panose="020B0604030504040204" pitchFamily="34" charset="0"/>
-              <a:cs typeface="Tahoma" panose="020B0604030504040204" pitchFamily="34" charset="0"/>
-            </a:endParaRPr>
-          </a:p>
-        </p:txBody>
-      </p:sp>
-      <p:sp>
-        <p:nvSpPr>
-          <p:cNvPr id="3" name="Content Placeholder 2">
-            <a:extLst>
-              <a:ext uri="{FF2B5EF4-FFF2-40B4-BE49-F238E27FC236}">
-                <a16:creationId xmlns:a16="http://schemas.microsoft.com/office/drawing/2014/main" id="{1F31B2C6-71C0-8C70-A3C1-45950387F891}"/>
-              </a:ext>
-            </a:extLst>
-          </p:cNvPr>
-          <p:cNvSpPr>
-            <a:spLocks noGrp="1"/>
-          </p:cNvSpPr>
-          <p:nvPr>
-            <p:ph idx="1"/>
-          </p:nvPr>
-        </p:nvSpPr>
-        <p:spPr/>
-        <p:txBody>
-          <a:bodyPr>
-            <a:normAutofit/>
-          </a:bodyPr>
-          <a:lstStyle/>
-          <a:p>
-            <a:pPr marL="12700">
-              <a:lnSpc>
-                <a:spcPct val="100000"/>
-              </a:lnSpc>
-              <a:spcBef>
-                <a:spcPts val="135"/>
-              </a:spcBef>
-            </a:pPr>
-            <a:r>
-              <a:rPr lang="en-US" sz="3200" spc="-85" dirty="0">
-                <a:latin typeface="Tahoma" panose="020B0604030504040204" pitchFamily="34" charset="0"/>
-                <a:ea typeface="Tahoma" panose="020B0604030504040204" pitchFamily="34" charset="0"/>
-                <a:cs typeface="Tahoma" panose="020B0604030504040204" pitchFamily="34" charset="0"/>
-              </a:rPr>
-              <a:t>User</a:t>
-            </a:r>
-            <a:r>
-              <a:rPr lang="en-US" sz="3200" spc="-120" dirty="0">
-                <a:latin typeface="Tahoma" panose="020B0604030504040204" pitchFamily="34" charset="0"/>
-                <a:ea typeface="Tahoma" panose="020B0604030504040204" pitchFamily="34" charset="0"/>
-                <a:cs typeface="Tahoma" panose="020B0604030504040204" pitchFamily="34" charset="0"/>
-              </a:rPr>
-              <a:t> </a:t>
-            </a:r>
-            <a:r>
-              <a:rPr lang="en-US" sz="3200" spc="-130" dirty="0">
-                <a:latin typeface="Tahoma" panose="020B0604030504040204" pitchFamily="34" charset="0"/>
-                <a:ea typeface="Tahoma" panose="020B0604030504040204" pitchFamily="34" charset="0"/>
-                <a:cs typeface="Tahoma" panose="020B0604030504040204" pitchFamily="34" charset="0"/>
-              </a:rPr>
-              <a:t>Data</a:t>
-            </a:r>
-            <a:r>
-              <a:rPr lang="en-US" sz="3200" spc="-114" dirty="0">
-                <a:latin typeface="Tahoma" panose="020B0604030504040204" pitchFamily="34" charset="0"/>
-                <a:ea typeface="Tahoma" panose="020B0604030504040204" pitchFamily="34" charset="0"/>
-                <a:cs typeface="Tahoma" panose="020B0604030504040204" pitchFamily="34" charset="0"/>
-              </a:rPr>
-              <a:t> </a:t>
-            </a:r>
-            <a:r>
-              <a:rPr lang="en-US" sz="3200" spc="-30" dirty="0">
-                <a:latin typeface="Tahoma" panose="020B0604030504040204" pitchFamily="34" charset="0"/>
-                <a:ea typeface="Tahoma" panose="020B0604030504040204" pitchFamily="34" charset="0"/>
-                <a:cs typeface="Tahoma" panose="020B0604030504040204" pitchFamily="34" charset="0"/>
-              </a:rPr>
-              <a:t>Integration</a:t>
-            </a:r>
-            <a:endParaRPr lang="en-US" sz="3200" dirty="0">
-              <a:latin typeface="Tahoma" panose="020B0604030504040204" pitchFamily="34" charset="0"/>
-              <a:ea typeface="Tahoma" panose="020B0604030504040204" pitchFamily="34" charset="0"/>
-              <a:cs typeface="Tahoma" panose="020B0604030504040204" pitchFamily="34" charset="0"/>
-            </a:endParaRPr>
-          </a:p>
-          <a:p>
-            <a:pPr marL="0" indent="0">
-              <a:lnSpc>
-                <a:spcPct val="100000"/>
-              </a:lnSpc>
-              <a:spcBef>
-                <a:spcPts val="1045"/>
-              </a:spcBef>
-              <a:buNone/>
-            </a:pPr>
-            <a:r>
-              <a:rPr lang="en-US" spc="50" dirty="0">
-                <a:solidFill>
-                  <a:srgbClr val="374552"/>
-                </a:solidFill>
-                <a:latin typeface="Tahoma" panose="020B0604030504040204" pitchFamily="34" charset="0"/>
-                <a:ea typeface="Tahoma" panose="020B0604030504040204" pitchFamily="34" charset="0"/>
-                <a:cs typeface="Tahoma" panose="020B0604030504040204" pitchFamily="34" charset="0"/>
-              </a:rPr>
-              <a:t>  Feeding</a:t>
-            </a:r>
-            <a:r>
-              <a:rPr lang="en-US" spc="-20" dirty="0">
-                <a:solidFill>
-                  <a:srgbClr val="374552"/>
-                </a:solidFill>
-                <a:latin typeface="Tahoma" panose="020B0604030504040204" pitchFamily="34" charset="0"/>
-                <a:ea typeface="Tahoma" panose="020B0604030504040204" pitchFamily="34" charset="0"/>
-                <a:cs typeface="Tahoma" panose="020B0604030504040204" pitchFamily="34" charset="0"/>
-              </a:rPr>
-              <a:t> </a:t>
-            </a:r>
-            <a:r>
-              <a:rPr lang="en-US" spc="10" dirty="0">
-                <a:solidFill>
-                  <a:srgbClr val="374552"/>
-                </a:solidFill>
-                <a:latin typeface="Tahoma" panose="020B0604030504040204" pitchFamily="34" charset="0"/>
-                <a:ea typeface="Tahoma" panose="020B0604030504040204" pitchFamily="34" charset="0"/>
-                <a:cs typeface="Tahoma" panose="020B0604030504040204" pitchFamily="34" charset="0"/>
-              </a:rPr>
-              <a:t>processed</a:t>
-            </a:r>
-            <a:r>
-              <a:rPr lang="en-US" spc="-20" dirty="0">
-                <a:solidFill>
-                  <a:srgbClr val="374552"/>
-                </a:solidFill>
-                <a:latin typeface="Tahoma" panose="020B0604030504040204" pitchFamily="34" charset="0"/>
-                <a:ea typeface="Tahoma" panose="020B0604030504040204" pitchFamily="34" charset="0"/>
-                <a:cs typeface="Tahoma" panose="020B0604030504040204" pitchFamily="34" charset="0"/>
-              </a:rPr>
-              <a:t> </a:t>
-            </a:r>
-            <a:r>
-              <a:rPr lang="en-US" spc="10" dirty="0">
-                <a:solidFill>
-                  <a:srgbClr val="374552"/>
-                </a:solidFill>
-                <a:latin typeface="Tahoma" panose="020B0604030504040204" pitchFamily="34" charset="0"/>
-                <a:ea typeface="Tahoma" panose="020B0604030504040204" pitchFamily="34" charset="0"/>
-                <a:cs typeface="Tahoma" panose="020B0604030504040204" pitchFamily="34" charset="0"/>
-              </a:rPr>
-              <a:t>education</a:t>
-            </a:r>
-            <a:r>
-              <a:rPr lang="en-US" spc="-15" dirty="0">
-                <a:solidFill>
-                  <a:srgbClr val="374552"/>
-                </a:solidFill>
-                <a:latin typeface="Tahoma" panose="020B0604030504040204" pitchFamily="34" charset="0"/>
-                <a:ea typeface="Tahoma" panose="020B0604030504040204" pitchFamily="34" charset="0"/>
-                <a:cs typeface="Tahoma" panose="020B0604030504040204" pitchFamily="34" charset="0"/>
-              </a:rPr>
-              <a:t> </a:t>
-            </a:r>
-            <a:r>
-              <a:rPr lang="en-US" spc="50" dirty="0">
-                <a:solidFill>
-                  <a:srgbClr val="374552"/>
-                </a:solidFill>
-                <a:latin typeface="Tahoma" panose="020B0604030504040204" pitchFamily="34" charset="0"/>
-                <a:ea typeface="Tahoma" panose="020B0604030504040204" pitchFamily="34" charset="0"/>
-                <a:cs typeface="Tahoma" panose="020B0604030504040204" pitchFamily="34" charset="0"/>
-              </a:rPr>
-              <a:t>and</a:t>
-            </a:r>
-            <a:r>
-              <a:rPr lang="en-US" spc="-20" dirty="0">
-                <a:solidFill>
-                  <a:srgbClr val="374552"/>
-                </a:solidFill>
-                <a:latin typeface="Tahoma" panose="020B0604030504040204" pitchFamily="34" charset="0"/>
-                <a:ea typeface="Tahoma" panose="020B0604030504040204" pitchFamily="34" charset="0"/>
-                <a:cs typeface="Tahoma" panose="020B0604030504040204" pitchFamily="34" charset="0"/>
-              </a:rPr>
-              <a:t> </a:t>
-            </a:r>
-            <a:r>
-              <a:rPr lang="en-US" spc="10" dirty="0">
-                <a:solidFill>
-                  <a:srgbClr val="374552"/>
-                </a:solidFill>
-                <a:latin typeface="Tahoma" panose="020B0604030504040204" pitchFamily="34" charset="0"/>
-                <a:ea typeface="Tahoma" panose="020B0604030504040204" pitchFamily="34" charset="0"/>
-                <a:cs typeface="Tahoma" panose="020B0604030504040204" pitchFamily="34" charset="0"/>
-              </a:rPr>
-              <a:t>profile</a:t>
-            </a:r>
-            <a:r>
-              <a:rPr lang="en-US" spc="-15" dirty="0">
-                <a:solidFill>
-                  <a:srgbClr val="374552"/>
-                </a:solidFill>
-                <a:latin typeface="Tahoma" panose="020B0604030504040204" pitchFamily="34" charset="0"/>
-                <a:ea typeface="Tahoma" panose="020B0604030504040204" pitchFamily="34" charset="0"/>
-                <a:cs typeface="Tahoma" panose="020B0604030504040204" pitchFamily="34" charset="0"/>
-              </a:rPr>
-              <a:t> </a:t>
-            </a:r>
-            <a:r>
-              <a:rPr lang="en-US" spc="-10" dirty="0">
-                <a:solidFill>
-                  <a:srgbClr val="374552"/>
-                </a:solidFill>
-                <a:latin typeface="Tahoma" panose="020B0604030504040204" pitchFamily="34" charset="0"/>
-                <a:ea typeface="Tahoma" panose="020B0604030504040204" pitchFamily="34" charset="0"/>
-                <a:cs typeface="Tahoma" panose="020B0604030504040204" pitchFamily="34" charset="0"/>
-              </a:rPr>
-              <a:t>data.</a:t>
-            </a:r>
-            <a:endParaRPr lang="en-US" dirty="0">
-              <a:latin typeface="Tahoma" panose="020B0604030504040204" pitchFamily="34" charset="0"/>
-              <a:ea typeface="Tahoma" panose="020B0604030504040204" pitchFamily="34" charset="0"/>
-              <a:cs typeface="Tahoma" panose="020B0604030504040204" pitchFamily="34" charset="0"/>
-            </a:endParaRPr>
-          </a:p>
-          <a:p>
-            <a:pPr marL="0" indent="0">
-              <a:lnSpc>
-                <a:spcPct val="100000"/>
-              </a:lnSpc>
-              <a:spcBef>
-                <a:spcPts val="85"/>
-              </a:spcBef>
-              <a:buNone/>
-            </a:pPr>
-            <a:endParaRPr lang="en-US" dirty="0">
-              <a:latin typeface="Tahoma" panose="020B0604030504040204" pitchFamily="34" charset="0"/>
-              <a:ea typeface="Tahoma" panose="020B0604030504040204" pitchFamily="34" charset="0"/>
-              <a:cs typeface="Tahoma" panose="020B0604030504040204" pitchFamily="34" charset="0"/>
-            </a:endParaRPr>
-          </a:p>
-          <a:p>
-            <a:pPr marL="12700">
-              <a:lnSpc>
-                <a:spcPct val="100000"/>
-              </a:lnSpc>
-              <a:spcBef>
-                <a:spcPts val="5"/>
-              </a:spcBef>
-            </a:pPr>
-            <a:r>
-              <a:rPr lang="en-US" sz="3200" spc="-140" dirty="0">
-                <a:latin typeface="Tahoma" panose="020B0604030504040204" pitchFamily="34" charset="0"/>
-                <a:ea typeface="Tahoma" panose="020B0604030504040204" pitchFamily="34" charset="0"/>
-                <a:cs typeface="Tahoma" panose="020B0604030504040204" pitchFamily="34" charset="0"/>
-              </a:rPr>
-              <a:t>ML</a:t>
-            </a:r>
-            <a:r>
-              <a:rPr lang="en-US" sz="3200" spc="-105" dirty="0">
-                <a:latin typeface="Tahoma" panose="020B0604030504040204" pitchFamily="34" charset="0"/>
-                <a:ea typeface="Tahoma" panose="020B0604030504040204" pitchFamily="34" charset="0"/>
-                <a:cs typeface="Tahoma" panose="020B0604030504040204" pitchFamily="34" charset="0"/>
-              </a:rPr>
-              <a:t> </a:t>
-            </a:r>
-            <a:r>
-              <a:rPr lang="en-US" sz="3200" spc="-80" dirty="0">
-                <a:latin typeface="Tahoma" panose="020B0604030504040204" pitchFamily="34" charset="0"/>
-                <a:ea typeface="Tahoma" panose="020B0604030504040204" pitchFamily="34" charset="0"/>
-                <a:cs typeface="Tahoma" panose="020B0604030504040204" pitchFamily="34" charset="0"/>
-              </a:rPr>
-              <a:t>Prediction</a:t>
-            </a:r>
-            <a:r>
-              <a:rPr lang="en-US" sz="3200" spc="-100" dirty="0">
-                <a:latin typeface="Tahoma" panose="020B0604030504040204" pitchFamily="34" charset="0"/>
-                <a:ea typeface="Tahoma" panose="020B0604030504040204" pitchFamily="34" charset="0"/>
-                <a:cs typeface="Tahoma" panose="020B0604030504040204" pitchFamily="34" charset="0"/>
-              </a:rPr>
-              <a:t> </a:t>
-            </a:r>
-            <a:r>
-              <a:rPr lang="en-US" sz="3200" spc="-10" dirty="0">
-                <a:latin typeface="Tahoma" panose="020B0604030504040204" pitchFamily="34" charset="0"/>
-                <a:ea typeface="Tahoma" panose="020B0604030504040204" pitchFamily="34" charset="0"/>
-                <a:cs typeface="Tahoma" panose="020B0604030504040204" pitchFamily="34" charset="0"/>
-              </a:rPr>
-              <a:t>Engine</a:t>
-            </a:r>
-            <a:endParaRPr lang="en-US" sz="3200" dirty="0">
-              <a:latin typeface="Tahoma" panose="020B0604030504040204" pitchFamily="34" charset="0"/>
-              <a:ea typeface="Tahoma" panose="020B0604030504040204" pitchFamily="34" charset="0"/>
-              <a:cs typeface="Tahoma" panose="020B0604030504040204" pitchFamily="34" charset="0"/>
-            </a:endParaRPr>
-          </a:p>
-          <a:p>
-            <a:pPr marL="0" indent="0">
-              <a:lnSpc>
-                <a:spcPct val="100000"/>
-              </a:lnSpc>
-              <a:spcBef>
-                <a:spcPts val="1120"/>
-              </a:spcBef>
-              <a:buNone/>
-            </a:pPr>
-            <a:r>
-              <a:rPr lang="en-US" dirty="0">
-                <a:solidFill>
-                  <a:srgbClr val="374552"/>
-                </a:solidFill>
-                <a:latin typeface="Tahoma" panose="020B0604030504040204" pitchFamily="34" charset="0"/>
-                <a:ea typeface="Tahoma" panose="020B0604030504040204" pitchFamily="34" charset="0"/>
-                <a:cs typeface="Tahoma" panose="020B0604030504040204" pitchFamily="34" charset="0"/>
-              </a:rPr>
-              <a:t>  Utilizing</a:t>
-            </a:r>
-            <a:r>
-              <a:rPr lang="en-US" spc="-25" dirty="0">
-                <a:solidFill>
-                  <a:srgbClr val="374552"/>
-                </a:solidFill>
-                <a:latin typeface="Tahoma" panose="020B0604030504040204" pitchFamily="34" charset="0"/>
-                <a:ea typeface="Tahoma" panose="020B0604030504040204" pitchFamily="34" charset="0"/>
-                <a:cs typeface="Tahoma" panose="020B0604030504040204" pitchFamily="34" charset="0"/>
-              </a:rPr>
-              <a:t> </a:t>
-            </a:r>
-            <a:r>
-              <a:rPr lang="en-US" spc="60" dirty="0">
-                <a:solidFill>
-                  <a:srgbClr val="374552"/>
-                </a:solidFill>
-                <a:latin typeface="Tahoma" panose="020B0604030504040204" pitchFamily="34" charset="0"/>
-                <a:ea typeface="Tahoma" panose="020B0604030504040204" pitchFamily="34" charset="0"/>
-                <a:cs typeface="Tahoma" panose="020B0604030504040204" pitchFamily="34" charset="0"/>
-              </a:rPr>
-              <a:t>Random</a:t>
-            </a:r>
-            <a:r>
-              <a:rPr lang="en-US" spc="-25" dirty="0">
-                <a:solidFill>
-                  <a:srgbClr val="374552"/>
-                </a:solidFill>
-                <a:latin typeface="Tahoma" panose="020B0604030504040204" pitchFamily="34" charset="0"/>
-                <a:ea typeface="Tahoma" panose="020B0604030504040204" pitchFamily="34" charset="0"/>
-                <a:cs typeface="Tahoma" panose="020B0604030504040204" pitchFamily="34" charset="0"/>
-              </a:rPr>
-              <a:t> </a:t>
-            </a:r>
-            <a:r>
-              <a:rPr lang="en-US" dirty="0">
-                <a:solidFill>
-                  <a:srgbClr val="374552"/>
-                </a:solidFill>
-                <a:latin typeface="Tahoma" panose="020B0604030504040204" pitchFamily="34" charset="0"/>
-                <a:ea typeface="Tahoma" panose="020B0604030504040204" pitchFamily="34" charset="0"/>
-                <a:cs typeface="Tahoma" panose="020B0604030504040204" pitchFamily="34" charset="0"/>
-              </a:rPr>
-              <a:t>Forest</a:t>
-            </a:r>
-            <a:r>
-              <a:rPr lang="en-US" spc="-25" dirty="0">
-                <a:solidFill>
-                  <a:srgbClr val="374552"/>
-                </a:solidFill>
-                <a:latin typeface="Tahoma" panose="020B0604030504040204" pitchFamily="34" charset="0"/>
-                <a:ea typeface="Tahoma" panose="020B0604030504040204" pitchFamily="34" charset="0"/>
-                <a:cs typeface="Tahoma" panose="020B0604030504040204" pitchFamily="34" charset="0"/>
-              </a:rPr>
-              <a:t> </a:t>
-            </a:r>
-            <a:r>
-              <a:rPr lang="en-US" spc="-10" dirty="0">
-                <a:solidFill>
-                  <a:srgbClr val="374552"/>
-                </a:solidFill>
-                <a:latin typeface="Tahoma" panose="020B0604030504040204" pitchFamily="34" charset="0"/>
-                <a:ea typeface="Tahoma" panose="020B0604030504040204" pitchFamily="34" charset="0"/>
-                <a:cs typeface="Tahoma" panose="020B0604030504040204" pitchFamily="34" charset="0"/>
-              </a:rPr>
-              <a:t>for</a:t>
-            </a:r>
-            <a:r>
-              <a:rPr lang="en-US" spc="-25" dirty="0">
-                <a:solidFill>
-                  <a:srgbClr val="374552"/>
-                </a:solidFill>
-                <a:latin typeface="Tahoma" panose="020B0604030504040204" pitchFamily="34" charset="0"/>
-                <a:ea typeface="Tahoma" panose="020B0604030504040204" pitchFamily="34" charset="0"/>
-                <a:cs typeface="Tahoma" panose="020B0604030504040204" pitchFamily="34" charset="0"/>
-              </a:rPr>
-              <a:t> </a:t>
-            </a:r>
-            <a:r>
-              <a:rPr lang="en-US" dirty="0">
-                <a:solidFill>
-                  <a:srgbClr val="374552"/>
-                </a:solidFill>
-                <a:latin typeface="Tahoma" panose="020B0604030504040204" pitchFamily="34" charset="0"/>
-                <a:ea typeface="Tahoma" panose="020B0604030504040204" pitchFamily="34" charset="0"/>
-                <a:cs typeface="Tahoma" panose="020B0604030504040204" pitchFamily="34" charset="0"/>
-              </a:rPr>
-              <a:t>career</a:t>
-            </a:r>
-            <a:r>
-              <a:rPr lang="en-US" spc="-25" dirty="0">
-                <a:solidFill>
-                  <a:srgbClr val="374552"/>
-                </a:solidFill>
-                <a:latin typeface="Tahoma" panose="020B0604030504040204" pitchFamily="34" charset="0"/>
-                <a:ea typeface="Tahoma" panose="020B0604030504040204" pitchFamily="34" charset="0"/>
-                <a:cs typeface="Tahoma" panose="020B0604030504040204" pitchFamily="34" charset="0"/>
-              </a:rPr>
-              <a:t> </a:t>
-            </a:r>
-            <a:r>
-              <a:rPr lang="en-US" spc="-10" dirty="0">
-                <a:solidFill>
-                  <a:srgbClr val="374552"/>
-                </a:solidFill>
-                <a:latin typeface="Tahoma" panose="020B0604030504040204" pitchFamily="34" charset="0"/>
-                <a:ea typeface="Tahoma" panose="020B0604030504040204" pitchFamily="34" charset="0"/>
-                <a:cs typeface="Tahoma" panose="020B0604030504040204" pitchFamily="34" charset="0"/>
-              </a:rPr>
-              <a:t>forecasting.</a:t>
-            </a:r>
-            <a:endParaRPr lang="en-US" dirty="0">
-              <a:latin typeface="Tahoma" panose="020B0604030504040204" pitchFamily="34" charset="0"/>
-              <a:ea typeface="Tahoma" panose="020B0604030504040204" pitchFamily="34" charset="0"/>
-              <a:cs typeface="Tahoma" panose="020B0604030504040204" pitchFamily="34" charset="0"/>
-            </a:endParaRPr>
-          </a:p>
-          <a:p>
-            <a:pPr marL="0" indent="0">
-              <a:lnSpc>
-                <a:spcPct val="100000"/>
-              </a:lnSpc>
-              <a:spcBef>
-                <a:spcPts val="85"/>
-              </a:spcBef>
-              <a:buNone/>
-            </a:pPr>
-            <a:endParaRPr lang="en-US" dirty="0">
-              <a:latin typeface="Tahoma" panose="020B0604030504040204" pitchFamily="34" charset="0"/>
-              <a:ea typeface="Tahoma" panose="020B0604030504040204" pitchFamily="34" charset="0"/>
-              <a:cs typeface="Tahoma" panose="020B0604030504040204" pitchFamily="34" charset="0"/>
-            </a:endParaRPr>
-          </a:p>
-          <a:p>
-            <a:pPr marL="12700">
-              <a:lnSpc>
-                <a:spcPct val="100000"/>
-              </a:lnSpc>
-            </a:pPr>
-            <a:r>
-              <a:rPr lang="en-US" sz="3200" spc="-90" dirty="0">
-                <a:latin typeface="Tahoma" panose="020B0604030504040204" pitchFamily="34" charset="0"/>
-                <a:ea typeface="Tahoma" panose="020B0604030504040204" pitchFamily="34" charset="0"/>
-                <a:cs typeface="Tahoma" panose="020B0604030504040204" pitchFamily="34" charset="0"/>
-              </a:rPr>
-              <a:t>Personalized</a:t>
-            </a:r>
-            <a:r>
-              <a:rPr lang="en-US" sz="3200" spc="-60" dirty="0">
-                <a:latin typeface="Tahoma" panose="020B0604030504040204" pitchFamily="34" charset="0"/>
-                <a:ea typeface="Tahoma" panose="020B0604030504040204" pitchFamily="34" charset="0"/>
-                <a:cs typeface="Tahoma" panose="020B0604030504040204" pitchFamily="34" charset="0"/>
-              </a:rPr>
-              <a:t> </a:t>
-            </a:r>
-            <a:r>
-              <a:rPr lang="en-US" sz="3200" spc="-30" dirty="0">
-                <a:latin typeface="Tahoma" panose="020B0604030504040204" pitchFamily="34" charset="0"/>
-                <a:ea typeface="Tahoma" panose="020B0604030504040204" pitchFamily="34" charset="0"/>
-                <a:cs typeface="Tahoma" panose="020B0604030504040204" pitchFamily="34" charset="0"/>
-              </a:rPr>
-              <a:t>Recommendations</a:t>
-            </a:r>
-            <a:endParaRPr lang="en-US" sz="3200" dirty="0">
-              <a:latin typeface="Tahoma" panose="020B0604030504040204" pitchFamily="34" charset="0"/>
-              <a:ea typeface="Tahoma" panose="020B0604030504040204" pitchFamily="34" charset="0"/>
-              <a:cs typeface="Tahoma" panose="020B0604030504040204" pitchFamily="34" charset="0"/>
-            </a:endParaRPr>
-          </a:p>
-          <a:p>
-            <a:pPr marL="0" indent="0">
-              <a:lnSpc>
-                <a:spcPct val="100000"/>
-              </a:lnSpc>
-              <a:spcBef>
-                <a:spcPts val="1045"/>
-              </a:spcBef>
-              <a:buNone/>
-            </a:pPr>
-            <a:r>
-              <a:rPr lang="en-US" dirty="0">
-                <a:solidFill>
-                  <a:srgbClr val="374552"/>
-                </a:solidFill>
-                <a:latin typeface="Tahoma" panose="020B0604030504040204" pitchFamily="34" charset="0"/>
-                <a:ea typeface="Tahoma" panose="020B0604030504040204" pitchFamily="34" charset="0"/>
-                <a:cs typeface="Tahoma" panose="020B0604030504040204" pitchFamily="34" charset="0"/>
-              </a:rPr>
-              <a:t>  Generating</a:t>
-            </a:r>
-            <a:r>
-              <a:rPr lang="en-US" spc="-35" dirty="0">
-                <a:solidFill>
-                  <a:srgbClr val="374552"/>
-                </a:solidFill>
-                <a:latin typeface="Tahoma" panose="020B0604030504040204" pitchFamily="34" charset="0"/>
-                <a:ea typeface="Tahoma" panose="020B0604030504040204" pitchFamily="34" charset="0"/>
-                <a:cs typeface="Tahoma" panose="020B0604030504040204" pitchFamily="34" charset="0"/>
-              </a:rPr>
-              <a:t> </a:t>
-            </a:r>
-            <a:r>
-              <a:rPr lang="en-US" dirty="0">
-                <a:solidFill>
-                  <a:srgbClr val="374552"/>
-                </a:solidFill>
-                <a:latin typeface="Tahoma" panose="020B0604030504040204" pitchFamily="34" charset="0"/>
-                <a:ea typeface="Tahoma" panose="020B0604030504040204" pitchFamily="34" charset="0"/>
-                <a:cs typeface="Tahoma" panose="020B0604030504040204" pitchFamily="34" charset="0"/>
-              </a:rPr>
-              <a:t>relevant</a:t>
-            </a:r>
-            <a:r>
-              <a:rPr lang="en-US" spc="-40" dirty="0">
-                <a:solidFill>
-                  <a:srgbClr val="374552"/>
-                </a:solidFill>
-                <a:latin typeface="Tahoma" panose="020B0604030504040204" pitchFamily="34" charset="0"/>
-                <a:ea typeface="Tahoma" panose="020B0604030504040204" pitchFamily="34" charset="0"/>
-                <a:cs typeface="Tahoma" panose="020B0604030504040204" pitchFamily="34" charset="0"/>
-              </a:rPr>
-              <a:t> </a:t>
-            </a:r>
-            <a:r>
-              <a:rPr lang="en-US" dirty="0">
-                <a:solidFill>
-                  <a:srgbClr val="374552"/>
-                </a:solidFill>
-                <a:latin typeface="Tahoma" panose="020B0604030504040204" pitchFamily="34" charset="0"/>
-                <a:ea typeface="Tahoma" panose="020B0604030504040204" pitchFamily="34" charset="0"/>
-                <a:cs typeface="Tahoma" panose="020B0604030504040204" pitchFamily="34" charset="0"/>
-              </a:rPr>
-              <a:t>job</a:t>
-            </a:r>
-            <a:r>
-              <a:rPr lang="en-US" spc="-30" dirty="0">
-                <a:solidFill>
-                  <a:srgbClr val="374552"/>
-                </a:solidFill>
-                <a:latin typeface="Tahoma" panose="020B0604030504040204" pitchFamily="34" charset="0"/>
-                <a:ea typeface="Tahoma" panose="020B0604030504040204" pitchFamily="34" charset="0"/>
-                <a:cs typeface="Tahoma" panose="020B0604030504040204" pitchFamily="34" charset="0"/>
-              </a:rPr>
-              <a:t> </a:t>
-            </a:r>
-            <a:r>
-              <a:rPr lang="en-US" dirty="0">
-                <a:solidFill>
-                  <a:srgbClr val="374552"/>
-                </a:solidFill>
-                <a:latin typeface="Tahoma" panose="020B0604030504040204" pitchFamily="34" charset="0"/>
-                <a:ea typeface="Tahoma" panose="020B0604030504040204" pitchFamily="34" charset="0"/>
-                <a:cs typeface="Tahoma" panose="020B0604030504040204" pitchFamily="34" charset="0"/>
-              </a:rPr>
-              <a:t>role</a:t>
-            </a:r>
-            <a:r>
-              <a:rPr lang="en-US" spc="-30" dirty="0">
-                <a:solidFill>
-                  <a:srgbClr val="374552"/>
-                </a:solidFill>
-                <a:latin typeface="Tahoma" panose="020B0604030504040204" pitchFamily="34" charset="0"/>
-                <a:ea typeface="Tahoma" panose="020B0604030504040204" pitchFamily="34" charset="0"/>
-                <a:cs typeface="Tahoma" panose="020B0604030504040204" pitchFamily="34" charset="0"/>
-              </a:rPr>
-              <a:t> </a:t>
-            </a:r>
-            <a:r>
-              <a:rPr lang="en-US" spc="-10" dirty="0">
-                <a:solidFill>
-                  <a:srgbClr val="374552"/>
-                </a:solidFill>
-                <a:latin typeface="Tahoma" panose="020B0604030504040204" pitchFamily="34" charset="0"/>
-                <a:ea typeface="Tahoma" panose="020B0604030504040204" pitchFamily="34" charset="0"/>
-                <a:cs typeface="Tahoma" panose="020B0604030504040204" pitchFamily="34" charset="0"/>
-              </a:rPr>
-              <a:t>suggestions.</a:t>
-            </a:r>
-            <a:endParaRPr lang="en-US" dirty="0">
-              <a:latin typeface="Tahoma" panose="020B0604030504040204" pitchFamily="34" charset="0"/>
-              <a:ea typeface="Tahoma" panose="020B0604030504040204" pitchFamily="34" charset="0"/>
-              <a:cs typeface="Tahoma" panose="020B0604030504040204" pitchFamily="34" charset="0"/>
-            </a:endParaRPr>
-          </a:p>
-          <a:p>
-            <a:endParaRPr lang="en-IN" dirty="0">
-              <a:latin typeface="Tahoma" panose="020B0604030504040204" pitchFamily="34" charset="0"/>
-              <a:ea typeface="Tahoma" panose="020B0604030504040204" pitchFamily="34" charset="0"/>
-              <a:cs typeface="Tahoma" panose="020B0604030504040204" pitchFamily="34" charset="0"/>
-            </a:endParaRPr>
-          </a:p>
-        </p:txBody>
-      </p:sp>
-    </p:spTree>
-    <p:extLst>
-      <p:ext uri="{BB962C8B-B14F-4D97-AF65-F5344CB8AC3E}">
-        <p14:creationId xmlns:p14="http://schemas.microsoft.com/office/powerpoint/2010/main" val="1600732341"/>
-      </p:ext>
-    </p:extLst>
-  </p:cSld>
-  <p:clrMapOvr>
-    <a:masterClrMapping/>
-  </p:clrMapOvr>
-</p:sld>
-</file>
-
-<file path=ppt/slides/slide11.xml><?xml version="1.0" encoding="utf-8"?>
-<p:sld xmlns:a="http://schemas.openxmlformats.org/drawingml/2006/main" xmlns:r="http://schemas.openxmlformats.org/officeDocument/2006/relationships" xmlns:p="http://schemas.openxmlformats.org/presentationml/2006/main">
-  <p:cSld>
-    <p:spTree>
-      <p:nvGrpSpPr>
-        <p:cNvPr id="1" name=""/>
-        <p:cNvGrpSpPr/>
-        <p:nvPr/>
-      </p:nvGrpSpPr>
-      <p:grpSpPr>
-        <a:xfrm>
-          <a:off x="0" y="0"/>
-          <a:ext cx="0" cy="0"/>
-          <a:chOff x="0" y="0"/>
-          <a:chExt cx="0" cy="0"/>
-        </a:xfrm>
-      </p:grpSpPr>
-      <p:pic>
-        <p:nvPicPr>
-          <p:cNvPr id="5" name="Picture 4">
-            <a:extLst>
-              <a:ext uri="{FF2B5EF4-FFF2-40B4-BE49-F238E27FC236}">
-                <a16:creationId xmlns:a16="http://schemas.microsoft.com/office/drawing/2014/main" id="{8AE25D08-A3EC-91C3-4711-69E6CEF6633C}"/>
-              </a:ext>
-            </a:extLst>
-          </p:cNvPr>
-          <p:cNvPicPr>
-            <a:picLocks noChangeAspect="1"/>
-          </p:cNvPicPr>
-          <p:nvPr/>
-        </p:nvPicPr>
-        <p:blipFill>
-          <a:blip r:embed="rId2">
-            <a:extLst>
-              <a:ext uri="{28A0092B-C50C-407E-A947-70E740481C1C}">
-                <a14:useLocalDpi xmlns:a14="http://schemas.microsoft.com/office/drawing/2010/main" val="0"/>
-              </a:ext>
-            </a:extLst>
-          </a:blip>
-          <a:srcRect t="850" b="1486"/>
-          <a:stretch>
-            <a:fillRect/>
-          </a:stretch>
-        </p:blipFill>
-        <p:spPr>
-          <a:xfrm>
-            <a:off x="4478270" y="3310128"/>
-            <a:ext cx="7393689" cy="3154680"/>
-          </a:xfrm>
-          <a:prstGeom prst="rect">
-            <a:avLst/>
-          </a:prstGeom>
-        </p:spPr>
-      </p:pic>
-      <p:pic>
-        <p:nvPicPr>
-          <p:cNvPr id="7" name="Picture 6">
-            <a:extLst>
-              <a:ext uri="{FF2B5EF4-FFF2-40B4-BE49-F238E27FC236}">
-                <a16:creationId xmlns:a16="http://schemas.microsoft.com/office/drawing/2014/main" id="{440AB814-355E-775E-F821-7493B8BAB642}"/>
-              </a:ext>
-            </a:extLst>
-          </p:cNvPr>
-          <p:cNvPicPr>
-            <a:picLocks noChangeAspect="1"/>
-          </p:cNvPicPr>
-          <p:nvPr/>
-        </p:nvPicPr>
-        <p:blipFill>
-          <a:blip r:embed="rId3">
-            <a:extLst>
-              <a:ext uri="{28A0092B-C50C-407E-A947-70E740481C1C}">
-                <a14:useLocalDpi xmlns:a14="http://schemas.microsoft.com/office/drawing/2010/main" val="0"/>
-              </a:ext>
-            </a:extLst>
-          </a:blip>
-          <a:stretch>
-            <a:fillRect/>
-          </a:stretch>
-        </p:blipFill>
-        <p:spPr>
-          <a:xfrm>
-            <a:off x="301752" y="142494"/>
-            <a:ext cx="6940296" cy="2971314"/>
-          </a:xfrm>
-          <a:prstGeom prst="rect">
-            <a:avLst/>
-          </a:prstGeom>
-        </p:spPr>
-      </p:pic>
-    </p:spTree>
-    <p:extLst>
-      <p:ext uri="{BB962C8B-B14F-4D97-AF65-F5344CB8AC3E}">
-        <p14:creationId xmlns:p14="http://schemas.microsoft.com/office/powerpoint/2010/main" val="449129600"/>
-      </p:ext>
-    </p:extLst>
-  </p:cSld>
-  <p:clrMapOvr>
-    <a:masterClrMapping/>
-  </p:clrMapOvr>
-</p:sld>
-</file>
-
-<file path=ppt/slides/slide12.xml><?xml version="1.0" encoding="utf-8"?>
-<p:sld xmlns:a="http://schemas.openxmlformats.org/drawingml/2006/main" xmlns:r="http://schemas.openxmlformats.org/officeDocument/2006/relationships" xmlns:p="http://schemas.openxmlformats.org/presentationml/2006/main">
-  <p:cSld>
-    <p:spTree>
-      <p:nvGrpSpPr>
-        <p:cNvPr id="1" name=""/>
-        <p:cNvGrpSpPr/>
-        <p:nvPr/>
-      </p:nvGrpSpPr>
-      <p:grpSpPr>
-        <a:xfrm>
-          <a:off x="0" y="0"/>
-          <a:ext cx="0" cy="0"/>
-          <a:chOff x="0" y="0"/>
-          <a:chExt cx="0" cy="0"/>
-        </a:xfrm>
-      </p:grpSpPr>
-      <p:pic>
-        <p:nvPicPr>
-          <p:cNvPr id="5" name="Content Placeholder 4">
-            <a:extLst>
-              <a:ext uri="{FF2B5EF4-FFF2-40B4-BE49-F238E27FC236}">
-                <a16:creationId xmlns:a16="http://schemas.microsoft.com/office/drawing/2014/main" id="{1D698A2F-E6A0-6934-FC41-3782D418AB46}"/>
-              </a:ext>
-            </a:extLst>
-          </p:cNvPr>
-          <p:cNvPicPr>
-            <a:picLocks noGrp="1" noChangeAspect="1"/>
-          </p:cNvPicPr>
-          <p:nvPr>
-            <p:ph idx="1"/>
-          </p:nvPr>
-        </p:nvPicPr>
-        <p:blipFill>
-          <a:blip r:embed="rId2">
-            <a:extLst>
-              <a:ext uri="{28A0092B-C50C-407E-A947-70E740481C1C}">
-                <a14:useLocalDpi xmlns:a14="http://schemas.microsoft.com/office/drawing/2010/main" val="0"/>
-              </a:ext>
-            </a:extLst>
-          </a:blip>
-          <a:srcRect t="2231" r="1161"/>
-          <a:stretch>
-            <a:fillRect/>
-          </a:stretch>
-        </p:blipFill>
-        <p:spPr>
-          <a:xfrm>
-            <a:off x="4391380" y="3429000"/>
-            <a:ext cx="7514109" cy="3168235"/>
-          </a:xfrm>
-        </p:spPr>
-      </p:pic>
-      <p:pic>
-        <p:nvPicPr>
-          <p:cNvPr id="7" name="Picture 6">
-            <a:extLst>
-              <a:ext uri="{FF2B5EF4-FFF2-40B4-BE49-F238E27FC236}">
-                <a16:creationId xmlns:a16="http://schemas.microsoft.com/office/drawing/2014/main" id="{1F6C2210-2E0D-9784-4198-719D4FC0D79C}"/>
-              </a:ext>
-            </a:extLst>
-          </p:cNvPr>
-          <p:cNvPicPr>
-            <a:picLocks noChangeAspect="1"/>
-          </p:cNvPicPr>
-          <p:nvPr/>
-        </p:nvPicPr>
-        <p:blipFill>
-          <a:blip r:embed="rId3">
-            <a:extLst>
-              <a:ext uri="{28A0092B-C50C-407E-A947-70E740481C1C}">
-                <a14:useLocalDpi xmlns:a14="http://schemas.microsoft.com/office/drawing/2010/main" val="0"/>
-              </a:ext>
-            </a:extLst>
-          </a:blip>
-          <a:stretch>
-            <a:fillRect/>
-          </a:stretch>
-        </p:blipFill>
-        <p:spPr>
-          <a:xfrm>
-            <a:off x="393192" y="211581"/>
-            <a:ext cx="6611112" cy="2872733"/>
-          </a:xfrm>
-          <a:prstGeom prst="rect">
-            <a:avLst/>
-          </a:prstGeom>
-        </p:spPr>
-      </p:pic>
-    </p:spTree>
-    <p:extLst>
-      <p:ext uri="{BB962C8B-B14F-4D97-AF65-F5344CB8AC3E}">
-        <p14:creationId xmlns:p14="http://schemas.microsoft.com/office/powerpoint/2010/main" val="789229748"/>
-      </p:ext>
-    </p:extLst>
-  </p:cSld>
-  <p:clrMapOvr>
-    <a:masterClrMapping/>
-  </p:clrMapOvr>
-</p:sld>
-</file>
-
-<file path=ppt/slides/slide13.xml><?xml version="1.0" encoding="utf-8"?>
-<p:sld xmlns:a="http://schemas.openxmlformats.org/drawingml/2006/main" xmlns:r="http://schemas.openxmlformats.org/officeDocument/2006/relationships" xmlns:p="http://schemas.openxmlformats.org/presentationml/2006/main">
-  <p:cSld>
-    <p:spTree>
-      <p:nvGrpSpPr>
-        <p:cNvPr id="1" name=""/>
-        <p:cNvGrpSpPr/>
-        <p:nvPr/>
-      </p:nvGrpSpPr>
-      <p:grpSpPr>
-        <a:xfrm>
-          <a:off x="0" y="0"/>
-          <a:ext cx="0" cy="0"/>
-          <a:chOff x="0" y="0"/>
-          <a:chExt cx="0" cy="0"/>
-        </a:xfrm>
-      </p:grpSpPr>
-      <p:sp>
-        <p:nvSpPr>
-          <p:cNvPr id="2" name="Title 1">
-            <a:extLst>
-              <a:ext uri="{FF2B5EF4-FFF2-40B4-BE49-F238E27FC236}">
-                <a16:creationId xmlns:a16="http://schemas.microsoft.com/office/drawing/2014/main" id="{02DCA196-E67B-8DA5-E839-9C360638986F}"/>
-              </a:ext>
-            </a:extLst>
-          </p:cNvPr>
-          <p:cNvSpPr>
-            <a:spLocks noGrp="1"/>
-          </p:cNvSpPr>
-          <p:nvPr>
-            <p:ph type="title"/>
-          </p:nvPr>
-        </p:nvSpPr>
-        <p:spPr/>
-        <p:txBody>
-          <a:bodyPr>
-            <a:normAutofit/>
-          </a:bodyPr>
-          <a:lstStyle/>
-          <a:p>
-            <a:r>
-              <a:rPr lang="en-IN" sz="4000" spc="-245" dirty="0">
-                <a:latin typeface="Tahoma" panose="020B0604030504040204" pitchFamily="34" charset="0"/>
-                <a:ea typeface="Tahoma" panose="020B0604030504040204" pitchFamily="34" charset="0"/>
-                <a:cs typeface="Tahoma" panose="020B0604030504040204" pitchFamily="34" charset="0"/>
-              </a:rPr>
-              <a:t>Milestone 4: Admin</a:t>
-            </a:r>
-            <a:r>
-              <a:rPr lang="en-IN" sz="4000" spc="-280" dirty="0">
-                <a:latin typeface="Tahoma" panose="020B0604030504040204" pitchFamily="34" charset="0"/>
-                <a:ea typeface="Tahoma" panose="020B0604030504040204" pitchFamily="34" charset="0"/>
-                <a:cs typeface="Tahoma" panose="020B0604030504040204" pitchFamily="34" charset="0"/>
-              </a:rPr>
-              <a:t> </a:t>
-            </a:r>
-            <a:r>
-              <a:rPr lang="en-IN" sz="4000" spc="-245" dirty="0">
-                <a:latin typeface="Tahoma" panose="020B0604030504040204" pitchFamily="34" charset="0"/>
-                <a:ea typeface="Tahoma" panose="020B0604030504040204" pitchFamily="34" charset="0"/>
-                <a:cs typeface="Tahoma" panose="020B0604030504040204" pitchFamily="34" charset="0"/>
-              </a:rPr>
-              <a:t>Dashboard</a:t>
-            </a:r>
-            <a:r>
-              <a:rPr lang="en-IN" sz="4000" spc="-275" dirty="0">
-                <a:latin typeface="Tahoma" panose="020B0604030504040204" pitchFamily="34" charset="0"/>
-                <a:ea typeface="Tahoma" panose="020B0604030504040204" pitchFamily="34" charset="0"/>
-                <a:cs typeface="Tahoma" panose="020B0604030504040204" pitchFamily="34" charset="0"/>
-              </a:rPr>
-              <a:t> </a:t>
-            </a:r>
-            <a:r>
-              <a:rPr lang="en-IN" sz="4000" spc="-245" dirty="0">
-                <a:latin typeface="Tahoma" panose="020B0604030504040204" pitchFamily="34" charset="0"/>
-                <a:ea typeface="Tahoma" panose="020B0604030504040204" pitchFamily="34" charset="0"/>
-                <a:cs typeface="Tahoma" panose="020B0604030504040204" pitchFamily="34" charset="0"/>
-              </a:rPr>
-              <a:t>&amp;</a:t>
-            </a:r>
-            <a:r>
-              <a:rPr lang="en-IN" sz="4000" spc="-275" dirty="0">
-                <a:latin typeface="Tahoma" panose="020B0604030504040204" pitchFamily="34" charset="0"/>
-                <a:ea typeface="Tahoma" panose="020B0604030504040204" pitchFamily="34" charset="0"/>
-                <a:cs typeface="Tahoma" panose="020B0604030504040204" pitchFamily="34" charset="0"/>
-              </a:rPr>
-              <a:t> Model </a:t>
-            </a:r>
-            <a:r>
-              <a:rPr lang="en-IN" sz="4000" spc="-290" dirty="0">
-                <a:latin typeface="Tahoma" panose="020B0604030504040204" pitchFamily="34" charset="0"/>
-                <a:ea typeface="Tahoma" panose="020B0604030504040204" pitchFamily="34" charset="0"/>
-                <a:cs typeface="Tahoma" panose="020B0604030504040204" pitchFamily="34" charset="0"/>
-              </a:rPr>
-              <a:t>Management</a:t>
-            </a:r>
-            <a:endParaRPr lang="en-IN" sz="4000" dirty="0">
-              <a:latin typeface="Tahoma" panose="020B0604030504040204" pitchFamily="34" charset="0"/>
-              <a:ea typeface="Tahoma" panose="020B0604030504040204" pitchFamily="34" charset="0"/>
-              <a:cs typeface="Tahoma" panose="020B0604030504040204" pitchFamily="34" charset="0"/>
-            </a:endParaRPr>
-          </a:p>
-        </p:txBody>
-      </p:sp>
-      <p:sp>
-        <p:nvSpPr>
-          <p:cNvPr id="3" name="Content Placeholder 2">
-            <a:extLst>
-              <a:ext uri="{FF2B5EF4-FFF2-40B4-BE49-F238E27FC236}">
-                <a16:creationId xmlns:a16="http://schemas.microsoft.com/office/drawing/2014/main" id="{548B6444-E8B5-E843-7A97-651A3A3F8B4E}"/>
-              </a:ext>
-            </a:extLst>
-          </p:cNvPr>
-          <p:cNvSpPr>
-            <a:spLocks noGrp="1"/>
-          </p:cNvSpPr>
-          <p:nvPr>
-            <p:ph idx="1"/>
-          </p:nvPr>
-        </p:nvSpPr>
-        <p:spPr/>
-        <p:txBody>
-          <a:bodyPr/>
-          <a:lstStyle/>
-          <a:p>
-            <a:pPr marL="298450" marR="72390" indent="-285750">
-              <a:lnSpc>
-                <a:spcPct val="135000"/>
-              </a:lnSpc>
-              <a:spcBef>
-                <a:spcPts val="90"/>
-              </a:spcBef>
-            </a:pPr>
-            <a:r>
-              <a:rPr lang="it-IT" dirty="0">
-                <a:solidFill>
-                  <a:srgbClr val="374552"/>
-                </a:solidFill>
-                <a:latin typeface="Tahoma" panose="020B0604030504040204" pitchFamily="34" charset="0"/>
-                <a:ea typeface="Tahoma" panose="020B0604030504040204" pitchFamily="34" charset="0"/>
-                <a:cs typeface="Tahoma" panose="020B0604030504040204" pitchFamily="34" charset="0"/>
-              </a:rPr>
-              <a:t>User</a:t>
-            </a:r>
-            <a:r>
-              <a:rPr lang="it-IT" spc="70" dirty="0">
-                <a:solidFill>
-                  <a:srgbClr val="374552"/>
-                </a:solidFill>
-                <a:latin typeface="Tahoma" panose="020B0604030504040204" pitchFamily="34" charset="0"/>
-                <a:ea typeface="Tahoma" panose="020B0604030504040204" pitchFamily="34" charset="0"/>
-                <a:cs typeface="Tahoma" panose="020B0604030504040204" pitchFamily="34" charset="0"/>
-              </a:rPr>
-              <a:t> </a:t>
-            </a:r>
-            <a:r>
-              <a:rPr lang="it-IT" dirty="0">
-                <a:solidFill>
-                  <a:srgbClr val="374552"/>
-                </a:solidFill>
-                <a:latin typeface="Tahoma" panose="020B0604030504040204" pitchFamily="34" charset="0"/>
-                <a:ea typeface="Tahoma" panose="020B0604030504040204" pitchFamily="34" charset="0"/>
-                <a:cs typeface="Tahoma" panose="020B0604030504040204" pitchFamily="34" charset="0"/>
-              </a:rPr>
-              <a:t>Management</a:t>
-            </a:r>
-            <a:endParaRPr lang="it-IT" dirty="0">
-              <a:latin typeface="Tahoma" panose="020B0604030504040204" pitchFamily="34" charset="0"/>
-              <a:ea typeface="Tahoma" panose="020B0604030504040204" pitchFamily="34" charset="0"/>
-              <a:cs typeface="Tahoma" panose="020B0604030504040204" pitchFamily="34" charset="0"/>
-            </a:endParaRPr>
-          </a:p>
-          <a:p>
-            <a:pPr marL="298450" marR="327025" indent="-285750">
-              <a:lnSpc>
-                <a:spcPct val="137500"/>
-              </a:lnSpc>
-              <a:spcBef>
-                <a:spcPts val="415"/>
-              </a:spcBef>
-            </a:pPr>
-            <a:r>
-              <a:rPr lang="it-IT" dirty="0">
-                <a:solidFill>
-                  <a:srgbClr val="374552"/>
-                </a:solidFill>
-                <a:latin typeface="Tahoma" panose="020B0604030504040204" pitchFamily="34" charset="0"/>
-                <a:ea typeface="Tahoma" panose="020B0604030504040204" pitchFamily="34" charset="0"/>
-                <a:cs typeface="Tahoma" panose="020B0604030504040204" pitchFamily="34" charset="0"/>
-              </a:rPr>
-              <a:t>Data</a:t>
-            </a:r>
-            <a:r>
-              <a:rPr lang="it-IT" spc="5" dirty="0">
-                <a:solidFill>
-                  <a:srgbClr val="374552"/>
-                </a:solidFill>
-                <a:latin typeface="Tahoma" panose="020B0604030504040204" pitchFamily="34" charset="0"/>
-                <a:ea typeface="Tahoma" panose="020B0604030504040204" pitchFamily="34" charset="0"/>
-                <a:cs typeface="Tahoma" panose="020B0604030504040204" pitchFamily="34" charset="0"/>
-              </a:rPr>
-              <a:t> </a:t>
-            </a:r>
-            <a:r>
-              <a:rPr lang="it-IT" dirty="0">
-                <a:solidFill>
-                  <a:srgbClr val="374552"/>
-                </a:solidFill>
-                <a:latin typeface="Tahoma" panose="020B0604030504040204" pitchFamily="34" charset="0"/>
-                <a:ea typeface="Tahoma" panose="020B0604030504040204" pitchFamily="34" charset="0"/>
-                <a:cs typeface="Tahoma" panose="020B0604030504040204" pitchFamily="34" charset="0"/>
-              </a:rPr>
-              <a:t>Monitoring</a:t>
-            </a:r>
-          </a:p>
-          <a:p>
-            <a:pPr marL="298450" marR="327025" indent="-285750">
-              <a:lnSpc>
-                <a:spcPct val="137500"/>
-              </a:lnSpc>
-              <a:spcBef>
-                <a:spcPts val="415"/>
-              </a:spcBef>
-            </a:pPr>
-            <a:r>
-              <a:rPr lang="it-IT" spc="60" dirty="0">
-                <a:solidFill>
-                  <a:srgbClr val="374552"/>
-                </a:solidFill>
-                <a:latin typeface="Tahoma" panose="020B0604030504040204" pitchFamily="34" charset="0"/>
-                <a:ea typeface="Tahoma" panose="020B0604030504040204" pitchFamily="34" charset="0"/>
-                <a:cs typeface="Tahoma" panose="020B0604030504040204" pitchFamily="34" charset="0"/>
-              </a:rPr>
-              <a:t>Model</a:t>
-            </a:r>
-            <a:r>
-              <a:rPr lang="it-IT" spc="-55" dirty="0">
-                <a:solidFill>
-                  <a:srgbClr val="374552"/>
-                </a:solidFill>
-                <a:latin typeface="Tahoma" panose="020B0604030504040204" pitchFamily="34" charset="0"/>
-                <a:ea typeface="Tahoma" panose="020B0604030504040204" pitchFamily="34" charset="0"/>
-                <a:cs typeface="Tahoma" panose="020B0604030504040204" pitchFamily="34" charset="0"/>
-              </a:rPr>
-              <a:t> </a:t>
-            </a:r>
-            <a:r>
-              <a:rPr lang="it-IT" dirty="0">
-                <a:solidFill>
-                  <a:srgbClr val="374552"/>
-                </a:solidFill>
-                <a:latin typeface="Tahoma" panose="020B0604030504040204" pitchFamily="34" charset="0"/>
-                <a:ea typeface="Tahoma" panose="020B0604030504040204" pitchFamily="34" charset="0"/>
-                <a:cs typeface="Tahoma" panose="020B0604030504040204" pitchFamily="34" charset="0"/>
-              </a:rPr>
-              <a:t>Performance</a:t>
-            </a:r>
-            <a:endParaRPr lang="it-IT" dirty="0">
-              <a:latin typeface="Tahoma" panose="020B0604030504040204" pitchFamily="34" charset="0"/>
-              <a:ea typeface="Tahoma" panose="020B0604030504040204" pitchFamily="34" charset="0"/>
-              <a:cs typeface="Tahoma" panose="020B0604030504040204" pitchFamily="34" charset="0"/>
-            </a:endParaRPr>
-          </a:p>
-          <a:p>
-            <a:pPr marL="298450" marR="21590" indent="-285750">
-              <a:lnSpc>
-                <a:spcPct val="135000"/>
-              </a:lnSpc>
-              <a:spcBef>
-                <a:spcPts val="90"/>
-              </a:spcBef>
-            </a:pPr>
-            <a:r>
-              <a:rPr lang="en-US" dirty="0">
-                <a:solidFill>
-                  <a:srgbClr val="374552"/>
-                </a:solidFill>
-                <a:latin typeface="Tahoma" panose="020B0604030504040204" pitchFamily="34" charset="0"/>
-                <a:ea typeface="Tahoma" panose="020B0604030504040204" pitchFamily="34" charset="0"/>
-                <a:cs typeface="Tahoma" panose="020B0604030504040204" pitchFamily="34" charset="0"/>
-              </a:rPr>
-              <a:t>Retraining</a:t>
-            </a:r>
-            <a:r>
-              <a:rPr lang="en-US" spc="10" dirty="0">
-                <a:solidFill>
-                  <a:srgbClr val="374552"/>
-                </a:solidFill>
-                <a:latin typeface="Tahoma" panose="020B0604030504040204" pitchFamily="34" charset="0"/>
-                <a:ea typeface="Tahoma" panose="020B0604030504040204" pitchFamily="34" charset="0"/>
-                <a:cs typeface="Tahoma" panose="020B0604030504040204" pitchFamily="34" charset="0"/>
-              </a:rPr>
-              <a:t> </a:t>
-            </a:r>
-            <a:r>
-              <a:rPr lang="en-US" spc="-30" dirty="0">
-                <a:solidFill>
-                  <a:srgbClr val="374552"/>
-                </a:solidFill>
-                <a:latin typeface="Tahoma" panose="020B0604030504040204" pitchFamily="34" charset="0"/>
-                <a:ea typeface="Tahoma" panose="020B0604030504040204" pitchFamily="34" charset="0"/>
-                <a:cs typeface="Tahoma" panose="020B0604030504040204" pitchFamily="34" charset="0"/>
-              </a:rPr>
-              <a:t>Control</a:t>
-            </a:r>
-          </a:p>
-          <a:p>
-            <a:pPr marL="298450" marR="21590" indent="-285750">
-              <a:lnSpc>
-                <a:spcPct val="135000"/>
-              </a:lnSpc>
-              <a:spcBef>
-                <a:spcPts val="90"/>
-              </a:spcBef>
-            </a:pPr>
-            <a:r>
-              <a:rPr lang="en-US" dirty="0">
-                <a:solidFill>
-                  <a:srgbClr val="374552"/>
-                </a:solidFill>
-                <a:latin typeface="Tahoma" panose="020B0604030504040204" pitchFamily="34" charset="0"/>
-                <a:ea typeface="Tahoma" panose="020B0604030504040204" pitchFamily="34" charset="0"/>
-                <a:cs typeface="Tahoma" panose="020B0604030504040204" pitchFamily="34" charset="0"/>
-              </a:rPr>
-              <a:t>System</a:t>
-            </a:r>
-            <a:r>
-              <a:rPr lang="en-US" spc="-55" dirty="0">
-                <a:solidFill>
-                  <a:srgbClr val="374552"/>
-                </a:solidFill>
-                <a:latin typeface="Tahoma" panose="020B0604030504040204" pitchFamily="34" charset="0"/>
-                <a:ea typeface="Tahoma" panose="020B0604030504040204" pitchFamily="34" charset="0"/>
-                <a:cs typeface="Tahoma" panose="020B0604030504040204" pitchFamily="34" charset="0"/>
-              </a:rPr>
-              <a:t> </a:t>
-            </a:r>
-            <a:r>
-              <a:rPr lang="en-US" spc="-20" dirty="0">
-                <a:solidFill>
-                  <a:srgbClr val="374552"/>
-                </a:solidFill>
-                <a:latin typeface="Tahoma" panose="020B0604030504040204" pitchFamily="34" charset="0"/>
-                <a:ea typeface="Tahoma" panose="020B0604030504040204" pitchFamily="34" charset="0"/>
-                <a:cs typeface="Tahoma" panose="020B0604030504040204" pitchFamily="34" charset="0"/>
-              </a:rPr>
-              <a:t>Analytics</a:t>
-            </a:r>
-          </a:p>
-          <a:p>
-            <a:pPr marL="298450" marR="21590" indent="-285750">
-              <a:lnSpc>
-                <a:spcPct val="135000"/>
-              </a:lnSpc>
-              <a:spcBef>
-                <a:spcPts val="90"/>
-              </a:spcBef>
-            </a:pPr>
-            <a:r>
-              <a:rPr lang="en-US" dirty="0">
-                <a:solidFill>
-                  <a:srgbClr val="374552"/>
-                </a:solidFill>
-                <a:latin typeface="Tahoma" panose="020B0604030504040204" pitchFamily="34" charset="0"/>
-                <a:ea typeface="Tahoma" panose="020B0604030504040204" pitchFamily="34" charset="0"/>
-                <a:cs typeface="Tahoma" panose="020B0604030504040204" pitchFamily="34" charset="0"/>
-              </a:rPr>
-              <a:t>Content</a:t>
-            </a:r>
-            <a:r>
-              <a:rPr lang="en-US" spc="30" dirty="0">
-                <a:solidFill>
-                  <a:srgbClr val="374552"/>
-                </a:solidFill>
-                <a:latin typeface="Tahoma" panose="020B0604030504040204" pitchFamily="34" charset="0"/>
-                <a:ea typeface="Tahoma" panose="020B0604030504040204" pitchFamily="34" charset="0"/>
-                <a:cs typeface="Tahoma" panose="020B0604030504040204" pitchFamily="34" charset="0"/>
-              </a:rPr>
-              <a:t> </a:t>
-            </a:r>
-            <a:r>
-              <a:rPr lang="en-US" spc="-10" dirty="0">
-                <a:solidFill>
-                  <a:srgbClr val="374552"/>
-                </a:solidFill>
-                <a:latin typeface="Tahoma" panose="020B0604030504040204" pitchFamily="34" charset="0"/>
-                <a:ea typeface="Tahoma" panose="020B0604030504040204" pitchFamily="34" charset="0"/>
-                <a:cs typeface="Tahoma" panose="020B0604030504040204" pitchFamily="34" charset="0"/>
-              </a:rPr>
-              <a:t>Updates</a:t>
-            </a:r>
-            <a:endParaRPr lang="en-US" dirty="0">
-              <a:latin typeface="Tahoma" panose="020B0604030504040204" pitchFamily="34" charset="0"/>
-              <a:ea typeface="Tahoma" panose="020B0604030504040204" pitchFamily="34" charset="0"/>
-              <a:cs typeface="Tahoma" panose="020B0604030504040204" pitchFamily="34" charset="0"/>
-            </a:endParaRPr>
-          </a:p>
-          <a:p>
-            <a:endParaRPr lang="en-IN" dirty="0">
-              <a:latin typeface="Tahoma" panose="020B0604030504040204" pitchFamily="34" charset="0"/>
-              <a:ea typeface="Tahoma" panose="020B0604030504040204" pitchFamily="34" charset="0"/>
-              <a:cs typeface="Tahoma" panose="020B0604030504040204" pitchFamily="34" charset="0"/>
-            </a:endParaRPr>
-          </a:p>
-        </p:txBody>
-      </p:sp>
-    </p:spTree>
-    <p:extLst>
-      <p:ext uri="{BB962C8B-B14F-4D97-AF65-F5344CB8AC3E}">
-        <p14:creationId xmlns:p14="http://schemas.microsoft.com/office/powerpoint/2010/main" val="1899847168"/>
-      </p:ext>
-    </p:extLst>
-  </p:cSld>
-  <p:clrMapOvr>
-    <a:masterClrMapping/>
-  </p:clrMapOvr>
-</p:sld>
-</file>
-
-<file path=ppt/slides/slide14.xml><?xml version="1.0" encoding="utf-8"?>
-<p:sld xmlns:a="http://schemas.openxmlformats.org/drawingml/2006/main" xmlns:r="http://schemas.openxmlformats.org/officeDocument/2006/relationships" xmlns:p="http://schemas.openxmlformats.org/presentationml/2006/main">
-  <p:cSld>
-    <p:spTree>
-      <p:nvGrpSpPr>
-        <p:cNvPr id="1" name=""/>
-        <p:cNvGrpSpPr/>
-        <p:nvPr/>
-      </p:nvGrpSpPr>
-      <p:grpSpPr>
-        <a:xfrm>
-          <a:off x="0" y="0"/>
-          <a:ext cx="0" cy="0"/>
-          <a:chOff x="0" y="0"/>
-          <a:chExt cx="0" cy="0"/>
-        </a:xfrm>
-      </p:grpSpPr>
-      <p:pic>
-        <p:nvPicPr>
-          <p:cNvPr id="5" name="Picture 4">
-            <a:extLst>
-              <a:ext uri="{FF2B5EF4-FFF2-40B4-BE49-F238E27FC236}">
-                <a16:creationId xmlns:a16="http://schemas.microsoft.com/office/drawing/2014/main" id="{E73F67E0-4310-BAD1-7E47-4A10568E228A}"/>
-              </a:ext>
-            </a:extLst>
-          </p:cNvPr>
-          <p:cNvPicPr>
-            <a:picLocks noChangeAspect="1"/>
-          </p:cNvPicPr>
-          <p:nvPr/>
-        </p:nvPicPr>
-        <p:blipFill>
-          <a:blip r:embed="rId2">
-            <a:extLst>
-              <a:ext uri="{28A0092B-C50C-407E-A947-70E740481C1C}">
-                <a14:useLocalDpi xmlns:a14="http://schemas.microsoft.com/office/drawing/2010/main" val="0"/>
-              </a:ext>
-            </a:extLst>
-          </a:blip>
-          <a:stretch>
-            <a:fillRect/>
-          </a:stretch>
-        </p:blipFill>
-        <p:spPr>
-          <a:xfrm>
-            <a:off x="237744" y="112212"/>
-            <a:ext cx="5632394" cy="2777291"/>
-          </a:xfrm>
-          <a:prstGeom prst="rect">
-            <a:avLst/>
-          </a:prstGeom>
-        </p:spPr>
-      </p:pic>
-      <p:pic>
-        <p:nvPicPr>
-          <p:cNvPr id="7" name="Picture 6">
-            <a:extLst>
-              <a:ext uri="{FF2B5EF4-FFF2-40B4-BE49-F238E27FC236}">
-                <a16:creationId xmlns:a16="http://schemas.microsoft.com/office/drawing/2014/main" id="{E7DF9745-045B-51E6-E2FB-B78B5730C1AE}"/>
-              </a:ext>
-            </a:extLst>
-          </p:cNvPr>
-          <p:cNvPicPr>
-            <a:picLocks noChangeAspect="1"/>
-          </p:cNvPicPr>
-          <p:nvPr/>
-        </p:nvPicPr>
-        <p:blipFill>
-          <a:blip r:embed="rId3">
-            <a:extLst>
-              <a:ext uri="{28A0092B-C50C-407E-A947-70E740481C1C}">
-                <a14:useLocalDpi xmlns:a14="http://schemas.microsoft.com/office/drawing/2010/main" val="0"/>
-              </a:ext>
-            </a:extLst>
-          </a:blip>
-          <a:stretch>
-            <a:fillRect/>
-          </a:stretch>
-        </p:blipFill>
-        <p:spPr>
-          <a:xfrm>
-            <a:off x="6066285" y="245566"/>
-            <a:ext cx="5887971" cy="2658419"/>
-          </a:xfrm>
-          <a:prstGeom prst="rect">
-            <a:avLst/>
-          </a:prstGeom>
-        </p:spPr>
-      </p:pic>
-      <p:pic>
-        <p:nvPicPr>
-          <p:cNvPr id="9" name="Picture 8">
-            <a:extLst>
-              <a:ext uri="{FF2B5EF4-FFF2-40B4-BE49-F238E27FC236}">
-                <a16:creationId xmlns:a16="http://schemas.microsoft.com/office/drawing/2014/main" id="{814E27F2-AA90-2C8F-8EB0-C72B7F71B825}"/>
-              </a:ext>
-            </a:extLst>
-          </p:cNvPr>
-          <p:cNvPicPr>
-            <a:picLocks noChangeAspect="1"/>
-          </p:cNvPicPr>
-          <p:nvPr/>
-        </p:nvPicPr>
-        <p:blipFill>
-          <a:blip r:embed="rId4">
-            <a:extLst>
-              <a:ext uri="{28A0092B-C50C-407E-A947-70E740481C1C}">
-                <a14:useLocalDpi xmlns:a14="http://schemas.microsoft.com/office/drawing/2010/main" val="0"/>
-              </a:ext>
-            </a:extLst>
-          </a:blip>
-          <a:stretch>
-            <a:fillRect/>
-          </a:stretch>
-        </p:blipFill>
-        <p:spPr>
-          <a:xfrm>
-            <a:off x="2807208" y="3108960"/>
-            <a:ext cx="6519672" cy="3503474"/>
-          </a:xfrm>
-          <a:prstGeom prst="rect">
-            <a:avLst/>
-          </a:prstGeom>
-        </p:spPr>
-      </p:pic>
-    </p:spTree>
-    <p:extLst>
-      <p:ext uri="{BB962C8B-B14F-4D97-AF65-F5344CB8AC3E}">
-        <p14:creationId xmlns:p14="http://schemas.microsoft.com/office/powerpoint/2010/main" val="2650186292"/>
-      </p:ext>
-    </p:extLst>
-  </p:cSld>
-  <p:clrMapOvr>
-    <a:masterClrMapping/>
-  </p:clrMapOvr>
-</p:sld>
-</file>
-
-<file path=ppt/slides/slide15.xml><?xml version="1.0" encoding="utf-8"?>
-<p:sld xmlns:a="http://schemas.openxmlformats.org/drawingml/2006/main" xmlns:r="http://schemas.openxmlformats.org/officeDocument/2006/relationships" xmlns:p="http://schemas.openxmlformats.org/presentationml/2006/main">
-  <p:cSld>
-    <p:spTree>
-      <p:nvGrpSpPr>
-        <p:cNvPr id="1" name=""/>
-        <p:cNvGrpSpPr/>
-        <p:nvPr/>
-      </p:nvGrpSpPr>
-      <p:grpSpPr>
-        <a:xfrm>
-          <a:off x="0" y="0"/>
-          <a:ext cx="0" cy="0"/>
-          <a:chOff x="0" y="0"/>
-          <a:chExt cx="0" cy="0"/>
-        </a:xfrm>
-      </p:grpSpPr>
-      <p:sp>
-        <p:nvSpPr>
-          <p:cNvPr id="2" name="Title 1">
-            <a:extLst>
-              <a:ext uri="{FF2B5EF4-FFF2-40B4-BE49-F238E27FC236}">
                 <a16:creationId xmlns:a16="http://schemas.microsoft.com/office/drawing/2014/main" id="{FC85C509-47C4-FFCF-37E9-238104FE4E24}"/>
               </a:ext>
             </a:extLst>
@@ -6537,7 +4971,7 @@
 </p:sld>
 </file>
 
-<file path=ppt/slides/slide16.xml><?xml version="1.0" encoding="utf-8"?>
+<file path=ppt/slides/slide11.xml><?xml version="1.0" encoding="utf-8"?>
 <p:sld xmlns:a="http://schemas.openxmlformats.org/drawingml/2006/main" xmlns:r="http://schemas.openxmlformats.org/officeDocument/2006/relationships" xmlns:p="http://schemas.openxmlformats.org/presentationml/2006/main">
   <p:cSld>
     <p:spTree>
@@ -7217,7 +5651,7 @@
 </p:sld>
 </file>
 
-<file path=ppt/slides/slide17.xml><?xml version="1.0" encoding="utf-8"?>
+<file path=ppt/slides/slide12.xml><?xml version="1.0" encoding="utf-8"?>
 <p:sld xmlns:a="http://schemas.openxmlformats.org/drawingml/2006/main" xmlns:r="http://schemas.openxmlformats.org/officeDocument/2006/relationships" xmlns:p="http://schemas.openxmlformats.org/presentationml/2006/main">
   <p:cSld>
     <p:spTree>
@@ -10518,119 +8952,665 @@
           <a:chExt cx="0" cy="0"/>
         </a:xfrm>
       </p:grpSpPr>
-      <p:pic>
-        <p:nvPicPr>
-          <p:cNvPr id="5" name="Picture 4">
+      <p:sp>
+        <p:nvSpPr>
+          <p:cNvPr id="2" name="Title 1">
             <a:extLst>
               <a:ext uri="{FF2B5EF4-FFF2-40B4-BE49-F238E27FC236}">
-                <a16:creationId xmlns:a16="http://schemas.microsoft.com/office/drawing/2014/main" id="{22689EC5-5812-C743-5678-A8552B9C155C}"/>
+                <a16:creationId xmlns:a16="http://schemas.microsoft.com/office/drawing/2014/main" id="{E2A2991E-743B-57AC-F611-7696F0C654A8}"/>
               </a:ext>
             </a:extLst>
           </p:cNvPr>
-          <p:cNvPicPr>
-            <a:picLocks noChangeAspect="1"/>
-          </p:cNvPicPr>
-          <p:nvPr/>
-        </p:nvPicPr>
-        <p:blipFill>
-          <a:blip r:embed="rId2">
-            <a:extLst>
-              <a:ext uri="{28A0092B-C50C-407E-A947-70E740481C1C}">
-                <a14:useLocalDpi xmlns:a14="http://schemas.microsoft.com/office/drawing/2010/main" val="0"/>
-              </a:ext>
-            </a:extLst>
-          </a:blip>
-          <a:stretch>
-            <a:fillRect/>
-          </a:stretch>
-        </p:blipFill>
-        <p:spPr>
-          <a:xfrm>
-            <a:off x="283464" y="210312"/>
-            <a:ext cx="6379860" cy="3288238"/>
-          </a:xfrm>
-          <a:prstGeom prst="rect">
-            <a:avLst/>
-          </a:prstGeom>
-        </p:spPr>
-      </p:pic>
-      <p:pic>
-        <p:nvPicPr>
-          <p:cNvPr id="7" name="Picture 6">
+          <p:cNvSpPr>
+            <a:spLocks noGrp="1"/>
+          </p:cNvSpPr>
+          <p:nvPr>
+            <p:ph type="title"/>
+          </p:nvPr>
+        </p:nvSpPr>
+        <p:spPr/>
+        <p:txBody>
+          <a:bodyPr>
+            <a:normAutofit/>
+          </a:bodyPr>
+          <a:lstStyle/>
+          <a:p>
+            <a:r>
+              <a:rPr lang="en-US" sz="4000" u="sng" spc="-190" dirty="0">
+                <a:latin typeface="Tahoma" panose="020B0604030504040204" pitchFamily="34" charset="0"/>
+                <a:ea typeface="Tahoma" panose="020B0604030504040204" pitchFamily="34" charset="0"/>
+                <a:cs typeface="Tahoma" panose="020B0604030504040204" pitchFamily="34" charset="0"/>
+              </a:rPr>
+              <a:t>Milestone 2: Education</a:t>
+            </a:r>
+            <a:r>
+              <a:rPr lang="en-US" sz="4000" u="sng" spc="-275" dirty="0">
+                <a:latin typeface="Tahoma" panose="020B0604030504040204" pitchFamily="34" charset="0"/>
+                <a:ea typeface="Tahoma" panose="020B0604030504040204" pitchFamily="34" charset="0"/>
+                <a:cs typeface="Tahoma" panose="020B0604030504040204" pitchFamily="34" charset="0"/>
+              </a:rPr>
+              <a:t> </a:t>
+            </a:r>
+            <a:r>
+              <a:rPr lang="en-US" sz="4000" u="sng" spc="-204" dirty="0">
+                <a:latin typeface="Tahoma" panose="020B0604030504040204" pitchFamily="34" charset="0"/>
+                <a:ea typeface="Tahoma" panose="020B0604030504040204" pitchFamily="34" charset="0"/>
+                <a:cs typeface="Tahoma" panose="020B0604030504040204" pitchFamily="34" charset="0"/>
+              </a:rPr>
+              <a:t>Details</a:t>
+            </a:r>
+            <a:r>
+              <a:rPr lang="en-US" sz="4000" u="sng" spc="-270" dirty="0">
+                <a:latin typeface="Tahoma" panose="020B0604030504040204" pitchFamily="34" charset="0"/>
+                <a:ea typeface="Tahoma" panose="020B0604030504040204" pitchFamily="34" charset="0"/>
+                <a:cs typeface="Tahoma" panose="020B0604030504040204" pitchFamily="34" charset="0"/>
+              </a:rPr>
+              <a:t> </a:t>
+            </a:r>
+            <a:r>
+              <a:rPr lang="en-US" sz="4000" u="sng" spc="-340" dirty="0">
+                <a:latin typeface="Tahoma" panose="020B0604030504040204" pitchFamily="34" charset="0"/>
+                <a:ea typeface="Tahoma" panose="020B0604030504040204" pitchFamily="34" charset="0"/>
+                <a:cs typeface="Tahoma" panose="020B0604030504040204" pitchFamily="34" charset="0"/>
+              </a:rPr>
+              <a:t>Input</a:t>
+            </a:r>
+            <a:r>
+              <a:rPr lang="en-US" sz="4000" u="sng" spc="-270" dirty="0">
+                <a:latin typeface="Tahoma" panose="020B0604030504040204" pitchFamily="34" charset="0"/>
+                <a:ea typeface="Tahoma" panose="020B0604030504040204" pitchFamily="34" charset="0"/>
+                <a:cs typeface="Tahoma" panose="020B0604030504040204" pitchFamily="34" charset="0"/>
+              </a:rPr>
+              <a:t> </a:t>
+            </a:r>
+            <a:r>
+              <a:rPr lang="en-US" sz="4000" u="sng" spc="-95" dirty="0">
+                <a:latin typeface="Tahoma" panose="020B0604030504040204" pitchFamily="34" charset="0"/>
+                <a:ea typeface="Tahoma" panose="020B0604030504040204" pitchFamily="34" charset="0"/>
+                <a:cs typeface="Tahoma" panose="020B0604030504040204" pitchFamily="34" charset="0"/>
+              </a:rPr>
+              <a:t>&amp; </a:t>
+            </a:r>
+            <a:r>
+              <a:rPr lang="en-US" sz="4000" u="sng" spc="-175" dirty="0">
+                <a:latin typeface="Tahoma" panose="020B0604030504040204" pitchFamily="34" charset="0"/>
+                <a:ea typeface="Tahoma" panose="020B0604030504040204" pitchFamily="34" charset="0"/>
+                <a:cs typeface="Tahoma" panose="020B0604030504040204" pitchFamily="34" charset="0"/>
+              </a:rPr>
+              <a:t>Preprocessing</a:t>
+            </a:r>
+            <a:r>
+              <a:rPr lang="en-US" sz="4000" u="sng" spc="-185" dirty="0">
+                <a:latin typeface="Tahoma" panose="020B0604030504040204" pitchFamily="34" charset="0"/>
+                <a:ea typeface="Tahoma" panose="020B0604030504040204" pitchFamily="34" charset="0"/>
+                <a:cs typeface="Tahoma" panose="020B0604030504040204" pitchFamily="34" charset="0"/>
+              </a:rPr>
+              <a:t> </a:t>
+            </a:r>
+            <a:r>
+              <a:rPr lang="en-US" sz="4000" u="sng" spc="-300" dirty="0">
+                <a:latin typeface="Tahoma" panose="020B0604030504040204" pitchFamily="34" charset="0"/>
+                <a:ea typeface="Tahoma" panose="020B0604030504040204" pitchFamily="34" charset="0"/>
+                <a:cs typeface="Tahoma" panose="020B0604030504040204" pitchFamily="34" charset="0"/>
+              </a:rPr>
+              <a:t>Module</a:t>
+            </a:r>
+            <a:endParaRPr lang="en-IN" sz="4000" u="sng" dirty="0">
+              <a:latin typeface="Tahoma" panose="020B0604030504040204" pitchFamily="34" charset="0"/>
+              <a:ea typeface="Tahoma" panose="020B0604030504040204" pitchFamily="34" charset="0"/>
+              <a:cs typeface="Tahoma" panose="020B0604030504040204" pitchFamily="34" charset="0"/>
+            </a:endParaRPr>
+          </a:p>
+        </p:txBody>
+      </p:sp>
+      <p:sp>
+        <p:nvSpPr>
+          <p:cNvPr id="3" name="Content Placeholder 2">
             <a:extLst>
               <a:ext uri="{FF2B5EF4-FFF2-40B4-BE49-F238E27FC236}">
-                <a16:creationId xmlns:a16="http://schemas.microsoft.com/office/drawing/2014/main" id="{BFA2983F-8250-14C8-1409-0D6E7767E064}"/>
+                <a16:creationId xmlns:a16="http://schemas.microsoft.com/office/drawing/2014/main" id="{567825BE-813A-4AAD-C4DF-1DC9DAE52ACB}"/>
               </a:ext>
             </a:extLst>
           </p:cNvPr>
-          <p:cNvPicPr>
-            <a:picLocks noChangeAspect="1"/>
-          </p:cNvPicPr>
-          <p:nvPr/>
-        </p:nvPicPr>
-        <p:blipFill>
-          <a:blip r:embed="rId3">
-            <a:extLst>
-              <a:ext uri="{28A0092B-C50C-407E-A947-70E740481C1C}">
-                <a14:useLocalDpi xmlns:a14="http://schemas.microsoft.com/office/drawing/2010/main" val="0"/>
-              </a:ext>
-            </a:extLst>
-          </a:blip>
-          <a:srcRect l="34575" r="34450"/>
-          <a:stretch>
-            <a:fillRect/>
-          </a:stretch>
-        </p:blipFill>
+          <p:cNvSpPr>
+            <a:spLocks noGrp="1"/>
+          </p:cNvSpPr>
+          <p:nvPr>
+            <p:ph idx="1"/>
+          </p:nvPr>
+        </p:nvSpPr>
         <p:spPr>
           <a:xfrm>
-            <a:off x="7397496" y="210312"/>
-            <a:ext cx="3776472" cy="6300172"/>
+            <a:off x="838200" y="2197509"/>
+            <a:ext cx="10515600" cy="3979453"/>
           </a:xfrm>
-          <a:prstGeom prst="rect">
-            <a:avLst/>
-          </a:prstGeom>
         </p:spPr>
-      </p:pic>
-      <p:pic>
-        <p:nvPicPr>
-          <p:cNvPr id="9" name="Picture 8">
-            <a:extLst>
-              <a:ext uri="{FF2B5EF4-FFF2-40B4-BE49-F238E27FC236}">
-                <a16:creationId xmlns:a16="http://schemas.microsoft.com/office/drawing/2014/main" id="{902EE3FA-DF86-1912-A208-EE5E55F62584}"/>
-              </a:ext>
-            </a:extLst>
-          </p:cNvPr>
-          <p:cNvPicPr>
-            <a:picLocks noChangeAspect="1"/>
-          </p:cNvPicPr>
-          <p:nvPr/>
-        </p:nvPicPr>
-        <p:blipFill>
-          <a:blip r:embed="rId4">
-            <a:extLst>
-              <a:ext uri="{28A0092B-C50C-407E-A947-70E740481C1C}">
-                <a14:useLocalDpi xmlns:a14="http://schemas.microsoft.com/office/drawing/2010/main" val="0"/>
-              </a:ext>
-            </a:extLst>
-          </a:blip>
-          <a:stretch>
-            <a:fillRect/>
-          </a:stretch>
-        </p:blipFill>
-        <p:spPr>
-          <a:xfrm>
-            <a:off x="489902" y="3374768"/>
-            <a:ext cx="6356302" cy="3272920"/>
-          </a:xfrm>
-          <a:prstGeom prst="rect">
-            <a:avLst/>
-          </a:prstGeom>
-        </p:spPr>
-      </p:pic>
+        <p:txBody>
+          <a:bodyPr/>
+          <a:lstStyle/>
+          <a:p>
+            <a:pPr marL="12700">
+              <a:lnSpc>
+                <a:spcPct val="100000"/>
+              </a:lnSpc>
+              <a:spcBef>
+                <a:spcPts val="135"/>
+              </a:spcBef>
+            </a:pPr>
+            <a:r>
+              <a:rPr lang="en-US" sz="3200" spc="-60" dirty="0">
+                <a:latin typeface="Tahoma"/>
+                <a:cs typeface="Tahoma"/>
+              </a:rPr>
+              <a:t>Academic</a:t>
+            </a:r>
+            <a:r>
+              <a:rPr lang="en-US" sz="3200" spc="-120" dirty="0">
+                <a:latin typeface="Tahoma"/>
+                <a:cs typeface="Tahoma"/>
+              </a:rPr>
+              <a:t> </a:t>
+            </a:r>
+            <a:r>
+              <a:rPr lang="en-US" sz="3200" spc="-130" dirty="0">
+                <a:latin typeface="Tahoma"/>
+                <a:cs typeface="Tahoma"/>
+              </a:rPr>
+              <a:t>Data</a:t>
+            </a:r>
+            <a:r>
+              <a:rPr lang="en-US" sz="3200" spc="-114" dirty="0">
+                <a:latin typeface="Tahoma"/>
+                <a:cs typeface="Tahoma"/>
+              </a:rPr>
+              <a:t> </a:t>
+            </a:r>
+            <a:r>
+              <a:rPr lang="en-US" sz="3200" spc="-10" dirty="0">
+                <a:latin typeface="Tahoma"/>
+                <a:cs typeface="Tahoma"/>
+              </a:rPr>
+              <a:t>Capture</a:t>
+            </a:r>
+            <a:endParaRPr lang="en-US" sz="3200" dirty="0">
+              <a:latin typeface="Tahoma"/>
+              <a:cs typeface="Tahoma"/>
+            </a:endParaRPr>
+          </a:p>
+          <a:p>
+            <a:pPr marL="0" marR="5080" indent="0">
+              <a:lnSpc>
+                <a:spcPct val="135000"/>
+              </a:lnSpc>
+              <a:spcBef>
+                <a:spcPts val="520"/>
+              </a:spcBef>
+              <a:buNone/>
+            </a:pPr>
+            <a:r>
+              <a:rPr lang="en-US" dirty="0">
+                <a:solidFill>
+                  <a:srgbClr val="374552"/>
+                </a:solidFill>
+                <a:latin typeface="Verdana"/>
+                <a:cs typeface="Verdana"/>
+              </a:rPr>
+              <a:t>  Structured</a:t>
+            </a:r>
+            <a:r>
+              <a:rPr lang="en-US" spc="-25" dirty="0">
+                <a:solidFill>
+                  <a:srgbClr val="374552"/>
+                </a:solidFill>
+                <a:latin typeface="Verdana"/>
+                <a:cs typeface="Verdana"/>
+              </a:rPr>
+              <a:t> </a:t>
+            </a:r>
+            <a:r>
+              <a:rPr lang="en-US" spc="50" dirty="0">
+                <a:solidFill>
+                  <a:srgbClr val="374552"/>
+                </a:solidFill>
+                <a:latin typeface="Verdana"/>
+                <a:cs typeface="Verdana"/>
+              </a:rPr>
+              <a:t>input</a:t>
+            </a:r>
+            <a:r>
+              <a:rPr lang="en-US" spc="-25" dirty="0">
+                <a:solidFill>
+                  <a:srgbClr val="374552"/>
+                </a:solidFill>
+                <a:latin typeface="Verdana"/>
+                <a:cs typeface="Verdana"/>
+              </a:rPr>
+              <a:t> </a:t>
+            </a:r>
+            <a:r>
+              <a:rPr lang="en-US" spc="-10" dirty="0">
+                <a:solidFill>
+                  <a:srgbClr val="374552"/>
+                </a:solidFill>
+                <a:latin typeface="Verdana"/>
+                <a:cs typeface="Verdana"/>
+              </a:rPr>
+              <a:t>for</a:t>
+            </a:r>
+            <a:r>
+              <a:rPr lang="en-US" spc="-25" dirty="0">
+                <a:solidFill>
+                  <a:srgbClr val="374552"/>
+                </a:solidFill>
+                <a:latin typeface="Verdana"/>
+                <a:cs typeface="Verdana"/>
+              </a:rPr>
+              <a:t> </a:t>
+            </a:r>
+            <a:r>
+              <a:rPr lang="en-US" spc="-10" dirty="0">
+                <a:solidFill>
+                  <a:srgbClr val="374552"/>
+                </a:solidFill>
+                <a:latin typeface="Verdana"/>
+                <a:cs typeface="Verdana"/>
+              </a:rPr>
+              <a:t>courses, </a:t>
+            </a:r>
+            <a:r>
+              <a:rPr lang="en-US" spc="-20" dirty="0">
+                <a:solidFill>
+                  <a:srgbClr val="374552"/>
+                </a:solidFill>
+                <a:latin typeface="Verdana"/>
+                <a:cs typeface="Verdana"/>
+              </a:rPr>
+              <a:t>grades,</a:t>
+            </a:r>
+            <a:r>
+              <a:rPr lang="en-US" spc="-80" dirty="0">
+                <a:solidFill>
+                  <a:srgbClr val="374552"/>
+                </a:solidFill>
+                <a:latin typeface="Verdana"/>
+                <a:cs typeface="Verdana"/>
+              </a:rPr>
+              <a:t> </a:t>
+            </a:r>
+            <a:r>
+              <a:rPr lang="en-US" spc="50" dirty="0">
+                <a:solidFill>
+                  <a:srgbClr val="374552"/>
+                </a:solidFill>
+                <a:latin typeface="Verdana"/>
+                <a:cs typeface="Verdana"/>
+              </a:rPr>
+              <a:t>and</a:t>
+            </a:r>
+            <a:r>
+              <a:rPr lang="en-US" spc="-75" dirty="0">
+                <a:solidFill>
+                  <a:srgbClr val="374552"/>
+                </a:solidFill>
+                <a:latin typeface="Verdana"/>
+                <a:cs typeface="Verdana"/>
+              </a:rPr>
+              <a:t> </a:t>
+            </a:r>
+            <a:r>
+              <a:rPr lang="en-US" spc="-10" dirty="0">
+                <a:solidFill>
+                  <a:srgbClr val="374552"/>
+                </a:solidFill>
+                <a:latin typeface="Verdana"/>
+                <a:cs typeface="Verdana"/>
+              </a:rPr>
+              <a:t>qualifications.</a:t>
+            </a:r>
+            <a:endParaRPr lang="en-US" dirty="0">
+              <a:latin typeface="Verdana"/>
+              <a:cs typeface="Verdana"/>
+            </a:endParaRPr>
+          </a:p>
+          <a:p>
+            <a:pPr marL="12700">
+              <a:lnSpc>
+                <a:spcPct val="100000"/>
+              </a:lnSpc>
+              <a:spcBef>
+                <a:spcPts val="135"/>
+              </a:spcBef>
+            </a:pPr>
+            <a:r>
+              <a:rPr lang="en-US" sz="3200" spc="-130" dirty="0">
+                <a:latin typeface="Tahoma"/>
+                <a:cs typeface="Tahoma"/>
+              </a:rPr>
+              <a:t>Data</a:t>
+            </a:r>
+            <a:r>
+              <a:rPr lang="en-US" sz="3200" spc="-125" dirty="0">
+                <a:latin typeface="Tahoma"/>
+                <a:cs typeface="Tahoma"/>
+              </a:rPr>
+              <a:t> </a:t>
+            </a:r>
+            <a:r>
+              <a:rPr lang="en-US" sz="3200" spc="-10" dirty="0">
+                <a:latin typeface="Tahoma"/>
+                <a:cs typeface="Tahoma"/>
+              </a:rPr>
+              <a:t>Cleaning</a:t>
+            </a:r>
+            <a:endParaRPr lang="en-US" sz="3200" dirty="0">
+              <a:latin typeface="Tahoma"/>
+              <a:cs typeface="Tahoma"/>
+            </a:endParaRPr>
+          </a:p>
+          <a:p>
+            <a:pPr marL="0" marR="5080" indent="0">
+              <a:lnSpc>
+                <a:spcPct val="135000"/>
+              </a:lnSpc>
+              <a:spcBef>
+                <a:spcPts val="520"/>
+              </a:spcBef>
+              <a:buNone/>
+            </a:pPr>
+            <a:r>
+              <a:rPr lang="en-US" spc="45" dirty="0">
+                <a:solidFill>
+                  <a:srgbClr val="374552"/>
+                </a:solidFill>
+                <a:latin typeface="Verdana"/>
+                <a:cs typeface="Verdana"/>
+              </a:rPr>
+              <a:t>  Automated</a:t>
+            </a:r>
+            <a:r>
+              <a:rPr lang="en-US" spc="-70" dirty="0">
+                <a:solidFill>
+                  <a:srgbClr val="374552"/>
+                </a:solidFill>
+                <a:latin typeface="Verdana"/>
+                <a:cs typeface="Verdana"/>
+              </a:rPr>
+              <a:t> </a:t>
+            </a:r>
+            <a:r>
+              <a:rPr lang="en-US" dirty="0">
+                <a:solidFill>
+                  <a:srgbClr val="374552"/>
+                </a:solidFill>
+                <a:latin typeface="Verdana"/>
+                <a:cs typeface="Verdana"/>
+              </a:rPr>
+              <a:t>processes</a:t>
+            </a:r>
+            <a:r>
+              <a:rPr lang="en-US" spc="-65" dirty="0">
+                <a:solidFill>
+                  <a:srgbClr val="374552"/>
+                </a:solidFill>
+                <a:latin typeface="Verdana"/>
+                <a:cs typeface="Verdana"/>
+              </a:rPr>
+              <a:t> </a:t>
+            </a:r>
+            <a:r>
+              <a:rPr lang="en-US" spc="-25" dirty="0">
+                <a:solidFill>
+                  <a:srgbClr val="374552"/>
+                </a:solidFill>
+                <a:latin typeface="Verdana"/>
+                <a:cs typeface="Verdana"/>
+              </a:rPr>
+              <a:t>for </a:t>
+            </a:r>
+            <a:r>
+              <a:rPr lang="en-US" dirty="0">
+                <a:solidFill>
+                  <a:srgbClr val="374552"/>
+                </a:solidFill>
+                <a:latin typeface="Verdana"/>
+                <a:cs typeface="Verdana"/>
+              </a:rPr>
+              <a:t>consistency</a:t>
+            </a:r>
+            <a:r>
+              <a:rPr lang="en-US" spc="5" dirty="0">
+                <a:solidFill>
+                  <a:srgbClr val="374552"/>
+                </a:solidFill>
+                <a:latin typeface="Verdana"/>
+                <a:cs typeface="Verdana"/>
+              </a:rPr>
+              <a:t> </a:t>
+            </a:r>
+            <a:r>
+              <a:rPr lang="en-US" spc="50" dirty="0">
+                <a:solidFill>
+                  <a:srgbClr val="374552"/>
+                </a:solidFill>
+                <a:latin typeface="Verdana"/>
+                <a:cs typeface="Verdana"/>
+              </a:rPr>
+              <a:t>and</a:t>
+            </a:r>
+            <a:r>
+              <a:rPr lang="en-US" spc="10" dirty="0">
+                <a:solidFill>
+                  <a:srgbClr val="374552"/>
+                </a:solidFill>
+                <a:latin typeface="Verdana"/>
+                <a:cs typeface="Verdana"/>
+              </a:rPr>
+              <a:t> </a:t>
+            </a:r>
+            <a:r>
+              <a:rPr lang="en-US" spc="-10" dirty="0">
+                <a:solidFill>
+                  <a:srgbClr val="374552"/>
+                </a:solidFill>
+                <a:latin typeface="Verdana"/>
+                <a:cs typeface="Verdana"/>
+              </a:rPr>
+              <a:t>accuracy.</a:t>
+            </a:r>
+            <a:endParaRPr lang="en-US" dirty="0">
+              <a:latin typeface="Verdana"/>
+              <a:cs typeface="Verdana"/>
+            </a:endParaRPr>
+          </a:p>
+          <a:p>
+            <a:pPr marL="12700">
+              <a:lnSpc>
+                <a:spcPct val="100000"/>
+              </a:lnSpc>
+              <a:spcBef>
+                <a:spcPts val="135"/>
+              </a:spcBef>
+            </a:pPr>
+            <a:r>
+              <a:rPr lang="en-US" sz="3200" spc="-100" dirty="0">
+                <a:latin typeface="Tahoma"/>
+                <a:cs typeface="Tahoma"/>
+              </a:rPr>
+              <a:t>Feature</a:t>
+            </a:r>
+            <a:r>
+              <a:rPr lang="en-US" sz="3200" spc="-85" dirty="0">
+                <a:latin typeface="Tahoma"/>
+                <a:cs typeface="Tahoma"/>
+              </a:rPr>
+              <a:t> </a:t>
+            </a:r>
+            <a:r>
+              <a:rPr lang="en-US" sz="3200" spc="-10" dirty="0">
+                <a:latin typeface="Tahoma"/>
+                <a:cs typeface="Tahoma"/>
+              </a:rPr>
+              <a:t>Engineering</a:t>
+            </a:r>
+            <a:endParaRPr lang="en-US" sz="3200" dirty="0">
+              <a:latin typeface="Tahoma"/>
+              <a:cs typeface="Tahoma"/>
+            </a:endParaRPr>
+          </a:p>
+          <a:p>
+            <a:pPr marL="0" indent="0">
+              <a:lnSpc>
+                <a:spcPct val="100000"/>
+              </a:lnSpc>
+              <a:spcBef>
+                <a:spcPts val="1120"/>
+              </a:spcBef>
+              <a:buNone/>
+            </a:pPr>
+            <a:r>
+              <a:rPr lang="en-US" dirty="0">
+                <a:solidFill>
+                  <a:srgbClr val="374552"/>
+                </a:solidFill>
+                <a:latin typeface="Verdana"/>
+                <a:cs typeface="Verdana"/>
+              </a:rPr>
+              <a:t>  Transforming</a:t>
+            </a:r>
+            <a:r>
+              <a:rPr lang="en-US" spc="35" dirty="0">
+                <a:solidFill>
+                  <a:srgbClr val="374552"/>
+                </a:solidFill>
+                <a:latin typeface="Verdana"/>
+                <a:cs typeface="Verdana"/>
+              </a:rPr>
+              <a:t> </a:t>
+            </a:r>
+            <a:r>
+              <a:rPr lang="en-US" spc="-10" dirty="0">
+                <a:solidFill>
+                  <a:srgbClr val="374552"/>
+                </a:solidFill>
+                <a:latin typeface="Verdana"/>
+                <a:cs typeface="Verdana"/>
+              </a:rPr>
+              <a:t>raw</a:t>
+            </a:r>
+            <a:r>
+              <a:rPr lang="en-US" spc="35" dirty="0">
+                <a:solidFill>
+                  <a:srgbClr val="374552"/>
+                </a:solidFill>
+                <a:latin typeface="Verdana"/>
+                <a:cs typeface="Verdana"/>
+              </a:rPr>
+              <a:t> </a:t>
+            </a:r>
+            <a:r>
+              <a:rPr lang="en-US" dirty="0">
+                <a:solidFill>
+                  <a:srgbClr val="374552"/>
+                </a:solidFill>
+                <a:latin typeface="Verdana"/>
+                <a:cs typeface="Verdana"/>
+              </a:rPr>
+              <a:t>data</a:t>
+            </a:r>
+            <a:r>
+              <a:rPr lang="en-US" spc="40" dirty="0">
+                <a:solidFill>
+                  <a:srgbClr val="374552"/>
+                </a:solidFill>
+                <a:latin typeface="Verdana"/>
+                <a:cs typeface="Verdana"/>
+              </a:rPr>
+              <a:t> </a:t>
+            </a:r>
+            <a:r>
+              <a:rPr lang="en-US" dirty="0">
+                <a:solidFill>
+                  <a:srgbClr val="374552"/>
+                </a:solidFill>
+                <a:latin typeface="Verdana"/>
+                <a:cs typeface="Verdana"/>
+              </a:rPr>
+              <a:t>into</a:t>
+            </a:r>
+            <a:r>
+              <a:rPr lang="en-US" spc="35" dirty="0">
+                <a:solidFill>
+                  <a:srgbClr val="374552"/>
+                </a:solidFill>
+                <a:latin typeface="Verdana"/>
+                <a:cs typeface="Verdana"/>
+              </a:rPr>
+              <a:t> </a:t>
+            </a:r>
+            <a:r>
+              <a:rPr lang="en-US" dirty="0">
+                <a:solidFill>
+                  <a:srgbClr val="374552"/>
+                </a:solidFill>
+                <a:latin typeface="Verdana"/>
+                <a:cs typeface="Verdana"/>
+              </a:rPr>
+              <a:t>meaningful</a:t>
+            </a:r>
+            <a:r>
+              <a:rPr lang="en-US" spc="35" dirty="0">
+                <a:solidFill>
+                  <a:srgbClr val="374552"/>
+                </a:solidFill>
+                <a:latin typeface="Verdana"/>
+                <a:cs typeface="Verdana"/>
+              </a:rPr>
+              <a:t> </a:t>
+            </a:r>
+            <a:r>
+              <a:rPr lang="en-US" spc="105" dirty="0">
+                <a:solidFill>
+                  <a:srgbClr val="374552"/>
+                </a:solidFill>
+                <a:latin typeface="Verdana"/>
+                <a:cs typeface="Verdana"/>
+              </a:rPr>
+              <a:t>ML</a:t>
+            </a:r>
+            <a:r>
+              <a:rPr lang="en-US" spc="40" dirty="0">
+                <a:solidFill>
+                  <a:srgbClr val="374552"/>
+                </a:solidFill>
+                <a:latin typeface="Verdana"/>
+                <a:cs typeface="Verdana"/>
+              </a:rPr>
+              <a:t> </a:t>
+            </a:r>
+            <a:r>
+              <a:rPr lang="en-US" spc="-10" dirty="0">
+                <a:solidFill>
+                  <a:srgbClr val="374552"/>
+                </a:solidFill>
+                <a:latin typeface="Verdana"/>
+                <a:cs typeface="Verdana"/>
+              </a:rPr>
+              <a:t>features.</a:t>
+            </a:r>
+            <a:endParaRPr lang="en-US" dirty="0">
+              <a:latin typeface="Verdana"/>
+              <a:cs typeface="Verdana"/>
+            </a:endParaRPr>
+          </a:p>
+          <a:p>
+            <a:endParaRPr lang="en-IN" dirty="0"/>
+          </a:p>
+        </p:txBody>
+      </p:sp>
     </p:spTree>
     <p:extLst>
       <p:ext uri="{BB962C8B-B14F-4D97-AF65-F5344CB8AC3E}">
-        <p14:creationId xmlns:p14="http://schemas.microsoft.com/office/powerpoint/2010/main" val="3728952581"/>
+        <p14:creationId xmlns:p14="http://schemas.microsoft.com/office/powerpoint/2010/main" val="4179522257"/>
       </p:ext>
     </p:extLst>
   </p:cSld>
@@ -10662,7 +9642,7 @@
           <p:cNvPr id="2" name="Title 1">
             <a:extLst>
               <a:ext uri="{FF2B5EF4-FFF2-40B4-BE49-F238E27FC236}">
-                <a16:creationId xmlns:a16="http://schemas.microsoft.com/office/drawing/2014/main" id="{E2A2991E-743B-57AC-F611-7696F0C654A8}"/>
+                <a16:creationId xmlns:a16="http://schemas.microsoft.com/office/drawing/2014/main" id="{8617DB0C-D5BB-AF4A-77E0-FC741C774408}"/>
               </a:ext>
             </a:extLst>
           </p:cNvPr>
@@ -10681,79 +9661,55 @@
           <a:lstStyle/>
           <a:p>
             <a:r>
-              <a:rPr lang="en-US" sz="4000" u="sng" spc="-190" dirty="0">
-                <a:latin typeface="Tahoma" panose="020B0604030504040204" pitchFamily="34" charset="0"/>
-                <a:ea typeface="Tahoma" panose="020B0604030504040204" pitchFamily="34" charset="0"/>
-                <a:cs typeface="Tahoma" panose="020B0604030504040204" pitchFamily="34" charset="0"/>
-              </a:rPr>
-              <a:t>Milestone 2: Education</a:t>
-            </a:r>
-            <a:r>
-              <a:rPr lang="en-US" sz="4000" u="sng" spc="-275" dirty="0">
-                <a:latin typeface="Tahoma" panose="020B0604030504040204" pitchFamily="34" charset="0"/>
-                <a:ea typeface="Tahoma" panose="020B0604030504040204" pitchFamily="34" charset="0"/>
-                <a:cs typeface="Tahoma" panose="020B0604030504040204" pitchFamily="34" charset="0"/>
-              </a:rPr>
-              <a:t> </a:t>
-            </a:r>
-            <a:r>
-              <a:rPr lang="en-US" sz="4000" u="sng" spc="-204" dirty="0">
-                <a:latin typeface="Tahoma" panose="020B0604030504040204" pitchFamily="34" charset="0"/>
-                <a:ea typeface="Tahoma" panose="020B0604030504040204" pitchFamily="34" charset="0"/>
-                <a:cs typeface="Tahoma" panose="020B0604030504040204" pitchFamily="34" charset="0"/>
-              </a:rPr>
-              <a:t>Details</a:t>
-            </a:r>
-            <a:r>
-              <a:rPr lang="en-US" sz="4000" u="sng" spc="-270" dirty="0">
-                <a:latin typeface="Tahoma" panose="020B0604030504040204" pitchFamily="34" charset="0"/>
-                <a:ea typeface="Tahoma" panose="020B0604030504040204" pitchFamily="34" charset="0"/>
-                <a:cs typeface="Tahoma" panose="020B0604030504040204" pitchFamily="34" charset="0"/>
-              </a:rPr>
-              <a:t> </a:t>
-            </a:r>
-            <a:r>
-              <a:rPr lang="en-US" sz="4000" u="sng" spc="-340" dirty="0">
-                <a:latin typeface="Tahoma" panose="020B0604030504040204" pitchFamily="34" charset="0"/>
-                <a:ea typeface="Tahoma" panose="020B0604030504040204" pitchFamily="34" charset="0"/>
-                <a:cs typeface="Tahoma" panose="020B0604030504040204" pitchFamily="34" charset="0"/>
-              </a:rPr>
-              <a:t>Input</a:t>
-            </a:r>
-            <a:r>
-              <a:rPr lang="en-US" sz="4000" u="sng" spc="-270" dirty="0">
-                <a:latin typeface="Tahoma" panose="020B0604030504040204" pitchFamily="34" charset="0"/>
-                <a:ea typeface="Tahoma" panose="020B0604030504040204" pitchFamily="34" charset="0"/>
-                <a:cs typeface="Tahoma" panose="020B0604030504040204" pitchFamily="34" charset="0"/>
-              </a:rPr>
-              <a:t> </a:t>
-            </a:r>
-            <a:r>
-              <a:rPr lang="en-US" sz="4000" u="sng" spc="-95" dirty="0">
-                <a:latin typeface="Tahoma" panose="020B0604030504040204" pitchFamily="34" charset="0"/>
-                <a:ea typeface="Tahoma" panose="020B0604030504040204" pitchFamily="34" charset="0"/>
-                <a:cs typeface="Tahoma" panose="020B0604030504040204" pitchFamily="34" charset="0"/>
-              </a:rPr>
-              <a:t>&amp; </a:t>
-            </a:r>
-            <a:r>
-              <a:rPr lang="en-US" sz="4000" u="sng" spc="-175" dirty="0">
-                <a:latin typeface="Tahoma" panose="020B0604030504040204" pitchFamily="34" charset="0"/>
-                <a:ea typeface="Tahoma" panose="020B0604030504040204" pitchFamily="34" charset="0"/>
-                <a:cs typeface="Tahoma" panose="020B0604030504040204" pitchFamily="34" charset="0"/>
-              </a:rPr>
-              <a:t>Preprocessing</a:t>
-            </a:r>
-            <a:r>
-              <a:rPr lang="en-US" sz="4000" u="sng" spc="-185" dirty="0">
-                <a:latin typeface="Tahoma" panose="020B0604030504040204" pitchFamily="34" charset="0"/>
-                <a:ea typeface="Tahoma" panose="020B0604030504040204" pitchFamily="34" charset="0"/>
-                <a:cs typeface="Tahoma" panose="020B0604030504040204" pitchFamily="34" charset="0"/>
-              </a:rPr>
-              <a:t> </a:t>
-            </a:r>
-            <a:r>
-              <a:rPr lang="en-US" sz="4000" u="sng" spc="-300" dirty="0">
+              <a:rPr lang="en-IN" sz="4000" u="sng" spc="-45" dirty="0">
+                <a:latin typeface="Tahoma" panose="020B0604030504040204" pitchFamily="34" charset="0"/>
+                <a:ea typeface="Tahoma" panose="020B0604030504040204" pitchFamily="34" charset="0"/>
+                <a:cs typeface="Tahoma" panose="020B0604030504040204" pitchFamily="34" charset="0"/>
+              </a:rPr>
+              <a:t>Milestone 3: Job</a:t>
+            </a:r>
+            <a:r>
+              <a:rPr lang="en-IN" sz="4000" u="sng" spc="-270" dirty="0">
+                <a:latin typeface="Tahoma" panose="020B0604030504040204" pitchFamily="34" charset="0"/>
+                <a:ea typeface="Tahoma" panose="020B0604030504040204" pitchFamily="34" charset="0"/>
+                <a:cs typeface="Tahoma" panose="020B0604030504040204" pitchFamily="34" charset="0"/>
+              </a:rPr>
+              <a:t> </a:t>
+            </a:r>
+            <a:r>
+              <a:rPr lang="en-IN" sz="4000" u="sng" spc="-245" dirty="0">
+                <a:latin typeface="Tahoma" panose="020B0604030504040204" pitchFamily="34" charset="0"/>
+                <a:ea typeface="Tahoma" panose="020B0604030504040204" pitchFamily="34" charset="0"/>
+                <a:cs typeface="Tahoma" panose="020B0604030504040204" pitchFamily="34" charset="0"/>
+              </a:rPr>
+              <a:t>Role</a:t>
+            </a:r>
+            <a:r>
+              <a:rPr lang="en-IN" sz="4000" u="sng" spc="-270" dirty="0">
+                <a:latin typeface="Tahoma" panose="020B0604030504040204" pitchFamily="34" charset="0"/>
+                <a:ea typeface="Tahoma" panose="020B0604030504040204" pitchFamily="34" charset="0"/>
+                <a:cs typeface="Tahoma" panose="020B0604030504040204" pitchFamily="34" charset="0"/>
+              </a:rPr>
+              <a:t> </a:t>
+            </a:r>
+            <a:r>
+              <a:rPr lang="en-IN" sz="4000" u="sng" spc="-170" dirty="0">
+                <a:latin typeface="Tahoma" panose="020B0604030504040204" pitchFamily="34" charset="0"/>
+                <a:ea typeface="Tahoma" panose="020B0604030504040204" pitchFamily="34" charset="0"/>
+                <a:cs typeface="Tahoma" panose="020B0604030504040204" pitchFamily="34" charset="0"/>
+              </a:rPr>
+              <a:t>Prediction</a:t>
+            </a:r>
+            <a:r>
+              <a:rPr lang="en-IN" sz="4000" u="sng" spc="-265" dirty="0">
+                <a:latin typeface="Tahoma" panose="020B0604030504040204" pitchFamily="34" charset="0"/>
+                <a:ea typeface="Tahoma" panose="020B0604030504040204" pitchFamily="34" charset="0"/>
+                <a:cs typeface="Tahoma" panose="020B0604030504040204" pitchFamily="34" charset="0"/>
+              </a:rPr>
+              <a:t> </a:t>
+            </a:r>
+            <a:r>
+              <a:rPr lang="en-IN" sz="4000" u="sng" spc="-300" dirty="0">
                 <a:latin typeface="Tahoma" panose="020B0604030504040204" pitchFamily="34" charset="0"/>
                 <a:ea typeface="Tahoma" panose="020B0604030504040204" pitchFamily="34" charset="0"/>
                 <a:cs typeface="Tahoma" panose="020B0604030504040204" pitchFamily="34" charset="0"/>
@@ -10773,7 +9729,7 @@
           <p:cNvPr id="3" name="Content Placeholder 2">
             <a:extLst>
               <a:ext uri="{FF2B5EF4-FFF2-40B4-BE49-F238E27FC236}">
-                <a16:creationId xmlns:a16="http://schemas.microsoft.com/office/drawing/2014/main" id="{567825BE-813A-4AAD-C4DF-1DC9DAE52ACB}"/>
+                <a16:creationId xmlns:a16="http://schemas.microsoft.com/office/drawing/2014/main" id="{1F31B2C6-71C0-8C70-A3C1-45950387F891}"/>
               </a:ext>
             </a:extLst>
           </p:cNvPr>
@@ -10784,14 +9740,11 @@
             <p:ph idx="1"/>
           </p:nvPr>
         </p:nvSpPr>
-        <p:spPr>
-          <a:xfrm>
-            <a:off x="838200" y="2197509"/>
-            <a:ext cx="10515600" cy="3979453"/>
-          </a:xfrm>
-        </p:spPr>
+        <p:spPr/>
         <p:txBody>
-          <a:bodyPr/>
+          <a:bodyPr>
+            <a:normAutofit/>
+          </a:bodyPr>
           <a:lstStyle/>
           <a:p>
             <a:pPr marL="12700">
@@ -10803,92 +9756,168 @@
               </a:spcBef>
             </a:pPr>
             <a:r>
-              <a:rPr lang="en-US" sz="3200" spc="-60" dirty="0">
-                <a:latin typeface="Tahoma"/>
-                <a:cs typeface="Tahoma"/>
-              </a:rPr>
-              <a:t>Academic</a:t>
+              <a:rPr lang="en-US" sz="3200" spc="-85" dirty="0">
+                <a:latin typeface="Tahoma" panose="020B0604030504040204" pitchFamily="34" charset="0"/>
+                <a:ea typeface="Tahoma" panose="020B0604030504040204" pitchFamily="34" charset="0"/>
+                <a:cs typeface="Tahoma" panose="020B0604030504040204" pitchFamily="34" charset="0"/>
+              </a:rPr>
+              <a:t>User</a:t>
             </a:r>
             <a:r>
               <a:rPr lang="en-US" sz="3200" spc="-120" dirty="0">
-                <a:latin typeface="Tahoma"/>
-                <a:cs typeface="Tahoma"/>
+                <a:latin typeface="Tahoma" panose="020B0604030504040204" pitchFamily="34" charset="0"/>
+                <a:ea typeface="Tahoma" panose="020B0604030504040204" pitchFamily="34" charset="0"/>
+                <a:cs typeface="Tahoma" panose="020B0604030504040204" pitchFamily="34" charset="0"/>
               </a:rPr>
               <a:t> </a:t>
             </a:r>
             <a:r>
               <a:rPr lang="en-US" sz="3200" spc="-130" dirty="0">
-                <a:latin typeface="Tahoma"/>
-                <a:cs typeface="Tahoma"/>
+                <a:latin typeface="Tahoma" panose="020B0604030504040204" pitchFamily="34" charset="0"/>
+                <a:ea typeface="Tahoma" panose="020B0604030504040204" pitchFamily="34" charset="0"/>
+                <a:cs typeface="Tahoma" panose="020B0604030504040204" pitchFamily="34" charset="0"/>
               </a:rPr>
               <a:t>Data</a:t>
             </a:r>
             <a:r>
               <a:rPr lang="en-US" sz="3200" spc="-114" dirty="0">
-                <a:latin typeface="Tahoma"/>
-                <a:cs typeface="Tahoma"/>
-              </a:rPr>
-              <a:t> </a:t>
-            </a:r>
-            <a:r>
-              <a:rPr lang="en-US" sz="3200" spc="-10" dirty="0">
-                <a:latin typeface="Tahoma"/>
-                <a:cs typeface="Tahoma"/>
-              </a:rPr>
-              <a:t>Capture</a:t>
+                <a:latin typeface="Tahoma" panose="020B0604030504040204" pitchFamily="34" charset="0"/>
+                <a:ea typeface="Tahoma" panose="020B0604030504040204" pitchFamily="34" charset="0"/>
+                <a:cs typeface="Tahoma" panose="020B0604030504040204" pitchFamily="34" charset="0"/>
+              </a:rPr>
+              <a:t> </a:t>
+            </a:r>
+            <a:r>
+              <a:rPr lang="en-US" sz="3200" spc="-30" dirty="0">
+                <a:latin typeface="Tahoma" panose="020B0604030504040204" pitchFamily="34" charset="0"/>
+                <a:ea typeface="Tahoma" panose="020B0604030504040204" pitchFamily="34" charset="0"/>
+                <a:cs typeface="Tahoma" panose="020B0604030504040204" pitchFamily="34" charset="0"/>
+              </a:rPr>
+              <a:t>Integration</a:t>
             </a:r>
             <a:endParaRPr lang="en-US" sz="3200" dirty="0">
-              <a:latin typeface="Tahoma"/>
-              <a:cs typeface="Tahoma"/>
+              <a:latin typeface="Tahoma" panose="020B0604030504040204" pitchFamily="34" charset="0"/>
+              <a:ea typeface="Tahoma" panose="020B0604030504040204" pitchFamily="34" charset="0"/>
+              <a:cs typeface="Tahoma" panose="020B0604030504040204" pitchFamily="34" charset="0"/>
             </a:endParaRPr>
           </a:p>
           <a:p>
-            <a:pPr marL="0" marR="5080" indent="0">
+            <a:pPr marL="0" indent="0">
               <a:lnSpc>
-                <a:spcPct val="135000"/>
+                <a:spcPct val="100000"/>
               </a:lnSpc>
               <a:spcBef>
-                <a:spcPts val="520"/>
+                <a:spcPts val="1045"/>
               </a:spcBef>
               <a:buNone/>
             </a:pPr>
             <a:r>
-              <a:rPr lang="en-US" dirty="0">
-                <a:solidFill>
-                  <a:srgbClr val="374552"/>
-                </a:solidFill>
-                <a:latin typeface="Verdana"/>
-                <a:cs typeface="Verdana"/>
-              </a:rPr>
-              <a:t>  Structured</a:t>
-            </a:r>
-            <a:r>
-              <a:rPr lang="en-US" spc="-25" dirty="0">
-                <a:solidFill>
-                  <a:srgbClr val="374552"/>
-                </a:solidFill>
-                <a:latin typeface="Verdana"/>
-                <a:cs typeface="Verdana"/>
-              </a:rPr>
-              <a:t> </a:t>
-            </a:r>
-            <a:r>
               <a:rPr lang="en-US" spc="50" dirty="0">
                 <a:solidFill>
                   <a:srgbClr val="374552"/>
                 </a:solidFill>
-                <a:latin typeface="Verdana"/>
-                <a:cs typeface="Verdana"/>
-              </a:rPr>
-              <a:t>input</a:t>
-            </a:r>
-            <a:r>
-              <a:rPr lang="en-US" spc="-25" dirty="0">
-                <a:solidFill>
-                  <a:srgbClr val="374552"/>
-                </a:solidFill>
-                <a:latin typeface="Verdana"/>
-                <a:cs typeface="Verdana"/>
+                <a:latin typeface="Tahoma" panose="020B0604030504040204" pitchFamily="34" charset="0"/>
+                <a:ea typeface="Tahoma" panose="020B0604030504040204" pitchFamily="34" charset="0"/>
+                <a:cs typeface="Tahoma" panose="020B0604030504040204" pitchFamily="34" charset="0"/>
+              </a:rPr>
+              <a:t>  Feeding</a:t>
+            </a:r>
+            <a:r>
+              <a:rPr lang="en-US" spc="-20" dirty="0">
+                <a:solidFill>
+                  <a:srgbClr val="374552"/>
+                </a:solidFill>
+                <a:latin typeface="Tahoma" panose="020B0604030504040204" pitchFamily="34" charset="0"/>
+                <a:ea typeface="Tahoma" panose="020B0604030504040204" pitchFamily="34" charset="0"/>
+                <a:cs typeface="Tahoma" panose="020B0604030504040204" pitchFamily="34" charset="0"/>
+              </a:rPr>
+              <a:t> </a:t>
+            </a:r>
+            <a:r>
+              <a:rPr lang="en-US" spc="10" dirty="0">
+                <a:solidFill>
+                  <a:srgbClr val="374552"/>
+                </a:solidFill>
+                <a:latin typeface="Tahoma" panose="020B0604030504040204" pitchFamily="34" charset="0"/>
+                <a:ea typeface="Tahoma" panose="020B0604030504040204" pitchFamily="34" charset="0"/>
+                <a:cs typeface="Tahoma" panose="020B0604030504040204" pitchFamily="34" charset="0"/>
+              </a:rPr>
+              <a:t>processed</a:t>
+            </a:r>
+            <a:r>
+              <a:rPr lang="en-US" spc="-20" dirty="0">
+                <a:solidFill>
+                  <a:srgbClr val="374552"/>
+                </a:solidFill>
+                <a:latin typeface="Tahoma" panose="020B0604030504040204" pitchFamily="34" charset="0"/>
+                <a:ea typeface="Tahoma" panose="020B0604030504040204" pitchFamily="34" charset="0"/>
+                <a:cs typeface="Tahoma" panose="020B0604030504040204" pitchFamily="34" charset="0"/>
+              </a:rPr>
+              <a:t> </a:t>
+            </a:r>
+            <a:r>
+              <a:rPr lang="en-US" spc="10" dirty="0">
+                <a:solidFill>
+                  <a:srgbClr val="374552"/>
+                </a:solidFill>
+                <a:latin typeface="Tahoma" panose="020B0604030504040204" pitchFamily="34" charset="0"/>
+                <a:ea typeface="Tahoma" panose="020B0604030504040204" pitchFamily="34" charset="0"/>
+                <a:cs typeface="Tahoma" panose="020B0604030504040204" pitchFamily="34" charset="0"/>
+              </a:rPr>
+              <a:t>education</a:t>
+            </a:r>
+            <a:r>
+              <a:rPr lang="en-US" spc="-15" dirty="0">
+                <a:solidFill>
+                  <a:srgbClr val="374552"/>
+                </a:solidFill>
+                <a:latin typeface="Tahoma" panose="020B0604030504040204" pitchFamily="34" charset="0"/>
+                <a:ea typeface="Tahoma" panose="020B0604030504040204" pitchFamily="34" charset="0"/>
+                <a:cs typeface="Tahoma" panose="020B0604030504040204" pitchFamily="34" charset="0"/>
+              </a:rPr>
+              <a:t> </a:t>
+            </a:r>
+            <a:r>
+              <a:rPr lang="en-US" spc="50" dirty="0">
+                <a:solidFill>
+                  <a:srgbClr val="374552"/>
+                </a:solidFill>
+                <a:latin typeface="Tahoma" panose="020B0604030504040204" pitchFamily="34" charset="0"/>
+                <a:ea typeface="Tahoma" panose="020B0604030504040204" pitchFamily="34" charset="0"/>
+                <a:cs typeface="Tahoma" panose="020B0604030504040204" pitchFamily="34" charset="0"/>
+              </a:rPr>
+              <a:t>and</a:t>
+            </a:r>
+            <a:r>
+              <a:rPr lang="en-US" spc="-20" dirty="0">
+                <a:solidFill>
+                  <a:srgbClr val="374552"/>
+                </a:solidFill>
+                <a:latin typeface="Tahoma" panose="020B0604030504040204" pitchFamily="34" charset="0"/>
+                <a:ea typeface="Tahoma" panose="020B0604030504040204" pitchFamily="34" charset="0"/>
+                <a:cs typeface="Tahoma" panose="020B0604030504040204" pitchFamily="34" charset="0"/>
+              </a:rPr>
+              <a:t> </a:t>
+            </a:r>
+            <a:r>
+              <a:rPr lang="en-US" spc="10" dirty="0">
+                <a:solidFill>
+                  <a:srgbClr val="374552"/>
+                </a:solidFill>
+                <a:latin typeface="Tahoma" panose="020B0604030504040204" pitchFamily="34" charset="0"/>
+                <a:ea typeface="Tahoma" panose="020B0604030504040204" pitchFamily="34" charset="0"/>
+                <a:cs typeface="Tahoma" panose="020B0604030504040204" pitchFamily="34" charset="0"/>
+              </a:rPr>
+              <a:t>profile</a:t>
+            </a:r>
+            <a:r>
+              <a:rPr lang="en-US" spc="-15" dirty="0">
+                <a:solidFill>
+                  <a:srgbClr val="374552"/>
+                </a:solidFill>
+                <a:latin typeface="Tahoma" panose="020B0604030504040204" pitchFamily="34" charset="0"/>
+                <a:ea typeface="Tahoma" panose="020B0604030504040204" pitchFamily="34" charset="0"/>
+                <a:cs typeface="Tahoma" panose="020B0604030504040204" pitchFamily="34" charset="0"/>
               </a:rPr>
               <a:t> </a:t>
             </a:r>
@@ -10897,84 +9926,32 @@
                 <a:solidFill>
                   <a:srgbClr val="374552"/>
                 </a:solidFill>
-                <a:latin typeface="Verdana"/>
-                <a:cs typeface="Verdana"/>
-              </a:rPr>
-              <a:t>for</a:t>
-            </a:r>
-            <a:r>
-              <a:rPr lang="en-US" spc="-25" dirty="0">
-                <a:solidFill>
-                  <a:srgbClr val="374552"/>
-                </a:solidFill>
-                <a:latin typeface="Verdana"/>
-                <a:cs typeface="Verdana"/>
-              </a:rPr>
-              <a:t> </a:t>
-            </a:r>
-            <a:r>
-              <a:rPr lang="en-US" spc="-10" dirty="0">
-                <a:solidFill>
-                  <a:srgbClr val="374552"/>
-                </a:solidFill>
-                <a:latin typeface="Verdana"/>
-                <a:cs typeface="Verdana"/>
-              </a:rPr>
-              <a:t>courses, </a:t>
-            </a:r>
-            <a:r>
-              <a:rPr lang="en-US" spc="-20" dirty="0">
-                <a:solidFill>
-                  <a:srgbClr val="374552"/>
-                </a:solidFill>
-                <a:latin typeface="Verdana"/>
-                <a:cs typeface="Verdana"/>
-              </a:rPr>
-              <a:t>grades,</a:t>
-            </a:r>
-            <a:r>
-              <a:rPr lang="en-US" spc="-80" dirty="0">
-                <a:solidFill>
-                  <a:srgbClr val="374552"/>
-                </a:solidFill>
-                <a:latin typeface="Verdana"/>
-                <a:cs typeface="Verdana"/>
-              </a:rPr>
-              <a:t> </a:t>
-            </a:r>
-            <a:r>
-              <a:rPr lang="en-US" spc="50" dirty="0">
-                <a:solidFill>
-                  <a:srgbClr val="374552"/>
-                </a:solidFill>
-                <a:latin typeface="Verdana"/>
-                <a:cs typeface="Verdana"/>
-              </a:rPr>
-              <a:t>and</a:t>
-            </a:r>
-            <a:r>
-              <a:rPr lang="en-US" spc="-75" dirty="0">
-                <a:solidFill>
-                  <a:srgbClr val="374552"/>
-                </a:solidFill>
-                <a:latin typeface="Verdana"/>
-                <a:cs typeface="Verdana"/>
-              </a:rPr>
-              <a:t> </a:t>
-            </a:r>
-            <a:r>
-              <a:rPr lang="en-US" spc="-10" dirty="0">
-                <a:solidFill>
-                  <a:srgbClr val="374552"/>
-                </a:solidFill>
-                <a:latin typeface="Verdana"/>
-                <a:cs typeface="Verdana"/>
-              </a:rPr>
-              <a:t>qualifications.</a:t>
+                <a:latin typeface="Tahoma" panose="020B0604030504040204" pitchFamily="34" charset="0"/>
+                <a:ea typeface="Tahoma" panose="020B0604030504040204" pitchFamily="34" charset="0"/>
+                <a:cs typeface="Tahoma" panose="020B0604030504040204" pitchFamily="34" charset="0"/>
+              </a:rPr>
+              <a:t>data.</a:t>
             </a:r>
             <a:endParaRPr lang="en-US" dirty="0">
-              <a:latin typeface="Verdana"/>
-              <a:cs typeface="Verdana"/>
+              <a:latin typeface="Tahoma" panose="020B0604030504040204" pitchFamily="34" charset="0"/>
+              <a:ea typeface="Tahoma" panose="020B0604030504040204" pitchFamily="34" charset="0"/>
+              <a:cs typeface="Tahoma" panose="020B0604030504040204" pitchFamily="34" charset="0"/>
+            </a:endParaRPr>
+          </a:p>
+          <a:p>
+            <a:pPr marL="0" indent="0">
+              <a:lnSpc>
+                <a:spcPct val="100000"/>
+              </a:lnSpc>
+              <a:spcBef>
+                <a:spcPts val="85"/>
+              </a:spcBef>
+              <a:buNone/>
+            </a:pPr>
+            <a:endParaRPr lang="en-US" dirty="0">
+              <a:latin typeface="Tahoma" panose="020B0604030504040204" pitchFamily="34" charset="0"/>
+              <a:ea typeface="Tahoma" panose="020B0604030504040204" pitchFamily="34" charset="0"/>
+              <a:cs typeface="Tahoma" panose="020B0604030504040204" pitchFamily="34" charset="0"/>
             </a:endParaRPr>
           </a:p>
           <a:p>
@@ -10983,183 +9960,53 @@
                 <a:spcPct val="100000"/>
               </a:lnSpc>
               <a:spcBef>
-                <a:spcPts val="135"/>
+                <a:spcPts val="5"/>
               </a:spcBef>
             </a:pPr>
             <a:r>
-              <a:rPr lang="en-US" sz="3200" spc="-130" dirty="0">
-                <a:latin typeface="Tahoma"/>
-                <a:cs typeface="Tahoma"/>
-              </a:rPr>
-              <a:t>Data</a:t>
-            </a:r>
-            <a:r>
-              <a:rPr lang="en-US" sz="3200" spc="-125" dirty="0">
-                <a:latin typeface="Tahoma"/>
-                <a:cs typeface="Tahoma"/>
+              <a:rPr lang="en-US" sz="3200" spc="-140" dirty="0">
+                <a:latin typeface="Tahoma" panose="020B0604030504040204" pitchFamily="34" charset="0"/>
+                <a:ea typeface="Tahoma" panose="020B0604030504040204" pitchFamily="34" charset="0"/>
+                <a:cs typeface="Tahoma" panose="020B0604030504040204" pitchFamily="34" charset="0"/>
+              </a:rPr>
+              <a:t>ML</a:t>
+            </a:r>
+            <a:r>
+              <a:rPr lang="en-US" sz="3200" spc="-105" dirty="0">
+                <a:latin typeface="Tahoma" panose="020B0604030504040204" pitchFamily="34" charset="0"/>
+                <a:ea typeface="Tahoma" panose="020B0604030504040204" pitchFamily="34" charset="0"/>
+                <a:cs typeface="Tahoma" panose="020B0604030504040204" pitchFamily="34" charset="0"/>
+              </a:rPr>
+              <a:t> </a:t>
+            </a:r>
+            <a:r>
+              <a:rPr lang="en-US" sz="3200" spc="-80" dirty="0">
+                <a:latin typeface="Tahoma" panose="020B0604030504040204" pitchFamily="34" charset="0"/>
+                <a:ea typeface="Tahoma" panose="020B0604030504040204" pitchFamily="34" charset="0"/>
+                <a:cs typeface="Tahoma" panose="020B0604030504040204" pitchFamily="34" charset="0"/>
+              </a:rPr>
+              <a:t>Prediction</a:t>
+            </a:r>
+            <a:r>
+              <a:rPr lang="en-US" sz="3200" spc="-100" dirty="0">
+                <a:latin typeface="Tahoma" panose="020B0604030504040204" pitchFamily="34" charset="0"/>
+                <a:ea typeface="Tahoma" panose="020B0604030504040204" pitchFamily="34" charset="0"/>
+                <a:cs typeface="Tahoma" panose="020B0604030504040204" pitchFamily="34" charset="0"/>
               </a:rPr>
               <a:t> </a:t>
             </a:r>
             <a:r>
               <a:rPr lang="en-US" sz="3200" spc="-10" dirty="0">
-                <a:latin typeface="Tahoma"/>
-                <a:cs typeface="Tahoma"/>
-              </a:rPr>
-              <a:t>Cleaning</a:t>
+                <a:latin typeface="Tahoma" panose="020B0604030504040204" pitchFamily="34" charset="0"/>
+                <a:ea typeface="Tahoma" panose="020B0604030504040204" pitchFamily="34" charset="0"/>
+                <a:cs typeface="Tahoma" panose="020B0604030504040204" pitchFamily="34" charset="0"/>
+              </a:rPr>
+              <a:t>Engine</a:t>
             </a:r>
             <a:endParaRPr lang="en-US" sz="3200" dirty="0">
-              <a:latin typeface="Tahoma"/>
-              <a:cs typeface="Tahoma"/>
-            </a:endParaRPr>
-          </a:p>
-          <a:p>
-            <a:pPr marL="0" marR="5080" indent="0">
-              <a:lnSpc>
-                <a:spcPct val="135000"/>
-              </a:lnSpc>
-              <a:spcBef>
-                <a:spcPts val="520"/>
-              </a:spcBef>
-              <a:buNone/>
-            </a:pPr>
-            <a:r>
-              <a:rPr lang="en-US" spc="45" dirty="0">
-                <a:solidFill>
-                  <a:srgbClr val="374552"/>
-                </a:solidFill>
-                <a:latin typeface="Verdana"/>
-                <a:cs typeface="Verdana"/>
-              </a:rPr>
-              <a:t>  Automated</a:t>
-            </a:r>
-            <a:r>
-              <a:rPr lang="en-US" spc="-70" dirty="0">
-                <a:solidFill>
-                  <a:srgbClr val="374552"/>
-                </a:solidFill>
-                <a:latin typeface="Verdana"/>
-                <a:cs typeface="Verdana"/>
-              </a:rPr>
-              <a:t> </a:t>
-            </a:r>
-            <a:r>
-              <a:rPr lang="en-US" dirty="0">
-                <a:solidFill>
-                  <a:srgbClr val="374552"/>
-                </a:solidFill>
-                <a:latin typeface="Verdana"/>
-                <a:cs typeface="Verdana"/>
-              </a:rPr>
-              <a:t>processes</a:t>
-            </a:r>
-            <a:r>
-              <a:rPr lang="en-US" spc="-65" dirty="0">
-                <a:solidFill>
-                  <a:srgbClr val="374552"/>
-                </a:solidFill>
-                <a:latin typeface="Verdana"/>
-                <a:cs typeface="Verdana"/>
-              </a:rPr>
-              <a:t> </a:t>
-            </a:r>
-            <a:r>
-              <a:rPr lang="en-US" spc="-25" dirty="0">
-                <a:solidFill>
-                  <a:srgbClr val="374552"/>
-                </a:solidFill>
-                <a:latin typeface="Verdana"/>
-                <a:cs typeface="Verdana"/>
-              </a:rPr>
-              <a:t>for </a:t>
-            </a:r>
-            <a:r>
-              <a:rPr lang="en-US" dirty="0">
-                <a:solidFill>
-                  <a:srgbClr val="374552"/>
-                </a:solidFill>
-                <a:latin typeface="Verdana"/>
-                <a:cs typeface="Verdana"/>
-              </a:rPr>
-              <a:t>consistency</a:t>
-            </a:r>
-            <a:r>
-              <a:rPr lang="en-US" spc="5" dirty="0">
-                <a:solidFill>
-                  <a:srgbClr val="374552"/>
-                </a:solidFill>
-                <a:latin typeface="Verdana"/>
-                <a:cs typeface="Verdana"/>
-              </a:rPr>
-              <a:t> </a:t>
-            </a:r>
-            <a:r>
-              <a:rPr lang="en-US" spc="50" dirty="0">
-                <a:solidFill>
-                  <a:srgbClr val="374552"/>
-                </a:solidFill>
-                <a:latin typeface="Verdana"/>
-                <a:cs typeface="Verdana"/>
-              </a:rPr>
-              <a:t>and</a:t>
-            </a:r>
-            <a:r>
-              <a:rPr lang="en-US" spc="10" dirty="0">
-                <a:solidFill>
-                  <a:srgbClr val="374552"/>
-                </a:solidFill>
-                <a:latin typeface="Verdana"/>
-                <a:cs typeface="Verdana"/>
-              </a:rPr>
-              <a:t> </a:t>
-            </a:r>
-            <a:r>
-              <a:rPr lang="en-US" spc="-10" dirty="0">
-                <a:solidFill>
-                  <a:srgbClr val="374552"/>
-                </a:solidFill>
-                <a:latin typeface="Verdana"/>
-                <a:cs typeface="Verdana"/>
-              </a:rPr>
-              <a:t>accuracy.</a:t>
-            </a:r>
-            <a:endParaRPr lang="en-US" dirty="0">
-              <a:latin typeface="Verdana"/>
-              <a:cs typeface="Verdana"/>
-            </a:endParaRPr>
-          </a:p>
-          <a:p>
-            <a:pPr marL="12700">
-              <a:lnSpc>
-                <a:spcPct val="100000"/>
-              </a:lnSpc>
-              <a:spcBef>
-                <a:spcPts val="135"/>
-              </a:spcBef>
-            </a:pPr>
-            <a:r>
-              <a:rPr lang="en-US" sz="3200" spc="-100" dirty="0">
-                <a:latin typeface="Tahoma"/>
-                <a:cs typeface="Tahoma"/>
-              </a:rPr>
-              <a:t>Feature</a:t>
-            </a:r>
-            <a:r>
-              <a:rPr lang="en-US" sz="3200" spc="-85" dirty="0">
-                <a:latin typeface="Tahoma"/>
-                <a:cs typeface="Tahoma"/>
-              </a:rPr>
-              <a:t> </a:t>
-            </a:r>
-            <a:r>
-              <a:rPr lang="en-US" sz="3200" spc="-10" dirty="0">
-                <a:latin typeface="Tahoma"/>
-                <a:cs typeface="Tahoma"/>
-              </a:rPr>
-              <a:t>Engineering</a:t>
-            </a:r>
-            <a:endParaRPr lang="en-US" sz="3200" dirty="0">
-              <a:latin typeface="Tahoma"/>
-              <a:cs typeface="Tahoma"/>
+              <a:latin typeface="Tahoma" panose="020B0604030504040204" pitchFamily="34" charset="0"/>
+              <a:ea typeface="Tahoma" panose="020B0604030504040204" pitchFamily="34" charset="0"/>
+              <a:cs typeface="Tahoma" panose="020B0604030504040204" pitchFamily="34" charset="0"/>
             </a:endParaRPr>
           </a:p>
           <a:p>
@@ -11177,18 +10024,64 @@
                 <a:solidFill>
                   <a:srgbClr val="374552"/>
                 </a:solidFill>
-                <a:latin typeface="Verdana"/>
-                <a:cs typeface="Verdana"/>
-              </a:rPr>
-              <a:t>  Transforming</a:t>
-            </a:r>
-            <a:r>
-              <a:rPr lang="en-US" spc="35" dirty="0">
-                <a:solidFill>
-                  <a:srgbClr val="374552"/>
-                </a:solidFill>
-                <a:latin typeface="Verdana"/>
-                <a:cs typeface="Verdana"/>
+                <a:latin typeface="Tahoma" panose="020B0604030504040204" pitchFamily="34" charset="0"/>
+                <a:ea typeface="Tahoma" panose="020B0604030504040204" pitchFamily="34" charset="0"/>
+                <a:cs typeface="Tahoma" panose="020B0604030504040204" pitchFamily="34" charset="0"/>
+              </a:rPr>
+              <a:t>  Utilizing</a:t>
+            </a:r>
+            <a:r>
+              <a:rPr lang="en-US" spc="-25" dirty="0">
+                <a:solidFill>
+                  <a:srgbClr val="374552"/>
+                </a:solidFill>
+                <a:latin typeface="Tahoma" panose="020B0604030504040204" pitchFamily="34" charset="0"/>
+                <a:ea typeface="Tahoma" panose="020B0604030504040204" pitchFamily="34" charset="0"/>
+                <a:cs typeface="Tahoma" panose="020B0604030504040204" pitchFamily="34" charset="0"/>
+              </a:rPr>
+              <a:t> </a:t>
+            </a:r>
+            <a:r>
+              <a:rPr lang="en-US" spc="60" dirty="0">
+                <a:solidFill>
+                  <a:srgbClr val="374552"/>
+                </a:solidFill>
+                <a:latin typeface="Tahoma" panose="020B0604030504040204" pitchFamily="34" charset="0"/>
+                <a:ea typeface="Tahoma" panose="020B0604030504040204" pitchFamily="34" charset="0"/>
+                <a:cs typeface="Tahoma" panose="020B0604030504040204" pitchFamily="34" charset="0"/>
+              </a:rPr>
+              <a:t>Random</a:t>
+            </a:r>
+            <a:r>
+              <a:rPr lang="en-US" spc="-25" dirty="0">
+                <a:solidFill>
+                  <a:srgbClr val="374552"/>
+                </a:solidFill>
+                <a:latin typeface="Tahoma" panose="020B0604030504040204" pitchFamily="34" charset="0"/>
+                <a:ea typeface="Tahoma" panose="020B0604030504040204" pitchFamily="34" charset="0"/>
+                <a:cs typeface="Tahoma" panose="020B0604030504040204" pitchFamily="34" charset="0"/>
+              </a:rPr>
+              <a:t> </a:t>
+            </a:r>
+            <a:r>
+              <a:rPr lang="en-US" dirty="0">
+                <a:solidFill>
+                  <a:srgbClr val="374552"/>
+                </a:solidFill>
+                <a:latin typeface="Tahoma" panose="020B0604030504040204" pitchFamily="34" charset="0"/>
+                <a:ea typeface="Tahoma" panose="020B0604030504040204" pitchFamily="34" charset="0"/>
+                <a:cs typeface="Tahoma" panose="020B0604030504040204" pitchFamily="34" charset="0"/>
+              </a:rPr>
+              <a:t>Forest</a:t>
+            </a:r>
+            <a:r>
+              <a:rPr lang="en-US" spc="-25" dirty="0">
+                <a:solidFill>
+                  <a:srgbClr val="374552"/>
+                </a:solidFill>
+                <a:latin typeface="Tahoma" panose="020B0604030504040204" pitchFamily="34" charset="0"/>
+                <a:ea typeface="Tahoma" panose="020B0604030504040204" pitchFamily="34" charset="0"/>
+                <a:cs typeface="Tahoma" panose="020B0604030504040204" pitchFamily="34" charset="0"/>
               </a:rPr>
               <a:t> </a:t>
             </a:r>
@@ -11197,18 +10090,20 @@
                 <a:solidFill>
                   <a:srgbClr val="374552"/>
                 </a:solidFill>
-                <a:latin typeface="Verdana"/>
-                <a:cs typeface="Verdana"/>
-              </a:rPr>
-              <a:t>raw</a:t>
-            </a:r>
-            <a:r>
-              <a:rPr lang="en-US" spc="35" dirty="0">
-                <a:solidFill>
-                  <a:srgbClr val="374552"/>
-                </a:solidFill>
-                <a:latin typeface="Verdana"/>
-                <a:cs typeface="Verdana"/>
+                <a:latin typeface="Tahoma" panose="020B0604030504040204" pitchFamily="34" charset="0"/>
+                <a:ea typeface="Tahoma" panose="020B0604030504040204" pitchFamily="34" charset="0"/>
+                <a:cs typeface="Tahoma" panose="020B0604030504040204" pitchFamily="34" charset="0"/>
+              </a:rPr>
+              <a:t>for</a:t>
+            </a:r>
+            <a:r>
+              <a:rPr lang="en-US" spc="-25" dirty="0">
+                <a:solidFill>
+                  <a:srgbClr val="374552"/>
+                </a:solidFill>
+                <a:latin typeface="Tahoma" panose="020B0604030504040204" pitchFamily="34" charset="0"/>
+                <a:ea typeface="Tahoma" panose="020B0604030504040204" pitchFamily="34" charset="0"/>
+                <a:cs typeface="Tahoma" panose="020B0604030504040204" pitchFamily="34" charset="0"/>
               </a:rPr>
               <a:t> </a:t>
             </a:r>
@@ -11217,38 +10112,121 @@
                 <a:solidFill>
                   <a:srgbClr val="374552"/>
                 </a:solidFill>
-                <a:latin typeface="Verdana"/>
-                <a:cs typeface="Verdana"/>
-              </a:rPr>
-              <a:t>data</a:t>
-            </a:r>
-            <a:r>
-              <a:rPr lang="en-US" spc="40" dirty="0">
-                <a:solidFill>
-                  <a:srgbClr val="374552"/>
-                </a:solidFill>
-                <a:latin typeface="Verdana"/>
-                <a:cs typeface="Verdana"/>
-              </a:rPr>
-              <a:t> </a:t>
-            </a:r>
+                <a:latin typeface="Tahoma" panose="020B0604030504040204" pitchFamily="34" charset="0"/>
+                <a:ea typeface="Tahoma" panose="020B0604030504040204" pitchFamily="34" charset="0"/>
+                <a:cs typeface="Tahoma" panose="020B0604030504040204" pitchFamily="34" charset="0"/>
+              </a:rPr>
+              <a:t>career</a:t>
+            </a:r>
+            <a:r>
+              <a:rPr lang="en-US" spc="-25" dirty="0">
+                <a:solidFill>
+                  <a:srgbClr val="374552"/>
+                </a:solidFill>
+                <a:latin typeface="Tahoma" panose="020B0604030504040204" pitchFamily="34" charset="0"/>
+                <a:ea typeface="Tahoma" panose="020B0604030504040204" pitchFamily="34" charset="0"/>
+                <a:cs typeface="Tahoma" panose="020B0604030504040204" pitchFamily="34" charset="0"/>
+              </a:rPr>
+              <a:t> </a:t>
+            </a:r>
+            <a:r>
+              <a:rPr lang="en-US" spc="-10" dirty="0">
+                <a:solidFill>
+                  <a:srgbClr val="374552"/>
+                </a:solidFill>
+                <a:latin typeface="Tahoma" panose="020B0604030504040204" pitchFamily="34" charset="0"/>
+                <a:ea typeface="Tahoma" panose="020B0604030504040204" pitchFamily="34" charset="0"/>
+                <a:cs typeface="Tahoma" panose="020B0604030504040204" pitchFamily="34" charset="0"/>
+              </a:rPr>
+              <a:t>forecasting.</a:t>
+            </a:r>
+            <a:endParaRPr lang="en-US" dirty="0">
+              <a:latin typeface="Tahoma" panose="020B0604030504040204" pitchFamily="34" charset="0"/>
+              <a:ea typeface="Tahoma" panose="020B0604030504040204" pitchFamily="34" charset="0"/>
+              <a:cs typeface="Tahoma" panose="020B0604030504040204" pitchFamily="34" charset="0"/>
+            </a:endParaRPr>
+          </a:p>
+          <a:p>
+            <a:pPr marL="0" indent="0">
+              <a:lnSpc>
+                <a:spcPct val="100000"/>
+              </a:lnSpc>
+              <a:spcBef>
+                <a:spcPts val="85"/>
+              </a:spcBef>
+              <a:buNone/>
+            </a:pPr>
+            <a:endParaRPr lang="en-US" dirty="0">
+              <a:latin typeface="Tahoma" panose="020B0604030504040204" pitchFamily="34" charset="0"/>
+              <a:ea typeface="Tahoma" panose="020B0604030504040204" pitchFamily="34" charset="0"/>
+              <a:cs typeface="Tahoma" panose="020B0604030504040204" pitchFamily="34" charset="0"/>
+            </a:endParaRPr>
+          </a:p>
+          <a:p>
+            <a:pPr marL="12700">
+              <a:lnSpc>
+                <a:spcPct val="100000"/>
+              </a:lnSpc>
+            </a:pPr>
+            <a:r>
+              <a:rPr lang="en-US" sz="3200" spc="-90" dirty="0">
+                <a:latin typeface="Tahoma" panose="020B0604030504040204" pitchFamily="34" charset="0"/>
+                <a:ea typeface="Tahoma" panose="020B0604030504040204" pitchFamily="34" charset="0"/>
+                <a:cs typeface="Tahoma" panose="020B0604030504040204" pitchFamily="34" charset="0"/>
+              </a:rPr>
+              <a:t>Personalized</a:t>
+            </a:r>
+            <a:r>
+              <a:rPr lang="en-US" sz="3200" spc="-60" dirty="0">
+                <a:latin typeface="Tahoma" panose="020B0604030504040204" pitchFamily="34" charset="0"/>
+                <a:ea typeface="Tahoma" panose="020B0604030504040204" pitchFamily="34" charset="0"/>
+                <a:cs typeface="Tahoma" panose="020B0604030504040204" pitchFamily="34" charset="0"/>
+              </a:rPr>
+              <a:t> </a:t>
+            </a:r>
+            <a:r>
+              <a:rPr lang="en-US" sz="3200" spc="-30" dirty="0">
+                <a:latin typeface="Tahoma" panose="020B0604030504040204" pitchFamily="34" charset="0"/>
+                <a:ea typeface="Tahoma" panose="020B0604030504040204" pitchFamily="34" charset="0"/>
+                <a:cs typeface="Tahoma" panose="020B0604030504040204" pitchFamily="34" charset="0"/>
+              </a:rPr>
+              <a:t>Recommendations</a:t>
+            </a:r>
+            <a:endParaRPr lang="en-US" sz="3200" dirty="0">
+              <a:latin typeface="Tahoma" panose="020B0604030504040204" pitchFamily="34" charset="0"/>
+              <a:ea typeface="Tahoma" panose="020B0604030504040204" pitchFamily="34" charset="0"/>
+              <a:cs typeface="Tahoma" panose="020B0604030504040204" pitchFamily="34" charset="0"/>
+            </a:endParaRPr>
+          </a:p>
+          <a:p>
+            <a:pPr marL="0" indent="0">
+              <a:lnSpc>
+                <a:spcPct val="100000"/>
+              </a:lnSpc>
+              <a:spcBef>
+                <a:spcPts val="1045"/>
+              </a:spcBef>
+              <a:buNone/>
+            </a:pPr>
             <a:r>
               <a:rPr lang="en-US" dirty="0">
                 <a:solidFill>
                   <a:srgbClr val="374552"/>
                 </a:solidFill>
-                <a:latin typeface="Verdana"/>
-                <a:cs typeface="Verdana"/>
-              </a:rPr>
-              <a:t>into</a:t>
-            </a:r>
-            <a:r>
-              <a:rPr lang="en-US" spc="35" dirty="0">
-                <a:solidFill>
-                  <a:srgbClr val="374552"/>
-                </a:solidFill>
-                <a:latin typeface="Verdana"/>
-                <a:cs typeface="Verdana"/>
+                <a:latin typeface="Tahoma" panose="020B0604030504040204" pitchFamily="34" charset="0"/>
+                <a:ea typeface="Tahoma" panose="020B0604030504040204" pitchFamily="34" charset="0"/>
+                <a:cs typeface="Tahoma" panose="020B0604030504040204" pitchFamily="34" charset="0"/>
+              </a:rPr>
+              <a:t>  Generating</a:t>
+            </a:r>
+            <a:r>
+              <a:rPr lang="en-US" spc="-35" dirty="0">
+                <a:solidFill>
+                  <a:srgbClr val="374552"/>
+                </a:solidFill>
+                <a:latin typeface="Tahoma" panose="020B0604030504040204" pitchFamily="34" charset="0"/>
+                <a:ea typeface="Tahoma" panose="020B0604030504040204" pitchFamily="34" charset="0"/>
+                <a:cs typeface="Tahoma" panose="020B0604030504040204" pitchFamily="34" charset="0"/>
               </a:rPr>
               <a:t> </a:t>
             </a:r>
@@ -11257,38 +10235,64 @@
                 <a:solidFill>
                   <a:srgbClr val="374552"/>
                 </a:solidFill>
-                <a:latin typeface="Verdana"/>
-                <a:cs typeface="Verdana"/>
-              </a:rPr>
-              <a:t>meaningful</a:t>
-            </a:r>
-            <a:r>
-              <a:rPr lang="en-US" spc="35" dirty="0">
-                <a:solidFill>
-                  <a:srgbClr val="374552"/>
-                </a:solidFill>
-                <a:latin typeface="Verdana"/>
-                <a:cs typeface="Verdana"/>
-              </a:rPr>
-              <a:t> </a:t>
-            </a:r>
-            <a:r>
-              <a:rPr lang="en-US" spc="105" dirty="0">
-                <a:solidFill>
-                  <a:srgbClr val="374552"/>
-                </a:solidFill>
-                <a:latin typeface="Verdana"/>
-                <a:cs typeface="Verdana"/>
-              </a:rPr>
-              <a:t>ML</a:t>
-            </a:r>
-            <a:r>
-              <a:rPr lang="en-US" spc="40" dirty="0">
-                <a:solidFill>
-                  <a:srgbClr val="374552"/>
-                </a:solidFill>
-                <a:latin typeface="Verdana"/>
-                <a:cs typeface="Verdana"/>
+                <a:latin typeface="Tahoma" panose="020B0604030504040204" pitchFamily="34" charset="0"/>
+                <a:ea typeface="Tahoma" panose="020B0604030504040204" pitchFamily="34" charset="0"/>
+                <a:cs typeface="Tahoma" panose="020B0604030504040204" pitchFamily="34" charset="0"/>
+              </a:rPr>
+              <a:t>relevant</a:t>
+            </a:r>
+            <a:r>
+              <a:rPr lang="en-US" spc="-40" dirty="0">
+                <a:solidFill>
+                  <a:srgbClr val="374552"/>
+                </a:solidFill>
+                <a:latin typeface="Tahoma" panose="020B0604030504040204" pitchFamily="34" charset="0"/>
+                <a:ea typeface="Tahoma" panose="020B0604030504040204" pitchFamily="34" charset="0"/>
+                <a:cs typeface="Tahoma" panose="020B0604030504040204" pitchFamily="34" charset="0"/>
+              </a:rPr>
+              <a:t> </a:t>
+            </a:r>
+            <a:r>
+              <a:rPr lang="en-US" dirty="0">
+                <a:solidFill>
+                  <a:srgbClr val="374552"/>
+                </a:solidFill>
+                <a:latin typeface="Tahoma" panose="020B0604030504040204" pitchFamily="34" charset="0"/>
+                <a:ea typeface="Tahoma" panose="020B0604030504040204" pitchFamily="34" charset="0"/>
+                <a:cs typeface="Tahoma" panose="020B0604030504040204" pitchFamily="34" charset="0"/>
+              </a:rPr>
+              <a:t>job</a:t>
+            </a:r>
+            <a:r>
+              <a:rPr lang="en-US" spc="-30" dirty="0">
+                <a:solidFill>
+                  <a:srgbClr val="374552"/>
+                </a:solidFill>
+                <a:latin typeface="Tahoma" panose="020B0604030504040204" pitchFamily="34" charset="0"/>
+                <a:ea typeface="Tahoma" panose="020B0604030504040204" pitchFamily="34" charset="0"/>
+                <a:cs typeface="Tahoma" panose="020B0604030504040204" pitchFamily="34" charset="0"/>
+              </a:rPr>
+              <a:t> </a:t>
+            </a:r>
+            <a:r>
+              <a:rPr lang="en-US" dirty="0">
+                <a:solidFill>
+                  <a:srgbClr val="374552"/>
+                </a:solidFill>
+                <a:latin typeface="Tahoma" panose="020B0604030504040204" pitchFamily="34" charset="0"/>
+                <a:ea typeface="Tahoma" panose="020B0604030504040204" pitchFamily="34" charset="0"/>
+                <a:cs typeface="Tahoma" panose="020B0604030504040204" pitchFamily="34" charset="0"/>
+              </a:rPr>
+              <a:t>role</a:t>
+            </a:r>
+            <a:r>
+              <a:rPr lang="en-US" spc="-30" dirty="0">
+                <a:solidFill>
+                  <a:srgbClr val="374552"/>
+                </a:solidFill>
+                <a:latin typeface="Tahoma" panose="020B0604030504040204" pitchFamily="34" charset="0"/>
+                <a:ea typeface="Tahoma" panose="020B0604030504040204" pitchFamily="34" charset="0"/>
+                <a:cs typeface="Tahoma" panose="020B0604030504040204" pitchFamily="34" charset="0"/>
               </a:rPr>
               <a:t> </a:t>
             </a:r>
@@ -11297,25 +10301,31 @@
                 <a:solidFill>
                   <a:srgbClr val="374552"/>
                 </a:solidFill>
-                <a:latin typeface="Verdana"/>
-                <a:cs typeface="Verdana"/>
-              </a:rPr>
-              <a:t>features.</a:t>
+                <a:latin typeface="Tahoma" panose="020B0604030504040204" pitchFamily="34" charset="0"/>
+                <a:ea typeface="Tahoma" panose="020B0604030504040204" pitchFamily="34" charset="0"/>
+                <a:cs typeface="Tahoma" panose="020B0604030504040204" pitchFamily="34" charset="0"/>
+              </a:rPr>
+              <a:t>suggestions.</a:t>
             </a:r>
             <a:endParaRPr lang="en-US" dirty="0">
-              <a:latin typeface="Verdana"/>
-              <a:cs typeface="Verdana"/>
+              <a:latin typeface="Tahoma" panose="020B0604030504040204" pitchFamily="34" charset="0"/>
+              <a:ea typeface="Tahoma" panose="020B0604030504040204" pitchFamily="34" charset="0"/>
+              <a:cs typeface="Tahoma" panose="020B0604030504040204" pitchFamily="34" charset="0"/>
             </a:endParaRPr>
           </a:p>
           <a:p>
-            <a:endParaRPr lang="en-IN" dirty="0"/>
+            <a:endParaRPr lang="en-IN" dirty="0">
+              <a:latin typeface="Tahoma" panose="020B0604030504040204" pitchFamily="34" charset="0"/>
+              <a:ea typeface="Tahoma" panose="020B0604030504040204" pitchFamily="34" charset="0"/>
+              <a:cs typeface="Tahoma" panose="020B0604030504040204" pitchFamily="34" charset="0"/>
+            </a:endParaRPr>
           </a:p>
         </p:txBody>
       </p:sp>
     </p:spTree>
     <p:extLst>
       <p:ext uri="{BB962C8B-B14F-4D97-AF65-F5344CB8AC3E}">
-        <p14:creationId xmlns:p14="http://schemas.microsoft.com/office/powerpoint/2010/main" val="4179522257"/>
+        <p14:creationId xmlns:p14="http://schemas.microsoft.com/office/powerpoint/2010/main" val="1600732341"/>
       </p:ext>
     </p:extLst>
   </p:cSld>
@@ -11342,118 +10352,399 @@
           <a:chExt cx="0" cy="0"/>
         </a:xfrm>
       </p:grpSpPr>
-      <p:pic>
-        <p:nvPicPr>
-          <p:cNvPr id="5" name="Picture 4">
+      <p:sp>
+        <p:nvSpPr>
+          <p:cNvPr id="2" name="Title 1">
             <a:extLst>
               <a:ext uri="{FF2B5EF4-FFF2-40B4-BE49-F238E27FC236}">
-                <a16:creationId xmlns:a16="http://schemas.microsoft.com/office/drawing/2014/main" id="{1662196C-0A88-206E-813F-C77351D26FE7}"/>
+                <a16:creationId xmlns:a16="http://schemas.microsoft.com/office/drawing/2014/main" id="{02DCA196-E67B-8DA5-E839-9C360638986F}"/>
               </a:ext>
             </a:extLst>
           </p:cNvPr>
-          <p:cNvPicPr>
-            <a:picLocks noChangeAspect="1"/>
-          </p:cNvPicPr>
-          <p:nvPr/>
-        </p:nvPicPr>
-        <p:blipFill>
-          <a:blip r:embed="rId2">
-            <a:extLst>
-              <a:ext uri="{28A0092B-C50C-407E-A947-70E740481C1C}">
-                <a14:useLocalDpi xmlns:a14="http://schemas.microsoft.com/office/drawing/2010/main" val="0"/>
-              </a:ext>
-            </a:extLst>
-          </a:blip>
-          <a:stretch>
-            <a:fillRect/>
-          </a:stretch>
-        </p:blipFill>
-        <p:spPr>
-          <a:xfrm>
-            <a:off x="134112" y="251864"/>
-            <a:ext cx="5599176" cy="2884605"/>
-          </a:xfrm>
-          <a:prstGeom prst="rect">
-            <a:avLst/>
-          </a:prstGeom>
-        </p:spPr>
-      </p:pic>
-      <p:pic>
-        <p:nvPicPr>
-          <p:cNvPr id="7" name="Picture 6">
+          <p:cNvSpPr>
+            <a:spLocks noGrp="1"/>
+          </p:cNvSpPr>
+          <p:nvPr>
+            <p:ph type="title"/>
+          </p:nvPr>
+        </p:nvSpPr>
+        <p:spPr/>
+        <p:txBody>
+          <a:bodyPr>
+            <a:normAutofit/>
+          </a:bodyPr>
+          <a:lstStyle/>
+          <a:p>
+            <a:r>
+              <a:rPr lang="en-IN" sz="4000" spc="-245" dirty="0">
+                <a:latin typeface="Tahoma" panose="020B0604030504040204" pitchFamily="34" charset="0"/>
+                <a:ea typeface="Tahoma" panose="020B0604030504040204" pitchFamily="34" charset="0"/>
+                <a:cs typeface="Tahoma" panose="020B0604030504040204" pitchFamily="34" charset="0"/>
+              </a:rPr>
+              <a:t>Milestone 4: Admin</a:t>
+            </a:r>
+            <a:r>
+              <a:rPr lang="en-IN" sz="4000" spc="-280" dirty="0">
+                <a:latin typeface="Tahoma" panose="020B0604030504040204" pitchFamily="34" charset="0"/>
+                <a:ea typeface="Tahoma" panose="020B0604030504040204" pitchFamily="34" charset="0"/>
+                <a:cs typeface="Tahoma" panose="020B0604030504040204" pitchFamily="34" charset="0"/>
+              </a:rPr>
+              <a:t> </a:t>
+            </a:r>
+            <a:r>
+              <a:rPr lang="en-IN" sz="4000" spc="-245" dirty="0">
+                <a:latin typeface="Tahoma" panose="020B0604030504040204" pitchFamily="34" charset="0"/>
+                <a:ea typeface="Tahoma" panose="020B0604030504040204" pitchFamily="34" charset="0"/>
+                <a:cs typeface="Tahoma" panose="020B0604030504040204" pitchFamily="34" charset="0"/>
+              </a:rPr>
+              <a:t>Dashboard</a:t>
+            </a:r>
+            <a:r>
+              <a:rPr lang="en-IN" sz="4000" spc="-275" dirty="0">
+                <a:latin typeface="Tahoma" panose="020B0604030504040204" pitchFamily="34" charset="0"/>
+                <a:ea typeface="Tahoma" panose="020B0604030504040204" pitchFamily="34" charset="0"/>
+                <a:cs typeface="Tahoma" panose="020B0604030504040204" pitchFamily="34" charset="0"/>
+              </a:rPr>
+              <a:t> </a:t>
+            </a:r>
+            <a:r>
+              <a:rPr lang="en-IN" sz="4000" spc="-245" dirty="0">
+                <a:latin typeface="Tahoma" panose="020B0604030504040204" pitchFamily="34" charset="0"/>
+                <a:ea typeface="Tahoma" panose="020B0604030504040204" pitchFamily="34" charset="0"/>
+                <a:cs typeface="Tahoma" panose="020B0604030504040204" pitchFamily="34" charset="0"/>
+              </a:rPr>
+              <a:t>&amp;</a:t>
+            </a:r>
+            <a:r>
+              <a:rPr lang="en-IN" sz="4000" spc="-275" dirty="0">
+                <a:latin typeface="Tahoma" panose="020B0604030504040204" pitchFamily="34" charset="0"/>
+                <a:ea typeface="Tahoma" panose="020B0604030504040204" pitchFamily="34" charset="0"/>
+                <a:cs typeface="Tahoma" panose="020B0604030504040204" pitchFamily="34" charset="0"/>
+              </a:rPr>
+              <a:t> Model </a:t>
+            </a:r>
+            <a:r>
+              <a:rPr lang="en-IN" sz="4000" spc="-290" dirty="0">
+                <a:latin typeface="Tahoma" panose="020B0604030504040204" pitchFamily="34" charset="0"/>
+                <a:ea typeface="Tahoma" panose="020B0604030504040204" pitchFamily="34" charset="0"/>
+                <a:cs typeface="Tahoma" panose="020B0604030504040204" pitchFamily="34" charset="0"/>
+              </a:rPr>
+              <a:t>Management</a:t>
+            </a:r>
+            <a:endParaRPr lang="en-IN" sz="4000" dirty="0">
+              <a:latin typeface="Tahoma" panose="020B0604030504040204" pitchFamily="34" charset="0"/>
+              <a:ea typeface="Tahoma" panose="020B0604030504040204" pitchFamily="34" charset="0"/>
+              <a:cs typeface="Tahoma" panose="020B0604030504040204" pitchFamily="34" charset="0"/>
+            </a:endParaRPr>
+          </a:p>
+        </p:txBody>
+      </p:sp>
+      <p:sp>
+        <p:nvSpPr>
+          <p:cNvPr id="3" name="Content Placeholder 2">
             <a:extLst>
               <a:ext uri="{FF2B5EF4-FFF2-40B4-BE49-F238E27FC236}">
-                <a16:creationId xmlns:a16="http://schemas.microsoft.com/office/drawing/2014/main" id="{D574B258-547E-4F68-E7EF-3876FB8F83F4}"/>
+                <a16:creationId xmlns:a16="http://schemas.microsoft.com/office/drawing/2014/main" id="{548B6444-E8B5-E843-7A97-651A3A3F8B4E}"/>
               </a:ext>
             </a:extLst>
           </p:cNvPr>
-          <p:cNvPicPr>
-            <a:picLocks noChangeAspect="1"/>
-          </p:cNvPicPr>
-          <p:nvPr/>
-        </p:nvPicPr>
-        <p:blipFill>
-          <a:blip r:embed="rId3">
-            <a:extLst>
-              <a:ext uri="{28A0092B-C50C-407E-A947-70E740481C1C}">
-                <a14:useLocalDpi xmlns:a14="http://schemas.microsoft.com/office/drawing/2010/main" val="0"/>
-              </a:ext>
-            </a:extLst>
-          </a:blip>
-          <a:stretch>
-            <a:fillRect/>
-          </a:stretch>
-        </p:blipFill>
-        <p:spPr>
-          <a:xfrm>
-            <a:off x="6199632" y="148176"/>
-            <a:ext cx="5858256" cy="3013262"/>
-          </a:xfrm>
-          <a:prstGeom prst="rect">
-            <a:avLst/>
-          </a:prstGeom>
-        </p:spPr>
-      </p:pic>
-      <p:pic>
-        <p:nvPicPr>
-          <p:cNvPr id="11" name="Picture 10">
-            <a:extLst>
-              <a:ext uri="{FF2B5EF4-FFF2-40B4-BE49-F238E27FC236}">
-                <a16:creationId xmlns:a16="http://schemas.microsoft.com/office/drawing/2014/main" id="{FD84DA0D-B55F-7B24-E224-AF8EA14D4ECA}"/>
-              </a:ext>
-            </a:extLst>
-          </p:cNvPr>
-          <p:cNvPicPr>
-            <a:picLocks noChangeAspect="1"/>
-          </p:cNvPicPr>
-          <p:nvPr/>
-        </p:nvPicPr>
-        <p:blipFill>
-          <a:blip r:embed="rId4">
-            <a:extLst>
-              <a:ext uri="{28A0092B-C50C-407E-A947-70E740481C1C}">
-                <a14:useLocalDpi xmlns:a14="http://schemas.microsoft.com/office/drawing/2010/main" val="0"/>
-              </a:ext>
-            </a:extLst>
-          </a:blip>
-          <a:stretch>
-            <a:fillRect/>
-          </a:stretch>
-        </p:blipFill>
-        <p:spPr>
-          <a:xfrm>
-            <a:off x="2706624" y="3311631"/>
-            <a:ext cx="6595872" cy="3398193"/>
-          </a:xfrm>
-          <a:prstGeom prst="rect">
-            <a:avLst/>
-          </a:prstGeom>
-        </p:spPr>
-      </p:pic>
+          <p:cNvSpPr>
+            <a:spLocks noGrp="1"/>
+          </p:cNvSpPr>
+          <p:nvPr>
+            <p:ph idx="1"/>
+          </p:nvPr>
+        </p:nvSpPr>
+        <p:spPr/>
+        <p:txBody>
+          <a:bodyPr/>
+          <a:lstStyle/>
+          <a:p>
+            <a:pPr marL="298450" marR="72390" indent="-285750">
+              <a:lnSpc>
+                <a:spcPct val="135000"/>
+              </a:lnSpc>
+              <a:spcBef>
+                <a:spcPts val="90"/>
+              </a:spcBef>
+            </a:pPr>
+            <a:r>
+              <a:rPr lang="it-IT" dirty="0">
+                <a:solidFill>
+                  <a:srgbClr val="374552"/>
+                </a:solidFill>
+                <a:latin typeface="Tahoma" panose="020B0604030504040204" pitchFamily="34" charset="0"/>
+                <a:ea typeface="Tahoma" panose="020B0604030504040204" pitchFamily="34" charset="0"/>
+                <a:cs typeface="Tahoma" panose="020B0604030504040204" pitchFamily="34" charset="0"/>
+              </a:rPr>
+              <a:t>User</a:t>
+            </a:r>
+            <a:r>
+              <a:rPr lang="it-IT" spc="70" dirty="0">
+                <a:solidFill>
+                  <a:srgbClr val="374552"/>
+                </a:solidFill>
+                <a:latin typeface="Tahoma" panose="020B0604030504040204" pitchFamily="34" charset="0"/>
+                <a:ea typeface="Tahoma" panose="020B0604030504040204" pitchFamily="34" charset="0"/>
+                <a:cs typeface="Tahoma" panose="020B0604030504040204" pitchFamily="34" charset="0"/>
+              </a:rPr>
+              <a:t> </a:t>
+            </a:r>
+            <a:r>
+              <a:rPr lang="it-IT" dirty="0">
+                <a:solidFill>
+                  <a:srgbClr val="374552"/>
+                </a:solidFill>
+                <a:latin typeface="Tahoma" panose="020B0604030504040204" pitchFamily="34" charset="0"/>
+                <a:ea typeface="Tahoma" panose="020B0604030504040204" pitchFamily="34" charset="0"/>
+                <a:cs typeface="Tahoma" panose="020B0604030504040204" pitchFamily="34" charset="0"/>
+              </a:rPr>
+              <a:t>Management</a:t>
+            </a:r>
+            <a:endParaRPr lang="it-IT" dirty="0">
+              <a:latin typeface="Tahoma" panose="020B0604030504040204" pitchFamily="34" charset="0"/>
+              <a:ea typeface="Tahoma" panose="020B0604030504040204" pitchFamily="34" charset="0"/>
+              <a:cs typeface="Tahoma" panose="020B0604030504040204" pitchFamily="34" charset="0"/>
+            </a:endParaRPr>
+          </a:p>
+          <a:p>
+            <a:pPr marL="298450" marR="327025" indent="-285750">
+              <a:lnSpc>
+                <a:spcPct val="137500"/>
+              </a:lnSpc>
+              <a:spcBef>
+                <a:spcPts val="415"/>
+              </a:spcBef>
+            </a:pPr>
+            <a:r>
+              <a:rPr lang="it-IT" dirty="0">
+                <a:solidFill>
+                  <a:srgbClr val="374552"/>
+                </a:solidFill>
+                <a:latin typeface="Tahoma" panose="020B0604030504040204" pitchFamily="34" charset="0"/>
+                <a:ea typeface="Tahoma" panose="020B0604030504040204" pitchFamily="34" charset="0"/>
+                <a:cs typeface="Tahoma" panose="020B0604030504040204" pitchFamily="34" charset="0"/>
+              </a:rPr>
+              <a:t>Data</a:t>
+            </a:r>
+            <a:r>
+              <a:rPr lang="it-IT" spc="5" dirty="0">
+                <a:solidFill>
+                  <a:srgbClr val="374552"/>
+                </a:solidFill>
+                <a:latin typeface="Tahoma" panose="020B0604030504040204" pitchFamily="34" charset="0"/>
+                <a:ea typeface="Tahoma" panose="020B0604030504040204" pitchFamily="34" charset="0"/>
+                <a:cs typeface="Tahoma" panose="020B0604030504040204" pitchFamily="34" charset="0"/>
+              </a:rPr>
+              <a:t> </a:t>
+            </a:r>
+            <a:r>
+              <a:rPr lang="it-IT" dirty="0">
+                <a:solidFill>
+                  <a:srgbClr val="374552"/>
+                </a:solidFill>
+                <a:latin typeface="Tahoma" panose="020B0604030504040204" pitchFamily="34" charset="0"/>
+                <a:ea typeface="Tahoma" panose="020B0604030504040204" pitchFamily="34" charset="0"/>
+                <a:cs typeface="Tahoma" panose="020B0604030504040204" pitchFamily="34" charset="0"/>
+              </a:rPr>
+              <a:t>Monitoring</a:t>
+            </a:r>
+          </a:p>
+          <a:p>
+            <a:pPr marL="298450" marR="327025" indent="-285750">
+              <a:lnSpc>
+                <a:spcPct val="137500"/>
+              </a:lnSpc>
+              <a:spcBef>
+                <a:spcPts val="415"/>
+              </a:spcBef>
+            </a:pPr>
+            <a:r>
+              <a:rPr lang="it-IT" spc="60" dirty="0">
+                <a:solidFill>
+                  <a:srgbClr val="374552"/>
+                </a:solidFill>
+                <a:latin typeface="Tahoma" panose="020B0604030504040204" pitchFamily="34" charset="0"/>
+                <a:ea typeface="Tahoma" panose="020B0604030504040204" pitchFamily="34" charset="0"/>
+                <a:cs typeface="Tahoma" panose="020B0604030504040204" pitchFamily="34" charset="0"/>
+              </a:rPr>
+              <a:t>Model</a:t>
+            </a:r>
+            <a:r>
+              <a:rPr lang="it-IT" spc="-55" dirty="0">
+                <a:solidFill>
+                  <a:srgbClr val="374552"/>
+                </a:solidFill>
+                <a:latin typeface="Tahoma" panose="020B0604030504040204" pitchFamily="34" charset="0"/>
+                <a:ea typeface="Tahoma" panose="020B0604030504040204" pitchFamily="34" charset="0"/>
+                <a:cs typeface="Tahoma" panose="020B0604030504040204" pitchFamily="34" charset="0"/>
+              </a:rPr>
+              <a:t> </a:t>
+            </a:r>
+            <a:r>
+              <a:rPr lang="it-IT" dirty="0">
+                <a:solidFill>
+                  <a:srgbClr val="374552"/>
+                </a:solidFill>
+                <a:latin typeface="Tahoma" panose="020B0604030504040204" pitchFamily="34" charset="0"/>
+                <a:ea typeface="Tahoma" panose="020B0604030504040204" pitchFamily="34" charset="0"/>
+                <a:cs typeface="Tahoma" panose="020B0604030504040204" pitchFamily="34" charset="0"/>
+              </a:rPr>
+              <a:t>Performance</a:t>
+            </a:r>
+            <a:endParaRPr lang="it-IT" dirty="0">
+              <a:latin typeface="Tahoma" panose="020B0604030504040204" pitchFamily="34" charset="0"/>
+              <a:ea typeface="Tahoma" panose="020B0604030504040204" pitchFamily="34" charset="0"/>
+              <a:cs typeface="Tahoma" panose="020B0604030504040204" pitchFamily="34" charset="0"/>
+            </a:endParaRPr>
+          </a:p>
+          <a:p>
+            <a:pPr marL="298450" marR="21590" indent="-285750">
+              <a:lnSpc>
+                <a:spcPct val="135000"/>
+              </a:lnSpc>
+              <a:spcBef>
+                <a:spcPts val="90"/>
+              </a:spcBef>
+            </a:pPr>
+            <a:r>
+              <a:rPr lang="en-US" dirty="0">
+                <a:solidFill>
+                  <a:srgbClr val="374552"/>
+                </a:solidFill>
+                <a:latin typeface="Tahoma" panose="020B0604030504040204" pitchFamily="34" charset="0"/>
+                <a:ea typeface="Tahoma" panose="020B0604030504040204" pitchFamily="34" charset="0"/>
+                <a:cs typeface="Tahoma" panose="020B0604030504040204" pitchFamily="34" charset="0"/>
+              </a:rPr>
+              <a:t>Retraining</a:t>
+            </a:r>
+            <a:r>
+              <a:rPr lang="en-US" spc="10" dirty="0">
+                <a:solidFill>
+                  <a:srgbClr val="374552"/>
+                </a:solidFill>
+                <a:latin typeface="Tahoma" panose="020B0604030504040204" pitchFamily="34" charset="0"/>
+                <a:ea typeface="Tahoma" panose="020B0604030504040204" pitchFamily="34" charset="0"/>
+                <a:cs typeface="Tahoma" panose="020B0604030504040204" pitchFamily="34" charset="0"/>
+              </a:rPr>
+              <a:t> </a:t>
+            </a:r>
+            <a:r>
+              <a:rPr lang="en-US" spc="-30" dirty="0">
+                <a:solidFill>
+                  <a:srgbClr val="374552"/>
+                </a:solidFill>
+                <a:latin typeface="Tahoma" panose="020B0604030504040204" pitchFamily="34" charset="0"/>
+                <a:ea typeface="Tahoma" panose="020B0604030504040204" pitchFamily="34" charset="0"/>
+                <a:cs typeface="Tahoma" panose="020B0604030504040204" pitchFamily="34" charset="0"/>
+              </a:rPr>
+              <a:t>Control</a:t>
+            </a:r>
+          </a:p>
+          <a:p>
+            <a:pPr marL="298450" marR="21590" indent="-285750">
+              <a:lnSpc>
+                <a:spcPct val="135000"/>
+              </a:lnSpc>
+              <a:spcBef>
+                <a:spcPts val="90"/>
+              </a:spcBef>
+            </a:pPr>
+            <a:r>
+              <a:rPr lang="en-US" dirty="0">
+                <a:solidFill>
+                  <a:srgbClr val="374552"/>
+                </a:solidFill>
+                <a:latin typeface="Tahoma" panose="020B0604030504040204" pitchFamily="34" charset="0"/>
+                <a:ea typeface="Tahoma" panose="020B0604030504040204" pitchFamily="34" charset="0"/>
+                <a:cs typeface="Tahoma" panose="020B0604030504040204" pitchFamily="34" charset="0"/>
+              </a:rPr>
+              <a:t>System</a:t>
+            </a:r>
+            <a:r>
+              <a:rPr lang="en-US" spc="-55" dirty="0">
+                <a:solidFill>
+                  <a:srgbClr val="374552"/>
+                </a:solidFill>
+                <a:latin typeface="Tahoma" panose="020B0604030504040204" pitchFamily="34" charset="0"/>
+                <a:ea typeface="Tahoma" panose="020B0604030504040204" pitchFamily="34" charset="0"/>
+                <a:cs typeface="Tahoma" panose="020B0604030504040204" pitchFamily="34" charset="0"/>
+              </a:rPr>
+              <a:t> </a:t>
+            </a:r>
+            <a:r>
+              <a:rPr lang="en-US" spc="-20" dirty="0">
+                <a:solidFill>
+                  <a:srgbClr val="374552"/>
+                </a:solidFill>
+                <a:latin typeface="Tahoma" panose="020B0604030504040204" pitchFamily="34" charset="0"/>
+                <a:ea typeface="Tahoma" panose="020B0604030504040204" pitchFamily="34" charset="0"/>
+                <a:cs typeface="Tahoma" panose="020B0604030504040204" pitchFamily="34" charset="0"/>
+              </a:rPr>
+              <a:t>Analytics</a:t>
+            </a:r>
+          </a:p>
+          <a:p>
+            <a:pPr marL="298450" marR="21590" indent="-285750">
+              <a:lnSpc>
+                <a:spcPct val="135000"/>
+              </a:lnSpc>
+              <a:spcBef>
+                <a:spcPts val="90"/>
+              </a:spcBef>
+            </a:pPr>
+            <a:r>
+              <a:rPr lang="en-US" dirty="0">
+                <a:solidFill>
+                  <a:srgbClr val="374552"/>
+                </a:solidFill>
+                <a:latin typeface="Tahoma" panose="020B0604030504040204" pitchFamily="34" charset="0"/>
+                <a:ea typeface="Tahoma" panose="020B0604030504040204" pitchFamily="34" charset="0"/>
+                <a:cs typeface="Tahoma" panose="020B0604030504040204" pitchFamily="34" charset="0"/>
+              </a:rPr>
+              <a:t>Content</a:t>
+            </a:r>
+            <a:r>
+              <a:rPr lang="en-US" spc="30" dirty="0">
+                <a:solidFill>
+                  <a:srgbClr val="374552"/>
+                </a:solidFill>
+                <a:latin typeface="Tahoma" panose="020B0604030504040204" pitchFamily="34" charset="0"/>
+                <a:ea typeface="Tahoma" panose="020B0604030504040204" pitchFamily="34" charset="0"/>
+                <a:cs typeface="Tahoma" panose="020B0604030504040204" pitchFamily="34" charset="0"/>
+              </a:rPr>
+              <a:t> </a:t>
+            </a:r>
+            <a:r>
+              <a:rPr lang="en-US" spc="-10" dirty="0">
+                <a:solidFill>
+                  <a:srgbClr val="374552"/>
+                </a:solidFill>
+                <a:latin typeface="Tahoma" panose="020B0604030504040204" pitchFamily="34" charset="0"/>
+                <a:ea typeface="Tahoma" panose="020B0604030504040204" pitchFamily="34" charset="0"/>
+                <a:cs typeface="Tahoma" panose="020B0604030504040204" pitchFamily="34" charset="0"/>
+              </a:rPr>
+              <a:t>Updates</a:t>
+            </a:r>
+            <a:endParaRPr lang="en-US" dirty="0">
+              <a:latin typeface="Tahoma" panose="020B0604030504040204" pitchFamily="34" charset="0"/>
+              <a:ea typeface="Tahoma" panose="020B0604030504040204" pitchFamily="34" charset="0"/>
+              <a:cs typeface="Tahoma" panose="020B0604030504040204" pitchFamily="34" charset="0"/>
+            </a:endParaRPr>
+          </a:p>
+          <a:p>
+            <a:endParaRPr lang="en-IN" dirty="0">
+              <a:latin typeface="Tahoma" panose="020B0604030504040204" pitchFamily="34" charset="0"/>
+              <a:ea typeface="Tahoma" panose="020B0604030504040204" pitchFamily="34" charset="0"/>
+              <a:cs typeface="Tahoma" panose="020B0604030504040204" pitchFamily="34" charset="0"/>
+            </a:endParaRPr>
+          </a:p>
+        </p:txBody>
+      </p:sp>
     </p:spTree>
     <p:extLst>
       <p:ext uri="{BB962C8B-B14F-4D97-AF65-F5344CB8AC3E}">
-        <p14:creationId xmlns:p14="http://schemas.microsoft.com/office/powerpoint/2010/main" val="296623986"/>
+        <p14:creationId xmlns:p14="http://schemas.microsoft.com/office/powerpoint/2010/main" val="1899847168"/>
       </p:ext>
     </p:extLst>
   </p:cSld>

--- a/Edu2Job-TeamA.pptx
+++ b/Edu2Job-TeamA.pptx
@@ -5,7 +5,7 @@
     <p:sldMasterId id="2147483648" r:id="rId1"/>
   </p:sldMasterIdLst>
   <p:notesMasterIdLst>
-    <p:notesMasterId r:id="rId14"/>
+    <p:notesMasterId r:id="rId30"/>
   </p:notesMasterIdLst>
   <p:sldIdLst>
     <p:sldId id="256" r:id="rId2"/>
@@ -14,12 +14,28 @@
     <p:sldId id="259" r:id="rId5"/>
     <p:sldId id="260" r:id="rId6"/>
     <p:sldId id="261" r:id="rId7"/>
-    <p:sldId id="264" r:id="rId8"/>
-    <p:sldId id="267" r:id="rId9"/>
-    <p:sldId id="269" r:id="rId10"/>
-    <p:sldId id="273" r:id="rId11"/>
-    <p:sldId id="274" r:id="rId12"/>
-    <p:sldId id="275" r:id="rId13"/>
+    <p:sldId id="283" r:id="rId8"/>
+    <p:sldId id="276" r:id="rId9"/>
+    <p:sldId id="281" r:id="rId10"/>
+    <p:sldId id="282" r:id="rId11"/>
+    <p:sldId id="264" r:id="rId12"/>
+    <p:sldId id="277" r:id="rId13"/>
+    <p:sldId id="284" r:id="rId14"/>
+    <p:sldId id="285" r:id="rId15"/>
+    <p:sldId id="286" r:id="rId16"/>
+    <p:sldId id="267" r:id="rId17"/>
+    <p:sldId id="278" r:id="rId18"/>
+    <p:sldId id="279" r:id="rId19"/>
+    <p:sldId id="287" r:id="rId20"/>
+    <p:sldId id="288" r:id="rId21"/>
+    <p:sldId id="269" r:id="rId22"/>
+    <p:sldId id="280" r:id="rId23"/>
+    <p:sldId id="289" r:id="rId24"/>
+    <p:sldId id="290" r:id="rId25"/>
+    <p:sldId id="291" r:id="rId26"/>
+    <p:sldId id="273" r:id="rId27"/>
+    <p:sldId id="274" r:id="rId28"/>
+    <p:sldId id="275" r:id="rId29"/>
   </p:sldIdLst>
   <p:sldSz cx="12192000" cy="6858000"/>
   <p:notesSz cx="6858000" cy="9144000"/>
@@ -208,7 +224,7 @@
           <a:p>
             <a:fld id="{B1FBD4D0-239C-45FC-844B-A7E01E0CC938}" type="datetimeFigureOut">
               <a:rPr lang="en-IN" smtClean="0"/>
-              <a:t>18-01-2026</a:t>
+              <a:t>21-01-2026</a:t>
             </a:fld>
             <a:endParaRPr lang="en-IN"/>
           </a:p>
@@ -541,7 +557,7 @@
           <a:p>
             <a:fld id="{5F50F29B-E061-4A94-844B-90530497D680}" type="slidenum">
               <a:rPr lang="en-IN" smtClean="0"/>
-              <a:t>5</a:t>
+              <a:t>1</a:t>
             </a:fld>
             <a:endParaRPr lang="en-IN"/>
           </a:p>
@@ -550,7 +566,7 @@
     </p:spTree>
     <p:extLst>
       <p:ext uri="{BB962C8B-B14F-4D97-AF65-F5344CB8AC3E}">
-        <p14:creationId xmlns:p14="http://schemas.microsoft.com/office/powerpoint/2010/main" val="2277815197"/>
+        <p14:creationId xmlns:p14="http://schemas.microsoft.com/office/powerpoint/2010/main" val="2367423115"/>
       </p:ext>
     </p:extLst>
   </p:cSld>
@@ -625,7 +641,91 @@
           <a:p>
             <a:fld id="{5F50F29B-E061-4A94-844B-90530497D680}" type="slidenum">
               <a:rPr lang="en-IN" smtClean="0"/>
-              <a:t>12</a:t>
+              <a:t>5</a:t>
+            </a:fld>
+            <a:endParaRPr lang="en-IN"/>
+          </a:p>
+        </p:txBody>
+      </p:sp>
+    </p:spTree>
+    <p:extLst>
+      <p:ext uri="{BB962C8B-B14F-4D97-AF65-F5344CB8AC3E}">
+        <p14:creationId xmlns:p14="http://schemas.microsoft.com/office/powerpoint/2010/main" val="2277815197"/>
+      </p:ext>
+    </p:extLst>
+  </p:cSld>
+  <p:clrMapOvr>
+    <a:masterClrMapping/>
+  </p:clrMapOvr>
+</p:notes>
+</file>
+
+<file path=ppt/notesSlides/notesSlide3.xml><?xml version="1.0" encoding="utf-8"?>
+<p:notes xmlns:a="http://schemas.openxmlformats.org/drawingml/2006/main" xmlns:r="http://schemas.openxmlformats.org/officeDocument/2006/relationships" xmlns:p="http://schemas.openxmlformats.org/presentationml/2006/main">
+  <p:cSld>
+    <p:spTree>
+      <p:nvGrpSpPr>
+        <p:cNvPr id="1" name=""/>
+        <p:cNvGrpSpPr/>
+        <p:nvPr/>
+      </p:nvGrpSpPr>
+      <p:grpSpPr>
+        <a:xfrm>
+          <a:off x="0" y="0"/>
+          <a:ext cx="0" cy="0"/>
+          <a:chOff x="0" y="0"/>
+          <a:chExt cx="0" cy="0"/>
+        </a:xfrm>
+      </p:grpSpPr>
+      <p:sp>
+        <p:nvSpPr>
+          <p:cNvPr id="2" name="Slide Image Placeholder 1"/>
+          <p:cNvSpPr>
+            <a:spLocks noGrp="1" noRot="1" noChangeAspect="1"/>
+          </p:cNvSpPr>
+          <p:nvPr>
+            <p:ph type="sldImg"/>
+          </p:nvPr>
+        </p:nvSpPr>
+        <p:spPr/>
+      </p:sp>
+      <p:sp>
+        <p:nvSpPr>
+          <p:cNvPr id="3" name="Notes Placeholder 2"/>
+          <p:cNvSpPr>
+            <a:spLocks noGrp="1"/>
+          </p:cNvSpPr>
+          <p:nvPr>
+            <p:ph type="body" idx="1"/>
+          </p:nvPr>
+        </p:nvSpPr>
+        <p:spPr/>
+        <p:txBody>
+          <a:bodyPr/>
+          <a:lstStyle/>
+          <a:p>
+            <a:endParaRPr lang="en-IN" dirty="0"/>
+          </a:p>
+        </p:txBody>
+      </p:sp>
+      <p:sp>
+        <p:nvSpPr>
+          <p:cNvPr id="4" name="Slide Number Placeholder 3"/>
+          <p:cNvSpPr>
+            <a:spLocks noGrp="1"/>
+          </p:cNvSpPr>
+          <p:nvPr>
+            <p:ph type="sldNum" sz="quarter" idx="5"/>
+          </p:nvPr>
+        </p:nvSpPr>
+        <p:spPr/>
+        <p:txBody>
+          <a:bodyPr/>
+          <a:lstStyle/>
+          <a:p>
+            <a:fld id="{5F50F29B-E061-4A94-844B-90530497D680}" type="slidenum">
+              <a:rPr lang="en-IN" smtClean="0"/>
+              <a:t>28</a:t>
             </a:fld>
             <a:endParaRPr lang="en-IN"/>
           </a:p>
@@ -793,7 +893,7 @@
           <a:p>
             <a:fld id="{E3E36570-D847-480A-AAD4-6B02C674D222}" type="datetimeFigureOut">
               <a:rPr lang="en-IN" smtClean="0"/>
-              <a:t>18-01-2026</a:t>
+              <a:t>21-01-2026</a:t>
             </a:fld>
             <a:endParaRPr lang="en-IN"/>
           </a:p>
@@ -993,7 +1093,7 @@
           <a:p>
             <a:fld id="{E3E36570-D847-480A-AAD4-6B02C674D222}" type="datetimeFigureOut">
               <a:rPr lang="en-IN" smtClean="0"/>
-              <a:t>18-01-2026</a:t>
+              <a:t>21-01-2026</a:t>
             </a:fld>
             <a:endParaRPr lang="en-IN"/>
           </a:p>
@@ -1203,7 +1303,7 @@
           <a:p>
             <a:fld id="{E3E36570-D847-480A-AAD4-6B02C674D222}" type="datetimeFigureOut">
               <a:rPr lang="en-IN" smtClean="0"/>
-              <a:t>18-01-2026</a:t>
+              <a:t>21-01-2026</a:t>
             </a:fld>
             <a:endParaRPr lang="en-IN"/>
           </a:p>
@@ -1403,7 +1503,7 @@
           <a:p>
             <a:fld id="{E3E36570-D847-480A-AAD4-6B02C674D222}" type="datetimeFigureOut">
               <a:rPr lang="en-IN" smtClean="0"/>
-              <a:t>18-01-2026</a:t>
+              <a:t>21-01-2026</a:t>
             </a:fld>
             <a:endParaRPr lang="en-IN"/>
           </a:p>
@@ -1679,7 +1779,7 @@
           <a:p>
             <a:fld id="{E3E36570-D847-480A-AAD4-6B02C674D222}" type="datetimeFigureOut">
               <a:rPr lang="en-IN" smtClean="0"/>
-              <a:t>18-01-2026</a:t>
+              <a:t>21-01-2026</a:t>
             </a:fld>
             <a:endParaRPr lang="en-IN"/>
           </a:p>
@@ -1947,7 +2047,7 @@
           <a:p>
             <a:fld id="{E3E36570-D847-480A-AAD4-6B02C674D222}" type="datetimeFigureOut">
               <a:rPr lang="en-IN" smtClean="0"/>
-              <a:t>18-01-2026</a:t>
+              <a:t>21-01-2026</a:t>
             </a:fld>
             <a:endParaRPr lang="en-IN"/>
           </a:p>
@@ -2362,7 +2462,7 @@
           <a:p>
             <a:fld id="{E3E36570-D847-480A-AAD4-6B02C674D222}" type="datetimeFigureOut">
               <a:rPr lang="en-IN" smtClean="0"/>
-              <a:t>18-01-2026</a:t>
+              <a:t>21-01-2026</a:t>
             </a:fld>
             <a:endParaRPr lang="en-IN"/>
           </a:p>
@@ -2504,7 +2604,7 @@
           <a:p>
             <a:fld id="{E3E36570-D847-480A-AAD4-6B02C674D222}" type="datetimeFigureOut">
               <a:rPr lang="en-IN" smtClean="0"/>
-              <a:t>18-01-2026</a:t>
+              <a:t>21-01-2026</a:t>
             </a:fld>
             <a:endParaRPr lang="en-IN"/>
           </a:p>
@@ -2617,7 +2717,7 @@
           <a:p>
             <a:fld id="{E3E36570-D847-480A-AAD4-6B02C674D222}" type="datetimeFigureOut">
               <a:rPr lang="en-IN" smtClean="0"/>
-              <a:t>18-01-2026</a:t>
+              <a:t>21-01-2026</a:t>
             </a:fld>
             <a:endParaRPr lang="en-IN"/>
           </a:p>
@@ -2930,7 +3030,7 @@
           <a:p>
             <a:fld id="{E3E36570-D847-480A-AAD4-6B02C674D222}" type="datetimeFigureOut">
               <a:rPr lang="en-IN" smtClean="0"/>
-              <a:t>18-01-2026</a:t>
+              <a:t>21-01-2026</a:t>
             </a:fld>
             <a:endParaRPr lang="en-IN"/>
           </a:p>
@@ -3223,7 +3323,7 @@
           <a:p>
             <a:fld id="{E3E36570-D847-480A-AAD4-6B02C674D222}" type="datetimeFigureOut">
               <a:rPr lang="en-IN" smtClean="0"/>
-              <a:t>18-01-2026</a:t>
+              <a:t>21-01-2026</a:t>
             </a:fld>
             <a:endParaRPr lang="en-IN"/>
           </a:p>
@@ -3466,7 +3566,7 @@
           <a:p>
             <a:fld id="{E3E36570-D847-480A-AAD4-6B02C674D222}" type="datetimeFigureOut">
               <a:rPr lang="en-IN" smtClean="0"/>
-              <a:t>18-01-2026</a:t>
+              <a:t>21-01-2026</a:t>
             </a:fld>
             <a:endParaRPr lang="en-IN"/>
           </a:p>
@@ -3899,7 +3999,12 @@
             <p:ph type="ctrTitle"/>
           </p:nvPr>
         </p:nvSpPr>
-        <p:spPr/>
+        <p:spPr>
+          <a:xfrm>
+            <a:off x="368969" y="1142798"/>
+            <a:ext cx="11823031" cy="619173"/>
+          </a:xfrm>
+        </p:spPr>
         <p:txBody>
           <a:bodyPr>
             <a:normAutofit fontScale="90000"/>
@@ -3907,25 +4012,43 @@
           <a:lstStyle/>
           <a:p>
             <a:r>
-              <a:rPr lang="en-US" spc="-125" dirty="0">
-                <a:latin typeface="Tahoma" panose="020B0604030504040204" pitchFamily="34" charset="0"/>
-                <a:ea typeface="Tahoma" panose="020B0604030504040204" pitchFamily="34" charset="0"/>
-                <a:cs typeface="Tahoma" panose="020B0604030504040204" pitchFamily="34" charset="0"/>
+              <a:rPr lang="en-US" sz="3600" spc="-125" dirty="0">
+                <a:solidFill>
+                  <a:schemeClr val="tx1">
+                    <a:lumMod val="95000"/>
+                    <a:lumOff val="5000"/>
+                  </a:schemeClr>
+                </a:solidFill>
+                <a:latin typeface="Verdana" panose="020B0604030504040204" pitchFamily="34" charset="0"/>
+                <a:ea typeface="Verdana" panose="020B0604030504040204" pitchFamily="34" charset="0"/>
+                <a:cs typeface="Microsoft Sans Serif" panose="020B0604020202020204" pitchFamily="34" charset="0"/>
               </a:rPr>
               <a:t>Edu2Job:</a:t>
             </a:r>
             <a:r>
-              <a:rPr lang="en-US" spc="-254" dirty="0">
-                <a:latin typeface="Tahoma" panose="020B0604030504040204" pitchFamily="34" charset="0"/>
-                <a:ea typeface="Tahoma" panose="020B0604030504040204" pitchFamily="34" charset="0"/>
-                <a:cs typeface="Tahoma" panose="020B0604030504040204" pitchFamily="34" charset="0"/>
+              <a:rPr lang="en-US" sz="3600" spc="-254" dirty="0">
+                <a:solidFill>
+                  <a:schemeClr val="tx1">
+                    <a:lumMod val="95000"/>
+                    <a:lumOff val="5000"/>
+                  </a:schemeClr>
+                </a:solidFill>
+                <a:latin typeface="Verdana" panose="020B0604030504040204" pitchFamily="34" charset="0"/>
+                <a:ea typeface="Verdana" panose="020B0604030504040204" pitchFamily="34" charset="0"/>
+                <a:cs typeface="Microsoft Sans Serif" panose="020B0604020202020204" pitchFamily="34" charset="0"/>
               </a:rPr>
               <a:t> Predicting Job Roles from Educational Background</a:t>
             </a:r>
-            <a:endParaRPr lang="en-IN" dirty="0">
-              <a:latin typeface="Tahoma" panose="020B0604030504040204" pitchFamily="34" charset="0"/>
-              <a:ea typeface="Tahoma" panose="020B0604030504040204" pitchFamily="34" charset="0"/>
-              <a:cs typeface="Tahoma" panose="020B0604030504040204" pitchFamily="34" charset="0"/>
+            <a:endParaRPr lang="en-IN" sz="3600" dirty="0">
+              <a:solidFill>
+                <a:schemeClr val="tx1">
+                  <a:lumMod val="95000"/>
+                  <a:lumOff val="5000"/>
+                </a:schemeClr>
+              </a:solidFill>
+              <a:latin typeface="Verdana" panose="020B0604030504040204" pitchFamily="34" charset="0"/>
+              <a:ea typeface="Verdana" panose="020B0604030504040204" pitchFamily="34" charset="0"/>
+              <a:cs typeface="Microsoft Sans Serif" panose="020B0604020202020204" pitchFamily="34" charset="0"/>
             </a:endParaRPr>
           </a:p>
         </p:txBody>
@@ -3948,131 +4071,29 @@
         </p:nvSpPr>
         <p:spPr>
           <a:xfrm>
-            <a:off x="1524000" y="3837838"/>
-            <a:ext cx="9144000" cy="1707381"/>
+            <a:off x="1578569" y="1908867"/>
+            <a:ext cx="9034862" cy="477640"/>
           </a:xfrm>
         </p:spPr>
         <p:txBody>
-          <a:bodyPr/>
+          <a:bodyPr>
+            <a:normAutofit/>
+          </a:bodyPr>
           <a:lstStyle/>
           <a:p>
             <a:r>
-              <a:rPr lang="en-US" spc="50" dirty="0">
-                <a:solidFill>
-                  <a:srgbClr val="374552"/>
-                </a:solidFill>
-                <a:latin typeface="Verdana"/>
-                <a:cs typeface="Verdana"/>
-              </a:rPr>
-              <a:t>Bridging</a:t>
-            </a:r>
-            <a:r>
-              <a:rPr lang="en-US" spc="-5" dirty="0">
-                <a:solidFill>
-                  <a:srgbClr val="374552"/>
-                </a:solidFill>
-                <a:latin typeface="Verdana"/>
-                <a:cs typeface="Verdana"/>
-              </a:rPr>
-              <a:t> </a:t>
-            </a:r>
-            <a:r>
-              <a:rPr lang="en-US" spc="10" dirty="0">
-                <a:solidFill>
-                  <a:srgbClr val="374552"/>
-                </a:solidFill>
-                <a:latin typeface="Verdana"/>
-                <a:cs typeface="Verdana"/>
-              </a:rPr>
-              <a:t>Education</a:t>
-            </a:r>
-            <a:r>
-              <a:rPr lang="en-US" spc="-5" dirty="0">
-                <a:solidFill>
-                  <a:srgbClr val="374552"/>
-                </a:solidFill>
-                <a:latin typeface="Verdana"/>
-                <a:cs typeface="Verdana"/>
-              </a:rPr>
-              <a:t> </a:t>
-            </a:r>
-            <a:r>
-              <a:rPr lang="en-US" spc="10" dirty="0">
-                <a:solidFill>
-                  <a:srgbClr val="374552"/>
-                </a:solidFill>
-                <a:latin typeface="Verdana"/>
-                <a:cs typeface="Verdana"/>
-              </a:rPr>
-              <a:t>to</a:t>
-            </a:r>
-            <a:r>
               <a:rPr lang="en-US" dirty="0">
-                <a:solidFill>
-                  <a:srgbClr val="374552"/>
-                </a:solidFill>
-                <a:latin typeface="Verdana"/>
-                <a:cs typeface="Verdana"/>
-              </a:rPr>
-              <a:t> </a:t>
-            </a:r>
-            <a:r>
-              <a:rPr lang="en-US" spc="50" dirty="0">
-                <a:solidFill>
-                  <a:srgbClr val="374552"/>
-                </a:solidFill>
-                <a:latin typeface="Verdana"/>
-                <a:cs typeface="Verdana"/>
-              </a:rPr>
-              <a:t>Employment</a:t>
-            </a:r>
-            <a:r>
-              <a:rPr lang="en-US" spc="-5" dirty="0">
-                <a:solidFill>
-                  <a:srgbClr val="374552"/>
-                </a:solidFill>
-                <a:latin typeface="Verdana"/>
-                <a:cs typeface="Verdana"/>
-              </a:rPr>
-              <a:t> </a:t>
-            </a:r>
-            <a:r>
-              <a:rPr lang="en-US" spc="10" dirty="0">
-                <a:solidFill>
-                  <a:srgbClr val="374552"/>
-                </a:solidFill>
-                <a:latin typeface="Verdana"/>
-                <a:cs typeface="Verdana"/>
-              </a:rPr>
-              <a:t>with</a:t>
-            </a:r>
-            <a:r>
-              <a:rPr lang="en-US" dirty="0">
-                <a:solidFill>
-                  <a:srgbClr val="374552"/>
-                </a:solidFill>
-                <a:latin typeface="Verdana"/>
-                <a:cs typeface="Verdana"/>
-              </a:rPr>
-              <a:t> </a:t>
-            </a:r>
-            <a:r>
-              <a:rPr lang="en-US" spc="-25" dirty="0">
-                <a:solidFill>
-                  <a:srgbClr val="374552"/>
-                </a:solidFill>
-                <a:latin typeface="Verdana"/>
-                <a:cs typeface="Verdana"/>
-              </a:rPr>
-              <a:t>AI</a:t>
-            </a:r>
-            <a:endParaRPr lang="en-US" dirty="0">
-              <a:latin typeface="Verdana"/>
-              <a:cs typeface="Verdana"/>
+                <a:latin typeface="Verdana" panose="020B0604030504040204" pitchFamily="34" charset="0"/>
+                <a:ea typeface="Verdana" panose="020B0604030504040204" pitchFamily="34" charset="0"/>
+                <a:cs typeface="Tahoma" panose="020B0604030504040204" pitchFamily="34" charset="0"/>
+              </a:rPr>
+              <a:t>BATCH - 10</a:t>
+            </a:r>
+            <a:endParaRPr lang="en-IN" dirty="0">
+              <a:latin typeface="Verdana" panose="020B0604030504040204" pitchFamily="34" charset="0"/>
+              <a:ea typeface="Verdana" panose="020B0604030504040204" pitchFamily="34" charset="0"/>
+              <a:cs typeface="Tahoma" panose="020B0604030504040204" pitchFamily="34" charset="0"/>
             </a:endParaRPr>
-          </a:p>
-          <a:p>
-            <a:endParaRPr lang="en-IN" dirty="0"/>
           </a:p>
         </p:txBody>
       </p:sp>
@@ -4109,6 +4130,1144 @@
               <a:t>                      </a:t>
             </a:r>
             <a:endParaRPr lang="en-IN" sz="2800" b="1" dirty="0"/>
+          </a:p>
+        </p:txBody>
+      </p:sp>
+      <p:sp>
+        <p:nvSpPr>
+          <p:cNvPr id="5" name="Subtitle 2">
+            <a:extLst>
+              <a:ext uri="{FF2B5EF4-FFF2-40B4-BE49-F238E27FC236}">
+                <a16:creationId xmlns:a16="http://schemas.microsoft.com/office/drawing/2014/main" id="{7CCB44A8-9DC2-A8BA-CC00-3132460EA2AA}"/>
+              </a:ext>
+            </a:extLst>
+          </p:cNvPr>
+          <p:cNvSpPr txBox="1">
+            <a:spLocks/>
+          </p:cNvSpPr>
+          <p:nvPr/>
+        </p:nvSpPr>
+        <p:spPr>
+          <a:xfrm>
+            <a:off x="1524000" y="514775"/>
+            <a:ext cx="9144000" cy="523220"/>
+          </a:xfrm>
+          <a:prstGeom prst="rect">
+            <a:avLst/>
+          </a:prstGeom>
+        </p:spPr>
+        <p:txBody>
+          <a:bodyPr vert="horz" lIns="91440" tIns="45720" rIns="91440" bIns="45720" rtlCol="0">
+            <a:normAutofit lnSpcReduction="10000"/>
+          </a:bodyPr>
+          <a:lstStyle>
+            <a:lvl1pPr marL="0" indent="0" algn="ctr" defTabSz="914400" rtl="0" eaLnBrk="1" latinLnBrk="0" hangingPunct="1">
+              <a:lnSpc>
+                <a:spcPct val="90000"/>
+              </a:lnSpc>
+              <a:spcBef>
+                <a:spcPts val="1000"/>
+              </a:spcBef>
+              <a:buFont typeface="Arial" panose="020B0604020202020204" pitchFamily="34" charset="0"/>
+              <a:buNone/>
+              <a:defRPr sz="2400" kern="1200">
+                <a:solidFill>
+                  <a:schemeClr val="tx1"/>
+                </a:solidFill>
+                <a:latin typeface="+mn-lt"/>
+                <a:ea typeface="+mn-ea"/>
+                <a:cs typeface="+mn-cs"/>
+              </a:defRPr>
+            </a:lvl1pPr>
+            <a:lvl2pPr marL="457200" indent="0" algn="ctr" defTabSz="914400" rtl="0" eaLnBrk="1" latinLnBrk="0" hangingPunct="1">
+              <a:lnSpc>
+                <a:spcPct val="90000"/>
+              </a:lnSpc>
+              <a:spcBef>
+                <a:spcPts val="500"/>
+              </a:spcBef>
+              <a:buFont typeface="Arial" panose="020B0604020202020204" pitchFamily="34" charset="0"/>
+              <a:buNone/>
+              <a:defRPr sz="2000" kern="1200">
+                <a:solidFill>
+                  <a:schemeClr val="tx1"/>
+                </a:solidFill>
+                <a:latin typeface="+mn-lt"/>
+                <a:ea typeface="+mn-ea"/>
+                <a:cs typeface="+mn-cs"/>
+              </a:defRPr>
+            </a:lvl2pPr>
+            <a:lvl3pPr marL="914400" indent="0" algn="ctr" defTabSz="914400" rtl="0" eaLnBrk="1" latinLnBrk="0" hangingPunct="1">
+              <a:lnSpc>
+                <a:spcPct val="90000"/>
+              </a:lnSpc>
+              <a:spcBef>
+                <a:spcPts val="500"/>
+              </a:spcBef>
+              <a:buFont typeface="Arial" panose="020B0604020202020204" pitchFamily="34" charset="0"/>
+              <a:buNone/>
+              <a:defRPr sz="1800" kern="1200">
+                <a:solidFill>
+                  <a:schemeClr val="tx1"/>
+                </a:solidFill>
+                <a:latin typeface="+mn-lt"/>
+                <a:ea typeface="+mn-ea"/>
+                <a:cs typeface="+mn-cs"/>
+              </a:defRPr>
+            </a:lvl3pPr>
+            <a:lvl4pPr marL="1371600" indent="0" algn="ctr" defTabSz="914400" rtl="0" eaLnBrk="1" latinLnBrk="0" hangingPunct="1">
+              <a:lnSpc>
+                <a:spcPct val="90000"/>
+              </a:lnSpc>
+              <a:spcBef>
+                <a:spcPts val="500"/>
+              </a:spcBef>
+              <a:buFont typeface="Arial" panose="020B0604020202020204" pitchFamily="34" charset="0"/>
+              <a:buNone/>
+              <a:defRPr sz="1600" kern="1200">
+                <a:solidFill>
+                  <a:schemeClr val="tx1"/>
+                </a:solidFill>
+                <a:latin typeface="+mn-lt"/>
+                <a:ea typeface="+mn-ea"/>
+                <a:cs typeface="+mn-cs"/>
+              </a:defRPr>
+            </a:lvl4pPr>
+            <a:lvl5pPr marL="1828800" indent="0" algn="ctr" defTabSz="914400" rtl="0" eaLnBrk="1" latinLnBrk="0" hangingPunct="1">
+              <a:lnSpc>
+                <a:spcPct val="90000"/>
+              </a:lnSpc>
+              <a:spcBef>
+                <a:spcPts val="500"/>
+              </a:spcBef>
+              <a:buFont typeface="Arial" panose="020B0604020202020204" pitchFamily="34" charset="0"/>
+              <a:buNone/>
+              <a:defRPr sz="1600" kern="1200">
+                <a:solidFill>
+                  <a:schemeClr val="tx1"/>
+                </a:solidFill>
+                <a:latin typeface="+mn-lt"/>
+                <a:ea typeface="+mn-ea"/>
+                <a:cs typeface="+mn-cs"/>
+              </a:defRPr>
+            </a:lvl5pPr>
+            <a:lvl6pPr marL="2286000" indent="0" algn="ctr" defTabSz="914400" rtl="0" eaLnBrk="1" latinLnBrk="0" hangingPunct="1">
+              <a:lnSpc>
+                <a:spcPct val="90000"/>
+              </a:lnSpc>
+              <a:spcBef>
+                <a:spcPts val="500"/>
+              </a:spcBef>
+              <a:buFont typeface="Arial" panose="020B0604020202020204" pitchFamily="34" charset="0"/>
+              <a:buNone/>
+              <a:defRPr sz="1600" kern="1200">
+                <a:solidFill>
+                  <a:schemeClr val="tx1"/>
+                </a:solidFill>
+                <a:latin typeface="+mn-lt"/>
+                <a:ea typeface="+mn-ea"/>
+                <a:cs typeface="+mn-cs"/>
+              </a:defRPr>
+            </a:lvl6pPr>
+            <a:lvl7pPr marL="2743200" indent="0" algn="ctr" defTabSz="914400" rtl="0" eaLnBrk="1" latinLnBrk="0" hangingPunct="1">
+              <a:lnSpc>
+                <a:spcPct val="90000"/>
+              </a:lnSpc>
+              <a:spcBef>
+                <a:spcPts val="500"/>
+              </a:spcBef>
+              <a:buFont typeface="Arial" panose="020B0604020202020204" pitchFamily="34" charset="0"/>
+              <a:buNone/>
+              <a:defRPr sz="1600" kern="1200">
+                <a:solidFill>
+                  <a:schemeClr val="tx1"/>
+                </a:solidFill>
+                <a:latin typeface="+mn-lt"/>
+                <a:ea typeface="+mn-ea"/>
+                <a:cs typeface="+mn-cs"/>
+              </a:defRPr>
+            </a:lvl7pPr>
+            <a:lvl8pPr marL="3200400" indent="0" algn="ctr" defTabSz="914400" rtl="0" eaLnBrk="1" latinLnBrk="0" hangingPunct="1">
+              <a:lnSpc>
+                <a:spcPct val="90000"/>
+              </a:lnSpc>
+              <a:spcBef>
+                <a:spcPts val="500"/>
+              </a:spcBef>
+              <a:buFont typeface="Arial" panose="020B0604020202020204" pitchFamily="34" charset="0"/>
+              <a:buNone/>
+              <a:defRPr sz="1600" kern="1200">
+                <a:solidFill>
+                  <a:schemeClr val="tx1"/>
+                </a:solidFill>
+                <a:latin typeface="+mn-lt"/>
+                <a:ea typeface="+mn-ea"/>
+                <a:cs typeface="+mn-cs"/>
+              </a:defRPr>
+            </a:lvl8pPr>
+            <a:lvl9pPr marL="3657600" indent="0" algn="ctr" defTabSz="914400" rtl="0" eaLnBrk="1" latinLnBrk="0" hangingPunct="1">
+              <a:lnSpc>
+                <a:spcPct val="90000"/>
+              </a:lnSpc>
+              <a:spcBef>
+                <a:spcPts val="500"/>
+              </a:spcBef>
+              <a:buFont typeface="Arial" panose="020B0604020202020204" pitchFamily="34" charset="0"/>
+              <a:buNone/>
+              <a:defRPr sz="1600" kern="1200">
+                <a:solidFill>
+                  <a:schemeClr val="tx1"/>
+                </a:solidFill>
+                <a:latin typeface="+mn-lt"/>
+                <a:ea typeface="+mn-ea"/>
+                <a:cs typeface="+mn-cs"/>
+              </a:defRPr>
+            </a:lvl9pPr>
+          </a:lstStyle>
+          <a:p>
+            <a:r>
+              <a:rPr lang="en-US" sz="3200" u="sng" dirty="0">
+                <a:latin typeface="Tahoma" panose="020B0604030504040204" pitchFamily="34" charset="0"/>
+                <a:ea typeface="Tahoma" panose="020B0604030504040204" pitchFamily="34" charset="0"/>
+                <a:cs typeface="Tahoma" panose="020B0604030504040204" pitchFamily="34" charset="0"/>
+              </a:rPr>
+              <a:t>INFOSYS SPRINGBOARD INTERNSHIP 6.0</a:t>
+            </a:r>
+            <a:endParaRPr lang="en-IN" sz="3200" u="sng" dirty="0">
+              <a:latin typeface="Tahoma" panose="020B0604030504040204" pitchFamily="34" charset="0"/>
+              <a:ea typeface="Tahoma" panose="020B0604030504040204" pitchFamily="34" charset="0"/>
+              <a:cs typeface="Tahoma" panose="020B0604030504040204" pitchFamily="34" charset="0"/>
+            </a:endParaRPr>
+          </a:p>
+        </p:txBody>
+      </p:sp>
+      <p:sp>
+        <p:nvSpPr>
+          <p:cNvPr id="6" name="Subtitle 2">
+            <a:extLst>
+              <a:ext uri="{FF2B5EF4-FFF2-40B4-BE49-F238E27FC236}">
+                <a16:creationId xmlns:a16="http://schemas.microsoft.com/office/drawing/2014/main" id="{0FB19CE3-86FF-BBA0-C724-9AAE7B49B7FF}"/>
+              </a:ext>
+            </a:extLst>
+          </p:cNvPr>
+          <p:cNvSpPr txBox="1">
+            <a:spLocks/>
+          </p:cNvSpPr>
+          <p:nvPr/>
+        </p:nvSpPr>
+        <p:spPr>
+          <a:xfrm>
+            <a:off x="1524000" y="2717808"/>
+            <a:ext cx="9144000" cy="523220"/>
+          </a:xfrm>
+          <a:prstGeom prst="rect">
+            <a:avLst/>
+          </a:prstGeom>
+        </p:spPr>
+        <p:txBody>
+          <a:bodyPr vert="horz" lIns="91440" tIns="45720" rIns="91440" bIns="45720" rtlCol="0">
+            <a:normAutofit/>
+          </a:bodyPr>
+          <a:lstStyle>
+            <a:lvl1pPr marL="0" indent="0" algn="ctr" defTabSz="914400" rtl="0" eaLnBrk="1" latinLnBrk="0" hangingPunct="1">
+              <a:lnSpc>
+                <a:spcPct val="90000"/>
+              </a:lnSpc>
+              <a:spcBef>
+                <a:spcPts val="1000"/>
+              </a:spcBef>
+              <a:buFont typeface="Arial" panose="020B0604020202020204" pitchFamily="34" charset="0"/>
+              <a:buNone/>
+              <a:defRPr sz="2400" kern="1200">
+                <a:solidFill>
+                  <a:schemeClr val="tx1"/>
+                </a:solidFill>
+                <a:latin typeface="+mn-lt"/>
+                <a:ea typeface="+mn-ea"/>
+                <a:cs typeface="+mn-cs"/>
+              </a:defRPr>
+            </a:lvl1pPr>
+            <a:lvl2pPr marL="457200" indent="0" algn="ctr" defTabSz="914400" rtl="0" eaLnBrk="1" latinLnBrk="0" hangingPunct="1">
+              <a:lnSpc>
+                <a:spcPct val="90000"/>
+              </a:lnSpc>
+              <a:spcBef>
+                <a:spcPts val="500"/>
+              </a:spcBef>
+              <a:buFont typeface="Arial" panose="020B0604020202020204" pitchFamily="34" charset="0"/>
+              <a:buNone/>
+              <a:defRPr sz="2000" kern="1200">
+                <a:solidFill>
+                  <a:schemeClr val="tx1"/>
+                </a:solidFill>
+                <a:latin typeface="+mn-lt"/>
+                <a:ea typeface="+mn-ea"/>
+                <a:cs typeface="+mn-cs"/>
+              </a:defRPr>
+            </a:lvl2pPr>
+            <a:lvl3pPr marL="914400" indent="0" algn="ctr" defTabSz="914400" rtl="0" eaLnBrk="1" latinLnBrk="0" hangingPunct="1">
+              <a:lnSpc>
+                <a:spcPct val="90000"/>
+              </a:lnSpc>
+              <a:spcBef>
+                <a:spcPts val="500"/>
+              </a:spcBef>
+              <a:buFont typeface="Arial" panose="020B0604020202020204" pitchFamily="34" charset="0"/>
+              <a:buNone/>
+              <a:defRPr sz="1800" kern="1200">
+                <a:solidFill>
+                  <a:schemeClr val="tx1"/>
+                </a:solidFill>
+                <a:latin typeface="+mn-lt"/>
+                <a:ea typeface="+mn-ea"/>
+                <a:cs typeface="+mn-cs"/>
+              </a:defRPr>
+            </a:lvl3pPr>
+            <a:lvl4pPr marL="1371600" indent="0" algn="ctr" defTabSz="914400" rtl="0" eaLnBrk="1" latinLnBrk="0" hangingPunct="1">
+              <a:lnSpc>
+                <a:spcPct val="90000"/>
+              </a:lnSpc>
+              <a:spcBef>
+                <a:spcPts val="500"/>
+              </a:spcBef>
+              <a:buFont typeface="Arial" panose="020B0604020202020204" pitchFamily="34" charset="0"/>
+              <a:buNone/>
+              <a:defRPr sz="1600" kern="1200">
+                <a:solidFill>
+                  <a:schemeClr val="tx1"/>
+                </a:solidFill>
+                <a:latin typeface="+mn-lt"/>
+                <a:ea typeface="+mn-ea"/>
+                <a:cs typeface="+mn-cs"/>
+              </a:defRPr>
+            </a:lvl4pPr>
+            <a:lvl5pPr marL="1828800" indent="0" algn="ctr" defTabSz="914400" rtl="0" eaLnBrk="1" latinLnBrk="0" hangingPunct="1">
+              <a:lnSpc>
+                <a:spcPct val="90000"/>
+              </a:lnSpc>
+              <a:spcBef>
+                <a:spcPts val="500"/>
+              </a:spcBef>
+              <a:buFont typeface="Arial" panose="020B0604020202020204" pitchFamily="34" charset="0"/>
+              <a:buNone/>
+              <a:defRPr sz="1600" kern="1200">
+                <a:solidFill>
+                  <a:schemeClr val="tx1"/>
+                </a:solidFill>
+                <a:latin typeface="+mn-lt"/>
+                <a:ea typeface="+mn-ea"/>
+                <a:cs typeface="+mn-cs"/>
+              </a:defRPr>
+            </a:lvl5pPr>
+            <a:lvl6pPr marL="2286000" indent="0" algn="ctr" defTabSz="914400" rtl="0" eaLnBrk="1" latinLnBrk="0" hangingPunct="1">
+              <a:lnSpc>
+                <a:spcPct val="90000"/>
+              </a:lnSpc>
+              <a:spcBef>
+                <a:spcPts val="500"/>
+              </a:spcBef>
+              <a:buFont typeface="Arial" panose="020B0604020202020204" pitchFamily="34" charset="0"/>
+              <a:buNone/>
+              <a:defRPr sz="1600" kern="1200">
+                <a:solidFill>
+                  <a:schemeClr val="tx1"/>
+                </a:solidFill>
+                <a:latin typeface="+mn-lt"/>
+                <a:ea typeface="+mn-ea"/>
+                <a:cs typeface="+mn-cs"/>
+              </a:defRPr>
+            </a:lvl6pPr>
+            <a:lvl7pPr marL="2743200" indent="0" algn="ctr" defTabSz="914400" rtl="0" eaLnBrk="1" latinLnBrk="0" hangingPunct="1">
+              <a:lnSpc>
+                <a:spcPct val="90000"/>
+              </a:lnSpc>
+              <a:spcBef>
+                <a:spcPts val="500"/>
+              </a:spcBef>
+              <a:buFont typeface="Arial" panose="020B0604020202020204" pitchFamily="34" charset="0"/>
+              <a:buNone/>
+              <a:defRPr sz="1600" kern="1200">
+                <a:solidFill>
+                  <a:schemeClr val="tx1"/>
+                </a:solidFill>
+                <a:latin typeface="+mn-lt"/>
+                <a:ea typeface="+mn-ea"/>
+                <a:cs typeface="+mn-cs"/>
+              </a:defRPr>
+            </a:lvl7pPr>
+            <a:lvl8pPr marL="3200400" indent="0" algn="ctr" defTabSz="914400" rtl="0" eaLnBrk="1" latinLnBrk="0" hangingPunct="1">
+              <a:lnSpc>
+                <a:spcPct val="90000"/>
+              </a:lnSpc>
+              <a:spcBef>
+                <a:spcPts val="500"/>
+              </a:spcBef>
+              <a:buFont typeface="Arial" panose="020B0604020202020204" pitchFamily="34" charset="0"/>
+              <a:buNone/>
+              <a:defRPr sz="1600" kern="1200">
+                <a:solidFill>
+                  <a:schemeClr val="tx1"/>
+                </a:solidFill>
+                <a:latin typeface="+mn-lt"/>
+                <a:ea typeface="+mn-ea"/>
+                <a:cs typeface="+mn-cs"/>
+              </a:defRPr>
+            </a:lvl8pPr>
+            <a:lvl9pPr marL="3657600" indent="0" algn="ctr" defTabSz="914400" rtl="0" eaLnBrk="1" latinLnBrk="0" hangingPunct="1">
+              <a:lnSpc>
+                <a:spcPct val="90000"/>
+              </a:lnSpc>
+              <a:spcBef>
+                <a:spcPts val="500"/>
+              </a:spcBef>
+              <a:buFont typeface="Arial" panose="020B0604020202020204" pitchFamily="34" charset="0"/>
+              <a:buNone/>
+              <a:defRPr sz="1600" kern="1200">
+                <a:solidFill>
+                  <a:schemeClr val="tx1"/>
+                </a:solidFill>
+                <a:latin typeface="+mn-lt"/>
+                <a:ea typeface="+mn-ea"/>
+                <a:cs typeface="+mn-cs"/>
+              </a:defRPr>
+            </a:lvl9pPr>
+          </a:lstStyle>
+          <a:p>
+            <a:r>
+              <a:rPr lang="en-US" sz="2800" dirty="0">
+                <a:latin typeface="Tahoma" panose="020B0604030504040204" pitchFamily="34" charset="0"/>
+                <a:ea typeface="Tahoma" panose="020B0604030504040204" pitchFamily="34" charset="0"/>
+                <a:cs typeface="Tahoma" panose="020B0604030504040204" pitchFamily="34" charset="0"/>
+              </a:rPr>
+              <a:t>Presented by</a:t>
+            </a:r>
+          </a:p>
+          <a:p>
+            <a:endParaRPr lang="en-IN" sz="2800" dirty="0">
+              <a:latin typeface="Tahoma" panose="020B0604030504040204" pitchFamily="34" charset="0"/>
+              <a:ea typeface="Tahoma" panose="020B0604030504040204" pitchFamily="34" charset="0"/>
+              <a:cs typeface="Tahoma" panose="020B0604030504040204" pitchFamily="34" charset="0"/>
+            </a:endParaRPr>
+          </a:p>
+        </p:txBody>
+      </p:sp>
+      <p:sp>
+        <p:nvSpPr>
+          <p:cNvPr id="9" name="Subtitle 2">
+            <a:extLst>
+              <a:ext uri="{FF2B5EF4-FFF2-40B4-BE49-F238E27FC236}">
+                <a16:creationId xmlns:a16="http://schemas.microsoft.com/office/drawing/2014/main" id="{6BEDB54C-6299-E1B5-55E0-EF340308386A}"/>
+              </a:ext>
+            </a:extLst>
+          </p:cNvPr>
+          <p:cNvSpPr txBox="1">
+            <a:spLocks/>
+          </p:cNvSpPr>
+          <p:nvPr/>
+        </p:nvSpPr>
+        <p:spPr>
+          <a:xfrm>
+            <a:off x="4306557" y="3278995"/>
+            <a:ext cx="3578885" cy="2077422"/>
+          </a:xfrm>
+          <a:prstGeom prst="rect">
+            <a:avLst/>
+          </a:prstGeom>
+        </p:spPr>
+        <p:txBody>
+          <a:bodyPr vert="horz" lIns="91440" tIns="45720" rIns="91440" bIns="45720" rtlCol="0">
+            <a:normAutofit/>
+          </a:bodyPr>
+          <a:lstStyle>
+            <a:lvl1pPr marL="0" indent="0" algn="ctr" defTabSz="914400" rtl="0" eaLnBrk="1" latinLnBrk="0" hangingPunct="1">
+              <a:lnSpc>
+                <a:spcPct val="90000"/>
+              </a:lnSpc>
+              <a:spcBef>
+                <a:spcPts val="1000"/>
+              </a:spcBef>
+              <a:buFont typeface="Arial" panose="020B0604020202020204" pitchFamily="34" charset="0"/>
+              <a:buNone/>
+              <a:defRPr sz="2400" kern="1200">
+                <a:solidFill>
+                  <a:schemeClr val="tx1"/>
+                </a:solidFill>
+                <a:latin typeface="+mn-lt"/>
+                <a:ea typeface="+mn-ea"/>
+                <a:cs typeface="+mn-cs"/>
+              </a:defRPr>
+            </a:lvl1pPr>
+            <a:lvl2pPr marL="457200" indent="0" algn="ctr" defTabSz="914400" rtl="0" eaLnBrk="1" latinLnBrk="0" hangingPunct="1">
+              <a:lnSpc>
+                <a:spcPct val="90000"/>
+              </a:lnSpc>
+              <a:spcBef>
+                <a:spcPts val="500"/>
+              </a:spcBef>
+              <a:buFont typeface="Arial" panose="020B0604020202020204" pitchFamily="34" charset="0"/>
+              <a:buNone/>
+              <a:defRPr sz="2000" kern="1200">
+                <a:solidFill>
+                  <a:schemeClr val="tx1"/>
+                </a:solidFill>
+                <a:latin typeface="+mn-lt"/>
+                <a:ea typeface="+mn-ea"/>
+                <a:cs typeface="+mn-cs"/>
+              </a:defRPr>
+            </a:lvl2pPr>
+            <a:lvl3pPr marL="914400" indent="0" algn="ctr" defTabSz="914400" rtl="0" eaLnBrk="1" latinLnBrk="0" hangingPunct="1">
+              <a:lnSpc>
+                <a:spcPct val="90000"/>
+              </a:lnSpc>
+              <a:spcBef>
+                <a:spcPts val="500"/>
+              </a:spcBef>
+              <a:buFont typeface="Arial" panose="020B0604020202020204" pitchFamily="34" charset="0"/>
+              <a:buNone/>
+              <a:defRPr sz="1800" kern="1200">
+                <a:solidFill>
+                  <a:schemeClr val="tx1"/>
+                </a:solidFill>
+                <a:latin typeface="+mn-lt"/>
+                <a:ea typeface="+mn-ea"/>
+                <a:cs typeface="+mn-cs"/>
+              </a:defRPr>
+            </a:lvl3pPr>
+            <a:lvl4pPr marL="1371600" indent="0" algn="ctr" defTabSz="914400" rtl="0" eaLnBrk="1" latinLnBrk="0" hangingPunct="1">
+              <a:lnSpc>
+                <a:spcPct val="90000"/>
+              </a:lnSpc>
+              <a:spcBef>
+                <a:spcPts val="500"/>
+              </a:spcBef>
+              <a:buFont typeface="Arial" panose="020B0604020202020204" pitchFamily="34" charset="0"/>
+              <a:buNone/>
+              <a:defRPr sz="1600" kern="1200">
+                <a:solidFill>
+                  <a:schemeClr val="tx1"/>
+                </a:solidFill>
+                <a:latin typeface="+mn-lt"/>
+                <a:ea typeface="+mn-ea"/>
+                <a:cs typeface="+mn-cs"/>
+              </a:defRPr>
+            </a:lvl4pPr>
+            <a:lvl5pPr marL="1828800" indent="0" algn="ctr" defTabSz="914400" rtl="0" eaLnBrk="1" latinLnBrk="0" hangingPunct="1">
+              <a:lnSpc>
+                <a:spcPct val="90000"/>
+              </a:lnSpc>
+              <a:spcBef>
+                <a:spcPts val="500"/>
+              </a:spcBef>
+              <a:buFont typeface="Arial" panose="020B0604020202020204" pitchFamily="34" charset="0"/>
+              <a:buNone/>
+              <a:defRPr sz="1600" kern="1200">
+                <a:solidFill>
+                  <a:schemeClr val="tx1"/>
+                </a:solidFill>
+                <a:latin typeface="+mn-lt"/>
+                <a:ea typeface="+mn-ea"/>
+                <a:cs typeface="+mn-cs"/>
+              </a:defRPr>
+            </a:lvl5pPr>
+            <a:lvl6pPr marL="2286000" indent="0" algn="ctr" defTabSz="914400" rtl="0" eaLnBrk="1" latinLnBrk="0" hangingPunct="1">
+              <a:lnSpc>
+                <a:spcPct val="90000"/>
+              </a:lnSpc>
+              <a:spcBef>
+                <a:spcPts val="500"/>
+              </a:spcBef>
+              <a:buFont typeface="Arial" panose="020B0604020202020204" pitchFamily="34" charset="0"/>
+              <a:buNone/>
+              <a:defRPr sz="1600" kern="1200">
+                <a:solidFill>
+                  <a:schemeClr val="tx1"/>
+                </a:solidFill>
+                <a:latin typeface="+mn-lt"/>
+                <a:ea typeface="+mn-ea"/>
+                <a:cs typeface="+mn-cs"/>
+              </a:defRPr>
+            </a:lvl6pPr>
+            <a:lvl7pPr marL="2743200" indent="0" algn="ctr" defTabSz="914400" rtl="0" eaLnBrk="1" latinLnBrk="0" hangingPunct="1">
+              <a:lnSpc>
+                <a:spcPct val="90000"/>
+              </a:lnSpc>
+              <a:spcBef>
+                <a:spcPts val="500"/>
+              </a:spcBef>
+              <a:buFont typeface="Arial" panose="020B0604020202020204" pitchFamily="34" charset="0"/>
+              <a:buNone/>
+              <a:defRPr sz="1600" kern="1200">
+                <a:solidFill>
+                  <a:schemeClr val="tx1"/>
+                </a:solidFill>
+                <a:latin typeface="+mn-lt"/>
+                <a:ea typeface="+mn-ea"/>
+                <a:cs typeface="+mn-cs"/>
+              </a:defRPr>
+            </a:lvl7pPr>
+            <a:lvl8pPr marL="3200400" indent="0" algn="ctr" defTabSz="914400" rtl="0" eaLnBrk="1" latinLnBrk="0" hangingPunct="1">
+              <a:lnSpc>
+                <a:spcPct val="90000"/>
+              </a:lnSpc>
+              <a:spcBef>
+                <a:spcPts val="500"/>
+              </a:spcBef>
+              <a:buFont typeface="Arial" panose="020B0604020202020204" pitchFamily="34" charset="0"/>
+              <a:buNone/>
+              <a:defRPr sz="1600" kern="1200">
+                <a:solidFill>
+                  <a:schemeClr val="tx1"/>
+                </a:solidFill>
+                <a:latin typeface="+mn-lt"/>
+                <a:ea typeface="+mn-ea"/>
+                <a:cs typeface="+mn-cs"/>
+              </a:defRPr>
+            </a:lvl8pPr>
+            <a:lvl9pPr marL="3657600" indent="0" algn="ctr" defTabSz="914400" rtl="0" eaLnBrk="1" latinLnBrk="0" hangingPunct="1">
+              <a:lnSpc>
+                <a:spcPct val="90000"/>
+              </a:lnSpc>
+              <a:spcBef>
+                <a:spcPts val="500"/>
+              </a:spcBef>
+              <a:buFont typeface="Arial" panose="020B0604020202020204" pitchFamily="34" charset="0"/>
+              <a:buNone/>
+              <a:defRPr sz="1600" kern="1200">
+                <a:solidFill>
+                  <a:schemeClr val="tx1"/>
+                </a:solidFill>
+                <a:latin typeface="+mn-lt"/>
+                <a:ea typeface="+mn-ea"/>
+                <a:cs typeface="+mn-cs"/>
+              </a:defRPr>
+            </a:lvl9pPr>
+          </a:lstStyle>
+          <a:p>
+            <a:r>
+              <a:rPr lang="en-US" sz="1800" dirty="0">
+                <a:solidFill>
+                  <a:schemeClr val="bg2">
+                    <a:lumMod val="25000"/>
+                  </a:schemeClr>
+                </a:solidFill>
+                <a:latin typeface="Tahoma" panose="020B0604030504040204" pitchFamily="34" charset="0"/>
+                <a:ea typeface="Tahoma" panose="020B0604030504040204" pitchFamily="34" charset="0"/>
+                <a:cs typeface="Tahoma" panose="020B0604030504040204" pitchFamily="34" charset="0"/>
+              </a:rPr>
+              <a:t>Vivek Kumar</a:t>
+            </a:r>
+          </a:p>
+          <a:p>
+            <a:r>
+              <a:rPr lang="en-US" sz="1800" dirty="0" err="1">
+                <a:solidFill>
+                  <a:schemeClr val="bg2">
+                    <a:lumMod val="25000"/>
+                  </a:schemeClr>
+                </a:solidFill>
+                <a:latin typeface="Tahoma" panose="020B0604030504040204" pitchFamily="34" charset="0"/>
+                <a:ea typeface="Tahoma" panose="020B0604030504040204" pitchFamily="34" charset="0"/>
+                <a:cs typeface="Tahoma" panose="020B0604030504040204" pitchFamily="34" charset="0"/>
+              </a:rPr>
+              <a:t>Gyanaranjan</a:t>
+            </a:r>
+            <a:r>
+              <a:rPr lang="en-US" sz="1800" dirty="0">
+                <a:solidFill>
+                  <a:schemeClr val="bg2">
+                    <a:lumMod val="25000"/>
+                  </a:schemeClr>
+                </a:solidFill>
+                <a:latin typeface="Tahoma" panose="020B0604030504040204" pitchFamily="34" charset="0"/>
+                <a:ea typeface="Tahoma" panose="020B0604030504040204" pitchFamily="34" charset="0"/>
+                <a:cs typeface="Tahoma" panose="020B0604030504040204" pitchFamily="34" charset="0"/>
+              </a:rPr>
+              <a:t> Sahoo</a:t>
+            </a:r>
+          </a:p>
+          <a:p>
+            <a:r>
+              <a:rPr lang="en-US" sz="1800" dirty="0">
+                <a:solidFill>
+                  <a:schemeClr val="bg2">
+                    <a:lumMod val="25000"/>
+                  </a:schemeClr>
+                </a:solidFill>
+                <a:latin typeface="Tahoma" panose="020B0604030504040204" pitchFamily="34" charset="0"/>
+                <a:ea typeface="Tahoma" panose="020B0604030504040204" pitchFamily="34" charset="0"/>
+                <a:cs typeface="Tahoma" panose="020B0604030504040204" pitchFamily="34" charset="0"/>
+              </a:rPr>
+              <a:t>M Harini</a:t>
+            </a:r>
+          </a:p>
+          <a:p>
+            <a:r>
+              <a:rPr lang="en-US" sz="1800" dirty="0">
+                <a:solidFill>
+                  <a:schemeClr val="bg2">
+                    <a:lumMod val="25000"/>
+                  </a:schemeClr>
+                </a:solidFill>
+                <a:latin typeface="Tahoma" panose="020B0604030504040204" pitchFamily="34" charset="0"/>
+                <a:ea typeface="Tahoma" panose="020B0604030504040204" pitchFamily="34" charset="0"/>
+                <a:cs typeface="Tahoma" panose="020B0604030504040204" pitchFamily="34" charset="0"/>
+              </a:rPr>
+              <a:t>Soumalya Ganguly</a:t>
+            </a:r>
+          </a:p>
+          <a:p>
+            <a:r>
+              <a:rPr lang="en-US" sz="1800" dirty="0">
+                <a:solidFill>
+                  <a:schemeClr val="bg2">
+                    <a:lumMod val="25000"/>
+                  </a:schemeClr>
+                </a:solidFill>
+                <a:latin typeface="Tahoma" panose="020B0604030504040204" pitchFamily="34" charset="0"/>
+                <a:ea typeface="Tahoma" panose="020B0604030504040204" pitchFamily="34" charset="0"/>
+                <a:cs typeface="Tahoma" panose="020B0604030504040204" pitchFamily="34" charset="0"/>
+              </a:rPr>
+              <a:t>Kushwanth </a:t>
+            </a:r>
+            <a:r>
+              <a:rPr lang="en-US" sz="1800" dirty="0" err="1">
+                <a:solidFill>
+                  <a:schemeClr val="bg2">
+                    <a:lumMod val="25000"/>
+                  </a:schemeClr>
+                </a:solidFill>
+                <a:latin typeface="Tahoma" panose="020B0604030504040204" pitchFamily="34" charset="0"/>
+                <a:ea typeface="Tahoma" panose="020B0604030504040204" pitchFamily="34" charset="0"/>
+                <a:cs typeface="Tahoma" panose="020B0604030504040204" pitchFamily="34" charset="0"/>
+              </a:rPr>
+              <a:t>Nethi</a:t>
+            </a:r>
+            <a:endParaRPr lang="en-IN" sz="1800" dirty="0">
+              <a:solidFill>
+                <a:schemeClr val="bg2">
+                  <a:lumMod val="25000"/>
+                </a:schemeClr>
+              </a:solidFill>
+              <a:latin typeface="Tahoma" panose="020B0604030504040204" pitchFamily="34" charset="0"/>
+              <a:ea typeface="Tahoma" panose="020B0604030504040204" pitchFamily="34" charset="0"/>
+              <a:cs typeface="Tahoma" panose="020B0604030504040204" pitchFamily="34" charset="0"/>
+            </a:endParaRPr>
+          </a:p>
+        </p:txBody>
+      </p:sp>
+      <p:sp>
+        <p:nvSpPr>
+          <p:cNvPr id="10" name="Subtitle 2">
+            <a:extLst>
+              <a:ext uri="{FF2B5EF4-FFF2-40B4-BE49-F238E27FC236}">
+                <a16:creationId xmlns:a16="http://schemas.microsoft.com/office/drawing/2014/main" id="{200C2A95-6E6D-0D35-BB93-E562BD867978}"/>
+              </a:ext>
+            </a:extLst>
+          </p:cNvPr>
+          <p:cNvSpPr txBox="1">
+            <a:spLocks/>
+          </p:cNvSpPr>
+          <p:nvPr/>
+        </p:nvSpPr>
+        <p:spPr>
+          <a:xfrm>
+            <a:off x="1523999" y="5640794"/>
+            <a:ext cx="9144000" cy="523220"/>
+          </a:xfrm>
+          <a:prstGeom prst="rect">
+            <a:avLst/>
+          </a:prstGeom>
+        </p:spPr>
+        <p:txBody>
+          <a:bodyPr vert="horz" lIns="91440" tIns="45720" rIns="91440" bIns="45720" rtlCol="0">
+            <a:normAutofit/>
+          </a:bodyPr>
+          <a:lstStyle>
+            <a:lvl1pPr marL="0" indent="0" algn="ctr" defTabSz="914400" rtl="0" eaLnBrk="1" latinLnBrk="0" hangingPunct="1">
+              <a:lnSpc>
+                <a:spcPct val="90000"/>
+              </a:lnSpc>
+              <a:spcBef>
+                <a:spcPts val="1000"/>
+              </a:spcBef>
+              <a:buFont typeface="Arial" panose="020B0604020202020204" pitchFamily="34" charset="0"/>
+              <a:buNone/>
+              <a:defRPr sz="2400" kern="1200">
+                <a:solidFill>
+                  <a:schemeClr val="tx1"/>
+                </a:solidFill>
+                <a:latin typeface="+mn-lt"/>
+                <a:ea typeface="+mn-ea"/>
+                <a:cs typeface="+mn-cs"/>
+              </a:defRPr>
+            </a:lvl1pPr>
+            <a:lvl2pPr marL="457200" indent="0" algn="ctr" defTabSz="914400" rtl="0" eaLnBrk="1" latinLnBrk="0" hangingPunct="1">
+              <a:lnSpc>
+                <a:spcPct val="90000"/>
+              </a:lnSpc>
+              <a:spcBef>
+                <a:spcPts val="500"/>
+              </a:spcBef>
+              <a:buFont typeface="Arial" panose="020B0604020202020204" pitchFamily="34" charset="0"/>
+              <a:buNone/>
+              <a:defRPr sz="2000" kern="1200">
+                <a:solidFill>
+                  <a:schemeClr val="tx1"/>
+                </a:solidFill>
+                <a:latin typeface="+mn-lt"/>
+                <a:ea typeface="+mn-ea"/>
+                <a:cs typeface="+mn-cs"/>
+              </a:defRPr>
+            </a:lvl2pPr>
+            <a:lvl3pPr marL="914400" indent="0" algn="ctr" defTabSz="914400" rtl="0" eaLnBrk="1" latinLnBrk="0" hangingPunct="1">
+              <a:lnSpc>
+                <a:spcPct val="90000"/>
+              </a:lnSpc>
+              <a:spcBef>
+                <a:spcPts val="500"/>
+              </a:spcBef>
+              <a:buFont typeface="Arial" panose="020B0604020202020204" pitchFamily="34" charset="0"/>
+              <a:buNone/>
+              <a:defRPr sz="1800" kern="1200">
+                <a:solidFill>
+                  <a:schemeClr val="tx1"/>
+                </a:solidFill>
+                <a:latin typeface="+mn-lt"/>
+                <a:ea typeface="+mn-ea"/>
+                <a:cs typeface="+mn-cs"/>
+              </a:defRPr>
+            </a:lvl3pPr>
+            <a:lvl4pPr marL="1371600" indent="0" algn="ctr" defTabSz="914400" rtl="0" eaLnBrk="1" latinLnBrk="0" hangingPunct="1">
+              <a:lnSpc>
+                <a:spcPct val="90000"/>
+              </a:lnSpc>
+              <a:spcBef>
+                <a:spcPts val="500"/>
+              </a:spcBef>
+              <a:buFont typeface="Arial" panose="020B0604020202020204" pitchFamily="34" charset="0"/>
+              <a:buNone/>
+              <a:defRPr sz="1600" kern="1200">
+                <a:solidFill>
+                  <a:schemeClr val="tx1"/>
+                </a:solidFill>
+                <a:latin typeface="+mn-lt"/>
+                <a:ea typeface="+mn-ea"/>
+                <a:cs typeface="+mn-cs"/>
+              </a:defRPr>
+            </a:lvl4pPr>
+            <a:lvl5pPr marL="1828800" indent="0" algn="ctr" defTabSz="914400" rtl="0" eaLnBrk="1" latinLnBrk="0" hangingPunct="1">
+              <a:lnSpc>
+                <a:spcPct val="90000"/>
+              </a:lnSpc>
+              <a:spcBef>
+                <a:spcPts val="500"/>
+              </a:spcBef>
+              <a:buFont typeface="Arial" panose="020B0604020202020204" pitchFamily="34" charset="0"/>
+              <a:buNone/>
+              <a:defRPr sz="1600" kern="1200">
+                <a:solidFill>
+                  <a:schemeClr val="tx1"/>
+                </a:solidFill>
+                <a:latin typeface="+mn-lt"/>
+                <a:ea typeface="+mn-ea"/>
+                <a:cs typeface="+mn-cs"/>
+              </a:defRPr>
+            </a:lvl5pPr>
+            <a:lvl6pPr marL="2286000" indent="0" algn="ctr" defTabSz="914400" rtl="0" eaLnBrk="1" latinLnBrk="0" hangingPunct="1">
+              <a:lnSpc>
+                <a:spcPct val="90000"/>
+              </a:lnSpc>
+              <a:spcBef>
+                <a:spcPts val="500"/>
+              </a:spcBef>
+              <a:buFont typeface="Arial" panose="020B0604020202020204" pitchFamily="34" charset="0"/>
+              <a:buNone/>
+              <a:defRPr sz="1600" kern="1200">
+                <a:solidFill>
+                  <a:schemeClr val="tx1"/>
+                </a:solidFill>
+                <a:latin typeface="+mn-lt"/>
+                <a:ea typeface="+mn-ea"/>
+                <a:cs typeface="+mn-cs"/>
+              </a:defRPr>
+            </a:lvl6pPr>
+            <a:lvl7pPr marL="2743200" indent="0" algn="ctr" defTabSz="914400" rtl="0" eaLnBrk="1" latinLnBrk="0" hangingPunct="1">
+              <a:lnSpc>
+                <a:spcPct val="90000"/>
+              </a:lnSpc>
+              <a:spcBef>
+                <a:spcPts val="500"/>
+              </a:spcBef>
+              <a:buFont typeface="Arial" panose="020B0604020202020204" pitchFamily="34" charset="0"/>
+              <a:buNone/>
+              <a:defRPr sz="1600" kern="1200">
+                <a:solidFill>
+                  <a:schemeClr val="tx1"/>
+                </a:solidFill>
+                <a:latin typeface="+mn-lt"/>
+                <a:ea typeface="+mn-ea"/>
+                <a:cs typeface="+mn-cs"/>
+              </a:defRPr>
+            </a:lvl7pPr>
+            <a:lvl8pPr marL="3200400" indent="0" algn="ctr" defTabSz="914400" rtl="0" eaLnBrk="1" latinLnBrk="0" hangingPunct="1">
+              <a:lnSpc>
+                <a:spcPct val="90000"/>
+              </a:lnSpc>
+              <a:spcBef>
+                <a:spcPts val="500"/>
+              </a:spcBef>
+              <a:buFont typeface="Arial" panose="020B0604020202020204" pitchFamily="34" charset="0"/>
+              <a:buNone/>
+              <a:defRPr sz="1600" kern="1200">
+                <a:solidFill>
+                  <a:schemeClr val="tx1"/>
+                </a:solidFill>
+                <a:latin typeface="+mn-lt"/>
+                <a:ea typeface="+mn-ea"/>
+                <a:cs typeface="+mn-cs"/>
+              </a:defRPr>
+            </a:lvl8pPr>
+            <a:lvl9pPr marL="3657600" indent="0" algn="ctr" defTabSz="914400" rtl="0" eaLnBrk="1" latinLnBrk="0" hangingPunct="1">
+              <a:lnSpc>
+                <a:spcPct val="90000"/>
+              </a:lnSpc>
+              <a:spcBef>
+                <a:spcPts val="500"/>
+              </a:spcBef>
+              <a:buFont typeface="Arial" panose="020B0604020202020204" pitchFamily="34" charset="0"/>
+              <a:buNone/>
+              <a:defRPr sz="1600" kern="1200">
+                <a:solidFill>
+                  <a:schemeClr val="tx1"/>
+                </a:solidFill>
+                <a:latin typeface="+mn-lt"/>
+                <a:ea typeface="+mn-ea"/>
+                <a:cs typeface="+mn-cs"/>
+              </a:defRPr>
+            </a:lvl9pPr>
+          </a:lstStyle>
+          <a:p>
+            <a:r>
+              <a:rPr lang="en-US" sz="2800" dirty="0">
+                <a:latin typeface="Tahoma" panose="020B0604030504040204" pitchFamily="34" charset="0"/>
+                <a:ea typeface="Tahoma" panose="020B0604030504040204" pitchFamily="34" charset="0"/>
+                <a:cs typeface="Tahoma" panose="020B0604030504040204" pitchFamily="34" charset="0"/>
+              </a:rPr>
+              <a:t>Guided By</a:t>
+            </a:r>
+            <a:endParaRPr lang="en-IN" sz="2800" dirty="0">
+              <a:latin typeface="Tahoma" panose="020B0604030504040204" pitchFamily="34" charset="0"/>
+              <a:ea typeface="Tahoma" panose="020B0604030504040204" pitchFamily="34" charset="0"/>
+              <a:cs typeface="Tahoma" panose="020B0604030504040204" pitchFamily="34" charset="0"/>
+            </a:endParaRPr>
+          </a:p>
+        </p:txBody>
+      </p:sp>
+      <p:sp>
+        <p:nvSpPr>
+          <p:cNvPr id="11" name="Subtitle 2">
+            <a:extLst>
+              <a:ext uri="{FF2B5EF4-FFF2-40B4-BE49-F238E27FC236}">
+                <a16:creationId xmlns:a16="http://schemas.microsoft.com/office/drawing/2014/main" id="{EE0C5D70-4481-7A37-9470-B25C6FFAAEDB}"/>
+              </a:ext>
+            </a:extLst>
+          </p:cNvPr>
+          <p:cNvSpPr txBox="1">
+            <a:spLocks/>
+          </p:cNvSpPr>
+          <p:nvPr/>
+        </p:nvSpPr>
+        <p:spPr>
+          <a:xfrm>
+            <a:off x="1523999" y="6142030"/>
+            <a:ext cx="9034862" cy="477640"/>
+          </a:xfrm>
+          <a:prstGeom prst="rect">
+            <a:avLst/>
+          </a:prstGeom>
+        </p:spPr>
+        <p:txBody>
+          <a:bodyPr vert="horz" lIns="91440" tIns="45720" rIns="91440" bIns="45720" rtlCol="0">
+            <a:normAutofit/>
+          </a:bodyPr>
+          <a:lstStyle>
+            <a:lvl1pPr marL="0" indent="0" algn="ctr" defTabSz="914400" rtl="0" eaLnBrk="1" latinLnBrk="0" hangingPunct="1">
+              <a:lnSpc>
+                <a:spcPct val="90000"/>
+              </a:lnSpc>
+              <a:spcBef>
+                <a:spcPts val="1000"/>
+              </a:spcBef>
+              <a:buFont typeface="Arial" panose="020B0604020202020204" pitchFamily="34" charset="0"/>
+              <a:buNone/>
+              <a:defRPr sz="2400" kern="1200">
+                <a:solidFill>
+                  <a:schemeClr val="tx1"/>
+                </a:solidFill>
+                <a:latin typeface="+mn-lt"/>
+                <a:ea typeface="+mn-ea"/>
+                <a:cs typeface="+mn-cs"/>
+              </a:defRPr>
+            </a:lvl1pPr>
+            <a:lvl2pPr marL="457200" indent="0" algn="ctr" defTabSz="914400" rtl="0" eaLnBrk="1" latinLnBrk="0" hangingPunct="1">
+              <a:lnSpc>
+                <a:spcPct val="90000"/>
+              </a:lnSpc>
+              <a:spcBef>
+                <a:spcPts val="500"/>
+              </a:spcBef>
+              <a:buFont typeface="Arial" panose="020B0604020202020204" pitchFamily="34" charset="0"/>
+              <a:buNone/>
+              <a:defRPr sz="2000" kern="1200">
+                <a:solidFill>
+                  <a:schemeClr val="tx1"/>
+                </a:solidFill>
+                <a:latin typeface="+mn-lt"/>
+                <a:ea typeface="+mn-ea"/>
+                <a:cs typeface="+mn-cs"/>
+              </a:defRPr>
+            </a:lvl2pPr>
+            <a:lvl3pPr marL="914400" indent="0" algn="ctr" defTabSz="914400" rtl="0" eaLnBrk="1" latinLnBrk="0" hangingPunct="1">
+              <a:lnSpc>
+                <a:spcPct val="90000"/>
+              </a:lnSpc>
+              <a:spcBef>
+                <a:spcPts val="500"/>
+              </a:spcBef>
+              <a:buFont typeface="Arial" panose="020B0604020202020204" pitchFamily="34" charset="0"/>
+              <a:buNone/>
+              <a:defRPr sz="1800" kern="1200">
+                <a:solidFill>
+                  <a:schemeClr val="tx1"/>
+                </a:solidFill>
+                <a:latin typeface="+mn-lt"/>
+                <a:ea typeface="+mn-ea"/>
+                <a:cs typeface="+mn-cs"/>
+              </a:defRPr>
+            </a:lvl3pPr>
+            <a:lvl4pPr marL="1371600" indent="0" algn="ctr" defTabSz="914400" rtl="0" eaLnBrk="1" latinLnBrk="0" hangingPunct="1">
+              <a:lnSpc>
+                <a:spcPct val="90000"/>
+              </a:lnSpc>
+              <a:spcBef>
+                <a:spcPts val="500"/>
+              </a:spcBef>
+              <a:buFont typeface="Arial" panose="020B0604020202020204" pitchFamily="34" charset="0"/>
+              <a:buNone/>
+              <a:defRPr sz="1600" kern="1200">
+                <a:solidFill>
+                  <a:schemeClr val="tx1"/>
+                </a:solidFill>
+                <a:latin typeface="+mn-lt"/>
+                <a:ea typeface="+mn-ea"/>
+                <a:cs typeface="+mn-cs"/>
+              </a:defRPr>
+            </a:lvl4pPr>
+            <a:lvl5pPr marL="1828800" indent="0" algn="ctr" defTabSz="914400" rtl="0" eaLnBrk="1" latinLnBrk="0" hangingPunct="1">
+              <a:lnSpc>
+                <a:spcPct val="90000"/>
+              </a:lnSpc>
+              <a:spcBef>
+                <a:spcPts val="500"/>
+              </a:spcBef>
+              <a:buFont typeface="Arial" panose="020B0604020202020204" pitchFamily="34" charset="0"/>
+              <a:buNone/>
+              <a:defRPr sz="1600" kern="1200">
+                <a:solidFill>
+                  <a:schemeClr val="tx1"/>
+                </a:solidFill>
+                <a:latin typeface="+mn-lt"/>
+                <a:ea typeface="+mn-ea"/>
+                <a:cs typeface="+mn-cs"/>
+              </a:defRPr>
+            </a:lvl5pPr>
+            <a:lvl6pPr marL="2286000" indent="0" algn="ctr" defTabSz="914400" rtl="0" eaLnBrk="1" latinLnBrk="0" hangingPunct="1">
+              <a:lnSpc>
+                <a:spcPct val="90000"/>
+              </a:lnSpc>
+              <a:spcBef>
+                <a:spcPts val="500"/>
+              </a:spcBef>
+              <a:buFont typeface="Arial" panose="020B0604020202020204" pitchFamily="34" charset="0"/>
+              <a:buNone/>
+              <a:defRPr sz="1600" kern="1200">
+                <a:solidFill>
+                  <a:schemeClr val="tx1"/>
+                </a:solidFill>
+                <a:latin typeface="+mn-lt"/>
+                <a:ea typeface="+mn-ea"/>
+                <a:cs typeface="+mn-cs"/>
+              </a:defRPr>
+            </a:lvl6pPr>
+            <a:lvl7pPr marL="2743200" indent="0" algn="ctr" defTabSz="914400" rtl="0" eaLnBrk="1" latinLnBrk="0" hangingPunct="1">
+              <a:lnSpc>
+                <a:spcPct val="90000"/>
+              </a:lnSpc>
+              <a:spcBef>
+                <a:spcPts val="500"/>
+              </a:spcBef>
+              <a:buFont typeface="Arial" panose="020B0604020202020204" pitchFamily="34" charset="0"/>
+              <a:buNone/>
+              <a:defRPr sz="1600" kern="1200">
+                <a:solidFill>
+                  <a:schemeClr val="tx1"/>
+                </a:solidFill>
+                <a:latin typeface="+mn-lt"/>
+                <a:ea typeface="+mn-ea"/>
+                <a:cs typeface="+mn-cs"/>
+              </a:defRPr>
+            </a:lvl7pPr>
+            <a:lvl8pPr marL="3200400" indent="0" algn="ctr" defTabSz="914400" rtl="0" eaLnBrk="1" latinLnBrk="0" hangingPunct="1">
+              <a:lnSpc>
+                <a:spcPct val="90000"/>
+              </a:lnSpc>
+              <a:spcBef>
+                <a:spcPts val="500"/>
+              </a:spcBef>
+              <a:buFont typeface="Arial" panose="020B0604020202020204" pitchFamily="34" charset="0"/>
+              <a:buNone/>
+              <a:defRPr sz="1600" kern="1200">
+                <a:solidFill>
+                  <a:schemeClr val="tx1"/>
+                </a:solidFill>
+                <a:latin typeface="+mn-lt"/>
+                <a:ea typeface="+mn-ea"/>
+                <a:cs typeface="+mn-cs"/>
+              </a:defRPr>
+            </a:lvl8pPr>
+            <a:lvl9pPr marL="3657600" indent="0" algn="ctr" defTabSz="914400" rtl="0" eaLnBrk="1" latinLnBrk="0" hangingPunct="1">
+              <a:lnSpc>
+                <a:spcPct val="90000"/>
+              </a:lnSpc>
+              <a:spcBef>
+                <a:spcPts val="500"/>
+              </a:spcBef>
+              <a:buFont typeface="Arial" panose="020B0604020202020204" pitchFamily="34" charset="0"/>
+              <a:buNone/>
+              <a:defRPr sz="1600" kern="1200">
+                <a:solidFill>
+                  <a:schemeClr val="tx1"/>
+                </a:solidFill>
+                <a:latin typeface="+mn-lt"/>
+                <a:ea typeface="+mn-ea"/>
+                <a:cs typeface="+mn-cs"/>
+              </a:defRPr>
+            </a:lvl9pPr>
+          </a:lstStyle>
+          <a:p>
+            <a:r>
+              <a:rPr lang="en-US" dirty="0">
+                <a:latin typeface="Verdana" panose="020B0604030504040204" pitchFamily="34" charset="0"/>
+                <a:ea typeface="Verdana" panose="020B0604030504040204" pitchFamily="34" charset="0"/>
+                <a:cs typeface="Tahoma" panose="020B0604030504040204" pitchFamily="34" charset="0"/>
+              </a:rPr>
+              <a:t>Dr Manju J R</a:t>
+            </a:r>
+            <a:endParaRPr lang="en-IN" dirty="0">
+              <a:latin typeface="Verdana" panose="020B0604030504040204" pitchFamily="34" charset="0"/>
+              <a:ea typeface="Verdana" panose="020B0604030504040204" pitchFamily="34" charset="0"/>
+              <a:cs typeface="Tahoma" panose="020B0604030504040204" pitchFamily="34" charset="0"/>
+            </a:endParaRPr>
           </a:p>
         </p:txBody>
       </p:sp>
@@ -4142,826 +5301,46 @@
           <a:chExt cx="0" cy="0"/>
         </a:xfrm>
       </p:grpSpPr>
-      <p:sp>
-        <p:nvSpPr>
-          <p:cNvPr id="2" name="Title 1">
+      <p:pic>
+        <p:nvPicPr>
+          <p:cNvPr id="5" name="Picture 4">
             <a:extLst>
               <a:ext uri="{FF2B5EF4-FFF2-40B4-BE49-F238E27FC236}">
-                <a16:creationId xmlns:a16="http://schemas.microsoft.com/office/drawing/2014/main" id="{FC85C509-47C4-FFCF-37E9-238104FE4E24}"/>
+                <a16:creationId xmlns:a16="http://schemas.microsoft.com/office/drawing/2014/main" id="{2D9E8496-DFCA-5AC2-E291-DC35B52AB91C}"/>
               </a:ext>
             </a:extLst>
           </p:cNvPr>
-          <p:cNvSpPr>
-            <a:spLocks noGrp="1"/>
-          </p:cNvSpPr>
-          <p:nvPr>
-            <p:ph type="title"/>
-          </p:nvPr>
-        </p:nvSpPr>
-        <p:spPr/>
-        <p:txBody>
-          <a:bodyPr>
-            <a:normAutofit/>
-          </a:bodyPr>
-          <a:lstStyle/>
-          <a:p>
-            <a:r>
-              <a:rPr lang="en-IN" sz="4000" u="sng" spc="-204" dirty="0">
-                <a:latin typeface="Tahoma" panose="020B0604030504040204" pitchFamily="34" charset="0"/>
-                <a:ea typeface="Tahoma" panose="020B0604030504040204" pitchFamily="34" charset="0"/>
-                <a:cs typeface="Tahoma" panose="020B0604030504040204" pitchFamily="34" charset="0"/>
-              </a:rPr>
-              <a:t>Performance</a:t>
-            </a:r>
-            <a:r>
-              <a:rPr lang="en-IN" sz="4000" u="sng" spc="-220" dirty="0">
-                <a:latin typeface="Tahoma" panose="020B0604030504040204" pitchFamily="34" charset="0"/>
-                <a:ea typeface="Tahoma" panose="020B0604030504040204" pitchFamily="34" charset="0"/>
-                <a:cs typeface="Tahoma" panose="020B0604030504040204" pitchFamily="34" charset="0"/>
-              </a:rPr>
-              <a:t> </a:t>
-            </a:r>
-            <a:r>
-              <a:rPr lang="en-IN" sz="4000" u="sng" spc="-145" dirty="0">
-                <a:latin typeface="Tahoma" panose="020B0604030504040204" pitchFamily="34" charset="0"/>
-                <a:ea typeface="Tahoma" panose="020B0604030504040204" pitchFamily="34" charset="0"/>
-                <a:cs typeface="Tahoma" panose="020B0604030504040204" pitchFamily="34" charset="0"/>
-              </a:rPr>
-              <a:t>Metrics</a:t>
-            </a:r>
-            <a:endParaRPr lang="en-IN" sz="4000" u="sng" dirty="0">
-              <a:latin typeface="Tahoma" panose="020B0604030504040204" pitchFamily="34" charset="0"/>
-              <a:ea typeface="Tahoma" panose="020B0604030504040204" pitchFamily="34" charset="0"/>
-              <a:cs typeface="Tahoma" panose="020B0604030504040204" pitchFamily="34" charset="0"/>
-            </a:endParaRPr>
-          </a:p>
-        </p:txBody>
-      </p:sp>
-      <p:sp>
-        <p:nvSpPr>
-          <p:cNvPr id="4" name="TextBox 3">
+          <p:cNvPicPr>
+            <a:picLocks noChangeAspect="1"/>
+          </p:cNvPicPr>
+          <p:nvPr/>
+        </p:nvPicPr>
+        <p:blipFill>
+          <a:blip r:embed="rId2">
             <a:extLst>
-              <a:ext uri="{FF2B5EF4-FFF2-40B4-BE49-F238E27FC236}">
-                <a16:creationId xmlns:a16="http://schemas.microsoft.com/office/drawing/2014/main" id="{B90BFE52-9D1E-BFDC-43DA-9DDD8EA26D1D}"/>
+              <a:ext uri="{28A0092B-C50C-407E-A947-70E740481C1C}">
+                <a14:useLocalDpi xmlns:a14="http://schemas.microsoft.com/office/drawing/2010/main" val="0"/>
               </a:ext>
             </a:extLst>
-          </p:cNvPr>
-          <p:cNvSpPr txBox="1"/>
-          <p:nvPr/>
-        </p:nvSpPr>
+          </a:blip>
+          <a:stretch>
+            <a:fillRect/>
+          </a:stretch>
+        </p:blipFill>
         <p:spPr>
           <a:xfrm>
-            <a:off x="426720" y="2185416"/>
-            <a:ext cx="2636520" cy="2834622"/>
+            <a:off x="246888" y="100584"/>
+            <a:ext cx="11768328" cy="6635858"/>
           </a:xfrm>
           <a:prstGeom prst="rect">
             <a:avLst/>
           </a:prstGeom>
-          <a:noFill/>
         </p:spPr>
-        <p:txBody>
-          <a:bodyPr wrap="square" rtlCol="0">
-            <a:spAutoFit/>
-          </a:bodyPr>
-          <a:lstStyle/>
-          <a:p>
-            <a:pPr algn="ctr">
-              <a:lnSpc>
-                <a:spcPct val="100000"/>
-              </a:lnSpc>
-              <a:spcBef>
-                <a:spcPts val="130"/>
-              </a:spcBef>
-            </a:pPr>
-            <a:r>
-              <a:rPr lang="en-US" sz="5400" b="1" spc="-830" dirty="0">
-                <a:latin typeface="Tahoma" panose="020B0604030504040204" pitchFamily="34" charset="0"/>
-                <a:ea typeface="Tahoma" panose="020B0604030504040204" pitchFamily="34" charset="0"/>
-                <a:cs typeface="Tahoma" panose="020B0604030504040204" pitchFamily="34" charset="0"/>
-              </a:rPr>
-              <a:t>95%</a:t>
-            </a:r>
-            <a:endParaRPr lang="en-US" sz="5400" dirty="0">
-              <a:latin typeface="Tahoma" panose="020B0604030504040204" pitchFamily="34" charset="0"/>
-              <a:ea typeface="Tahoma" panose="020B0604030504040204" pitchFamily="34" charset="0"/>
-              <a:cs typeface="Tahoma" panose="020B0604030504040204" pitchFamily="34" charset="0"/>
-            </a:endParaRPr>
-          </a:p>
-          <a:p>
-            <a:pPr algn="ctr">
-              <a:lnSpc>
-                <a:spcPct val="100000"/>
-              </a:lnSpc>
-              <a:spcBef>
-                <a:spcPts val="1335"/>
-              </a:spcBef>
-            </a:pPr>
-            <a:r>
-              <a:rPr lang="en-US" sz="2400" b="1" spc="-80" dirty="0">
-                <a:latin typeface="Tahoma" panose="020B0604030504040204" pitchFamily="34" charset="0"/>
-                <a:ea typeface="Tahoma" panose="020B0604030504040204" pitchFamily="34" charset="0"/>
-                <a:cs typeface="Tahoma" panose="020B0604030504040204" pitchFamily="34" charset="0"/>
-              </a:rPr>
-              <a:t>Prediction</a:t>
-            </a:r>
-            <a:r>
-              <a:rPr lang="en-US" sz="2400" b="1" spc="-70" dirty="0">
-                <a:latin typeface="Tahoma" panose="020B0604030504040204" pitchFamily="34" charset="0"/>
-                <a:ea typeface="Tahoma" panose="020B0604030504040204" pitchFamily="34" charset="0"/>
-                <a:cs typeface="Tahoma" panose="020B0604030504040204" pitchFamily="34" charset="0"/>
-              </a:rPr>
-              <a:t> </a:t>
-            </a:r>
-            <a:r>
-              <a:rPr lang="en-US" sz="2400" b="1" spc="-10" dirty="0">
-                <a:latin typeface="Tahoma" panose="020B0604030504040204" pitchFamily="34" charset="0"/>
-                <a:ea typeface="Tahoma" panose="020B0604030504040204" pitchFamily="34" charset="0"/>
-                <a:cs typeface="Tahoma" panose="020B0604030504040204" pitchFamily="34" charset="0"/>
-              </a:rPr>
-              <a:t>Accuracy</a:t>
-            </a:r>
-            <a:endParaRPr lang="en-US" sz="2400" dirty="0">
-              <a:latin typeface="Tahoma" panose="020B0604030504040204" pitchFamily="34" charset="0"/>
-              <a:ea typeface="Tahoma" panose="020B0604030504040204" pitchFamily="34" charset="0"/>
-              <a:cs typeface="Tahoma" panose="020B0604030504040204" pitchFamily="34" charset="0"/>
-            </a:endParaRPr>
-          </a:p>
-          <a:p>
-            <a:pPr marL="12065" marR="5080" algn="ctr">
-              <a:lnSpc>
-                <a:spcPct val="135000"/>
-              </a:lnSpc>
-              <a:spcBef>
-                <a:spcPts val="520"/>
-              </a:spcBef>
-            </a:pPr>
-            <a:r>
-              <a:rPr lang="en-US" sz="1600" dirty="0">
-                <a:solidFill>
-                  <a:srgbClr val="374552"/>
-                </a:solidFill>
-                <a:latin typeface="Tahoma" panose="020B0604030504040204" pitchFamily="34" charset="0"/>
-                <a:ea typeface="Tahoma" panose="020B0604030504040204" pitchFamily="34" charset="0"/>
-                <a:cs typeface="Tahoma" panose="020B0604030504040204" pitchFamily="34" charset="0"/>
-              </a:rPr>
-              <a:t>Highly reliable</a:t>
-            </a:r>
-            <a:r>
-              <a:rPr lang="en-US" sz="1600" spc="5" dirty="0">
-                <a:solidFill>
-                  <a:srgbClr val="374552"/>
-                </a:solidFill>
-                <a:latin typeface="Tahoma" panose="020B0604030504040204" pitchFamily="34" charset="0"/>
-                <a:ea typeface="Tahoma" panose="020B0604030504040204" pitchFamily="34" charset="0"/>
-                <a:cs typeface="Tahoma" panose="020B0604030504040204" pitchFamily="34" charset="0"/>
-              </a:rPr>
-              <a:t> </a:t>
-            </a:r>
-            <a:r>
-              <a:rPr lang="en-US" sz="1600" dirty="0">
-                <a:solidFill>
-                  <a:srgbClr val="374552"/>
-                </a:solidFill>
-                <a:latin typeface="Tahoma" panose="020B0604030504040204" pitchFamily="34" charset="0"/>
-                <a:ea typeface="Tahoma" panose="020B0604030504040204" pitchFamily="34" charset="0"/>
-                <a:cs typeface="Tahoma" panose="020B0604030504040204" pitchFamily="34" charset="0"/>
-              </a:rPr>
-              <a:t>career</a:t>
-            </a:r>
-            <a:r>
-              <a:rPr lang="en-US" sz="1600" spc="5" dirty="0">
-                <a:solidFill>
-                  <a:srgbClr val="374552"/>
-                </a:solidFill>
-                <a:latin typeface="Tahoma" panose="020B0604030504040204" pitchFamily="34" charset="0"/>
-                <a:ea typeface="Tahoma" panose="020B0604030504040204" pitchFamily="34" charset="0"/>
-                <a:cs typeface="Tahoma" panose="020B0604030504040204" pitchFamily="34" charset="0"/>
-              </a:rPr>
-              <a:t> </a:t>
-            </a:r>
-            <a:r>
-              <a:rPr lang="en-US" sz="1600" spc="-20" dirty="0">
-                <a:solidFill>
-                  <a:srgbClr val="374552"/>
-                </a:solidFill>
-                <a:latin typeface="Tahoma" panose="020B0604030504040204" pitchFamily="34" charset="0"/>
-                <a:ea typeface="Tahoma" panose="020B0604030504040204" pitchFamily="34" charset="0"/>
-                <a:cs typeface="Tahoma" panose="020B0604030504040204" pitchFamily="34" charset="0"/>
-              </a:rPr>
-              <a:t>path </a:t>
-            </a:r>
-            <a:r>
-              <a:rPr lang="en-US" sz="1600" spc="-10" dirty="0">
-                <a:solidFill>
-                  <a:srgbClr val="374552"/>
-                </a:solidFill>
-                <a:latin typeface="Tahoma" panose="020B0604030504040204" pitchFamily="34" charset="0"/>
-                <a:ea typeface="Tahoma" panose="020B0604030504040204" pitchFamily="34" charset="0"/>
-                <a:cs typeface="Tahoma" panose="020B0604030504040204" pitchFamily="34" charset="0"/>
-              </a:rPr>
-              <a:t>suggestions.</a:t>
-            </a:r>
-            <a:endParaRPr lang="en-US" sz="1600" dirty="0">
-              <a:latin typeface="Tahoma" panose="020B0604030504040204" pitchFamily="34" charset="0"/>
-              <a:ea typeface="Tahoma" panose="020B0604030504040204" pitchFamily="34" charset="0"/>
-              <a:cs typeface="Tahoma" panose="020B0604030504040204" pitchFamily="34" charset="0"/>
-            </a:endParaRPr>
-          </a:p>
-          <a:p>
-            <a:endParaRPr lang="en-IN" dirty="0">
-              <a:latin typeface="Tahoma" panose="020B0604030504040204" pitchFamily="34" charset="0"/>
-              <a:ea typeface="Tahoma" panose="020B0604030504040204" pitchFamily="34" charset="0"/>
-              <a:cs typeface="Tahoma" panose="020B0604030504040204" pitchFamily="34" charset="0"/>
-            </a:endParaRPr>
-          </a:p>
-        </p:txBody>
-      </p:sp>
-      <p:sp>
-        <p:nvSpPr>
-          <p:cNvPr id="6" name="TextBox 5">
-            <a:extLst>
-              <a:ext uri="{FF2B5EF4-FFF2-40B4-BE49-F238E27FC236}">
-                <a16:creationId xmlns:a16="http://schemas.microsoft.com/office/drawing/2014/main" id="{20BAB954-C72E-4D8F-FEAE-7CE00FB862A0}"/>
-              </a:ext>
-            </a:extLst>
-          </p:cNvPr>
-          <p:cNvSpPr txBox="1"/>
-          <p:nvPr/>
-        </p:nvSpPr>
-        <p:spPr>
-          <a:xfrm>
-            <a:off x="3273552" y="2185416"/>
-            <a:ext cx="2636520" cy="2465290"/>
-          </a:xfrm>
-          <a:prstGeom prst="rect">
-            <a:avLst/>
-          </a:prstGeom>
-          <a:noFill/>
-        </p:spPr>
-        <p:txBody>
-          <a:bodyPr wrap="square" rtlCol="0">
-            <a:spAutoFit/>
-          </a:bodyPr>
-          <a:lstStyle/>
-          <a:p>
-            <a:pPr algn="ctr">
-              <a:lnSpc>
-                <a:spcPct val="100000"/>
-              </a:lnSpc>
-              <a:spcBef>
-                <a:spcPts val="130"/>
-              </a:spcBef>
-            </a:pPr>
-            <a:r>
-              <a:rPr lang="en-US" sz="5400" b="1" spc="-1410" dirty="0">
-                <a:latin typeface="Tahoma" panose="020B0604030504040204" pitchFamily="34" charset="0"/>
-                <a:ea typeface="Tahoma" panose="020B0604030504040204" pitchFamily="34" charset="0"/>
-                <a:cs typeface="Tahoma" panose="020B0604030504040204" pitchFamily="34" charset="0"/>
-              </a:rPr>
-              <a:t>&lt;</a:t>
-            </a:r>
-            <a:r>
-              <a:rPr lang="en-US" sz="5400" b="1" spc="-385" dirty="0">
-                <a:latin typeface="Tahoma" panose="020B0604030504040204" pitchFamily="34" charset="0"/>
-                <a:ea typeface="Tahoma" panose="020B0604030504040204" pitchFamily="34" charset="0"/>
-                <a:cs typeface="Tahoma" panose="020B0604030504040204" pitchFamily="34" charset="0"/>
-              </a:rPr>
-              <a:t> </a:t>
-            </a:r>
-            <a:r>
-              <a:rPr lang="en-US" sz="5400" b="1" spc="-25" dirty="0">
-                <a:latin typeface="Tahoma" panose="020B0604030504040204" pitchFamily="34" charset="0"/>
-                <a:ea typeface="Tahoma" panose="020B0604030504040204" pitchFamily="34" charset="0"/>
-                <a:cs typeface="Tahoma" panose="020B0604030504040204" pitchFamily="34" charset="0"/>
-              </a:rPr>
-              <a:t>2s</a:t>
-            </a:r>
-            <a:endParaRPr lang="en-US" sz="5400" dirty="0">
-              <a:latin typeface="Tahoma" panose="020B0604030504040204" pitchFamily="34" charset="0"/>
-              <a:ea typeface="Tahoma" panose="020B0604030504040204" pitchFamily="34" charset="0"/>
-              <a:cs typeface="Tahoma" panose="020B0604030504040204" pitchFamily="34" charset="0"/>
-            </a:endParaRPr>
-          </a:p>
-          <a:p>
-            <a:pPr algn="ctr">
-              <a:lnSpc>
-                <a:spcPct val="100000"/>
-              </a:lnSpc>
-              <a:spcBef>
-                <a:spcPts val="1335"/>
-              </a:spcBef>
-            </a:pPr>
-            <a:r>
-              <a:rPr lang="en-US" sz="2400" b="1" spc="-85" dirty="0">
-                <a:latin typeface="Tahoma" panose="020B0604030504040204" pitchFamily="34" charset="0"/>
-                <a:ea typeface="Tahoma" panose="020B0604030504040204" pitchFamily="34" charset="0"/>
-                <a:cs typeface="Tahoma" panose="020B0604030504040204" pitchFamily="34" charset="0"/>
-              </a:rPr>
-              <a:t>Response</a:t>
-            </a:r>
-            <a:r>
-              <a:rPr lang="en-US" sz="2400" b="1" spc="-105" dirty="0">
-                <a:latin typeface="Tahoma" panose="020B0604030504040204" pitchFamily="34" charset="0"/>
-                <a:ea typeface="Tahoma" panose="020B0604030504040204" pitchFamily="34" charset="0"/>
-                <a:cs typeface="Tahoma" panose="020B0604030504040204" pitchFamily="34" charset="0"/>
-              </a:rPr>
-              <a:t> </a:t>
-            </a:r>
-            <a:r>
-              <a:rPr lang="en-US" sz="2400" b="1" spc="-20" dirty="0">
-                <a:latin typeface="Tahoma" panose="020B0604030504040204" pitchFamily="34" charset="0"/>
-                <a:ea typeface="Tahoma" panose="020B0604030504040204" pitchFamily="34" charset="0"/>
-                <a:cs typeface="Tahoma" panose="020B0604030504040204" pitchFamily="34" charset="0"/>
-              </a:rPr>
-              <a:t>Time</a:t>
-            </a:r>
-            <a:endParaRPr lang="en-US" sz="2400" dirty="0">
-              <a:latin typeface="Tahoma" panose="020B0604030504040204" pitchFamily="34" charset="0"/>
-              <a:ea typeface="Tahoma" panose="020B0604030504040204" pitchFamily="34" charset="0"/>
-              <a:cs typeface="Tahoma" panose="020B0604030504040204" pitchFamily="34" charset="0"/>
-            </a:endParaRPr>
-          </a:p>
-          <a:p>
-            <a:pPr marL="12700" marR="5080" algn="ctr">
-              <a:lnSpc>
-                <a:spcPct val="135000"/>
-              </a:lnSpc>
-              <a:spcBef>
-                <a:spcPts val="520"/>
-              </a:spcBef>
-            </a:pPr>
-            <a:r>
-              <a:rPr lang="en-US" sz="1600" spc="-10" dirty="0">
-                <a:solidFill>
-                  <a:srgbClr val="374552"/>
-                </a:solidFill>
-                <a:latin typeface="Tahoma" panose="020B0604030504040204" pitchFamily="34" charset="0"/>
-                <a:ea typeface="Tahoma" panose="020B0604030504040204" pitchFamily="34" charset="0"/>
-                <a:cs typeface="Tahoma" panose="020B0604030504040204" pitchFamily="34" charset="0"/>
-              </a:rPr>
-              <a:t>Instant</a:t>
-            </a:r>
-            <a:r>
-              <a:rPr lang="en-US" sz="1600" spc="55" dirty="0">
-                <a:solidFill>
-                  <a:srgbClr val="374552"/>
-                </a:solidFill>
-                <a:latin typeface="Tahoma" panose="020B0604030504040204" pitchFamily="34" charset="0"/>
-                <a:ea typeface="Tahoma" panose="020B0604030504040204" pitchFamily="34" charset="0"/>
-                <a:cs typeface="Tahoma" panose="020B0604030504040204" pitchFamily="34" charset="0"/>
-              </a:rPr>
-              <a:t> </a:t>
-            </a:r>
-            <a:r>
-              <a:rPr lang="en-US" sz="1600" dirty="0">
-                <a:solidFill>
-                  <a:srgbClr val="374552"/>
-                </a:solidFill>
-                <a:latin typeface="Tahoma" panose="020B0604030504040204" pitchFamily="34" charset="0"/>
-                <a:ea typeface="Tahoma" panose="020B0604030504040204" pitchFamily="34" charset="0"/>
-                <a:cs typeface="Tahoma" panose="020B0604030504040204" pitchFamily="34" charset="0"/>
-              </a:rPr>
-              <a:t>feedback</a:t>
-            </a:r>
-            <a:r>
-              <a:rPr lang="en-US" sz="1600" spc="60" dirty="0">
-                <a:solidFill>
-                  <a:srgbClr val="374552"/>
-                </a:solidFill>
-                <a:latin typeface="Tahoma" panose="020B0604030504040204" pitchFamily="34" charset="0"/>
-                <a:ea typeface="Tahoma" panose="020B0604030504040204" pitchFamily="34" charset="0"/>
-                <a:cs typeface="Tahoma" panose="020B0604030504040204" pitchFamily="34" charset="0"/>
-              </a:rPr>
-              <a:t> </a:t>
-            </a:r>
-            <a:r>
-              <a:rPr lang="en-US" sz="1600" spc="25" dirty="0">
-                <a:solidFill>
-                  <a:srgbClr val="374552"/>
-                </a:solidFill>
-                <a:latin typeface="Tahoma" panose="020B0604030504040204" pitchFamily="34" charset="0"/>
-                <a:ea typeface="Tahoma" panose="020B0604030504040204" pitchFamily="34" charset="0"/>
-                <a:cs typeface="Tahoma" panose="020B0604030504040204" pitchFamily="34" charset="0"/>
-              </a:rPr>
-              <a:t>and </a:t>
-            </a:r>
-            <a:r>
-              <a:rPr lang="en-US" sz="1600" spc="-10" dirty="0">
-                <a:solidFill>
-                  <a:srgbClr val="374552"/>
-                </a:solidFill>
-                <a:latin typeface="Tahoma" panose="020B0604030504040204" pitchFamily="34" charset="0"/>
-                <a:ea typeface="Tahoma" panose="020B0604030504040204" pitchFamily="34" charset="0"/>
-                <a:cs typeface="Tahoma" panose="020B0604030504040204" pitchFamily="34" charset="0"/>
-              </a:rPr>
-              <a:t>recommendations.</a:t>
-            </a:r>
-            <a:endParaRPr lang="en-US" sz="1600" dirty="0">
-              <a:latin typeface="Tahoma" panose="020B0604030504040204" pitchFamily="34" charset="0"/>
-              <a:ea typeface="Tahoma" panose="020B0604030504040204" pitchFamily="34" charset="0"/>
-              <a:cs typeface="Tahoma" panose="020B0604030504040204" pitchFamily="34" charset="0"/>
-            </a:endParaRPr>
-          </a:p>
-          <a:p>
-            <a:endParaRPr lang="en-IN" dirty="0">
-              <a:latin typeface="Tahoma" panose="020B0604030504040204" pitchFamily="34" charset="0"/>
-              <a:ea typeface="Tahoma" panose="020B0604030504040204" pitchFamily="34" charset="0"/>
-              <a:cs typeface="Tahoma" panose="020B0604030504040204" pitchFamily="34" charset="0"/>
-            </a:endParaRPr>
-          </a:p>
-        </p:txBody>
-      </p:sp>
-      <p:sp>
-        <p:nvSpPr>
-          <p:cNvPr id="7" name="TextBox 6">
-            <a:extLst>
-              <a:ext uri="{FF2B5EF4-FFF2-40B4-BE49-F238E27FC236}">
-                <a16:creationId xmlns:a16="http://schemas.microsoft.com/office/drawing/2014/main" id="{F74187A8-8E97-E693-20A1-7B00A43A7EC6}"/>
-              </a:ext>
-            </a:extLst>
-          </p:cNvPr>
-          <p:cNvSpPr txBox="1"/>
-          <p:nvPr/>
-        </p:nvSpPr>
-        <p:spPr>
-          <a:xfrm>
-            <a:off x="6096000" y="2185416"/>
-            <a:ext cx="2834640" cy="2834622"/>
-          </a:xfrm>
-          <a:prstGeom prst="rect">
-            <a:avLst/>
-          </a:prstGeom>
-          <a:noFill/>
-        </p:spPr>
-        <p:txBody>
-          <a:bodyPr wrap="square" rtlCol="0">
-            <a:spAutoFit/>
-          </a:bodyPr>
-          <a:lstStyle/>
-          <a:p>
-            <a:pPr algn="ctr">
-              <a:lnSpc>
-                <a:spcPct val="100000"/>
-              </a:lnSpc>
-              <a:spcBef>
-                <a:spcPts val="130"/>
-              </a:spcBef>
-            </a:pPr>
-            <a:r>
-              <a:rPr lang="en-US" sz="5400" b="1" spc="-350" dirty="0">
-                <a:latin typeface="Tahoma" panose="020B0604030504040204" pitchFamily="34" charset="0"/>
-                <a:ea typeface="Tahoma" panose="020B0604030504040204" pitchFamily="34" charset="0"/>
-                <a:cs typeface="Tahoma" panose="020B0604030504040204" pitchFamily="34" charset="0"/>
-              </a:rPr>
-              <a:t>4.</a:t>
-            </a:r>
-            <a:r>
-              <a:rPr lang="en-US" sz="5400" b="1" spc="-885" dirty="0">
-                <a:latin typeface="Tahoma" panose="020B0604030504040204" pitchFamily="34" charset="0"/>
-                <a:ea typeface="Tahoma" panose="020B0604030504040204" pitchFamily="34" charset="0"/>
-                <a:cs typeface="Tahoma" panose="020B0604030504040204" pitchFamily="34" charset="0"/>
-              </a:rPr>
-              <a:t>7</a:t>
-            </a:r>
-            <a:r>
-              <a:rPr lang="en-US" sz="5400" b="1" spc="-350" dirty="0">
-                <a:latin typeface="Tahoma" panose="020B0604030504040204" pitchFamily="34" charset="0"/>
-                <a:ea typeface="Tahoma" panose="020B0604030504040204" pitchFamily="34" charset="0"/>
-                <a:cs typeface="Tahoma" panose="020B0604030504040204" pitchFamily="34" charset="0"/>
-              </a:rPr>
-              <a:t>/</a:t>
-            </a:r>
-            <a:r>
-              <a:rPr lang="en-US" sz="5400" b="1" spc="-340" dirty="0">
-                <a:latin typeface="Tahoma" panose="020B0604030504040204" pitchFamily="34" charset="0"/>
-                <a:ea typeface="Tahoma" panose="020B0604030504040204" pitchFamily="34" charset="0"/>
-                <a:cs typeface="Tahoma" panose="020B0604030504040204" pitchFamily="34" charset="0"/>
-              </a:rPr>
-              <a:t>5</a:t>
-            </a:r>
-            <a:endParaRPr lang="en-US" sz="5400" dirty="0">
-              <a:latin typeface="Tahoma" panose="020B0604030504040204" pitchFamily="34" charset="0"/>
-              <a:ea typeface="Tahoma" panose="020B0604030504040204" pitchFamily="34" charset="0"/>
-              <a:cs typeface="Tahoma" panose="020B0604030504040204" pitchFamily="34" charset="0"/>
-            </a:endParaRPr>
-          </a:p>
-          <a:p>
-            <a:pPr algn="ctr">
-              <a:lnSpc>
-                <a:spcPct val="100000"/>
-              </a:lnSpc>
-              <a:spcBef>
-                <a:spcPts val="1335"/>
-              </a:spcBef>
-            </a:pPr>
-            <a:r>
-              <a:rPr lang="en-US" sz="2400" b="1" spc="-85" dirty="0">
-                <a:latin typeface="Tahoma" panose="020B0604030504040204" pitchFamily="34" charset="0"/>
-                <a:ea typeface="Tahoma" panose="020B0604030504040204" pitchFamily="34" charset="0"/>
-                <a:cs typeface="Tahoma" panose="020B0604030504040204" pitchFamily="34" charset="0"/>
-              </a:rPr>
-              <a:t>User</a:t>
-            </a:r>
-            <a:r>
-              <a:rPr lang="en-US" sz="2400" b="1" spc="-90" dirty="0">
-                <a:latin typeface="Tahoma" panose="020B0604030504040204" pitchFamily="34" charset="0"/>
-                <a:ea typeface="Tahoma" panose="020B0604030504040204" pitchFamily="34" charset="0"/>
-                <a:cs typeface="Tahoma" panose="020B0604030504040204" pitchFamily="34" charset="0"/>
-              </a:rPr>
-              <a:t> </a:t>
-            </a:r>
-            <a:r>
-              <a:rPr lang="en-US" sz="2400" b="1" spc="-100" dirty="0">
-                <a:latin typeface="Tahoma" panose="020B0604030504040204" pitchFamily="34" charset="0"/>
-                <a:ea typeface="Tahoma" panose="020B0604030504040204" pitchFamily="34" charset="0"/>
-                <a:cs typeface="Tahoma" panose="020B0604030504040204" pitchFamily="34" charset="0"/>
-              </a:rPr>
-              <a:t>Interface</a:t>
-            </a:r>
-            <a:r>
-              <a:rPr lang="en-US" sz="2400" b="1" spc="-85" dirty="0">
-                <a:latin typeface="Tahoma" panose="020B0604030504040204" pitchFamily="34" charset="0"/>
-                <a:ea typeface="Tahoma" panose="020B0604030504040204" pitchFamily="34" charset="0"/>
-                <a:cs typeface="Tahoma" panose="020B0604030504040204" pitchFamily="34" charset="0"/>
-              </a:rPr>
-              <a:t> </a:t>
-            </a:r>
-            <a:r>
-              <a:rPr lang="en-US" sz="2400" b="1" spc="-10" dirty="0">
-                <a:latin typeface="Tahoma" panose="020B0604030504040204" pitchFamily="34" charset="0"/>
-                <a:ea typeface="Tahoma" panose="020B0604030504040204" pitchFamily="34" charset="0"/>
-                <a:cs typeface="Tahoma" panose="020B0604030504040204" pitchFamily="34" charset="0"/>
-              </a:rPr>
-              <a:t>Score</a:t>
-            </a:r>
-            <a:endParaRPr lang="en-US" sz="2400" dirty="0">
-              <a:latin typeface="Tahoma" panose="020B0604030504040204" pitchFamily="34" charset="0"/>
-              <a:ea typeface="Tahoma" panose="020B0604030504040204" pitchFamily="34" charset="0"/>
-              <a:cs typeface="Tahoma" panose="020B0604030504040204" pitchFamily="34" charset="0"/>
-            </a:endParaRPr>
-          </a:p>
-          <a:p>
-            <a:pPr marL="12065" marR="5080" algn="ctr">
-              <a:lnSpc>
-                <a:spcPct val="135000"/>
-              </a:lnSpc>
-              <a:spcBef>
-                <a:spcPts val="520"/>
-              </a:spcBef>
-            </a:pPr>
-            <a:r>
-              <a:rPr lang="en-US" sz="1600" dirty="0">
-                <a:solidFill>
-                  <a:srgbClr val="374552"/>
-                </a:solidFill>
-                <a:latin typeface="Tahoma" panose="020B0604030504040204" pitchFamily="34" charset="0"/>
-                <a:ea typeface="Tahoma" panose="020B0604030504040204" pitchFamily="34" charset="0"/>
-                <a:cs typeface="Tahoma" panose="020B0604030504040204" pitchFamily="34" charset="0"/>
-              </a:rPr>
-              <a:t>Exceptional</a:t>
-            </a:r>
-            <a:r>
-              <a:rPr lang="en-US" sz="1600" spc="45" dirty="0">
-                <a:solidFill>
-                  <a:srgbClr val="374552"/>
-                </a:solidFill>
-                <a:latin typeface="Tahoma" panose="020B0604030504040204" pitchFamily="34" charset="0"/>
-                <a:ea typeface="Tahoma" panose="020B0604030504040204" pitchFamily="34" charset="0"/>
-                <a:cs typeface="Tahoma" panose="020B0604030504040204" pitchFamily="34" charset="0"/>
-              </a:rPr>
-              <a:t> </a:t>
-            </a:r>
-            <a:r>
-              <a:rPr lang="en-US" sz="1600" dirty="0">
-                <a:solidFill>
-                  <a:srgbClr val="374552"/>
-                </a:solidFill>
-                <a:latin typeface="Tahoma" panose="020B0604030504040204" pitchFamily="34" charset="0"/>
-                <a:ea typeface="Tahoma" panose="020B0604030504040204" pitchFamily="34" charset="0"/>
-                <a:cs typeface="Tahoma" panose="020B0604030504040204" pitchFamily="34" charset="0"/>
-              </a:rPr>
-              <a:t>usability</a:t>
-            </a:r>
-            <a:r>
-              <a:rPr lang="en-US" sz="1600" spc="45" dirty="0">
-                <a:solidFill>
-                  <a:srgbClr val="374552"/>
-                </a:solidFill>
-                <a:latin typeface="Tahoma" panose="020B0604030504040204" pitchFamily="34" charset="0"/>
-                <a:ea typeface="Tahoma" panose="020B0604030504040204" pitchFamily="34" charset="0"/>
-                <a:cs typeface="Tahoma" panose="020B0604030504040204" pitchFamily="34" charset="0"/>
-              </a:rPr>
-              <a:t> </a:t>
-            </a:r>
-            <a:r>
-              <a:rPr lang="en-US" sz="1600" spc="25" dirty="0">
-                <a:solidFill>
-                  <a:srgbClr val="374552"/>
-                </a:solidFill>
-                <a:latin typeface="Tahoma" panose="020B0604030504040204" pitchFamily="34" charset="0"/>
-                <a:ea typeface="Tahoma" panose="020B0604030504040204" pitchFamily="34" charset="0"/>
-                <a:cs typeface="Tahoma" panose="020B0604030504040204" pitchFamily="34" charset="0"/>
-              </a:rPr>
-              <a:t>and </a:t>
-            </a:r>
-            <a:r>
-              <a:rPr lang="en-US" sz="1600" spc="-10" dirty="0">
-                <a:solidFill>
-                  <a:srgbClr val="374552"/>
-                </a:solidFill>
-                <a:latin typeface="Tahoma" panose="020B0604030504040204" pitchFamily="34" charset="0"/>
-                <a:ea typeface="Tahoma" panose="020B0604030504040204" pitchFamily="34" charset="0"/>
-                <a:cs typeface="Tahoma" panose="020B0604030504040204" pitchFamily="34" charset="0"/>
-              </a:rPr>
-              <a:t>satisfaction.</a:t>
-            </a:r>
-            <a:endParaRPr lang="en-US" sz="1600" dirty="0">
-              <a:latin typeface="Tahoma" panose="020B0604030504040204" pitchFamily="34" charset="0"/>
-              <a:ea typeface="Tahoma" panose="020B0604030504040204" pitchFamily="34" charset="0"/>
-              <a:cs typeface="Tahoma" panose="020B0604030504040204" pitchFamily="34" charset="0"/>
-            </a:endParaRPr>
-          </a:p>
-          <a:p>
-            <a:endParaRPr lang="en-IN" dirty="0">
-              <a:latin typeface="Tahoma" panose="020B0604030504040204" pitchFamily="34" charset="0"/>
-              <a:ea typeface="Tahoma" panose="020B0604030504040204" pitchFamily="34" charset="0"/>
-              <a:cs typeface="Tahoma" panose="020B0604030504040204" pitchFamily="34" charset="0"/>
-            </a:endParaRPr>
-          </a:p>
-        </p:txBody>
-      </p:sp>
-      <p:sp>
-        <p:nvSpPr>
-          <p:cNvPr id="8" name="TextBox 7">
-            <a:extLst>
-              <a:ext uri="{FF2B5EF4-FFF2-40B4-BE49-F238E27FC236}">
-                <a16:creationId xmlns:a16="http://schemas.microsoft.com/office/drawing/2014/main" id="{53F4EBC7-8BC3-876A-9A1E-648962BA3628}"/>
-              </a:ext>
-            </a:extLst>
-          </p:cNvPr>
-          <p:cNvSpPr txBox="1"/>
-          <p:nvPr/>
-        </p:nvSpPr>
-        <p:spPr>
-          <a:xfrm>
-            <a:off x="9357360" y="2185416"/>
-            <a:ext cx="2834640" cy="2492740"/>
-          </a:xfrm>
-          <a:prstGeom prst="rect">
-            <a:avLst/>
-          </a:prstGeom>
-          <a:noFill/>
-        </p:spPr>
-        <p:txBody>
-          <a:bodyPr wrap="square" rtlCol="0">
-            <a:spAutoFit/>
-          </a:bodyPr>
-          <a:lstStyle/>
-          <a:p>
-            <a:pPr algn="ctr">
-              <a:lnSpc>
-                <a:spcPct val="100000"/>
-              </a:lnSpc>
-              <a:spcBef>
-                <a:spcPts val="130"/>
-              </a:spcBef>
-            </a:pPr>
-            <a:r>
-              <a:rPr lang="en-US" sz="5400" b="1" spc="-620" dirty="0">
-                <a:latin typeface="Tahoma" panose="020B0604030504040204" pitchFamily="34" charset="0"/>
-                <a:ea typeface="Tahoma" panose="020B0604030504040204" pitchFamily="34" charset="0"/>
-                <a:cs typeface="Tahoma" panose="020B0604030504040204" pitchFamily="34" charset="0"/>
-              </a:rPr>
-              <a:t>99.9%</a:t>
-            </a:r>
-            <a:endParaRPr lang="en-US" sz="5400" dirty="0">
-              <a:latin typeface="Tahoma" panose="020B0604030504040204" pitchFamily="34" charset="0"/>
-              <a:ea typeface="Tahoma" panose="020B0604030504040204" pitchFamily="34" charset="0"/>
-              <a:cs typeface="Tahoma" panose="020B0604030504040204" pitchFamily="34" charset="0"/>
-            </a:endParaRPr>
-          </a:p>
-          <a:p>
-            <a:pPr algn="ctr">
-              <a:lnSpc>
-                <a:spcPct val="100000"/>
-              </a:lnSpc>
-              <a:spcBef>
-                <a:spcPts val="1335"/>
-              </a:spcBef>
-            </a:pPr>
-            <a:r>
-              <a:rPr lang="en-US" sz="2400" b="1" spc="-95" dirty="0">
-                <a:latin typeface="Tahoma" panose="020B0604030504040204" pitchFamily="34" charset="0"/>
-                <a:ea typeface="Tahoma" panose="020B0604030504040204" pitchFamily="34" charset="0"/>
-                <a:cs typeface="Tahoma" panose="020B0604030504040204" pitchFamily="34" charset="0"/>
-              </a:rPr>
-              <a:t>System</a:t>
-            </a:r>
-            <a:r>
-              <a:rPr lang="en-US" sz="2400" b="1" spc="-114" dirty="0">
-                <a:latin typeface="Tahoma" panose="020B0604030504040204" pitchFamily="34" charset="0"/>
-                <a:ea typeface="Tahoma" panose="020B0604030504040204" pitchFamily="34" charset="0"/>
-                <a:cs typeface="Tahoma" panose="020B0604030504040204" pitchFamily="34" charset="0"/>
-              </a:rPr>
-              <a:t> </a:t>
-            </a:r>
-            <a:r>
-              <a:rPr lang="en-US" sz="2400" b="1" spc="-10" dirty="0">
-                <a:latin typeface="Tahoma" panose="020B0604030504040204" pitchFamily="34" charset="0"/>
-                <a:ea typeface="Tahoma" panose="020B0604030504040204" pitchFamily="34" charset="0"/>
-                <a:cs typeface="Tahoma" panose="020B0604030504040204" pitchFamily="34" charset="0"/>
-              </a:rPr>
-              <a:t>Uptime</a:t>
-            </a:r>
-            <a:endParaRPr lang="en-US" sz="2400" dirty="0">
-              <a:latin typeface="Tahoma" panose="020B0604030504040204" pitchFamily="34" charset="0"/>
-              <a:ea typeface="Tahoma" panose="020B0604030504040204" pitchFamily="34" charset="0"/>
-              <a:cs typeface="Tahoma" panose="020B0604030504040204" pitchFamily="34" charset="0"/>
-            </a:endParaRPr>
-          </a:p>
-          <a:p>
-            <a:pPr marL="12065" marR="5080" algn="ctr">
-              <a:lnSpc>
-                <a:spcPct val="135000"/>
-              </a:lnSpc>
-              <a:spcBef>
-                <a:spcPts val="520"/>
-              </a:spcBef>
-            </a:pPr>
-            <a:r>
-              <a:rPr lang="en-US" sz="1600" dirty="0">
-                <a:solidFill>
-                  <a:srgbClr val="374552"/>
-                </a:solidFill>
-                <a:latin typeface="Tahoma" panose="020B0604030504040204" pitchFamily="34" charset="0"/>
-                <a:ea typeface="Tahoma" panose="020B0604030504040204" pitchFamily="34" charset="0"/>
-                <a:cs typeface="Tahoma" panose="020B0604030504040204" pitchFamily="34" charset="0"/>
-              </a:rPr>
-              <a:t>Consistent </a:t>
-            </a:r>
-            <a:r>
-              <a:rPr lang="en-US" sz="1600" spc="-10" dirty="0">
-                <a:solidFill>
-                  <a:srgbClr val="374552"/>
-                </a:solidFill>
-                <a:latin typeface="Tahoma" panose="020B0604030504040204" pitchFamily="34" charset="0"/>
-                <a:ea typeface="Tahoma" panose="020B0604030504040204" pitchFamily="34" charset="0"/>
-                <a:cs typeface="Tahoma" panose="020B0604030504040204" pitchFamily="34" charset="0"/>
-              </a:rPr>
-              <a:t>availability</a:t>
-            </a:r>
-            <a:r>
-              <a:rPr lang="en-US" sz="1600" dirty="0">
-                <a:solidFill>
-                  <a:srgbClr val="374552"/>
-                </a:solidFill>
-                <a:latin typeface="Tahoma" panose="020B0604030504040204" pitchFamily="34" charset="0"/>
-                <a:ea typeface="Tahoma" panose="020B0604030504040204" pitchFamily="34" charset="0"/>
-                <a:cs typeface="Tahoma" panose="020B0604030504040204" pitchFamily="34" charset="0"/>
-              </a:rPr>
-              <a:t> </a:t>
-            </a:r>
-            <a:r>
-              <a:rPr lang="en-US" sz="1600" spc="25" dirty="0">
-                <a:solidFill>
-                  <a:srgbClr val="374552"/>
-                </a:solidFill>
-                <a:latin typeface="Tahoma" panose="020B0604030504040204" pitchFamily="34" charset="0"/>
-                <a:ea typeface="Tahoma" panose="020B0604030504040204" pitchFamily="34" charset="0"/>
-                <a:cs typeface="Tahoma" panose="020B0604030504040204" pitchFamily="34" charset="0"/>
-              </a:rPr>
-              <a:t>and </a:t>
-            </a:r>
-            <a:r>
-              <a:rPr lang="en-US" sz="1600" spc="-10" dirty="0">
-                <a:solidFill>
-                  <a:srgbClr val="374552"/>
-                </a:solidFill>
-                <a:latin typeface="Tahoma" panose="020B0604030504040204" pitchFamily="34" charset="0"/>
-                <a:ea typeface="Tahoma" panose="020B0604030504040204" pitchFamily="34" charset="0"/>
-                <a:cs typeface="Tahoma" panose="020B0604030504040204" pitchFamily="34" charset="0"/>
-              </a:rPr>
-              <a:t>reliability.</a:t>
-            </a:r>
-            <a:endParaRPr lang="en-US" sz="1600" dirty="0">
-              <a:latin typeface="Tahoma" panose="020B0604030504040204" pitchFamily="34" charset="0"/>
-              <a:ea typeface="Tahoma" panose="020B0604030504040204" pitchFamily="34" charset="0"/>
-              <a:cs typeface="Tahoma" panose="020B0604030504040204" pitchFamily="34" charset="0"/>
-            </a:endParaRPr>
-          </a:p>
-          <a:p>
-            <a:endParaRPr lang="en-IN" dirty="0">
-              <a:latin typeface="Tahoma" panose="020B0604030504040204" pitchFamily="34" charset="0"/>
-              <a:ea typeface="Tahoma" panose="020B0604030504040204" pitchFamily="34" charset="0"/>
-              <a:cs typeface="Tahoma" panose="020B0604030504040204" pitchFamily="34" charset="0"/>
-            </a:endParaRPr>
-          </a:p>
-        </p:txBody>
-      </p:sp>
+      </p:pic>
     </p:spTree>
     <p:extLst>
       <p:ext uri="{BB962C8B-B14F-4D97-AF65-F5344CB8AC3E}">
-        <p14:creationId xmlns:p14="http://schemas.microsoft.com/office/powerpoint/2010/main" val="3921027233"/>
+        <p14:creationId xmlns:p14="http://schemas.microsoft.com/office/powerpoint/2010/main" val="290206790"/>
       </p:ext>
     </p:extLst>
   </p:cSld>
@@ -4993,7 +5372,7 @@
           <p:cNvPr id="2" name="Title 1">
             <a:extLst>
               <a:ext uri="{FF2B5EF4-FFF2-40B4-BE49-F238E27FC236}">
-                <a16:creationId xmlns:a16="http://schemas.microsoft.com/office/drawing/2014/main" id="{C55932FE-DF4C-B6E2-6BEE-1AAEF26CF280}"/>
+                <a16:creationId xmlns:a16="http://schemas.microsoft.com/office/drawing/2014/main" id="{E2A2991E-743B-57AC-F611-7696F0C654A8}"/>
               </a:ext>
             </a:extLst>
           </p:cNvPr>
@@ -5012,44 +5391,84 @@
           <a:lstStyle/>
           <a:p>
             <a:r>
-              <a:rPr lang="en-IN" sz="4000" u="sng" spc="-229" dirty="0">
-                <a:latin typeface="Tahoma" panose="020B0604030504040204" pitchFamily="34" charset="0"/>
-                <a:ea typeface="Tahoma" panose="020B0604030504040204" pitchFamily="34" charset="0"/>
-                <a:cs typeface="Tahoma" panose="020B0604030504040204" pitchFamily="34" charset="0"/>
-              </a:rPr>
-              <a:t>Future </a:t>
-            </a:r>
-            <a:r>
-              <a:rPr lang="en-IN" sz="4000" u="sng" spc="-200" dirty="0">
-                <a:latin typeface="Tahoma" panose="020B0604030504040204" pitchFamily="34" charset="0"/>
-                <a:ea typeface="Tahoma" panose="020B0604030504040204" pitchFamily="34" charset="0"/>
-                <a:cs typeface="Tahoma" panose="020B0604030504040204" pitchFamily="34" charset="0"/>
-              </a:rPr>
-              <a:t>Enhancements:</a:t>
-            </a:r>
-            <a:r>
-              <a:rPr lang="en-IN" sz="4000" u="sng" spc="-229" dirty="0">
-                <a:latin typeface="Tahoma" panose="020B0604030504040204" pitchFamily="34" charset="0"/>
-                <a:ea typeface="Tahoma" panose="020B0604030504040204" pitchFamily="34" charset="0"/>
-                <a:cs typeface="Tahoma" panose="020B0604030504040204" pitchFamily="34" charset="0"/>
-              </a:rPr>
-              <a:t> </a:t>
-            </a:r>
-            <a:r>
-              <a:rPr lang="en-IN" sz="4000" u="sng" spc="-145" dirty="0">
-                <a:latin typeface="Tahoma" panose="020B0604030504040204" pitchFamily="34" charset="0"/>
-                <a:ea typeface="Tahoma" panose="020B0604030504040204" pitchFamily="34" charset="0"/>
-                <a:cs typeface="Tahoma" panose="020B0604030504040204" pitchFamily="34" charset="0"/>
-              </a:rPr>
-              <a:t>Scaling </a:t>
-            </a:r>
-            <a:r>
-              <a:rPr lang="en-IN" sz="4000" u="sng" spc="-295" dirty="0">
-                <a:latin typeface="Tahoma" panose="020B0604030504040204" pitchFamily="34" charset="0"/>
-                <a:ea typeface="Tahoma" panose="020B0604030504040204" pitchFamily="34" charset="0"/>
-                <a:cs typeface="Tahoma" panose="020B0604030504040204" pitchFamily="34" charset="0"/>
-              </a:rPr>
-              <a:t>Impact</a:t>
+              <a:rPr lang="en-US" sz="4000" u="sng" spc="-190" dirty="0">
+                <a:latin typeface="Tahoma" panose="020B0604030504040204" pitchFamily="34" charset="0"/>
+                <a:ea typeface="Tahoma" panose="020B0604030504040204" pitchFamily="34" charset="0"/>
+                <a:cs typeface="Tahoma" panose="020B0604030504040204" pitchFamily="34" charset="0"/>
+              </a:rPr>
+              <a:t>Milestone 2: Education</a:t>
+            </a:r>
+            <a:r>
+              <a:rPr lang="en-US" sz="4000" u="sng" spc="-275" dirty="0">
+                <a:latin typeface="Tahoma" panose="020B0604030504040204" pitchFamily="34" charset="0"/>
+                <a:ea typeface="Tahoma" panose="020B0604030504040204" pitchFamily="34" charset="0"/>
+                <a:cs typeface="Tahoma" panose="020B0604030504040204" pitchFamily="34" charset="0"/>
+              </a:rPr>
+              <a:t> </a:t>
+            </a:r>
+            <a:r>
+              <a:rPr lang="en-US" sz="4000" u="sng" spc="-204" dirty="0">
+                <a:latin typeface="Tahoma" panose="020B0604030504040204" pitchFamily="34" charset="0"/>
+                <a:ea typeface="Tahoma" panose="020B0604030504040204" pitchFamily="34" charset="0"/>
+                <a:cs typeface="Tahoma" panose="020B0604030504040204" pitchFamily="34" charset="0"/>
+              </a:rPr>
+              <a:t>Details</a:t>
+            </a:r>
+            <a:r>
+              <a:rPr lang="en-US" sz="4000" u="sng" spc="-270" dirty="0">
+                <a:latin typeface="Tahoma" panose="020B0604030504040204" pitchFamily="34" charset="0"/>
+                <a:ea typeface="Tahoma" panose="020B0604030504040204" pitchFamily="34" charset="0"/>
+                <a:cs typeface="Tahoma" panose="020B0604030504040204" pitchFamily="34" charset="0"/>
+              </a:rPr>
+              <a:t> </a:t>
+            </a:r>
+            <a:r>
+              <a:rPr lang="en-US" sz="4000" u="sng" spc="-340" dirty="0">
+                <a:latin typeface="Tahoma" panose="020B0604030504040204" pitchFamily="34" charset="0"/>
+                <a:ea typeface="Tahoma" panose="020B0604030504040204" pitchFamily="34" charset="0"/>
+                <a:cs typeface="Tahoma" panose="020B0604030504040204" pitchFamily="34" charset="0"/>
+              </a:rPr>
+              <a:t>Input</a:t>
+            </a:r>
+            <a:r>
+              <a:rPr lang="en-US" sz="4000" u="sng" spc="-270" dirty="0">
+                <a:latin typeface="Tahoma" panose="020B0604030504040204" pitchFamily="34" charset="0"/>
+                <a:ea typeface="Tahoma" panose="020B0604030504040204" pitchFamily="34" charset="0"/>
+                <a:cs typeface="Tahoma" panose="020B0604030504040204" pitchFamily="34" charset="0"/>
+              </a:rPr>
+              <a:t> </a:t>
+            </a:r>
+            <a:r>
+              <a:rPr lang="en-US" sz="4000" u="sng" spc="-95" dirty="0">
+                <a:latin typeface="Tahoma" panose="020B0604030504040204" pitchFamily="34" charset="0"/>
+                <a:ea typeface="Tahoma" panose="020B0604030504040204" pitchFamily="34" charset="0"/>
+                <a:cs typeface="Tahoma" panose="020B0604030504040204" pitchFamily="34" charset="0"/>
+              </a:rPr>
+              <a:t>&amp; </a:t>
+            </a:r>
+            <a:r>
+              <a:rPr lang="en-US" sz="4000" u="sng" spc="-175" dirty="0">
+                <a:latin typeface="Tahoma" panose="020B0604030504040204" pitchFamily="34" charset="0"/>
+                <a:ea typeface="Tahoma" panose="020B0604030504040204" pitchFamily="34" charset="0"/>
+                <a:cs typeface="Tahoma" panose="020B0604030504040204" pitchFamily="34" charset="0"/>
+              </a:rPr>
+              <a:t>Preprocessing</a:t>
+            </a:r>
+            <a:r>
+              <a:rPr lang="en-US" sz="4000" u="sng" spc="-185" dirty="0">
+                <a:latin typeface="Tahoma" panose="020B0604030504040204" pitchFamily="34" charset="0"/>
+                <a:ea typeface="Tahoma" panose="020B0604030504040204" pitchFamily="34" charset="0"/>
+                <a:cs typeface="Tahoma" panose="020B0604030504040204" pitchFamily="34" charset="0"/>
+              </a:rPr>
+              <a:t> </a:t>
+            </a:r>
+            <a:r>
+              <a:rPr lang="en-US" sz="4000" u="sng" spc="-300" dirty="0">
+                <a:latin typeface="Tahoma" panose="020B0604030504040204" pitchFamily="34" charset="0"/>
+                <a:ea typeface="Tahoma" panose="020B0604030504040204" pitchFamily="34" charset="0"/>
+                <a:cs typeface="Tahoma" panose="020B0604030504040204" pitchFamily="34" charset="0"/>
+              </a:rPr>
+              <a:t>Module</a:t>
             </a:r>
             <a:endParaRPr lang="en-IN" sz="4000" u="sng" dirty="0">
               <a:latin typeface="Tahoma" panose="020B0604030504040204" pitchFamily="34" charset="0"/>
@@ -5064,7 +5483,7 @@
           <p:cNvPr id="3" name="Content Placeholder 2">
             <a:extLst>
               <a:ext uri="{FF2B5EF4-FFF2-40B4-BE49-F238E27FC236}">
-                <a16:creationId xmlns:a16="http://schemas.microsoft.com/office/drawing/2014/main" id="{5B783335-3802-00B5-03AF-3D391D61F2CA}"/>
+                <a16:creationId xmlns:a16="http://schemas.microsoft.com/office/drawing/2014/main" id="{567825BE-813A-4AAD-C4DF-1DC9DAE52ACB}"/>
               </a:ext>
             </a:extLst>
           </p:cNvPr>
@@ -5075,11 +5494,14 @@
             <p:ph idx="1"/>
           </p:nvPr>
         </p:nvSpPr>
-        <p:spPr/>
+        <p:spPr>
+          <a:xfrm>
+            <a:off x="838200" y="2197509"/>
+            <a:ext cx="10515600" cy="3979453"/>
+          </a:xfrm>
+        </p:spPr>
         <p:txBody>
-          <a:bodyPr>
-            <a:normAutofit lnSpcReduction="10000"/>
-          </a:bodyPr>
+          <a:bodyPr/>
           <a:lstStyle/>
           <a:p>
             <a:pPr marL="12700">
@@ -5091,27 +5513,361 @@
               </a:spcBef>
             </a:pPr>
             <a:r>
-              <a:rPr lang="en-US" sz="3500" spc="-110" dirty="0">
+              <a:rPr lang="en-US" sz="3200" spc="-60" dirty="0">
                 <a:latin typeface="Tahoma"/>
                 <a:cs typeface="Tahoma"/>
               </a:rPr>
-              <a:t>Mobile</a:t>
-            </a:r>
-            <a:r>
-              <a:rPr lang="en-US" sz="3500" spc="-150" dirty="0">
+              <a:t>Academic</a:t>
+            </a:r>
+            <a:r>
+              <a:rPr lang="en-US" sz="3200" spc="-120" dirty="0">
                 <a:latin typeface="Tahoma"/>
                 <a:cs typeface="Tahoma"/>
               </a:rPr>
               <a:t> </a:t>
             </a:r>
             <a:r>
-              <a:rPr lang="en-US" sz="3500" spc="-10" dirty="0">
+              <a:rPr lang="en-US" sz="3200" spc="-130" dirty="0">
                 <a:latin typeface="Tahoma"/>
                 <a:cs typeface="Tahoma"/>
               </a:rPr>
-              <a:t>Application</a:t>
-            </a:r>
-            <a:endParaRPr lang="en-US" sz="3500" dirty="0">
+              <a:t>Data</a:t>
+            </a:r>
+            <a:r>
+              <a:rPr lang="en-US" sz="3200" spc="-114" dirty="0">
+                <a:latin typeface="Tahoma"/>
+                <a:cs typeface="Tahoma"/>
+              </a:rPr>
+              <a:t> </a:t>
+            </a:r>
+            <a:r>
+              <a:rPr lang="en-US" sz="3200" spc="-10" dirty="0">
+                <a:latin typeface="Tahoma"/>
+                <a:cs typeface="Tahoma"/>
+              </a:rPr>
+              <a:t>Capture</a:t>
+            </a:r>
+            <a:endParaRPr lang="en-US" sz="3200" dirty="0">
+              <a:latin typeface="Tahoma"/>
+              <a:cs typeface="Tahoma"/>
+            </a:endParaRPr>
+          </a:p>
+          <a:p>
+            <a:pPr marL="0" marR="5080" indent="0">
+              <a:lnSpc>
+                <a:spcPct val="135000"/>
+              </a:lnSpc>
+              <a:spcBef>
+                <a:spcPts val="520"/>
+              </a:spcBef>
+              <a:buNone/>
+            </a:pPr>
+            <a:r>
+              <a:rPr lang="en-US" dirty="0">
+                <a:solidFill>
+                  <a:srgbClr val="374552"/>
+                </a:solidFill>
+                <a:latin typeface="Verdana"/>
+                <a:cs typeface="Verdana"/>
+              </a:rPr>
+              <a:t>  Structured</a:t>
+            </a:r>
+            <a:r>
+              <a:rPr lang="en-US" spc="-25" dirty="0">
+                <a:solidFill>
+                  <a:srgbClr val="374552"/>
+                </a:solidFill>
+                <a:latin typeface="Verdana"/>
+                <a:cs typeface="Verdana"/>
+              </a:rPr>
+              <a:t> </a:t>
+            </a:r>
+            <a:r>
+              <a:rPr lang="en-US" spc="50" dirty="0">
+                <a:solidFill>
+                  <a:srgbClr val="374552"/>
+                </a:solidFill>
+                <a:latin typeface="Verdana"/>
+                <a:cs typeface="Verdana"/>
+              </a:rPr>
+              <a:t>input</a:t>
+            </a:r>
+            <a:r>
+              <a:rPr lang="en-US" spc="-25" dirty="0">
+                <a:solidFill>
+                  <a:srgbClr val="374552"/>
+                </a:solidFill>
+                <a:latin typeface="Verdana"/>
+                <a:cs typeface="Verdana"/>
+              </a:rPr>
+              <a:t> </a:t>
+            </a:r>
+            <a:r>
+              <a:rPr lang="en-US" spc="-10" dirty="0">
+                <a:solidFill>
+                  <a:srgbClr val="374552"/>
+                </a:solidFill>
+                <a:latin typeface="Verdana"/>
+                <a:cs typeface="Verdana"/>
+              </a:rPr>
+              <a:t>for</a:t>
+            </a:r>
+            <a:r>
+              <a:rPr lang="en-US" spc="-25" dirty="0">
+                <a:solidFill>
+                  <a:srgbClr val="374552"/>
+                </a:solidFill>
+                <a:latin typeface="Verdana"/>
+                <a:cs typeface="Verdana"/>
+              </a:rPr>
+              <a:t> </a:t>
+            </a:r>
+            <a:r>
+              <a:rPr lang="en-US" spc="-10" dirty="0">
+                <a:solidFill>
+                  <a:srgbClr val="374552"/>
+                </a:solidFill>
+                <a:latin typeface="Verdana"/>
+                <a:cs typeface="Verdana"/>
+              </a:rPr>
+              <a:t>courses, </a:t>
+            </a:r>
+            <a:r>
+              <a:rPr lang="en-US" spc="-20" dirty="0">
+                <a:solidFill>
+                  <a:srgbClr val="374552"/>
+                </a:solidFill>
+                <a:latin typeface="Verdana"/>
+                <a:cs typeface="Verdana"/>
+              </a:rPr>
+              <a:t>grades,</a:t>
+            </a:r>
+            <a:r>
+              <a:rPr lang="en-US" spc="-80" dirty="0">
+                <a:solidFill>
+                  <a:srgbClr val="374552"/>
+                </a:solidFill>
+                <a:latin typeface="Verdana"/>
+                <a:cs typeface="Verdana"/>
+              </a:rPr>
+              <a:t> </a:t>
+            </a:r>
+            <a:r>
+              <a:rPr lang="en-US" spc="50" dirty="0">
+                <a:solidFill>
+                  <a:srgbClr val="374552"/>
+                </a:solidFill>
+                <a:latin typeface="Verdana"/>
+                <a:cs typeface="Verdana"/>
+              </a:rPr>
+              <a:t>and</a:t>
+            </a:r>
+            <a:r>
+              <a:rPr lang="en-US" spc="-75" dirty="0">
+                <a:solidFill>
+                  <a:srgbClr val="374552"/>
+                </a:solidFill>
+                <a:latin typeface="Verdana"/>
+                <a:cs typeface="Verdana"/>
+              </a:rPr>
+              <a:t> </a:t>
+            </a:r>
+            <a:r>
+              <a:rPr lang="en-US" spc="-10" dirty="0">
+                <a:solidFill>
+                  <a:srgbClr val="374552"/>
+                </a:solidFill>
+                <a:latin typeface="Verdana"/>
+                <a:cs typeface="Verdana"/>
+              </a:rPr>
+              <a:t>qualifications.</a:t>
+            </a:r>
+            <a:endParaRPr lang="en-US" dirty="0">
+              <a:latin typeface="Verdana"/>
+              <a:cs typeface="Verdana"/>
+            </a:endParaRPr>
+          </a:p>
+          <a:p>
+            <a:pPr marL="12700">
+              <a:lnSpc>
+                <a:spcPct val="100000"/>
+              </a:lnSpc>
+              <a:spcBef>
+                <a:spcPts val="135"/>
+              </a:spcBef>
+            </a:pPr>
+            <a:r>
+              <a:rPr lang="en-US" sz="3200" spc="-130" dirty="0">
+                <a:latin typeface="Tahoma"/>
+                <a:cs typeface="Tahoma"/>
+              </a:rPr>
+              <a:t>Data</a:t>
+            </a:r>
+            <a:r>
+              <a:rPr lang="en-US" sz="3200" spc="-125" dirty="0">
+                <a:latin typeface="Tahoma"/>
+                <a:cs typeface="Tahoma"/>
+              </a:rPr>
+              <a:t> </a:t>
+            </a:r>
+            <a:r>
+              <a:rPr lang="en-US" sz="3200" spc="-10" dirty="0">
+                <a:latin typeface="Tahoma"/>
+                <a:cs typeface="Tahoma"/>
+              </a:rPr>
+              <a:t>Cleaning</a:t>
+            </a:r>
+            <a:endParaRPr lang="en-US" sz="3200" dirty="0">
+              <a:latin typeface="Tahoma"/>
+              <a:cs typeface="Tahoma"/>
+            </a:endParaRPr>
+          </a:p>
+          <a:p>
+            <a:pPr marL="0" marR="5080" indent="0">
+              <a:lnSpc>
+                <a:spcPct val="135000"/>
+              </a:lnSpc>
+              <a:spcBef>
+                <a:spcPts val="520"/>
+              </a:spcBef>
+              <a:buNone/>
+            </a:pPr>
+            <a:r>
+              <a:rPr lang="en-US" spc="45" dirty="0">
+                <a:solidFill>
+                  <a:srgbClr val="374552"/>
+                </a:solidFill>
+                <a:latin typeface="Verdana"/>
+                <a:cs typeface="Verdana"/>
+              </a:rPr>
+              <a:t>  Automated</a:t>
+            </a:r>
+            <a:r>
+              <a:rPr lang="en-US" spc="-70" dirty="0">
+                <a:solidFill>
+                  <a:srgbClr val="374552"/>
+                </a:solidFill>
+                <a:latin typeface="Verdana"/>
+                <a:cs typeface="Verdana"/>
+              </a:rPr>
+              <a:t> </a:t>
+            </a:r>
+            <a:r>
+              <a:rPr lang="en-US" dirty="0">
+                <a:solidFill>
+                  <a:srgbClr val="374552"/>
+                </a:solidFill>
+                <a:latin typeface="Verdana"/>
+                <a:cs typeface="Verdana"/>
+              </a:rPr>
+              <a:t>processes</a:t>
+            </a:r>
+            <a:r>
+              <a:rPr lang="en-US" spc="-65" dirty="0">
+                <a:solidFill>
+                  <a:srgbClr val="374552"/>
+                </a:solidFill>
+                <a:latin typeface="Verdana"/>
+                <a:cs typeface="Verdana"/>
+              </a:rPr>
+              <a:t> </a:t>
+            </a:r>
+            <a:r>
+              <a:rPr lang="en-US" spc="-25" dirty="0">
+                <a:solidFill>
+                  <a:srgbClr val="374552"/>
+                </a:solidFill>
+                <a:latin typeface="Verdana"/>
+                <a:cs typeface="Verdana"/>
+              </a:rPr>
+              <a:t>for </a:t>
+            </a:r>
+            <a:r>
+              <a:rPr lang="en-US" dirty="0">
+                <a:solidFill>
+                  <a:srgbClr val="374552"/>
+                </a:solidFill>
+                <a:latin typeface="Verdana"/>
+                <a:cs typeface="Verdana"/>
+              </a:rPr>
+              <a:t>consistency</a:t>
+            </a:r>
+            <a:r>
+              <a:rPr lang="en-US" spc="5" dirty="0">
+                <a:solidFill>
+                  <a:srgbClr val="374552"/>
+                </a:solidFill>
+                <a:latin typeface="Verdana"/>
+                <a:cs typeface="Verdana"/>
+              </a:rPr>
+              <a:t> </a:t>
+            </a:r>
+            <a:r>
+              <a:rPr lang="en-US" spc="50" dirty="0">
+                <a:solidFill>
+                  <a:srgbClr val="374552"/>
+                </a:solidFill>
+                <a:latin typeface="Verdana"/>
+                <a:cs typeface="Verdana"/>
+              </a:rPr>
+              <a:t>and</a:t>
+            </a:r>
+            <a:r>
+              <a:rPr lang="en-US" spc="10" dirty="0">
+                <a:solidFill>
+                  <a:srgbClr val="374552"/>
+                </a:solidFill>
+                <a:latin typeface="Verdana"/>
+                <a:cs typeface="Verdana"/>
+              </a:rPr>
+              <a:t> </a:t>
+            </a:r>
+            <a:r>
+              <a:rPr lang="en-US" spc="-10" dirty="0">
+                <a:solidFill>
+                  <a:srgbClr val="374552"/>
+                </a:solidFill>
+                <a:latin typeface="Verdana"/>
+                <a:cs typeface="Verdana"/>
+              </a:rPr>
+              <a:t>accuracy.</a:t>
+            </a:r>
+            <a:endParaRPr lang="en-US" dirty="0">
+              <a:latin typeface="Verdana"/>
+              <a:cs typeface="Verdana"/>
+            </a:endParaRPr>
+          </a:p>
+          <a:p>
+            <a:pPr marL="12700">
+              <a:lnSpc>
+                <a:spcPct val="100000"/>
+              </a:lnSpc>
+              <a:spcBef>
+                <a:spcPts val="135"/>
+              </a:spcBef>
+            </a:pPr>
+            <a:r>
+              <a:rPr lang="en-US" sz="3200" spc="-100" dirty="0">
+                <a:latin typeface="Tahoma"/>
+                <a:cs typeface="Tahoma"/>
+              </a:rPr>
+              <a:t>Feature</a:t>
+            </a:r>
+            <a:r>
+              <a:rPr lang="en-US" sz="3200" spc="-85" dirty="0">
+                <a:latin typeface="Tahoma"/>
+                <a:cs typeface="Tahoma"/>
+              </a:rPr>
+              <a:t> </a:t>
+            </a:r>
+            <a:r>
+              <a:rPr lang="en-US" sz="3200" spc="-10" dirty="0">
+                <a:latin typeface="Tahoma"/>
+                <a:cs typeface="Tahoma"/>
+              </a:rPr>
+              <a:t>Engineering</a:t>
+            </a:r>
+            <a:endParaRPr lang="en-US" sz="3200" dirty="0">
               <a:latin typeface="Tahoma"/>
               <a:cs typeface="Tahoma"/>
             </a:endParaRPr>
@@ -5127,203 +5883,6 @@
               <a:buNone/>
             </a:pPr>
             <a:r>
-              <a:rPr lang="en-US" sz="3000" dirty="0">
-                <a:solidFill>
-                  <a:srgbClr val="374552"/>
-                </a:solidFill>
-                <a:latin typeface="Tahoma" panose="020B0604030504040204" pitchFamily="34" charset="0"/>
-                <a:ea typeface="Tahoma" panose="020B0604030504040204" pitchFamily="34" charset="0"/>
-                <a:cs typeface="Tahoma" panose="020B0604030504040204" pitchFamily="34" charset="0"/>
-              </a:rPr>
-              <a:t>  Reach</a:t>
-            </a:r>
-            <a:r>
-              <a:rPr lang="en-US" sz="3000" spc="85" dirty="0">
-                <a:solidFill>
-                  <a:srgbClr val="374552"/>
-                </a:solidFill>
-                <a:latin typeface="Tahoma" panose="020B0604030504040204" pitchFamily="34" charset="0"/>
-                <a:ea typeface="Tahoma" panose="020B0604030504040204" pitchFamily="34" charset="0"/>
-                <a:cs typeface="Tahoma" panose="020B0604030504040204" pitchFamily="34" charset="0"/>
-              </a:rPr>
-              <a:t> </a:t>
-            </a:r>
-            <a:r>
-              <a:rPr lang="en-US" sz="3000" dirty="0">
-                <a:solidFill>
-                  <a:srgbClr val="374552"/>
-                </a:solidFill>
-                <a:latin typeface="Tahoma" panose="020B0604030504040204" pitchFamily="34" charset="0"/>
-                <a:ea typeface="Tahoma" panose="020B0604030504040204" pitchFamily="34" charset="0"/>
-                <a:cs typeface="Tahoma" panose="020B0604030504040204" pitchFamily="34" charset="0"/>
-              </a:rPr>
-              <a:t>a</a:t>
-            </a:r>
-            <a:r>
-              <a:rPr lang="en-US" sz="3000" spc="90" dirty="0">
-                <a:solidFill>
-                  <a:srgbClr val="374552"/>
-                </a:solidFill>
-                <a:latin typeface="Tahoma" panose="020B0604030504040204" pitchFamily="34" charset="0"/>
-                <a:ea typeface="Tahoma" panose="020B0604030504040204" pitchFamily="34" charset="0"/>
-                <a:cs typeface="Tahoma" panose="020B0604030504040204" pitchFamily="34" charset="0"/>
-              </a:rPr>
-              <a:t> </a:t>
-            </a:r>
-            <a:r>
-              <a:rPr lang="en-US" sz="3000" dirty="0">
-                <a:solidFill>
-                  <a:srgbClr val="374552"/>
-                </a:solidFill>
-                <a:latin typeface="Tahoma" panose="020B0604030504040204" pitchFamily="34" charset="0"/>
-                <a:ea typeface="Tahoma" panose="020B0604030504040204" pitchFamily="34" charset="0"/>
-                <a:cs typeface="Tahoma" panose="020B0604030504040204" pitchFamily="34" charset="0"/>
-              </a:rPr>
-              <a:t>wider</a:t>
-            </a:r>
-            <a:r>
-              <a:rPr lang="en-US" sz="3000" spc="85" dirty="0">
-                <a:solidFill>
-                  <a:srgbClr val="374552"/>
-                </a:solidFill>
-                <a:latin typeface="Tahoma" panose="020B0604030504040204" pitchFamily="34" charset="0"/>
-                <a:ea typeface="Tahoma" panose="020B0604030504040204" pitchFamily="34" charset="0"/>
-                <a:cs typeface="Tahoma" panose="020B0604030504040204" pitchFamily="34" charset="0"/>
-              </a:rPr>
-              <a:t> </a:t>
-            </a:r>
-            <a:r>
-              <a:rPr lang="en-US" sz="3000" dirty="0">
-                <a:solidFill>
-                  <a:srgbClr val="374552"/>
-                </a:solidFill>
-                <a:latin typeface="Tahoma" panose="020B0604030504040204" pitchFamily="34" charset="0"/>
-                <a:ea typeface="Tahoma" panose="020B0604030504040204" pitchFamily="34" charset="0"/>
-                <a:cs typeface="Tahoma" panose="020B0604030504040204" pitchFamily="34" charset="0"/>
-              </a:rPr>
-              <a:t>audience</a:t>
-            </a:r>
-            <a:r>
-              <a:rPr lang="en-US" sz="3000" spc="90" dirty="0">
-                <a:solidFill>
-                  <a:srgbClr val="374552"/>
-                </a:solidFill>
-                <a:latin typeface="Tahoma" panose="020B0604030504040204" pitchFamily="34" charset="0"/>
-                <a:ea typeface="Tahoma" panose="020B0604030504040204" pitchFamily="34" charset="0"/>
-                <a:cs typeface="Tahoma" panose="020B0604030504040204" pitchFamily="34" charset="0"/>
-              </a:rPr>
-              <a:t> </a:t>
-            </a:r>
-            <a:r>
-              <a:rPr lang="en-US" sz="3000" dirty="0">
-                <a:solidFill>
-                  <a:srgbClr val="374552"/>
-                </a:solidFill>
-                <a:latin typeface="Tahoma" panose="020B0604030504040204" pitchFamily="34" charset="0"/>
-                <a:ea typeface="Tahoma" panose="020B0604030504040204" pitchFamily="34" charset="0"/>
-                <a:cs typeface="Tahoma" panose="020B0604030504040204" pitchFamily="34" charset="0"/>
-              </a:rPr>
-              <a:t>on-the-</a:t>
-            </a:r>
-            <a:r>
-              <a:rPr lang="en-US" sz="3000" spc="-25" dirty="0">
-                <a:solidFill>
-                  <a:srgbClr val="374552"/>
-                </a:solidFill>
-                <a:latin typeface="Tahoma" panose="020B0604030504040204" pitchFamily="34" charset="0"/>
-                <a:ea typeface="Tahoma" panose="020B0604030504040204" pitchFamily="34" charset="0"/>
-                <a:cs typeface="Tahoma" panose="020B0604030504040204" pitchFamily="34" charset="0"/>
-              </a:rPr>
-              <a:t>go.</a:t>
-            </a:r>
-            <a:endParaRPr lang="en-US" sz="3000" dirty="0">
-              <a:latin typeface="Tahoma" panose="020B0604030504040204" pitchFamily="34" charset="0"/>
-              <a:ea typeface="Tahoma" panose="020B0604030504040204" pitchFamily="34" charset="0"/>
-              <a:cs typeface="Tahoma" panose="020B0604030504040204" pitchFamily="34" charset="0"/>
-            </a:endParaRPr>
-          </a:p>
-          <a:p>
-            <a:pPr marL="0" indent="0">
-              <a:lnSpc>
-                <a:spcPct val="100000"/>
-              </a:lnSpc>
-              <a:spcBef>
-                <a:spcPts val="85"/>
-              </a:spcBef>
-              <a:buNone/>
-            </a:pPr>
-            <a:endParaRPr lang="en-US" sz="3200" dirty="0">
-              <a:latin typeface="Tahoma" panose="020B0604030504040204" pitchFamily="34" charset="0"/>
-              <a:ea typeface="Tahoma" panose="020B0604030504040204" pitchFamily="34" charset="0"/>
-              <a:cs typeface="Tahoma" panose="020B0604030504040204" pitchFamily="34" charset="0"/>
-            </a:endParaRPr>
-          </a:p>
-          <a:p>
-            <a:pPr marL="12700">
-              <a:lnSpc>
-                <a:spcPct val="100000"/>
-              </a:lnSpc>
-              <a:spcBef>
-                <a:spcPts val="5"/>
-              </a:spcBef>
-            </a:pPr>
-            <a:r>
-              <a:rPr lang="en-US" sz="3200" spc="-80" dirty="0">
-                <a:latin typeface="Tahoma" panose="020B0604030504040204" pitchFamily="34" charset="0"/>
-                <a:ea typeface="Tahoma" panose="020B0604030504040204" pitchFamily="34" charset="0"/>
-                <a:cs typeface="Tahoma" panose="020B0604030504040204" pitchFamily="34" charset="0"/>
-              </a:rPr>
-              <a:t>Advanced</a:t>
-            </a:r>
-            <a:r>
-              <a:rPr lang="en-US" sz="3200" spc="-125" dirty="0">
-                <a:latin typeface="Tahoma" panose="020B0604030504040204" pitchFamily="34" charset="0"/>
-                <a:ea typeface="Tahoma" panose="020B0604030504040204" pitchFamily="34" charset="0"/>
-                <a:cs typeface="Tahoma" panose="020B0604030504040204" pitchFamily="34" charset="0"/>
-              </a:rPr>
-              <a:t> </a:t>
-            </a:r>
-            <a:r>
-              <a:rPr lang="en-US" sz="3200" spc="-140" dirty="0">
-                <a:latin typeface="Tahoma" panose="020B0604030504040204" pitchFamily="34" charset="0"/>
-                <a:ea typeface="Tahoma" panose="020B0604030504040204" pitchFamily="34" charset="0"/>
-                <a:cs typeface="Tahoma" panose="020B0604030504040204" pitchFamily="34" charset="0"/>
-              </a:rPr>
-              <a:t>ML</a:t>
-            </a:r>
-            <a:r>
-              <a:rPr lang="en-US" sz="3200" spc="-120" dirty="0">
-                <a:latin typeface="Tahoma" panose="020B0604030504040204" pitchFamily="34" charset="0"/>
-                <a:ea typeface="Tahoma" panose="020B0604030504040204" pitchFamily="34" charset="0"/>
-                <a:cs typeface="Tahoma" panose="020B0604030504040204" pitchFamily="34" charset="0"/>
-              </a:rPr>
-              <a:t> </a:t>
-            </a:r>
-            <a:r>
-              <a:rPr lang="en-US" sz="3200" spc="-10" dirty="0">
-                <a:latin typeface="Tahoma" panose="020B0604030504040204" pitchFamily="34" charset="0"/>
-                <a:ea typeface="Tahoma" panose="020B0604030504040204" pitchFamily="34" charset="0"/>
-                <a:cs typeface="Tahoma" panose="020B0604030504040204" pitchFamily="34" charset="0"/>
-              </a:rPr>
-              <a:t>Models</a:t>
-            </a:r>
-            <a:endParaRPr lang="en-US" sz="3200" dirty="0">
-              <a:latin typeface="Tahoma" panose="020B0604030504040204" pitchFamily="34" charset="0"/>
-              <a:ea typeface="Tahoma" panose="020B0604030504040204" pitchFamily="34" charset="0"/>
-              <a:cs typeface="Tahoma" panose="020B0604030504040204" pitchFamily="34" charset="0"/>
-            </a:endParaRPr>
-          </a:p>
-          <a:p>
-            <a:pPr marL="0" indent="0">
-              <a:lnSpc>
-                <a:spcPct val="100000"/>
-              </a:lnSpc>
-              <a:spcBef>
-                <a:spcPts val="1045"/>
-              </a:spcBef>
-              <a:buNone/>
-            </a:pPr>
-            <a:r>
               <a:rPr lang="en-US" dirty="0">
                 <a:solidFill>
                   <a:srgbClr val="374552"/>
@@ -5331,27 +5890,55 @@
                 <a:latin typeface="Verdana"/>
                 <a:cs typeface="Verdana"/>
               </a:rPr>
-              <a:t>  </a:t>
+              <a:t>  Transforming</a:t>
+            </a:r>
+            <a:r>
+              <a:rPr lang="en-US" spc="35" dirty="0">
+                <a:solidFill>
+                  <a:srgbClr val="374552"/>
+                </a:solidFill>
+                <a:latin typeface="Verdana"/>
+                <a:cs typeface="Verdana"/>
+              </a:rPr>
+              <a:t> </a:t>
+            </a:r>
+            <a:r>
+              <a:rPr lang="en-US" spc="-10" dirty="0">
+                <a:solidFill>
+                  <a:srgbClr val="374552"/>
+                </a:solidFill>
+                <a:latin typeface="Verdana"/>
+                <a:cs typeface="Verdana"/>
+              </a:rPr>
+              <a:t>raw</a:t>
+            </a:r>
+            <a:r>
+              <a:rPr lang="en-US" spc="35" dirty="0">
+                <a:solidFill>
+                  <a:srgbClr val="374552"/>
+                </a:solidFill>
+                <a:latin typeface="Verdana"/>
+                <a:cs typeface="Verdana"/>
+              </a:rPr>
+              <a:t> </a:t>
             </a:r>
             <a:r>
               <a:rPr lang="en-US" dirty="0">
                 <a:solidFill>
                   <a:srgbClr val="374552"/>
                 </a:solidFill>
-                <a:latin typeface="Tahoma" panose="020B0604030504040204" pitchFamily="34" charset="0"/>
-                <a:ea typeface="Tahoma" panose="020B0604030504040204" pitchFamily="34" charset="0"/>
-                <a:cs typeface="Tahoma" panose="020B0604030504040204" pitchFamily="34" charset="0"/>
-              </a:rPr>
-              <a:t>Integration</a:t>
-            </a:r>
-            <a:r>
-              <a:rPr lang="en-US" spc="-5" dirty="0">
-                <a:solidFill>
-                  <a:srgbClr val="374552"/>
-                </a:solidFill>
-                <a:latin typeface="Tahoma" panose="020B0604030504040204" pitchFamily="34" charset="0"/>
-                <a:ea typeface="Tahoma" panose="020B0604030504040204" pitchFamily="34" charset="0"/>
-                <a:cs typeface="Tahoma" panose="020B0604030504040204" pitchFamily="34" charset="0"/>
+                <a:latin typeface="Verdana"/>
+                <a:cs typeface="Verdana"/>
+              </a:rPr>
+              <a:t>data</a:t>
+            </a:r>
+            <a:r>
+              <a:rPr lang="en-US" spc="40" dirty="0">
+                <a:solidFill>
+                  <a:srgbClr val="374552"/>
+                </a:solidFill>
+                <a:latin typeface="Verdana"/>
+                <a:cs typeface="Verdana"/>
               </a:rPr>
               <a:t> </a:t>
             </a:r>
@@ -5360,20 +5947,18 @@
                 <a:solidFill>
                   <a:srgbClr val="374552"/>
                 </a:solidFill>
-                <a:latin typeface="Tahoma" panose="020B0604030504040204" pitchFamily="34" charset="0"/>
-                <a:ea typeface="Tahoma" panose="020B0604030504040204" pitchFamily="34" charset="0"/>
-                <a:cs typeface="Tahoma" panose="020B0604030504040204" pitchFamily="34" charset="0"/>
-              </a:rPr>
-              <a:t>of</a:t>
-            </a:r>
-            <a:r>
-              <a:rPr lang="en-US" spc="-5" dirty="0">
-                <a:solidFill>
-                  <a:srgbClr val="374552"/>
-                </a:solidFill>
-                <a:latin typeface="Tahoma" panose="020B0604030504040204" pitchFamily="34" charset="0"/>
-                <a:ea typeface="Tahoma" panose="020B0604030504040204" pitchFamily="34" charset="0"/>
-                <a:cs typeface="Tahoma" panose="020B0604030504040204" pitchFamily="34" charset="0"/>
+                <a:latin typeface="Verdana"/>
+                <a:cs typeface="Verdana"/>
+              </a:rPr>
+              <a:t>into</a:t>
+            </a:r>
+            <a:r>
+              <a:rPr lang="en-US" spc="35" dirty="0">
+                <a:solidFill>
+                  <a:srgbClr val="374552"/>
+                </a:solidFill>
+                <a:latin typeface="Verdana"/>
+                <a:cs typeface="Verdana"/>
               </a:rPr>
               <a:t> </a:t>
             </a:r>
@@ -5382,255 +5967,54 @@
                 <a:solidFill>
                   <a:srgbClr val="374552"/>
                 </a:solidFill>
-                <a:latin typeface="Tahoma" panose="020B0604030504040204" pitchFamily="34" charset="0"/>
-                <a:ea typeface="Tahoma" panose="020B0604030504040204" pitchFamily="34" charset="0"/>
-                <a:cs typeface="Tahoma" panose="020B0604030504040204" pitchFamily="34" charset="0"/>
-              </a:rPr>
-              <a:t>Neural</a:t>
-            </a:r>
-            <a:r>
-              <a:rPr lang="en-US" spc="-5" dirty="0">
-                <a:solidFill>
-                  <a:srgbClr val="374552"/>
-                </a:solidFill>
-                <a:latin typeface="Tahoma" panose="020B0604030504040204" pitchFamily="34" charset="0"/>
-                <a:ea typeface="Tahoma" panose="020B0604030504040204" pitchFamily="34" charset="0"/>
-                <a:cs typeface="Tahoma" panose="020B0604030504040204" pitchFamily="34" charset="0"/>
-              </a:rPr>
-              <a:t> </a:t>
-            </a:r>
-            <a:r>
-              <a:rPr lang="en-US" dirty="0">
-                <a:solidFill>
-                  <a:srgbClr val="374552"/>
-                </a:solidFill>
-                <a:latin typeface="Tahoma" panose="020B0604030504040204" pitchFamily="34" charset="0"/>
-                <a:ea typeface="Tahoma" panose="020B0604030504040204" pitchFamily="34" charset="0"/>
-                <a:cs typeface="Tahoma" panose="020B0604030504040204" pitchFamily="34" charset="0"/>
-              </a:rPr>
-              <a:t>Networks </a:t>
+                <a:latin typeface="Verdana"/>
+                <a:cs typeface="Verdana"/>
+              </a:rPr>
+              <a:t>meaningful</a:t>
+            </a:r>
+            <a:r>
+              <a:rPr lang="en-US" spc="35" dirty="0">
+                <a:solidFill>
+                  <a:srgbClr val="374552"/>
+                </a:solidFill>
+                <a:latin typeface="Verdana"/>
+                <a:cs typeface="Verdana"/>
+              </a:rPr>
+              <a:t> </a:t>
+            </a:r>
+            <a:r>
+              <a:rPr lang="en-US" spc="105" dirty="0">
+                <a:solidFill>
+                  <a:srgbClr val="374552"/>
+                </a:solidFill>
+                <a:latin typeface="Verdana"/>
+                <a:cs typeface="Verdana"/>
+              </a:rPr>
+              <a:t>ML</a:t>
+            </a:r>
+            <a:r>
+              <a:rPr lang="en-US" spc="40" dirty="0">
+                <a:solidFill>
+                  <a:srgbClr val="374552"/>
+                </a:solidFill>
+                <a:latin typeface="Verdana"/>
+                <a:cs typeface="Verdana"/>
+              </a:rPr>
+              <a:t> </a:t>
             </a:r>
             <a:r>
               <a:rPr lang="en-US" spc="-10" dirty="0">
                 <a:solidFill>
                   <a:srgbClr val="374552"/>
                 </a:solidFill>
-                <a:latin typeface="Tahoma" panose="020B0604030504040204" pitchFamily="34" charset="0"/>
-                <a:ea typeface="Tahoma" panose="020B0604030504040204" pitchFamily="34" charset="0"/>
-                <a:cs typeface="Tahoma" panose="020B0604030504040204" pitchFamily="34" charset="0"/>
-              </a:rPr>
-              <a:t>for</a:t>
-            </a:r>
-            <a:r>
-              <a:rPr lang="en-US" spc="-5" dirty="0">
-                <a:solidFill>
-                  <a:srgbClr val="374552"/>
-                </a:solidFill>
-                <a:latin typeface="Tahoma" panose="020B0604030504040204" pitchFamily="34" charset="0"/>
-                <a:ea typeface="Tahoma" panose="020B0604030504040204" pitchFamily="34" charset="0"/>
-                <a:cs typeface="Tahoma" panose="020B0604030504040204" pitchFamily="34" charset="0"/>
-              </a:rPr>
-              <a:t> </a:t>
-            </a:r>
-            <a:r>
-              <a:rPr lang="en-US" dirty="0">
-                <a:solidFill>
-                  <a:srgbClr val="374552"/>
-                </a:solidFill>
-                <a:latin typeface="Tahoma" panose="020B0604030504040204" pitchFamily="34" charset="0"/>
-                <a:ea typeface="Tahoma" panose="020B0604030504040204" pitchFamily="34" charset="0"/>
-                <a:cs typeface="Tahoma" panose="020B0604030504040204" pitchFamily="34" charset="0"/>
-              </a:rPr>
-              <a:t>deeper</a:t>
-            </a:r>
-            <a:r>
-              <a:rPr lang="en-US" spc="-5" dirty="0">
-                <a:solidFill>
-                  <a:srgbClr val="374552"/>
-                </a:solidFill>
-                <a:latin typeface="Tahoma" panose="020B0604030504040204" pitchFamily="34" charset="0"/>
-                <a:ea typeface="Tahoma" panose="020B0604030504040204" pitchFamily="34" charset="0"/>
-                <a:cs typeface="Tahoma" panose="020B0604030504040204" pitchFamily="34" charset="0"/>
-              </a:rPr>
-              <a:t> </a:t>
-            </a:r>
-            <a:r>
-              <a:rPr lang="en-US" spc="-10" dirty="0">
-                <a:solidFill>
-                  <a:srgbClr val="374552"/>
-                </a:solidFill>
-                <a:latin typeface="Tahoma" panose="020B0604030504040204" pitchFamily="34" charset="0"/>
-                <a:ea typeface="Tahoma" panose="020B0604030504040204" pitchFamily="34" charset="0"/>
-                <a:cs typeface="Tahoma" panose="020B0604030504040204" pitchFamily="34" charset="0"/>
-              </a:rPr>
-              <a:t>insights.</a:t>
-            </a:r>
-            <a:endParaRPr lang="en-US" dirty="0">
-              <a:latin typeface="Tahoma" panose="020B0604030504040204" pitchFamily="34" charset="0"/>
-              <a:ea typeface="Tahoma" panose="020B0604030504040204" pitchFamily="34" charset="0"/>
-              <a:cs typeface="Tahoma" panose="020B0604030504040204" pitchFamily="34" charset="0"/>
-            </a:endParaRPr>
-          </a:p>
-          <a:p>
-            <a:pPr marL="0" indent="0">
-              <a:lnSpc>
-                <a:spcPct val="100000"/>
-              </a:lnSpc>
-              <a:spcBef>
-                <a:spcPts val="85"/>
-              </a:spcBef>
-              <a:buNone/>
-            </a:pPr>
+                <a:latin typeface="Verdana"/>
+                <a:cs typeface="Verdana"/>
+              </a:rPr>
+              <a:t>features.</a:t>
+            </a:r>
             <a:endParaRPr lang="en-US" dirty="0">
               <a:latin typeface="Verdana"/>
               <a:cs typeface="Verdana"/>
-            </a:endParaRPr>
-          </a:p>
-          <a:p>
-            <a:pPr marL="12700">
-              <a:lnSpc>
-                <a:spcPct val="100000"/>
-              </a:lnSpc>
-            </a:pPr>
-            <a:r>
-              <a:rPr lang="en-US" sz="3200" spc="-120" dirty="0">
-                <a:latin typeface="Tahoma"/>
-                <a:cs typeface="Tahoma"/>
-              </a:rPr>
-              <a:t>Company</a:t>
-            </a:r>
-            <a:r>
-              <a:rPr lang="en-US" sz="3200" spc="-105" dirty="0">
-                <a:latin typeface="Tahoma"/>
-                <a:cs typeface="Tahoma"/>
-              </a:rPr>
-              <a:t> </a:t>
-            </a:r>
-            <a:r>
-              <a:rPr lang="en-US" sz="3200" spc="-10" dirty="0">
-                <a:latin typeface="Tahoma"/>
-                <a:cs typeface="Tahoma"/>
-              </a:rPr>
-              <a:t>Partnerships</a:t>
-            </a:r>
-            <a:endParaRPr lang="en-US" sz="3200" dirty="0">
-              <a:latin typeface="Tahoma"/>
-              <a:cs typeface="Tahoma"/>
-            </a:endParaRPr>
-          </a:p>
-          <a:p>
-            <a:pPr marL="0" indent="0">
-              <a:lnSpc>
-                <a:spcPct val="100000"/>
-              </a:lnSpc>
-              <a:spcBef>
-                <a:spcPts val="1120"/>
-              </a:spcBef>
-              <a:buNone/>
-            </a:pPr>
-            <a:r>
-              <a:rPr lang="en-US" spc="45" dirty="0">
-                <a:solidFill>
-                  <a:srgbClr val="374552"/>
-                </a:solidFill>
-                <a:latin typeface="Tahoma" panose="020B0604030504040204" pitchFamily="34" charset="0"/>
-                <a:ea typeface="Tahoma" panose="020B0604030504040204" pitchFamily="34" charset="0"/>
-                <a:cs typeface="Tahoma" panose="020B0604030504040204" pitchFamily="34" charset="0"/>
-              </a:rPr>
-              <a:t>  Connecting</a:t>
-            </a:r>
-            <a:r>
-              <a:rPr lang="en-US" spc="-15" dirty="0">
-                <a:solidFill>
-                  <a:srgbClr val="374552"/>
-                </a:solidFill>
-                <a:latin typeface="Tahoma" panose="020B0604030504040204" pitchFamily="34" charset="0"/>
-                <a:ea typeface="Tahoma" panose="020B0604030504040204" pitchFamily="34" charset="0"/>
-                <a:cs typeface="Tahoma" panose="020B0604030504040204" pitchFamily="34" charset="0"/>
-              </a:rPr>
-              <a:t> </a:t>
-            </a:r>
-            <a:r>
-              <a:rPr lang="en-US" spc="-10" dirty="0">
-                <a:solidFill>
-                  <a:srgbClr val="374552"/>
-                </a:solidFill>
-                <a:latin typeface="Tahoma" panose="020B0604030504040204" pitchFamily="34" charset="0"/>
-                <a:ea typeface="Tahoma" panose="020B0604030504040204" pitchFamily="34" charset="0"/>
-                <a:cs typeface="Tahoma" panose="020B0604030504040204" pitchFamily="34" charset="0"/>
-              </a:rPr>
-              <a:t>users</a:t>
-            </a:r>
-            <a:r>
-              <a:rPr lang="en-US" spc="-15" dirty="0">
-                <a:solidFill>
-                  <a:srgbClr val="374552"/>
-                </a:solidFill>
-                <a:latin typeface="Tahoma" panose="020B0604030504040204" pitchFamily="34" charset="0"/>
-                <a:ea typeface="Tahoma" panose="020B0604030504040204" pitchFamily="34" charset="0"/>
-                <a:cs typeface="Tahoma" panose="020B0604030504040204" pitchFamily="34" charset="0"/>
-              </a:rPr>
-              <a:t> </a:t>
-            </a:r>
-            <a:r>
-              <a:rPr lang="en-US" dirty="0">
-                <a:solidFill>
-                  <a:srgbClr val="374552"/>
-                </a:solidFill>
-                <a:latin typeface="Tahoma" panose="020B0604030504040204" pitchFamily="34" charset="0"/>
-                <a:ea typeface="Tahoma" panose="020B0604030504040204" pitchFamily="34" charset="0"/>
-                <a:cs typeface="Tahoma" panose="020B0604030504040204" pitchFamily="34" charset="0"/>
-              </a:rPr>
-              <a:t>directly</a:t>
-            </a:r>
-            <a:r>
-              <a:rPr lang="en-US" spc="-15" dirty="0">
-                <a:solidFill>
-                  <a:srgbClr val="374552"/>
-                </a:solidFill>
-                <a:latin typeface="Tahoma" panose="020B0604030504040204" pitchFamily="34" charset="0"/>
-                <a:ea typeface="Tahoma" panose="020B0604030504040204" pitchFamily="34" charset="0"/>
-                <a:cs typeface="Tahoma" panose="020B0604030504040204" pitchFamily="34" charset="0"/>
-              </a:rPr>
-              <a:t> </a:t>
-            </a:r>
-            <a:r>
-              <a:rPr lang="en-US" dirty="0">
-                <a:solidFill>
-                  <a:srgbClr val="374552"/>
-                </a:solidFill>
-                <a:latin typeface="Tahoma" panose="020B0604030504040204" pitchFamily="34" charset="0"/>
-                <a:ea typeface="Tahoma" panose="020B0604030504040204" pitchFamily="34" charset="0"/>
-                <a:cs typeface="Tahoma" panose="020B0604030504040204" pitchFamily="34" charset="0"/>
-              </a:rPr>
-              <a:t>with</a:t>
-            </a:r>
-            <a:r>
-              <a:rPr lang="en-US" spc="-15" dirty="0">
-                <a:solidFill>
-                  <a:srgbClr val="374552"/>
-                </a:solidFill>
-                <a:latin typeface="Tahoma" panose="020B0604030504040204" pitchFamily="34" charset="0"/>
-                <a:ea typeface="Tahoma" panose="020B0604030504040204" pitchFamily="34" charset="0"/>
-                <a:cs typeface="Tahoma" panose="020B0604030504040204" pitchFamily="34" charset="0"/>
-              </a:rPr>
-              <a:t> </a:t>
-            </a:r>
-            <a:r>
-              <a:rPr lang="en-US" spc="-10" dirty="0">
-                <a:solidFill>
-                  <a:srgbClr val="374552"/>
-                </a:solidFill>
-                <a:latin typeface="Tahoma" panose="020B0604030504040204" pitchFamily="34" charset="0"/>
-                <a:ea typeface="Tahoma" panose="020B0604030504040204" pitchFamily="34" charset="0"/>
-                <a:cs typeface="Tahoma" panose="020B0604030504040204" pitchFamily="34" charset="0"/>
-              </a:rPr>
-              <a:t>employers.</a:t>
-            </a:r>
-            <a:endParaRPr lang="en-US" dirty="0">
-              <a:latin typeface="Tahoma" panose="020B0604030504040204" pitchFamily="34" charset="0"/>
-              <a:ea typeface="Tahoma" panose="020B0604030504040204" pitchFamily="34" charset="0"/>
-              <a:cs typeface="Tahoma" panose="020B0604030504040204" pitchFamily="34" charset="0"/>
             </a:endParaRPr>
           </a:p>
           <a:p>
@@ -5641,7 +6025,7 @@
     </p:spTree>
     <p:extLst>
       <p:ext uri="{BB962C8B-B14F-4D97-AF65-F5344CB8AC3E}">
-        <p14:creationId xmlns:p14="http://schemas.microsoft.com/office/powerpoint/2010/main" val="967214823"/>
+        <p14:creationId xmlns:p14="http://schemas.microsoft.com/office/powerpoint/2010/main" val="4179522257"/>
       </p:ext>
     </p:extLst>
   </p:cSld>
@@ -5668,44 +6052,948 @@
           <a:chExt cx="0" cy="0"/>
         </a:xfrm>
       </p:grpSpPr>
-      <p:sp>
-        <p:nvSpPr>
-          <p:cNvPr id="4" name="TextBox 3">
+      <p:pic>
+        <p:nvPicPr>
+          <p:cNvPr id="15" name="Picture 14">
             <a:extLst>
               <a:ext uri="{FF2B5EF4-FFF2-40B4-BE49-F238E27FC236}">
-                <a16:creationId xmlns:a16="http://schemas.microsoft.com/office/drawing/2014/main" id="{5EABA5AD-2629-5B77-7461-DA65F37554F3}"/>
+                <a16:creationId xmlns:a16="http://schemas.microsoft.com/office/drawing/2014/main" id="{7C8C9038-AB45-F3C6-BBC8-7DA0F181E6B7}"/>
               </a:ext>
             </a:extLst>
           </p:cNvPr>
-          <p:cNvSpPr txBox="1"/>
+          <p:cNvPicPr>
+            <a:picLocks noChangeAspect="1"/>
+          </p:cNvPicPr>
           <p:nvPr/>
-        </p:nvSpPr>
+        </p:nvPicPr>
+        <p:blipFill>
+          <a:blip r:embed="rId2">
+            <a:extLst>
+              <a:ext uri="{28A0092B-C50C-407E-A947-70E740481C1C}">
+                <a14:useLocalDpi xmlns:a14="http://schemas.microsoft.com/office/drawing/2010/main" val="0"/>
+              </a:ext>
+            </a:extLst>
+          </a:blip>
+          <a:stretch>
+            <a:fillRect/>
+          </a:stretch>
+        </p:blipFill>
         <p:spPr>
           <a:xfrm>
-            <a:off x="2724912" y="2505670"/>
-            <a:ext cx="7059168" cy="923330"/>
+            <a:off x="0" y="288439"/>
+            <a:ext cx="12192000" cy="6281121"/>
           </a:xfrm>
           <a:prstGeom prst="rect">
             <a:avLst/>
           </a:prstGeom>
-          <a:noFill/>
         </p:spPr>
+      </p:pic>
+    </p:spTree>
+    <p:extLst>
+      <p:ext uri="{BB962C8B-B14F-4D97-AF65-F5344CB8AC3E}">
+        <p14:creationId xmlns:p14="http://schemas.microsoft.com/office/powerpoint/2010/main" val="296623986"/>
+      </p:ext>
+    </p:extLst>
+  </p:cSld>
+  <p:clrMapOvr>
+    <a:masterClrMapping/>
+  </p:clrMapOvr>
+</p:sld>
+</file>
+
+<file path=ppt/slides/slide13.xml><?xml version="1.0" encoding="utf-8"?>
+<p:sld xmlns:a="http://schemas.openxmlformats.org/drawingml/2006/main" xmlns:r="http://schemas.openxmlformats.org/officeDocument/2006/relationships" xmlns:p="http://schemas.openxmlformats.org/presentationml/2006/main">
+  <p:cSld>
+    <p:spTree>
+      <p:nvGrpSpPr>
+        <p:cNvPr id="1" name=""/>
+        <p:cNvGrpSpPr/>
+        <p:nvPr/>
+      </p:nvGrpSpPr>
+      <p:grpSpPr>
+        <a:xfrm>
+          <a:off x="0" y="0"/>
+          <a:ext cx="0" cy="0"/>
+          <a:chOff x="0" y="0"/>
+          <a:chExt cx="0" cy="0"/>
+        </a:xfrm>
+      </p:grpSpPr>
+      <p:pic>
+        <p:nvPicPr>
+          <p:cNvPr id="5" name="Picture 4">
+            <a:extLst>
+              <a:ext uri="{FF2B5EF4-FFF2-40B4-BE49-F238E27FC236}">
+                <a16:creationId xmlns:a16="http://schemas.microsoft.com/office/drawing/2014/main" id="{5CABD02B-0D13-C3A1-A3B6-A88F24A28DE8}"/>
+              </a:ext>
+            </a:extLst>
+          </p:cNvPr>
+          <p:cNvPicPr>
+            <a:picLocks noChangeAspect="1"/>
+          </p:cNvPicPr>
+          <p:nvPr/>
+        </p:nvPicPr>
+        <p:blipFill>
+          <a:blip r:embed="rId2">
+            <a:extLst>
+              <a:ext uri="{28A0092B-C50C-407E-A947-70E740481C1C}">
+                <a14:useLocalDpi xmlns:a14="http://schemas.microsoft.com/office/drawing/2010/main" val="0"/>
+              </a:ext>
+            </a:extLst>
+          </a:blip>
+          <a:stretch>
+            <a:fillRect/>
+          </a:stretch>
+        </p:blipFill>
+        <p:spPr>
+          <a:xfrm>
+            <a:off x="0" y="288341"/>
+            <a:ext cx="12192000" cy="6281318"/>
+          </a:xfrm>
+          <a:prstGeom prst="rect">
+            <a:avLst/>
+          </a:prstGeom>
+        </p:spPr>
+      </p:pic>
+    </p:spTree>
+    <p:extLst>
+      <p:ext uri="{BB962C8B-B14F-4D97-AF65-F5344CB8AC3E}">
+        <p14:creationId xmlns:p14="http://schemas.microsoft.com/office/powerpoint/2010/main" val="190429852"/>
+      </p:ext>
+    </p:extLst>
+  </p:cSld>
+  <p:clrMapOvr>
+    <a:masterClrMapping/>
+  </p:clrMapOvr>
+</p:sld>
+</file>
+
+<file path=ppt/slides/slide14.xml><?xml version="1.0" encoding="utf-8"?>
+<p:sld xmlns:a="http://schemas.openxmlformats.org/drawingml/2006/main" xmlns:r="http://schemas.openxmlformats.org/officeDocument/2006/relationships" xmlns:p="http://schemas.openxmlformats.org/presentationml/2006/main">
+  <p:cSld>
+    <p:spTree>
+      <p:nvGrpSpPr>
+        <p:cNvPr id="1" name=""/>
+        <p:cNvGrpSpPr/>
+        <p:nvPr/>
+      </p:nvGrpSpPr>
+      <p:grpSpPr>
+        <a:xfrm>
+          <a:off x="0" y="0"/>
+          <a:ext cx="0" cy="0"/>
+          <a:chOff x="0" y="0"/>
+          <a:chExt cx="0" cy="0"/>
+        </a:xfrm>
+      </p:grpSpPr>
+      <p:pic>
+        <p:nvPicPr>
+          <p:cNvPr id="5" name="Picture 4">
+            <a:extLst>
+              <a:ext uri="{FF2B5EF4-FFF2-40B4-BE49-F238E27FC236}">
+                <a16:creationId xmlns:a16="http://schemas.microsoft.com/office/drawing/2014/main" id="{9304F358-D9A8-0CFE-D6B5-EB17A79118C2}"/>
+              </a:ext>
+            </a:extLst>
+          </p:cNvPr>
+          <p:cNvPicPr>
+            <a:picLocks noChangeAspect="1"/>
+          </p:cNvPicPr>
+          <p:nvPr/>
+        </p:nvPicPr>
+        <p:blipFill>
+          <a:blip r:embed="rId2">
+            <a:extLst>
+              <a:ext uri="{28A0092B-C50C-407E-A947-70E740481C1C}">
+                <a14:useLocalDpi xmlns:a14="http://schemas.microsoft.com/office/drawing/2010/main" val="0"/>
+              </a:ext>
+            </a:extLst>
+          </a:blip>
+          <a:stretch>
+            <a:fillRect/>
+          </a:stretch>
+        </p:blipFill>
+        <p:spPr>
+          <a:xfrm>
+            <a:off x="0" y="262835"/>
+            <a:ext cx="12192000" cy="6332329"/>
+          </a:xfrm>
+          <a:prstGeom prst="rect">
+            <a:avLst/>
+          </a:prstGeom>
+        </p:spPr>
+      </p:pic>
+    </p:spTree>
+    <p:extLst>
+      <p:ext uri="{BB962C8B-B14F-4D97-AF65-F5344CB8AC3E}">
+        <p14:creationId xmlns:p14="http://schemas.microsoft.com/office/powerpoint/2010/main" val="500205329"/>
+      </p:ext>
+    </p:extLst>
+  </p:cSld>
+  <p:clrMapOvr>
+    <a:masterClrMapping/>
+  </p:clrMapOvr>
+</p:sld>
+</file>
+
+<file path=ppt/slides/slide15.xml><?xml version="1.0" encoding="utf-8"?>
+<p:sld xmlns:a="http://schemas.openxmlformats.org/drawingml/2006/main" xmlns:r="http://schemas.openxmlformats.org/officeDocument/2006/relationships" xmlns:p="http://schemas.openxmlformats.org/presentationml/2006/main">
+  <p:cSld>
+    <p:spTree>
+      <p:nvGrpSpPr>
+        <p:cNvPr id="1" name=""/>
+        <p:cNvGrpSpPr/>
+        <p:nvPr/>
+      </p:nvGrpSpPr>
+      <p:grpSpPr>
+        <a:xfrm>
+          <a:off x="0" y="0"/>
+          <a:ext cx="0" cy="0"/>
+          <a:chOff x="0" y="0"/>
+          <a:chExt cx="0" cy="0"/>
+        </a:xfrm>
+      </p:grpSpPr>
+      <p:pic>
+        <p:nvPicPr>
+          <p:cNvPr id="5" name="Picture 4">
+            <a:extLst>
+              <a:ext uri="{FF2B5EF4-FFF2-40B4-BE49-F238E27FC236}">
+                <a16:creationId xmlns:a16="http://schemas.microsoft.com/office/drawing/2014/main" id="{987B4F80-38FB-D4B9-2AFA-3774799EB516}"/>
+              </a:ext>
+            </a:extLst>
+          </p:cNvPr>
+          <p:cNvPicPr>
+            <a:picLocks noChangeAspect="1"/>
+          </p:cNvPicPr>
+          <p:nvPr/>
+        </p:nvPicPr>
+        <p:blipFill>
+          <a:blip r:embed="rId2">
+            <a:extLst>
+              <a:ext uri="{28A0092B-C50C-407E-A947-70E740481C1C}">
+                <a14:useLocalDpi xmlns:a14="http://schemas.microsoft.com/office/drawing/2010/main" val="0"/>
+              </a:ext>
+            </a:extLst>
+          </a:blip>
+          <a:stretch>
+            <a:fillRect/>
+          </a:stretch>
+        </p:blipFill>
+        <p:spPr>
+          <a:xfrm>
+            <a:off x="128016" y="88511"/>
+            <a:ext cx="11932920" cy="6621234"/>
+          </a:xfrm>
+          <a:prstGeom prst="rect">
+            <a:avLst/>
+          </a:prstGeom>
+        </p:spPr>
+      </p:pic>
+    </p:spTree>
+    <p:extLst>
+      <p:ext uri="{BB962C8B-B14F-4D97-AF65-F5344CB8AC3E}">
+        <p14:creationId xmlns:p14="http://schemas.microsoft.com/office/powerpoint/2010/main" val="3809375563"/>
+      </p:ext>
+    </p:extLst>
+  </p:cSld>
+  <p:clrMapOvr>
+    <a:masterClrMapping/>
+  </p:clrMapOvr>
+</p:sld>
+</file>
+
+<file path=ppt/slides/slide16.xml><?xml version="1.0" encoding="utf-8"?>
+<p:sld xmlns:a="http://schemas.openxmlformats.org/drawingml/2006/main" xmlns:r="http://schemas.openxmlformats.org/officeDocument/2006/relationships" xmlns:p="http://schemas.openxmlformats.org/presentationml/2006/main">
+  <p:cSld>
+    <p:spTree>
+      <p:nvGrpSpPr>
+        <p:cNvPr id="1" name=""/>
+        <p:cNvGrpSpPr/>
+        <p:nvPr/>
+      </p:nvGrpSpPr>
+      <p:grpSpPr>
+        <a:xfrm>
+          <a:off x="0" y="0"/>
+          <a:ext cx="0" cy="0"/>
+          <a:chOff x="0" y="0"/>
+          <a:chExt cx="0" cy="0"/>
+        </a:xfrm>
+      </p:grpSpPr>
+      <p:sp>
+        <p:nvSpPr>
+          <p:cNvPr id="2" name="Title 1">
+            <a:extLst>
+              <a:ext uri="{FF2B5EF4-FFF2-40B4-BE49-F238E27FC236}">
+                <a16:creationId xmlns:a16="http://schemas.microsoft.com/office/drawing/2014/main" id="{8617DB0C-D5BB-AF4A-77E0-FC741C774408}"/>
+              </a:ext>
+            </a:extLst>
+          </p:cNvPr>
+          <p:cNvSpPr>
+            <a:spLocks noGrp="1"/>
+          </p:cNvSpPr>
+          <p:nvPr>
+            <p:ph type="title"/>
+          </p:nvPr>
+        </p:nvSpPr>
+        <p:spPr/>
         <p:txBody>
-          <a:bodyPr wrap="square" rtlCol="0">
-            <a:spAutoFit/>
+          <a:bodyPr>
+            <a:normAutofit/>
           </a:bodyPr>
           <a:lstStyle/>
           <a:p>
-            <a:pPr algn="just"/>
-            <a:r>
-              <a:rPr lang="en-US" sz="5400" dirty="0">
-                <a:latin typeface="Tahoma" panose="020B0604030504040204" pitchFamily="34" charset="0"/>
-                <a:ea typeface="Tahoma" panose="020B0604030504040204" pitchFamily="34" charset="0"/>
-                <a:cs typeface="Tahoma" panose="020B0604030504040204" pitchFamily="34" charset="0"/>
-              </a:rPr>
-              <a:t>        Thank You </a:t>
-            </a:r>
-            <a:endParaRPr lang="en-IN" sz="5400" dirty="0">
+            <a:r>
+              <a:rPr lang="en-IN" sz="4000" u="sng" spc="-45" dirty="0">
+                <a:latin typeface="Tahoma" panose="020B0604030504040204" pitchFamily="34" charset="0"/>
+                <a:ea typeface="Tahoma" panose="020B0604030504040204" pitchFamily="34" charset="0"/>
+                <a:cs typeface="Tahoma" panose="020B0604030504040204" pitchFamily="34" charset="0"/>
+              </a:rPr>
+              <a:t>Milestone 3: Job</a:t>
+            </a:r>
+            <a:r>
+              <a:rPr lang="en-IN" sz="4000" u="sng" spc="-270" dirty="0">
+                <a:latin typeface="Tahoma" panose="020B0604030504040204" pitchFamily="34" charset="0"/>
+                <a:ea typeface="Tahoma" panose="020B0604030504040204" pitchFamily="34" charset="0"/>
+                <a:cs typeface="Tahoma" panose="020B0604030504040204" pitchFamily="34" charset="0"/>
+              </a:rPr>
+              <a:t> </a:t>
+            </a:r>
+            <a:r>
+              <a:rPr lang="en-IN" sz="4000" u="sng" spc="-245" dirty="0">
+                <a:latin typeface="Tahoma" panose="020B0604030504040204" pitchFamily="34" charset="0"/>
+                <a:ea typeface="Tahoma" panose="020B0604030504040204" pitchFamily="34" charset="0"/>
+                <a:cs typeface="Tahoma" panose="020B0604030504040204" pitchFamily="34" charset="0"/>
+              </a:rPr>
+              <a:t>Role</a:t>
+            </a:r>
+            <a:r>
+              <a:rPr lang="en-IN" sz="4000" u="sng" spc="-270" dirty="0">
+                <a:latin typeface="Tahoma" panose="020B0604030504040204" pitchFamily="34" charset="0"/>
+                <a:ea typeface="Tahoma" panose="020B0604030504040204" pitchFamily="34" charset="0"/>
+                <a:cs typeface="Tahoma" panose="020B0604030504040204" pitchFamily="34" charset="0"/>
+              </a:rPr>
+              <a:t> </a:t>
+            </a:r>
+            <a:r>
+              <a:rPr lang="en-IN" sz="4000" u="sng" spc="-170" dirty="0">
+                <a:latin typeface="Tahoma" panose="020B0604030504040204" pitchFamily="34" charset="0"/>
+                <a:ea typeface="Tahoma" panose="020B0604030504040204" pitchFamily="34" charset="0"/>
+                <a:cs typeface="Tahoma" panose="020B0604030504040204" pitchFamily="34" charset="0"/>
+              </a:rPr>
+              <a:t>Prediction</a:t>
+            </a:r>
+            <a:r>
+              <a:rPr lang="en-IN" sz="4000" u="sng" spc="-265" dirty="0">
+                <a:latin typeface="Tahoma" panose="020B0604030504040204" pitchFamily="34" charset="0"/>
+                <a:ea typeface="Tahoma" panose="020B0604030504040204" pitchFamily="34" charset="0"/>
+                <a:cs typeface="Tahoma" panose="020B0604030504040204" pitchFamily="34" charset="0"/>
+              </a:rPr>
+              <a:t> </a:t>
+            </a:r>
+            <a:r>
+              <a:rPr lang="en-IN" sz="4000" u="sng" spc="-300" dirty="0">
+                <a:latin typeface="Tahoma" panose="020B0604030504040204" pitchFamily="34" charset="0"/>
+                <a:ea typeface="Tahoma" panose="020B0604030504040204" pitchFamily="34" charset="0"/>
+                <a:cs typeface="Tahoma" panose="020B0604030504040204" pitchFamily="34" charset="0"/>
+              </a:rPr>
+              <a:t>Module</a:t>
+            </a:r>
+            <a:endParaRPr lang="en-IN" sz="4000" u="sng" dirty="0">
+              <a:latin typeface="Tahoma" panose="020B0604030504040204" pitchFamily="34" charset="0"/>
+              <a:ea typeface="Tahoma" panose="020B0604030504040204" pitchFamily="34" charset="0"/>
+              <a:cs typeface="Tahoma" panose="020B0604030504040204" pitchFamily="34" charset="0"/>
+            </a:endParaRPr>
+          </a:p>
+        </p:txBody>
+      </p:sp>
+      <p:sp>
+        <p:nvSpPr>
+          <p:cNvPr id="3" name="Content Placeholder 2">
+            <a:extLst>
+              <a:ext uri="{FF2B5EF4-FFF2-40B4-BE49-F238E27FC236}">
+                <a16:creationId xmlns:a16="http://schemas.microsoft.com/office/drawing/2014/main" id="{1F31B2C6-71C0-8C70-A3C1-45950387F891}"/>
+              </a:ext>
+            </a:extLst>
+          </p:cNvPr>
+          <p:cNvSpPr>
+            <a:spLocks noGrp="1"/>
+          </p:cNvSpPr>
+          <p:nvPr>
+            <p:ph idx="1"/>
+          </p:nvPr>
+        </p:nvSpPr>
+        <p:spPr/>
+        <p:txBody>
+          <a:bodyPr>
+            <a:normAutofit/>
+          </a:bodyPr>
+          <a:lstStyle/>
+          <a:p>
+            <a:pPr marL="12700">
+              <a:lnSpc>
+                <a:spcPct val="100000"/>
+              </a:lnSpc>
+              <a:spcBef>
+                <a:spcPts val="135"/>
+              </a:spcBef>
+            </a:pPr>
+            <a:r>
+              <a:rPr lang="en-US" sz="3200" spc="-85" dirty="0">
+                <a:latin typeface="Tahoma" panose="020B0604030504040204" pitchFamily="34" charset="0"/>
+                <a:ea typeface="Tahoma" panose="020B0604030504040204" pitchFamily="34" charset="0"/>
+                <a:cs typeface="Tahoma" panose="020B0604030504040204" pitchFamily="34" charset="0"/>
+              </a:rPr>
+              <a:t>User</a:t>
+            </a:r>
+            <a:r>
+              <a:rPr lang="en-US" sz="3200" spc="-120" dirty="0">
+                <a:latin typeface="Tahoma" panose="020B0604030504040204" pitchFamily="34" charset="0"/>
+                <a:ea typeface="Tahoma" panose="020B0604030504040204" pitchFamily="34" charset="0"/>
+                <a:cs typeface="Tahoma" panose="020B0604030504040204" pitchFamily="34" charset="0"/>
+              </a:rPr>
+              <a:t> </a:t>
+            </a:r>
+            <a:r>
+              <a:rPr lang="en-US" sz="3200" spc="-130" dirty="0">
+                <a:latin typeface="Tahoma" panose="020B0604030504040204" pitchFamily="34" charset="0"/>
+                <a:ea typeface="Tahoma" panose="020B0604030504040204" pitchFamily="34" charset="0"/>
+                <a:cs typeface="Tahoma" panose="020B0604030504040204" pitchFamily="34" charset="0"/>
+              </a:rPr>
+              <a:t>Data</a:t>
+            </a:r>
+            <a:r>
+              <a:rPr lang="en-US" sz="3200" spc="-114" dirty="0">
+                <a:latin typeface="Tahoma" panose="020B0604030504040204" pitchFamily="34" charset="0"/>
+                <a:ea typeface="Tahoma" panose="020B0604030504040204" pitchFamily="34" charset="0"/>
+                <a:cs typeface="Tahoma" panose="020B0604030504040204" pitchFamily="34" charset="0"/>
+              </a:rPr>
+              <a:t> </a:t>
+            </a:r>
+            <a:r>
+              <a:rPr lang="en-US" sz="3200" spc="-30" dirty="0">
+                <a:latin typeface="Tahoma" panose="020B0604030504040204" pitchFamily="34" charset="0"/>
+                <a:ea typeface="Tahoma" panose="020B0604030504040204" pitchFamily="34" charset="0"/>
+                <a:cs typeface="Tahoma" panose="020B0604030504040204" pitchFamily="34" charset="0"/>
+              </a:rPr>
+              <a:t>Integration</a:t>
+            </a:r>
+            <a:endParaRPr lang="en-US" sz="3200" dirty="0">
+              <a:latin typeface="Tahoma" panose="020B0604030504040204" pitchFamily="34" charset="0"/>
+              <a:ea typeface="Tahoma" panose="020B0604030504040204" pitchFamily="34" charset="0"/>
+              <a:cs typeface="Tahoma" panose="020B0604030504040204" pitchFamily="34" charset="0"/>
+            </a:endParaRPr>
+          </a:p>
+          <a:p>
+            <a:pPr marL="0" indent="0">
+              <a:lnSpc>
+                <a:spcPct val="100000"/>
+              </a:lnSpc>
+              <a:spcBef>
+                <a:spcPts val="1045"/>
+              </a:spcBef>
+              <a:buNone/>
+            </a:pPr>
+            <a:r>
+              <a:rPr lang="en-US" spc="50" dirty="0">
+                <a:solidFill>
+                  <a:srgbClr val="374552"/>
+                </a:solidFill>
+                <a:latin typeface="Tahoma" panose="020B0604030504040204" pitchFamily="34" charset="0"/>
+                <a:ea typeface="Tahoma" panose="020B0604030504040204" pitchFamily="34" charset="0"/>
+                <a:cs typeface="Tahoma" panose="020B0604030504040204" pitchFamily="34" charset="0"/>
+              </a:rPr>
+              <a:t>  Feeding</a:t>
+            </a:r>
+            <a:r>
+              <a:rPr lang="en-US" spc="-20" dirty="0">
+                <a:solidFill>
+                  <a:srgbClr val="374552"/>
+                </a:solidFill>
+                <a:latin typeface="Tahoma" panose="020B0604030504040204" pitchFamily="34" charset="0"/>
+                <a:ea typeface="Tahoma" panose="020B0604030504040204" pitchFamily="34" charset="0"/>
+                <a:cs typeface="Tahoma" panose="020B0604030504040204" pitchFamily="34" charset="0"/>
+              </a:rPr>
+              <a:t> </a:t>
+            </a:r>
+            <a:r>
+              <a:rPr lang="en-US" spc="10" dirty="0">
+                <a:solidFill>
+                  <a:srgbClr val="374552"/>
+                </a:solidFill>
+                <a:latin typeface="Tahoma" panose="020B0604030504040204" pitchFamily="34" charset="0"/>
+                <a:ea typeface="Tahoma" panose="020B0604030504040204" pitchFamily="34" charset="0"/>
+                <a:cs typeface="Tahoma" panose="020B0604030504040204" pitchFamily="34" charset="0"/>
+              </a:rPr>
+              <a:t>processed</a:t>
+            </a:r>
+            <a:r>
+              <a:rPr lang="en-US" spc="-20" dirty="0">
+                <a:solidFill>
+                  <a:srgbClr val="374552"/>
+                </a:solidFill>
+                <a:latin typeface="Tahoma" panose="020B0604030504040204" pitchFamily="34" charset="0"/>
+                <a:ea typeface="Tahoma" panose="020B0604030504040204" pitchFamily="34" charset="0"/>
+                <a:cs typeface="Tahoma" panose="020B0604030504040204" pitchFamily="34" charset="0"/>
+              </a:rPr>
+              <a:t> </a:t>
+            </a:r>
+            <a:r>
+              <a:rPr lang="en-US" spc="10" dirty="0">
+                <a:solidFill>
+                  <a:srgbClr val="374552"/>
+                </a:solidFill>
+                <a:latin typeface="Tahoma" panose="020B0604030504040204" pitchFamily="34" charset="0"/>
+                <a:ea typeface="Tahoma" panose="020B0604030504040204" pitchFamily="34" charset="0"/>
+                <a:cs typeface="Tahoma" panose="020B0604030504040204" pitchFamily="34" charset="0"/>
+              </a:rPr>
+              <a:t>education</a:t>
+            </a:r>
+            <a:r>
+              <a:rPr lang="en-US" spc="-15" dirty="0">
+                <a:solidFill>
+                  <a:srgbClr val="374552"/>
+                </a:solidFill>
+                <a:latin typeface="Tahoma" panose="020B0604030504040204" pitchFamily="34" charset="0"/>
+                <a:ea typeface="Tahoma" panose="020B0604030504040204" pitchFamily="34" charset="0"/>
+                <a:cs typeface="Tahoma" panose="020B0604030504040204" pitchFamily="34" charset="0"/>
+              </a:rPr>
+              <a:t> </a:t>
+            </a:r>
+            <a:r>
+              <a:rPr lang="en-US" spc="50" dirty="0">
+                <a:solidFill>
+                  <a:srgbClr val="374552"/>
+                </a:solidFill>
+                <a:latin typeface="Tahoma" panose="020B0604030504040204" pitchFamily="34" charset="0"/>
+                <a:ea typeface="Tahoma" panose="020B0604030504040204" pitchFamily="34" charset="0"/>
+                <a:cs typeface="Tahoma" panose="020B0604030504040204" pitchFamily="34" charset="0"/>
+              </a:rPr>
+              <a:t>and</a:t>
+            </a:r>
+            <a:r>
+              <a:rPr lang="en-US" spc="-20" dirty="0">
+                <a:solidFill>
+                  <a:srgbClr val="374552"/>
+                </a:solidFill>
+                <a:latin typeface="Tahoma" panose="020B0604030504040204" pitchFamily="34" charset="0"/>
+                <a:ea typeface="Tahoma" panose="020B0604030504040204" pitchFamily="34" charset="0"/>
+                <a:cs typeface="Tahoma" panose="020B0604030504040204" pitchFamily="34" charset="0"/>
+              </a:rPr>
+              <a:t> </a:t>
+            </a:r>
+            <a:r>
+              <a:rPr lang="en-US" spc="10" dirty="0">
+                <a:solidFill>
+                  <a:srgbClr val="374552"/>
+                </a:solidFill>
+                <a:latin typeface="Tahoma" panose="020B0604030504040204" pitchFamily="34" charset="0"/>
+                <a:ea typeface="Tahoma" panose="020B0604030504040204" pitchFamily="34" charset="0"/>
+                <a:cs typeface="Tahoma" panose="020B0604030504040204" pitchFamily="34" charset="0"/>
+              </a:rPr>
+              <a:t>profile</a:t>
+            </a:r>
+            <a:r>
+              <a:rPr lang="en-US" spc="-15" dirty="0">
+                <a:solidFill>
+                  <a:srgbClr val="374552"/>
+                </a:solidFill>
+                <a:latin typeface="Tahoma" panose="020B0604030504040204" pitchFamily="34" charset="0"/>
+                <a:ea typeface="Tahoma" panose="020B0604030504040204" pitchFamily="34" charset="0"/>
+                <a:cs typeface="Tahoma" panose="020B0604030504040204" pitchFamily="34" charset="0"/>
+              </a:rPr>
+              <a:t> </a:t>
+            </a:r>
+            <a:r>
+              <a:rPr lang="en-US" spc="-10" dirty="0">
+                <a:solidFill>
+                  <a:srgbClr val="374552"/>
+                </a:solidFill>
+                <a:latin typeface="Tahoma" panose="020B0604030504040204" pitchFamily="34" charset="0"/>
+                <a:ea typeface="Tahoma" panose="020B0604030504040204" pitchFamily="34" charset="0"/>
+                <a:cs typeface="Tahoma" panose="020B0604030504040204" pitchFamily="34" charset="0"/>
+              </a:rPr>
+              <a:t>data.</a:t>
+            </a:r>
+            <a:endParaRPr lang="en-US" dirty="0">
+              <a:latin typeface="Tahoma" panose="020B0604030504040204" pitchFamily="34" charset="0"/>
+              <a:ea typeface="Tahoma" panose="020B0604030504040204" pitchFamily="34" charset="0"/>
+              <a:cs typeface="Tahoma" panose="020B0604030504040204" pitchFamily="34" charset="0"/>
+            </a:endParaRPr>
+          </a:p>
+          <a:p>
+            <a:pPr marL="0" indent="0">
+              <a:lnSpc>
+                <a:spcPct val="100000"/>
+              </a:lnSpc>
+              <a:spcBef>
+                <a:spcPts val="85"/>
+              </a:spcBef>
+              <a:buNone/>
+            </a:pPr>
+            <a:endParaRPr lang="en-US" dirty="0">
+              <a:latin typeface="Tahoma" panose="020B0604030504040204" pitchFamily="34" charset="0"/>
+              <a:ea typeface="Tahoma" panose="020B0604030504040204" pitchFamily="34" charset="0"/>
+              <a:cs typeface="Tahoma" panose="020B0604030504040204" pitchFamily="34" charset="0"/>
+            </a:endParaRPr>
+          </a:p>
+          <a:p>
+            <a:pPr marL="12700">
+              <a:lnSpc>
+                <a:spcPct val="100000"/>
+              </a:lnSpc>
+              <a:spcBef>
+                <a:spcPts val="5"/>
+              </a:spcBef>
+            </a:pPr>
+            <a:r>
+              <a:rPr lang="en-US" sz="3200" spc="-140" dirty="0">
+                <a:latin typeface="Tahoma" panose="020B0604030504040204" pitchFamily="34" charset="0"/>
+                <a:ea typeface="Tahoma" panose="020B0604030504040204" pitchFamily="34" charset="0"/>
+                <a:cs typeface="Tahoma" panose="020B0604030504040204" pitchFamily="34" charset="0"/>
+              </a:rPr>
+              <a:t>ML</a:t>
+            </a:r>
+            <a:r>
+              <a:rPr lang="en-US" sz="3200" spc="-105" dirty="0">
+                <a:latin typeface="Tahoma" panose="020B0604030504040204" pitchFamily="34" charset="0"/>
+                <a:ea typeface="Tahoma" panose="020B0604030504040204" pitchFamily="34" charset="0"/>
+                <a:cs typeface="Tahoma" panose="020B0604030504040204" pitchFamily="34" charset="0"/>
+              </a:rPr>
+              <a:t> </a:t>
+            </a:r>
+            <a:r>
+              <a:rPr lang="en-US" sz="3200" spc="-80" dirty="0">
+                <a:latin typeface="Tahoma" panose="020B0604030504040204" pitchFamily="34" charset="0"/>
+                <a:ea typeface="Tahoma" panose="020B0604030504040204" pitchFamily="34" charset="0"/>
+                <a:cs typeface="Tahoma" panose="020B0604030504040204" pitchFamily="34" charset="0"/>
+              </a:rPr>
+              <a:t>Prediction</a:t>
+            </a:r>
+            <a:r>
+              <a:rPr lang="en-US" sz="3200" spc="-100" dirty="0">
+                <a:latin typeface="Tahoma" panose="020B0604030504040204" pitchFamily="34" charset="0"/>
+                <a:ea typeface="Tahoma" panose="020B0604030504040204" pitchFamily="34" charset="0"/>
+                <a:cs typeface="Tahoma" panose="020B0604030504040204" pitchFamily="34" charset="0"/>
+              </a:rPr>
+              <a:t> </a:t>
+            </a:r>
+            <a:r>
+              <a:rPr lang="en-US" sz="3200" spc="-10" dirty="0">
+                <a:latin typeface="Tahoma" panose="020B0604030504040204" pitchFamily="34" charset="0"/>
+                <a:ea typeface="Tahoma" panose="020B0604030504040204" pitchFamily="34" charset="0"/>
+                <a:cs typeface="Tahoma" panose="020B0604030504040204" pitchFamily="34" charset="0"/>
+              </a:rPr>
+              <a:t>Engine</a:t>
+            </a:r>
+            <a:endParaRPr lang="en-US" sz="3200" dirty="0">
+              <a:latin typeface="Tahoma" panose="020B0604030504040204" pitchFamily="34" charset="0"/>
+              <a:ea typeface="Tahoma" panose="020B0604030504040204" pitchFamily="34" charset="0"/>
+              <a:cs typeface="Tahoma" panose="020B0604030504040204" pitchFamily="34" charset="0"/>
+            </a:endParaRPr>
+          </a:p>
+          <a:p>
+            <a:pPr marL="0" indent="0">
+              <a:lnSpc>
+                <a:spcPct val="100000"/>
+              </a:lnSpc>
+              <a:spcBef>
+                <a:spcPts val="1120"/>
+              </a:spcBef>
+              <a:buNone/>
+            </a:pPr>
+            <a:r>
+              <a:rPr lang="en-US" dirty="0">
+                <a:solidFill>
+                  <a:srgbClr val="374552"/>
+                </a:solidFill>
+                <a:latin typeface="Tahoma" panose="020B0604030504040204" pitchFamily="34" charset="0"/>
+                <a:ea typeface="Tahoma" panose="020B0604030504040204" pitchFamily="34" charset="0"/>
+                <a:cs typeface="Tahoma" panose="020B0604030504040204" pitchFamily="34" charset="0"/>
+              </a:rPr>
+              <a:t>  Utilizing</a:t>
+            </a:r>
+            <a:r>
+              <a:rPr lang="en-US" spc="-25" dirty="0">
+                <a:solidFill>
+                  <a:srgbClr val="374552"/>
+                </a:solidFill>
+                <a:latin typeface="Tahoma" panose="020B0604030504040204" pitchFamily="34" charset="0"/>
+                <a:ea typeface="Tahoma" panose="020B0604030504040204" pitchFamily="34" charset="0"/>
+                <a:cs typeface="Tahoma" panose="020B0604030504040204" pitchFamily="34" charset="0"/>
+              </a:rPr>
+              <a:t> </a:t>
+            </a:r>
+            <a:r>
+              <a:rPr lang="en-US" spc="60" dirty="0">
+                <a:solidFill>
+                  <a:srgbClr val="374552"/>
+                </a:solidFill>
+                <a:latin typeface="Tahoma" panose="020B0604030504040204" pitchFamily="34" charset="0"/>
+                <a:ea typeface="Tahoma" panose="020B0604030504040204" pitchFamily="34" charset="0"/>
+                <a:cs typeface="Tahoma" panose="020B0604030504040204" pitchFamily="34" charset="0"/>
+              </a:rPr>
+              <a:t>Random</a:t>
+            </a:r>
+            <a:r>
+              <a:rPr lang="en-US" spc="-25" dirty="0">
+                <a:solidFill>
+                  <a:srgbClr val="374552"/>
+                </a:solidFill>
+                <a:latin typeface="Tahoma" panose="020B0604030504040204" pitchFamily="34" charset="0"/>
+                <a:ea typeface="Tahoma" panose="020B0604030504040204" pitchFamily="34" charset="0"/>
+                <a:cs typeface="Tahoma" panose="020B0604030504040204" pitchFamily="34" charset="0"/>
+              </a:rPr>
+              <a:t> </a:t>
+            </a:r>
+            <a:r>
+              <a:rPr lang="en-US" dirty="0">
+                <a:solidFill>
+                  <a:srgbClr val="374552"/>
+                </a:solidFill>
+                <a:latin typeface="Tahoma" panose="020B0604030504040204" pitchFamily="34" charset="0"/>
+                <a:ea typeface="Tahoma" panose="020B0604030504040204" pitchFamily="34" charset="0"/>
+                <a:cs typeface="Tahoma" panose="020B0604030504040204" pitchFamily="34" charset="0"/>
+              </a:rPr>
+              <a:t>Forest</a:t>
+            </a:r>
+            <a:r>
+              <a:rPr lang="en-US" spc="-25" dirty="0">
+                <a:solidFill>
+                  <a:srgbClr val="374552"/>
+                </a:solidFill>
+                <a:latin typeface="Tahoma" panose="020B0604030504040204" pitchFamily="34" charset="0"/>
+                <a:ea typeface="Tahoma" panose="020B0604030504040204" pitchFamily="34" charset="0"/>
+                <a:cs typeface="Tahoma" panose="020B0604030504040204" pitchFamily="34" charset="0"/>
+              </a:rPr>
+              <a:t> </a:t>
+            </a:r>
+            <a:r>
+              <a:rPr lang="en-US" spc="-10" dirty="0">
+                <a:solidFill>
+                  <a:srgbClr val="374552"/>
+                </a:solidFill>
+                <a:latin typeface="Tahoma" panose="020B0604030504040204" pitchFamily="34" charset="0"/>
+                <a:ea typeface="Tahoma" panose="020B0604030504040204" pitchFamily="34" charset="0"/>
+                <a:cs typeface="Tahoma" panose="020B0604030504040204" pitchFamily="34" charset="0"/>
+              </a:rPr>
+              <a:t>for</a:t>
+            </a:r>
+            <a:r>
+              <a:rPr lang="en-US" spc="-25" dirty="0">
+                <a:solidFill>
+                  <a:srgbClr val="374552"/>
+                </a:solidFill>
+                <a:latin typeface="Tahoma" panose="020B0604030504040204" pitchFamily="34" charset="0"/>
+                <a:ea typeface="Tahoma" panose="020B0604030504040204" pitchFamily="34" charset="0"/>
+                <a:cs typeface="Tahoma" panose="020B0604030504040204" pitchFamily="34" charset="0"/>
+              </a:rPr>
+              <a:t> </a:t>
+            </a:r>
+            <a:r>
+              <a:rPr lang="en-US" dirty="0">
+                <a:solidFill>
+                  <a:srgbClr val="374552"/>
+                </a:solidFill>
+                <a:latin typeface="Tahoma" panose="020B0604030504040204" pitchFamily="34" charset="0"/>
+                <a:ea typeface="Tahoma" panose="020B0604030504040204" pitchFamily="34" charset="0"/>
+                <a:cs typeface="Tahoma" panose="020B0604030504040204" pitchFamily="34" charset="0"/>
+              </a:rPr>
+              <a:t>career</a:t>
+            </a:r>
+            <a:r>
+              <a:rPr lang="en-US" spc="-25" dirty="0">
+                <a:solidFill>
+                  <a:srgbClr val="374552"/>
+                </a:solidFill>
+                <a:latin typeface="Tahoma" panose="020B0604030504040204" pitchFamily="34" charset="0"/>
+                <a:ea typeface="Tahoma" panose="020B0604030504040204" pitchFamily="34" charset="0"/>
+                <a:cs typeface="Tahoma" panose="020B0604030504040204" pitchFamily="34" charset="0"/>
+              </a:rPr>
+              <a:t> </a:t>
+            </a:r>
+            <a:r>
+              <a:rPr lang="en-US" spc="-10" dirty="0">
+                <a:solidFill>
+                  <a:srgbClr val="374552"/>
+                </a:solidFill>
+                <a:latin typeface="Tahoma" panose="020B0604030504040204" pitchFamily="34" charset="0"/>
+                <a:ea typeface="Tahoma" panose="020B0604030504040204" pitchFamily="34" charset="0"/>
+                <a:cs typeface="Tahoma" panose="020B0604030504040204" pitchFamily="34" charset="0"/>
+              </a:rPr>
+              <a:t>forecasting.</a:t>
+            </a:r>
+            <a:endParaRPr lang="en-US" dirty="0">
+              <a:latin typeface="Tahoma" panose="020B0604030504040204" pitchFamily="34" charset="0"/>
+              <a:ea typeface="Tahoma" panose="020B0604030504040204" pitchFamily="34" charset="0"/>
+              <a:cs typeface="Tahoma" panose="020B0604030504040204" pitchFamily="34" charset="0"/>
+            </a:endParaRPr>
+          </a:p>
+          <a:p>
+            <a:pPr marL="0" indent="0">
+              <a:lnSpc>
+                <a:spcPct val="100000"/>
+              </a:lnSpc>
+              <a:spcBef>
+                <a:spcPts val="85"/>
+              </a:spcBef>
+              <a:buNone/>
+            </a:pPr>
+            <a:endParaRPr lang="en-US" dirty="0">
+              <a:latin typeface="Tahoma" panose="020B0604030504040204" pitchFamily="34" charset="0"/>
+              <a:ea typeface="Tahoma" panose="020B0604030504040204" pitchFamily="34" charset="0"/>
+              <a:cs typeface="Tahoma" panose="020B0604030504040204" pitchFamily="34" charset="0"/>
+            </a:endParaRPr>
+          </a:p>
+          <a:p>
+            <a:pPr marL="12700">
+              <a:lnSpc>
+                <a:spcPct val="100000"/>
+              </a:lnSpc>
+            </a:pPr>
+            <a:r>
+              <a:rPr lang="en-US" sz="3200" spc="-90" dirty="0">
+                <a:latin typeface="Tahoma" panose="020B0604030504040204" pitchFamily="34" charset="0"/>
+                <a:ea typeface="Tahoma" panose="020B0604030504040204" pitchFamily="34" charset="0"/>
+                <a:cs typeface="Tahoma" panose="020B0604030504040204" pitchFamily="34" charset="0"/>
+              </a:rPr>
+              <a:t>Personalized</a:t>
+            </a:r>
+            <a:r>
+              <a:rPr lang="en-US" sz="3200" spc="-60" dirty="0">
+                <a:latin typeface="Tahoma" panose="020B0604030504040204" pitchFamily="34" charset="0"/>
+                <a:ea typeface="Tahoma" panose="020B0604030504040204" pitchFamily="34" charset="0"/>
+                <a:cs typeface="Tahoma" panose="020B0604030504040204" pitchFamily="34" charset="0"/>
+              </a:rPr>
+              <a:t> </a:t>
+            </a:r>
+            <a:r>
+              <a:rPr lang="en-US" sz="3200" spc="-30" dirty="0">
+                <a:latin typeface="Tahoma" panose="020B0604030504040204" pitchFamily="34" charset="0"/>
+                <a:ea typeface="Tahoma" panose="020B0604030504040204" pitchFamily="34" charset="0"/>
+                <a:cs typeface="Tahoma" panose="020B0604030504040204" pitchFamily="34" charset="0"/>
+              </a:rPr>
+              <a:t>Recommendations</a:t>
+            </a:r>
+            <a:endParaRPr lang="en-US" sz="3200" dirty="0">
+              <a:latin typeface="Tahoma" panose="020B0604030504040204" pitchFamily="34" charset="0"/>
+              <a:ea typeface="Tahoma" panose="020B0604030504040204" pitchFamily="34" charset="0"/>
+              <a:cs typeface="Tahoma" panose="020B0604030504040204" pitchFamily="34" charset="0"/>
+            </a:endParaRPr>
+          </a:p>
+          <a:p>
+            <a:pPr marL="0" indent="0">
+              <a:lnSpc>
+                <a:spcPct val="100000"/>
+              </a:lnSpc>
+              <a:spcBef>
+                <a:spcPts val="1045"/>
+              </a:spcBef>
+              <a:buNone/>
+            </a:pPr>
+            <a:r>
+              <a:rPr lang="en-US" dirty="0">
+                <a:solidFill>
+                  <a:srgbClr val="374552"/>
+                </a:solidFill>
+                <a:latin typeface="Tahoma" panose="020B0604030504040204" pitchFamily="34" charset="0"/>
+                <a:ea typeface="Tahoma" panose="020B0604030504040204" pitchFamily="34" charset="0"/>
+                <a:cs typeface="Tahoma" panose="020B0604030504040204" pitchFamily="34" charset="0"/>
+              </a:rPr>
+              <a:t>  Generating</a:t>
+            </a:r>
+            <a:r>
+              <a:rPr lang="en-US" spc="-35" dirty="0">
+                <a:solidFill>
+                  <a:srgbClr val="374552"/>
+                </a:solidFill>
+                <a:latin typeface="Tahoma" panose="020B0604030504040204" pitchFamily="34" charset="0"/>
+                <a:ea typeface="Tahoma" panose="020B0604030504040204" pitchFamily="34" charset="0"/>
+                <a:cs typeface="Tahoma" panose="020B0604030504040204" pitchFamily="34" charset="0"/>
+              </a:rPr>
+              <a:t> </a:t>
+            </a:r>
+            <a:r>
+              <a:rPr lang="en-US" dirty="0">
+                <a:solidFill>
+                  <a:srgbClr val="374552"/>
+                </a:solidFill>
+                <a:latin typeface="Tahoma" panose="020B0604030504040204" pitchFamily="34" charset="0"/>
+                <a:ea typeface="Tahoma" panose="020B0604030504040204" pitchFamily="34" charset="0"/>
+                <a:cs typeface="Tahoma" panose="020B0604030504040204" pitchFamily="34" charset="0"/>
+              </a:rPr>
+              <a:t>relevant</a:t>
+            </a:r>
+            <a:r>
+              <a:rPr lang="en-US" spc="-40" dirty="0">
+                <a:solidFill>
+                  <a:srgbClr val="374552"/>
+                </a:solidFill>
+                <a:latin typeface="Tahoma" panose="020B0604030504040204" pitchFamily="34" charset="0"/>
+                <a:ea typeface="Tahoma" panose="020B0604030504040204" pitchFamily="34" charset="0"/>
+                <a:cs typeface="Tahoma" panose="020B0604030504040204" pitchFamily="34" charset="0"/>
+              </a:rPr>
+              <a:t> </a:t>
+            </a:r>
+            <a:r>
+              <a:rPr lang="en-US" dirty="0">
+                <a:solidFill>
+                  <a:srgbClr val="374552"/>
+                </a:solidFill>
+                <a:latin typeface="Tahoma" panose="020B0604030504040204" pitchFamily="34" charset="0"/>
+                <a:ea typeface="Tahoma" panose="020B0604030504040204" pitchFamily="34" charset="0"/>
+                <a:cs typeface="Tahoma" panose="020B0604030504040204" pitchFamily="34" charset="0"/>
+              </a:rPr>
+              <a:t>job</a:t>
+            </a:r>
+            <a:r>
+              <a:rPr lang="en-US" spc="-30" dirty="0">
+                <a:solidFill>
+                  <a:srgbClr val="374552"/>
+                </a:solidFill>
+                <a:latin typeface="Tahoma" panose="020B0604030504040204" pitchFamily="34" charset="0"/>
+                <a:ea typeface="Tahoma" panose="020B0604030504040204" pitchFamily="34" charset="0"/>
+                <a:cs typeface="Tahoma" panose="020B0604030504040204" pitchFamily="34" charset="0"/>
+              </a:rPr>
+              <a:t> </a:t>
+            </a:r>
+            <a:r>
+              <a:rPr lang="en-US" dirty="0">
+                <a:solidFill>
+                  <a:srgbClr val="374552"/>
+                </a:solidFill>
+                <a:latin typeface="Tahoma" panose="020B0604030504040204" pitchFamily="34" charset="0"/>
+                <a:ea typeface="Tahoma" panose="020B0604030504040204" pitchFamily="34" charset="0"/>
+                <a:cs typeface="Tahoma" panose="020B0604030504040204" pitchFamily="34" charset="0"/>
+              </a:rPr>
+              <a:t>role</a:t>
+            </a:r>
+            <a:r>
+              <a:rPr lang="en-US" spc="-30" dirty="0">
+                <a:solidFill>
+                  <a:srgbClr val="374552"/>
+                </a:solidFill>
+                <a:latin typeface="Tahoma" panose="020B0604030504040204" pitchFamily="34" charset="0"/>
+                <a:ea typeface="Tahoma" panose="020B0604030504040204" pitchFamily="34" charset="0"/>
+                <a:cs typeface="Tahoma" panose="020B0604030504040204" pitchFamily="34" charset="0"/>
+              </a:rPr>
+              <a:t> </a:t>
+            </a:r>
+            <a:r>
+              <a:rPr lang="en-US" spc="-10" dirty="0">
+                <a:solidFill>
+                  <a:srgbClr val="374552"/>
+                </a:solidFill>
+                <a:latin typeface="Tahoma" panose="020B0604030504040204" pitchFamily="34" charset="0"/>
+                <a:ea typeface="Tahoma" panose="020B0604030504040204" pitchFamily="34" charset="0"/>
+                <a:cs typeface="Tahoma" panose="020B0604030504040204" pitchFamily="34" charset="0"/>
+              </a:rPr>
+              <a:t>suggestions.</a:t>
+            </a:r>
+            <a:endParaRPr lang="en-US" dirty="0">
+              <a:latin typeface="Tahoma" panose="020B0604030504040204" pitchFamily="34" charset="0"/>
+              <a:ea typeface="Tahoma" panose="020B0604030504040204" pitchFamily="34" charset="0"/>
+              <a:cs typeface="Tahoma" panose="020B0604030504040204" pitchFamily="34" charset="0"/>
+            </a:endParaRPr>
+          </a:p>
+          <a:p>
+            <a:endParaRPr lang="en-IN" dirty="0">
               <a:latin typeface="Tahoma" panose="020B0604030504040204" pitchFamily="34" charset="0"/>
               <a:ea typeface="Tahoma" panose="020B0604030504040204" pitchFamily="34" charset="0"/>
               <a:cs typeface="Tahoma" panose="020B0604030504040204" pitchFamily="34" charset="0"/>
@@ -5716,7 +7004,207 @@
     </p:spTree>
     <p:extLst>
       <p:ext uri="{BB962C8B-B14F-4D97-AF65-F5344CB8AC3E}">
-        <p14:creationId xmlns:p14="http://schemas.microsoft.com/office/powerpoint/2010/main" val="761727792"/>
+        <p14:creationId xmlns:p14="http://schemas.microsoft.com/office/powerpoint/2010/main" val="1600732341"/>
+      </p:ext>
+    </p:extLst>
+  </p:cSld>
+  <p:clrMapOvr>
+    <a:masterClrMapping/>
+  </p:clrMapOvr>
+</p:sld>
+</file>
+
+<file path=ppt/slides/slide17.xml><?xml version="1.0" encoding="utf-8"?>
+<p:sld xmlns:a="http://schemas.openxmlformats.org/drawingml/2006/main" xmlns:r="http://schemas.openxmlformats.org/officeDocument/2006/relationships" xmlns:p="http://schemas.openxmlformats.org/presentationml/2006/main">
+  <p:cSld>
+    <p:spTree>
+      <p:nvGrpSpPr>
+        <p:cNvPr id="1" name=""/>
+        <p:cNvGrpSpPr/>
+        <p:nvPr/>
+      </p:nvGrpSpPr>
+      <p:grpSpPr>
+        <a:xfrm>
+          <a:off x="0" y="0"/>
+          <a:ext cx="0" cy="0"/>
+          <a:chOff x="0" y="0"/>
+          <a:chExt cx="0" cy="0"/>
+        </a:xfrm>
+      </p:grpSpPr>
+      <p:pic>
+        <p:nvPicPr>
+          <p:cNvPr id="12" name="Picture 11">
+            <a:extLst>
+              <a:ext uri="{FF2B5EF4-FFF2-40B4-BE49-F238E27FC236}">
+                <a16:creationId xmlns:a16="http://schemas.microsoft.com/office/drawing/2014/main" id="{4A0E1ACA-8DAD-3398-991C-84A6608691B9}"/>
+              </a:ext>
+            </a:extLst>
+          </p:cNvPr>
+          <p:cNvPicPr>
+            <a:picLocks noChangeAspect="1"/>
+          </p:cNvPicPr>
+          <p:nvPr/>
+        </p:nvPicPr>
+        <p:blipFill>
+          <a:blip r:embed="rId2">
+            <a:extLst>
+              <a:ext uri="{28A0092B-C50C-407E-A947-70E740481C1C}">
+                <a14:useLocalDpi xmlns:a14="http://schemas.microsoft.com/office/drawing/2010/main" val="0"/>
+              </a:ext>
+            </a:extLst>
+          </a:blip>
+          <a:srcRect t="909" b="-1"/>
+          <a:stretch>
+            <a:fillRect/>
+          </a:stretch>
+        </p:blipFill>
+        <p:spPr>
+          <a:xfrm>
+            <a:off x="0" y="877824"/>
+            <a:ext cx="12192000" cy="5149596"/>
+          </a:xfrm>
+          <a:prstGeom prst="rect">
+            <a:avLst/>
+          </a:prstGeom>
+        </p:spPr>
+      </p:pic>
+    </p:spTree>
+    <p:extLst>
+      <p:ext uri="{BB962C8B-B14F-4D97-AF65-F5344CB8AC3E}">
+        <p14:creationId xmlns:p14="http://schemas.microsoft.com/office/powerpoint/2010/main" val="449129600"/>
+      </p:ext>
+    </p:extLst>
+  </p:cSld>
+  <p:clrMapOvr>
+    <a:masterClrMapping/>
+  </p:clrMapOvr>
+</p:sld>
+</file>
+
+<file path=ppt/slides/slide18.xml><?xml version="1.0" encoding="utf-8"?>
+<p:sld xmlns:a="http://schemas.openxmlformats.org/drawingml/2006/main" xmlns:r="http://schemas.openxmlformats.org/officeDocument/2006/relationships" xmlns:p="http://schemas.openxmlformats.org/presentationml/2006/main">
+  <p:cSld>
+    <p:spTree>
+      <p:nvGrpSpPr>
+        <p:cNvPr id="1" name=""/>
+        <p:cNvGrpSpPr/>
+        <p:nvPr/>
+      </p:nvGrpSpPr>
+      <p:grpSpPr>
+        <a:xfrm>
+          <a:off x="0" y="0"/>
+          <a:ext cx="0" cy="0"/>
+          <a:chOff x="0" y="0"/>
+          <a:chExt cx="0" cy="0"/>
+        </a:xfrm>
+      </p:grpSpPr>
+      <p:pic>
+        <p:nvPicPr>
+          <p:cNvPr id="11" name="Picture 10">
+            <a:extLst>
+              <a:ext uri="{FF2B5EF4-FFF2-40B4-BE49-F238E27FC236}">
+                <a16:creationId xmlns:a16="http://schemas.microsoft.com/office/drawing/2014/main" id="{7286E3F9-0165-3322-5774-85F0984C6FBB}"/>
+              </a:ext>
+            </a:extLst>
+          </p:cNvPr>
+          <p:cNvPicPr>
+            <a:picLocks noChangeAspect="1"/>
+          </p:cNvPicPr>
+          <p:nvPr/>
+        </p:nvPicPr>
+        <p:blipFill>
+          <a:blip r:embed="rId2">
+            <a:extLst>
+              <a:ext uri="{28A0092B-C50C-407E-A947-70E740481C1C}">
+                <a14:useLocalDpi xmlns:a14="http://schemas.microsoft.com/office/drawing/2010/main" val="0"/>
+              </a:ext>
+            </a:extLst>
+          </a:blip>
+          <a:stretch>
+            <a:fillRect/>
+          </a:stretch>
+        </p:blipFill>
+        <p:spPr>
+          <a:xfrm>
+            <a:off x="0" y="819150"/>
+            <a:ext cx="12192000" cy="5219700"/>
+          </a:xfrm>
+          <a:prstGeom prst="rect">
+            <a:avLst/>
+          </a:prstGeom>
+        </p:spPr>
+      </p:pic>
+    </p:spTree>
+    <p:extLst>
+      <p:ext uri="{BB962C8B-B14F-4D97-AF65-F5344CB8AC3E}">
+        <p14:creationId xmlns:p14="http://schemas.microsoft.com/office/powerpoint/2010/main" val="789229748"/>
+      </p:ext>
+    </p:extLst>
+  </p:cSld>
+  <p:clrMapOvr>
+    <a:masterClrMapping/>
+  </p:clrMapOvr>
+</p:sld>
+</file>
+
+<file path=ppt/slides/slide19.xml><?xml version="1.0" encoding="utf-8"?>
+<p:sld xmlns:a="http://schemas.openxmlformats.org/drawingml/2006/main" xmlns:r="http://schemas.openxmlformats.org/officeDocument/2006/relationships" xmlns:p="http://schemas.openxmlformats.org/presentationml/2006/main">
+  <p:cSld>
+    <p:spTree>
+      <p:nvGrpSpPr>
+        <p:cNvPr id="1" name=""/>
+        <p:cNvGrpSpPr/>
+        <p:nvPr/>
+      </p:nvGrpSpPr>
+      <p:grpSpPr>
+        <a:xfrm>
+          <a:off x="0" y="0"/>
+          <a:ext cx="0" cy="0"/>
+          <a:chOff x="0" y="0"/>
+          <a:chExt cx="0" cy="0"/>
+        </a:xfrm>
+      </p:grpSpPr>
+      <p:pic>
+        <p:nvPicPr>
+          <p:cNvPr id="5" name="Picture 4">
+            <a:extLst>
+              <a:ext uri="{FF2B5EF4-FFF2-40B4-BE49-F238E27FC236}">
+                <a16:creationId xmlns:a16="http://schemas.microsoft.com/office/drawing/2014/main" id="{43AD1015-9D15-EF14-D19F-B32A2368BC8C}"/>
+              </a:ext>
+            </a:extLst>
+          </p:cNvPr>
+          <p:cNvPicPr>
+            <a:picLocks noChangeAspect="1"/>
+          </p:cNvPicPr>
+          <p:nvPr/>
+        </p:nvPicPr>
+        <p:blipFill>
+          <a:blip r:embed="rId2">
+            <a:extLst>
+              <a:ext uri="{28A0092B-C50C-407E-A947-70E740481C1C}">
+                <a14:useLocalDpi xmlns:a14="http://schemas.microsoft.com/office/drawing/2010/main" val="0"/>
+              </a:ext>
+            </a:extLst>
+          </a:blip>
+          <a:srcRect t="1716" b="1416"/>
+          <a:stretch>
+            <a:fillRect/>
+          </a:stretch>
+        </p:blipFill>
+        <p:spPr>
+          <a:xfrm>
+            <a:off x="0" y="857250"/>
+            <a:ext cx="12192000" cy="5159502"/>
+          </a:xfrm>
+          <a:prstGeom prst="rect">
+            <a:avLst/>
+          </a:prstGeom>
+        </p:spPr>
+      </p:pic>
+    </p:spTree>
+    <p:extLst>
+      <p:ext uri="{BB962C8B-B14F-4D97-AF65-F5344CB8AC3E}">
+        <p14:creationId xmlns:p14="http://schemas.microsoft.com/office/powerpoint/2010/main" val="1455659552"/>
       </p:ext>
     </p:extLst>
   </p:cSld>
@@ -6584,6 +8072,2357 @@
     <p:extLst>
       <p:ext uri="{BB962C8B-B14F-4D97-AF65-F5344CB8AC3E}">
         <p14:creationId xmlns:p14="http://schemas.microsoft.com/office/powerpoint/2010/main" val="1584305900"/>
+      </p:ext>
+    </p:extLst>
+  </p:cSld>
+  <p:clrMapOvr>
+    <a:masterClrMapping/>
+  </p:clrMapOvr>
+</p:sld>
+</file>
+
+<file path=ppt/slides/slide20.xml><?xml version="1.0" encoding="utf-8"?>
+<p:sld xmlns:a="http://schemas.openxmlformats.org/drawingml/2006/main" xmlns:r="http://schemas.openxmlformats.org/officeDocument/2006/relationships" xmlns:p="http://schemas.openxmlformats.org/presentationml/2006/main">
+  <p:cSld>
+    <p:spTree>
+      <p:nvGrpSpPr>
+        <p:cNvPr id="1" name=""/>
+        <p:cNvGrpSpPr/>
+        <p:nvPr/>
+      </p:nvGrpSpPr>
+      <p:grpSpPr>
+        <a:xfrm>
+          <a:off x="0" y="0"/>
+          <a:ext cx="0" cy="0"/>
+          <a:chOff x="0" y="0"/>
+          <a:chExt cx="0" cy="0"/>
+        </a:xfrm>
+      </p:grpSpPr>
+      <p:pic>
+        <p:nvPicPr>
+          <p:cNvPr id="5" name="Picture 4">
+            <a:extLst>
+              <a:ext uri="{FF2B5EF4-FFF2-40B4-BE49-F238E27FC236}">
+                <a16:creationId xmlns:a16="http://schemas.microsoft.com/office/drawing/2014/main" id="{B432A433-C7B0-8363-C8D4-0011BC9E70B4}"/>
+              </a:ext>
+            </a:extLst>
+          </p:cNvPr>
+          <p:cNvPicPr>
+            <a:picLocks noChangeAspect="1"/>
+          </p:cNvPicPr>
+          <p:nvPr/>
+        </p:nvPicPr>
+        <p:blipFill>
+          <a:blip r:embed="rId2">
+            <a:extLst>
+              <a:ext uri="{28A0092B-C50C-407E-A947-70E740481C1C}">
+                <a14:useLocalDpi xmlns:a14="http://schemas.microsoft.com/office/drawing/2010/main" val="0"/>
+              </a:ext>
+            </a:extLst>
+          </a:blip>
+          <a:stretch>
+            <a:fillRect/>
+          </a:stretch>
+        </p:blipFill>
+        <p:spPr>
+          <a:xfrm>
+            <a:off x="192024" y="99381"/>
+            <a:ext cx="11814048" cy="6655802"/>
+          </a:xfrm>
+          <a:prstGeom prst="rect">
+            <a:avLst/>
+          </a:prstGeom>
+        </p:spPr>
+      </p:pic>
+    </p:spTree>
+    <p:extLst>
+      <p:ext uri="{BB962C8B-B14F-4D97-AF65-F5344CB8AC3E}">
+        <p14:creationId xmlns:p14="http://schemas.microsoft.com/office/powerpoint/2010/main" val="4253967652"/>
+      </p:ext>
+    </p:extLst>
+  </p:cSld>
+  <p:clrMapOvr>
+    <a:masterClrMapping/>
+  </p:clrMapOvr>
+</p:sld>
+</file>
+
+<file path=ppt/slides/slide21.xml><?xml version="1.0" encoding="utf-8"?>
+<p:sld xmlns:a="http://schemas.openxmlformats.org/drawingml/2006/main" xmlns:r="http://schemas.openxmlformats.org/officeDocument/2006/relationships" xmlns:p="http://schemas.openxmlformats.org/presentationml/2006/main">
+  <p:cSld>
+    <p:spTree>
+      <p:nvGrpSpPr>
+        <p:cNvPr id="1" name=""/>
+        <p:cNvGrpSpPr/>
+        <p:nvPr/>
+      </p:nvGrpSpPr>
+      <p:grpSpPr>
+        <a:xfrm>
+          <a:off x="0" y="0"/>
+          <a:ext cx="0" cy="0"/>
+          <a:chOff x="0" y="0"/>
+          <a:chExt cx="0" cy="0"/>
+        </a:xfrm>
+      </p:grpSpPr>
+      <p:sp>
+        <p:nvSpPr>
+          <p:cNvPr id="2" name="Title 1">
+            <a:extLst>
+              <a:ext uri="{FF2B5EF4-FFF2-40B4-BE49-F238E27FC236}">
+                <a16:creationId xmlns:a16="http://schemas.microsoft.com/office/drawing/2014/main" id="{02DCA196-E67B-8DA5-E839-9C360638986F}"/>
+              </a:ext>
+            </a:extLst>
+          </p:cNvPr>
+          <p:cNvSpPr>
+            <a:spLocks noGrp="1"/>
+          </p:cNvSpPr>
+          <p:nvPr>
+            <p:ph type="title"/>
+          </p:nvPr>
+        </p:nvSpPr>
+        <p:spPr/>
+        <p:txBody>
+          <a:bodyPr>
+            <a:normAutofit/>
+          </a:bodyPr>
+          <a:lstStyle/>
+          <a:p>
+            <a:r>
+              <a:rPr lang="en-IN" sz="4000" spc="-245" dirty="0">
+                <a:latin typeface="Tahoma" panose="020B0604030504040204" pitchFamily="34" charset="0"/>
+                <a:ea typeface="Tahoma" panose="020B0604030504040204" pitchFamily="34" charset="0"/>
+                <a:cs typeface="Tahoma" panose="020B0604030504040204" pitchFamily="34" charset="0"/>
+              </a:rPr>
+              <a:t>Milestone 4: Admin</a:t>
+            </a:r>
+            <a:r>
+              <a:rPr lang="en-IN" sz="4000" spc="-280" dirty="0">
+                <a:latin typeface="Tahoma" panose="020B0604030504040204" pitchFamily="34" charset="0"/>
+                <a:ea typeface="Tahoma" panose="020B0604030504040204" pitchFamily="34" charset="0"/>
+                <a:cs typeface="Tahoma" panose="020B0604030504040204" pitchFamily="34" charset="0"/>
+              </a:rPr>
+              <a:t> </a:t>
+            </a:r>
+            <a:r>
+              <a:rPr lang="en-IN" sz="4000" spc="-245" dirty="0">
+                <a:latin typeface="Tahoma" panose="020B0604030504040204" pitchFamily="34" charset="0"/>
+                <a:ea typeface="Tahoma" panose="020B0604030504040204" pitchFamily="34" charset="0"/>
+                <a:cs typeface="Tahoma" panose="020B0604030504040204" pitchFamily="34" charset="0"/>
+              </a:rPr>
+              <a:t>Dashboard</a:t>
+            </a:r>
+            <a:r>
+              <a:rPr lang="en-IN" sz="4000" spc="-275" dirty="0">
+                <a:latin typeface="Tahoma" panose="020B0604030504040204" pitchFamily="34" charset="0"/>
+                <a:ea typeface="Tahoma" panose="020B0604030504040204" pitchFamily="34" charset="0"/>
+                <a:cs typeface="Tahoma" panose="020B0604030504040204" pitchFamily="34" charset="0"/>
+              </a:rPr>
+              <a:t> </a:t>
+            </a:r>
+            <a:r>
+              <a:rPr lang="en-IN" sz="4000" spc="-245" dirty="0">
+                <a:latin typeface="Tahoma" panose="020B0604030504040204" pitchFamily="34" charset="0"/>
+                <a:ea typeface="Tahoma" panose="020B0604030504040204" pitchFamily="34" charset="0"/>
+                <a:cs typeface="Tahoma" panose="020B0604030504040204" pitchFamily="34" charset="0"/>
+              </a:rPr>
+              <a:t>&amp;</a:t>
+            </a:r>
+            <a:r>
+              <a:rPr lang="en-IN" sz="4000" spc="-275" dirty="0">
+                <a:latin typeface="Tahoma" panose="020B0604030504040204" pitchFamily="34" charset="0"/>
+                <a:ea typeface="Tahoma" panose="020B0604030504040204" pitchFamily="34" charset="0"/>
+                <a:cs typeface="Tahoma" panose="020B0604030504040204" pitchFamily="34" charset="0"/>
+              </a:rPr>
+              <a:t> Model </a:t>
+            </a:r>
+            <a:r>
+              <a:rPr lang="en-IN" sz="4000" spc="-290" dirty="0">
+                <a:latin typeface="Tahoma" panose="020B0604030504040204" pitchFamily="34" charset="0"/>
+                <a:ea typeface="Tahoma" panose="020B0604030504040204" pitchFamily="34" charset="0"/>
+                <a:cs typeface="Tahoma" panose="020B0604030504040204" pitchFamily="34" charset="0"/>
+              </a:rPr>
+              <a:t>Management</a:t>
+            </a:r>
+            <a:endParaRPr lang="en-IN" sz="4000" dirty="0">
+              <a:latin typeface="Tahoma" panose="020B0604030504040204" pitchFamily="34" charset="0"/>
+              <a:ea typeface="Tahoma" panose="020B0604030504040204" pitchFamily="34" charset="0"/>
+              <a:cs typeface="Tahoma" panose="020B0604030504040204" pitchFamily="34" charset="0"/>
+            </a:endParaRPr>
+          </a:p>
+        </p:txBody>
+      </p:sp>
+      <p:sp>
+        <p:nvSpPr>
+          <p:cNvPr id="3" name="Content Placeholder 2">
+            <a:extLst>
+              <a:ext uri="{FF2B5EF4-FFF2-40B4-BE49-F238E27FC236}">
+                <a16:creationId xmlns:a16="http://schemas.microsoft.com/office/drawing/2014/main" id="{548B6444-E8B5-E843-7A97-651A3A3F8B4E}"/>
+              </a:ext>
+            </a:extLst>
+          </p:cNvPr>
+          <p:cNvSpPr>
+            <a:spLocks noGrp="1"/>
+          </p:cNvSpPr>
+          <p:nvPr>
+            <p:ph idx="1"/>
+          </p:nvPr>
+        </p:nvSpPr>
+        <p:spPr/>
+        <p:txBody>
+          <a:bodyPr/>
+          <a:lstStyle/>
+          <a:p>
+            <a:pPr marL="298450" marR="72390" indent="-285750">
+              <a:lnSpc>
+                <a:spcPct val="135000"/>
+              </a:lnSpc>
+              <a:spcBef>
+                <a:spcPts val="90"/>
+              </a:spcBef>
+            </a:pPr>
+            <a:r>
+              <a:rPr lang="it-IT" dirty="0">
+                <a:solidFill>
+                  <a:srgbClr val="374552"/>
+                </a:solidFill>
+                <a:latin typeface="Tahoma" panose="020B0604030504040204" pitchFamily="34" charset="0"/>
+                <a:ea typeface="Tahoma" panose="020B0604030504040204" pitchFamily="34" charset="0"/>
+                <a:cs typeface="Tahoma" panose="020B0604030504040204" pitchFamily="34" charset="0"/>
+              </a:rPr>
+              <a:t>User</a:t>
+            </a:r>
+            <a:r>
+              <a:rPr lang="it-IT" spc="70" dirty="0">
+                <a:solidFill>
+                  <a:srgbClr val="374552"/>
+                </a:solidFill>
+                <a:latin typeface="Tahoma" panose="020B0604030504040204" pitchFamily="34" charset="0"/>
+                <a:ea typeface="Tahoma" panose="020B0604030504040204" pitchFamily="34" charset="0"/>
+                <a:cs typeface="Tahoma" panose="020B0604030504040204" pitchFamily="34" charset="0"/>
+              </a:rPr>
+              <a:t> </a:t>
+            </a:r>
+            <a:r>
+              <a:rPr lang="it-IT" dirty="0">
+                <a:solidFill>
+                  <a:srgbClr val="374552"/>
+                </a:solidFill>
+                <a:latin typeface="Tahoma" panose="020B0604030504040204" pitchFamily="34" charset="0"/>
+                <a:ea typeface="Tahoma" panose="020B0604030504040204" pitchFamily="34" charset="0"/>
+                <a:cs typeface="Tahoma" panose="020B0604030504040204" pitchFamily="34" charset="0"/>
+              </a:rPr>
+              <a:t>Management</a:t>
+            </a:r>
+            <a:endParaRPr lang="it-IT" dirty="0">
+              <a:latin typeface="Tahoma" panose="020B0604030504040204" pitchFamily="34" charset="0"/>
+              <a:ea typeface="Tahoma" panose="020B0604030504040204" pitchFamily="34" charset="0"/>
+              <a:cs typeface="Tahoma" panose="020B0604030504040204" pitchFamily="34" charset="0"/>
+            </a:endParaRPr>
+          </a:p>
+          <a:p>
+            <a:pPr marL="298450" marR="327025" indent="-285750">
+              <a:lnSpc>
+                <a:spcPct val="137500"/>
+              </a:lnSpc>
+              <a:spcBef>
+                <a:spcPts val="415"/>
+              </a:spcBef>
+            </a:pPr>
+            <a:r>
+              <a:rPr lang="it-IT" dirty="0">
+                <a:solidFill>
+                  <a:srgbClr val="374552"/>
+                </a:solidFill>
+                <a:latin typeface="Tahoma" panose="020B0604030504040204" pitchFamily="34" charset="0"/>
+                <a:ea typeface="Tahoma" panose="020B0604030504040204" pitchFamily="34" charset="0"/>
+                <a:cs typeface="Tahoma" panose="020B0604030504040204" pitchFamily="34" charset="0"/>
+              </a:rPr>
+              <a:t>Data</a:t>
+            </a:r>
+            <a:r>
+              <a:rPr lang="it-IT" spc="5" dirty="0">
+                <a:solidFill>
+                  <a:srgbClr val="374552"/>
+                </a:solidFill>
+                <a:latin typeface="Tahoma" panose="020B0604030504040204" pitchFamily="34" charset="0"/>
+                <a:ea typeface="Tahoma" panose="020B0604030504040204" pitchFamily="34" charset="0"/>
+                <a:cs typeface="Tahoma" panose="020B0604030504040204" pitchFamily="34" charset="0"/>
+              </a:rPr>
+              <a:t> </a:t>
+            </a:r>
+            <a:r>
+              <a:rPr lang="it-IT" dirty="0">
+                <a:solidFill>
+                  <a:srgbClr val="374552"/>
+                </a:solidFill>
+                <a:latin typeface="Tahoma" panose="020B0604030504040204" pitchFamily="34" charset="0"/>
+                <a:ea typeface="Tahoma" panose="020B0604030504040204" pitchFamily="34" charset="0"/>
+                <a:cs typeface="Tahoma" panose="020B0604030504040204" pitchFamily="34" charset="0"/>
+              </a:rPr>
+              <a:t>Monitoring</a:t>
+            </a:r>
+          </a:p>
+          <a:p>
+            <a:pPr marL="298450" marR="327025" indent="-285750">
+              <a:lnSpc>
+                <a:spcPct val="137500"/>
+              </a:lnSpc>
+              <a:spcBef>
+                <a:spcPts val="415"/>
+              </a:spcBef>
+            </a:pPr>
+            <a:r>
+              <a:rPr lang="it-IT" spc="60" dirty="0">
+                <a:solidFill>
+                  <a:srgbClr val="374552"/>
+                </a:solidFill>
+                <a:latin typeface="Tahoma" panose="020B0604030504040204" pitchFamily="34" charset="0"/>
+                <a:ea typeface="Tahoma" panose="020B0604030504040204" pitchFamily="34" charset="0"/>
+                <a:cs typeface="Tahoma" panose="020B0604030504040204" pitchFamily="34" charset="0"/>
+              </a:rPr>
+              <a:t>Model</a:t>
+            </a:r>
+            <a:r>
+              <a:rPr lang="it-IT" spc="-55" dirty="0">
+                <a:solidFill>
+                  <a:srgbClr val="374552"/>
+                </a:solidFill>
+                <a:latin typeface="Tahoma" panose="020B0604030504040204" pitchFamily="34" charset="0"/>
+                <a:ea typeface="Tahoma" panose="020B0604030504040204" pitchFamily="34" charset="0"/>
+                <a:cs typeface="Tahoma" panose="020B0604030504040204" pitchFamily="34" charset="0"/>
+              </a:rPr>
+              <a:t> </a:t>
+            </a:r>
+            <a:r>
+              <a:rPr lang="it-IT" dirty="0">
+                <a:solidFill>
+                  <a:srgbClr val="374552"/>
+                </a:solidFill>
+                <a:latin typeface="Tahoma" panose="020B0604030504040204" pitchFamily="34" charset="0"/>
+                <a:ea typeface="Tahoma" panose="020B0604030504040204" pitchFamily="34" charset="0"/>
+                <a:cs typeface="Tahoma" panose="020B0604030504040204" pitchFamily="34" charset="0"/>
+              </a:rPr>
+              <a:t>Performance</a:t>
+            </a:r>
+            <a:endParaRPr lang="it-IT" dirty="0">
+              <a:latin typeface="Tahoma" panose="020B0604030504040204" pitchFamily="34" charset="0"/>
+              <a:ea typeface="Tahoma" panose="020B0604030504040204" pitchFamily="34" charset="0"/>
+              <a:cs typeface="Tahoma" panose="020B0604030504040204" pitchFamily="34" charset="0"/>
+            </a:endParaRPr>
+          </a:p>
+          <a:p>
+            <a:pPr marL="298450" marR="21590" indent="-285750">
+              <a:lnSpc>
+                <a:spcPct val="135000"/>
+              </a:lnSpc>
+              <a:spcBef>
+                <a:spcPts val="90"/>
+              </a:spcBef>
+            </a:pPr>
+            <a:r>
+              <a:rPr lang="en-US" dirty="0">
+                <a:solidFill>
+                  <a:srgbClr val="374552"/>
+                </a:solidFill>
+                <a:latin typeface="Tahoma" panose="020B0604030504040204" pitchFamily="34" charset="0"/>
+                <a:ea typeface="Tahoma" panose="020B0604030504040204" pitchFamily="34" charset="0"/>
+                <a:cs typeface="Tahoma" panose="020B0604030504040204" pitchFamily="34" charset="0"/>
+              </a:rPr>
+              <a:t>Retraining</a:t>
+            </a:r>
+            <a:r>
+              <a:rPr lang="en-US" spc="10" dirty="0">
+                <a:solidFill>
+                  <a:srgbClr val="374552"/>
+                </a:solidFill>
+                <a:latin typeface="Tahoma" panose="020B0604030504040204" pitchFamily="34" charset="0"/>
+                <a:ea typeface="Tahoma" panose="020B0604030504040204" pitchFamily="34" charset="0"/>
+                <a:cs typeface="Tahoma" panose="020B0604030504040204" pitchFamily="34" charset="0"/>
+              </a:rPr>
+              <a:t> </a:t>
+            </a:r>
+            <a:r>
+              <a:rPr lang="en-US" spc="-30" dirty="0">
+                <a:solidFill>
+                  <a:srgbClr val="374552"/>
+                </a:solidFill>
+                <a:latin typeface="Tahoma" panose="020B0604030504040204" pitchFamily="34" charset="0"/>
+                <a:ea typeface="Tahoma" panose="020B0604030504040204" pitchFamily="34" charset="0"/>
+                <a:cs typeface="Tahoma" panose="020B0604030504040204" pitchFamily="34" charset="0"/>
+              </a:rPr>
+              <a:t>Control</a:t>
+            </a:r>
+          </a:p>
+          <a:p>
+            <a:pPr marL="298450" marR="21590" indent="-285750">
+              <a:lnSpc>
+                <a:spcPct val="135000"/>
+              </a:lnSpc>
+              <a:spcBef>
+                <a:spcPts val="90"/>
+              </a:spcBef>
+            </a:pPr>
+            <a:r>
+              <a:rPr lang="en-US" dirty="0">
+                <a:solidFill>
+                  <a:srgbClr val="374552"/>
+                </a:solidFill>
+                <a:latin typeface="Tahoma" panose="020B0604030504040204" pitchFamily="34" charset="0"/>
+                <a:ea typeface="Tahoma" panose="020B0604030504040204" pitchFamily="34" charset="0"/>
+                <a:cs typeface="Tahoma" panose="020B0604030504040204" pitchFamily="34" charset="0"/>
+              </a:rPr>
+              <a:t>System</a:t>
+            </a:r>
+            <a:r>
+              <a:rPr lang="en-US" spc="-55" dirty="0">
+                <a:solidFill>
+                  <a:srgbClr val="374552"/>
+                </a:solidFill>
+                <a:latin typeface="Tahoma" panose="020B0604030504040204" pitchFamily="34" charset="0"/>
+                <a:ea typeface="Tahoma" panose="020B0604030504040204" pitchFamily="34" charset="0"/>
+                <a:cs typeface="Tahoma" panose="020B0604030504040204" pitchFamily="34" charset="0"/>
+              </a:rPr>
+              <a:t> </a:t>
+            </a:r>
+            <a:r>
+              <a:rPr lang="en-US" spc="-20" dirty="0">
+                <a:solidFill>
+                  <a:srgbClr val="374552"/>
+                </a:solidFill>
+                <a:latin typeface="Tahoma" panose="020B0604030504040204" pitchFamily="34" charset="0"/>
+                <a:ea typeface="Tahoma" panose="020B0604030504040204" pitchFamily="34" charset="0"/>
+                <a:cs typeface="Tahoma" panose="020B0604030504040204" pitchFamily="34" charset="0"/>
+              </a:rPr>
+              <a:t>Analytics</a:t>
+            </a:r>
+          </a:p>
+          <a:p>
+            <a:pPr marL="298450" marR="21590" indent="-285750">
+              <a:lnSpc>
+                <a:spcPct val="135000"/>
+              </a:lnSpc>
+              <a:spcBef>
+                <a:spcPts val="90"/>
+              </a:spcBef>
+            </a:pPr>
+            <a:r>
+              <a:rPr lang="en-US" dirty="0">
+                <a:solidFill>
+                  <a:srgbClr val="374552"/>
+                </a:solidFill>
+                <a:latin typeface="Tahoma" panose="020B0604030504040204" pitchFamily="34" charset="0"/>
+                <a:ea typeface="Tahoma" panose="020B0604030504040204" pitchFamily="34" charset="0"/>
+                <a:cs typeface="Tahoma" panose="020B0604030504040204" pitchFamily="34" charset="0"/>
+              </a:rPr>
+              <a:t>Content</a:t>
+            </a:r>
+            <a:r>
+              <a:rPr lang="en-US" spc="30" dirty="0">
+                <a:solidFill>
+                  <a:srgbClr val="374552"/>
+                </a:solidFill>
+                <a:latin typeface="Tahoma" panose="020B0604030504040204" pitchFamily="34" charset="0"/>
+                <a:ea typeface="Tahoma" panose="020B0604030504040204" pitchFamily="34" charset="0"/>
+                <a:cs typeface="Tahoma" panose="020B0604030504040204" pitchFamily="34" charset="0"/>
+              </a:rPr>
+              <a:t> </a:t>
+            </a:r>
+            <a:r>
+              <a:rPr lang="en-US" spc="-10" dirty="0">
+                <a:solidFill>
+                  <a:srgbClr val="374552"/>
+                </a:solidFill>
+                <a:latin typeface="Tahoma" panose="020B0604030504040204" pitchFamily="34" charset="0"/>
+                <a:ea typeface="Tahoma" panose="020B0604030504040204" pitchFamily="34" charset="0"/>
+                <a:cs typeface="Tahoma" panose="020B0604030504040204" pitchFamily="34" charset="0"/>
+              </a:rPr>
+              <a:t>Updates</a:t>
+            </a:r>
+            <a:endParaRPr lang="en-US" dirty="0">
+              <a:latin typeface="Tahoma" panose="020B0604030504040204" pitchFamily="34" charset="0"/>
+              <a:ea typeface="Tahoma" panose="020B0604030504040204" pitchFamily="34" charset="0"/>
+              <a:cs typeface="Tahoma" panose="020B0604030504040204" pitchFamily="34" charset="0"/>
+            </a:endParaRPr>
+          </a:p>
+          <a:p>
+            <a:endParaRPr lang="en-IN" dirty="0">
+              <a:latin typeface="Tahoma" panose="020B0604030504040204" pitchFamily="34" charset="0"/>
+              <a:ea typeface="Tahoma" panose="020B0604030504040204" pitchFamily="34" charset="0"/>
+              <a:cs typeface="Tahoma" panose="020B0604030504040204" pitchFamily="34" charset="0"/>
+            </a:endParaRPr>
+          </a:p>
+        </p:txBody>
+      </p:sp>
+    </p:spTree>
+    <p:extLst>
+      <p:ext uri="{BB962C8B-B14F-4D97-AF65-F5344CB8AC3E}">
+        <p14:creationId xmlns:p14="http://schemas.microsoft.com/office/powerpoint/2010/main" val="1899847168"/>
+      </p:ext>
+    </p:extLst>
+  </p:cSld>
+  <p:clrMapOvr>
+    <a:masterClrMapping/>
+  </p:clrMapOvr>
+</p:sld>
+</file>
+
+<file path=ppt/slides/slide22.xml><?xml version="1.0" encoding="utf-8"?>
+<p:sld xmlns:a="http://schemas.openxmlformats.org/drawingml/2006/main" xmlns:r="http://schemas.openxmlformats.org/officeDocument/2006/relationships" xmlns:p="http://schemas.openxmlformats.org/presentationml/2006/main">
+  <p:cSld>
+    <p:spTree>
+      <p:nvGrpSpPr>
+        <p:cNvPr id="1" name=""/>
+        <p:cNvGrpSpPr/>
+        <p:nvPr/>
+      </p:nvGrpSpPr>
+      <p:grpSpPr>
+        <a:xfrm>
+          <a:off x="0" y="0"/>
+          <a:ext cx="0" cy="0"/>
+          <a:chOff x="0" y="0"/>
+          <a:chExt cx="0" cy="0"/>
+        </a:xfrm>
+      </p:grpSpPr>
+      <p:pic>
+        <p:nvPicPr>
+          <p:cNvPr id="11" name="Picture 10">
+            <a:extLst>
+              <a:ext uri="{FF2B5EF4-FFF2-40B4-BE49-F238E27FC236}">
+                <a16:creationId xmlns:a16="http://schemas.microsoft.com/office/drawing/2014/main" id="{574FA742-507F-7713-F5CD-86C7223AC8C8}"/>
+              </a:ext>
+            </a:extLst>
+          </p:cNvPr>
+          <p:cNvPicPr>
+            <a:picLocks noChangeAspect="1"/>
+          </p:cNvPicPr>
+          <p:nvPr/>
+        </p:nvPicPr>
+        <p:blipFill>
+          <a:blip r:embed="rId2">
+            <a:extLst>
+              <a:ext uri="{28A0092B-C50C-407E-A947-70E740481C1C}">
+                <a14:useLocalDpi xmlns:a14="http://schemas.microsoft.com/office/drawing/2010/main" val="0"/>
+              </a:ext>
+            </a:extLst>
+          </a:blip>
+          <a:stretch>
+            <a:fillRect/>
+          </a:stretch>
+        </p:blipFill>
+        <p:spPr>
+          <a:xfrm>
+            <a:off x="0" y="423108"/>
+            <a:ext cx="12192000" cy="6011783"/>
+          </a:xfrm>
+          <a:prstGeom prst="rect">
+            <a:avLst/>
+          </a:prstGeom>
+        </p:spPr>
+      </p:pic>
+    </p:spTree>
+    <p:extLst>
+      <p:ext uri="{BB962C8B-B14F-4D97-AF65-F5344CB8AC3E}">
+        <p14:creationId xmlns:p14="http://schemas.microsoft.com/office/powerpoint/2010/main" val="2650186292"/>
+      </p:ext>
+    </p:extLst>
+  </p:cSld>
+  <p:clrMapOvr>
+    <a:masterClrMapping/>
+  </p:clrMapOvr>
+</p:sld>
+</file>
+
+<file path=ppt/slides/slide23.xml><?xml version="1.0" encoding="utf-8"?>
+<p:sld xmlns:a="http://schemas.openxmlformats.org/drawingml/2006/main" xmlns:r="http://schemas.openxmlformats.org/officeDocument/2006/relationships" xmlns:p="http://schemas.openxmlformats.org/presentationml/2006/main">
+  <p:cSld>
+    <p:spTree>
+      <p:nvGrpSpPr>
+        <p:cNvPr id="1" name=""/>
+        <p:cNvGrpSpPr/>
+        <p:nvPr/>
+      </p:nvGrpSpPr>
+      <p:grpSpPr>
+        <a:xfrm>
+          <a:off x="0" y="0"/>
+          <a:ext cx="0" cy="0"/>
+          <a:chOff x="0" y="0"/>
+          <a:chExt cx="0" cy="0"/>
+        </a:xfrm>
+      </p:grpSpPr>
+      <p:pic>
+        <p:nvPicPr>
+          <p:cNvPr id="5" name="Picture 4">
+            <a:extLst>
+              <a:ext uri="{FF2B5EF4-FFF2-40B4-BE49-F238E27FC236}">
+                <a16:creationId xmlns:a16="http://schemas.microsoft.com/office/drawing/2014/main" id="{2B93A2DE-ECF8-5513-F494-914506DA4B45}"/>
+              </a:ext>
+            </a:extLst>
+          </p:cNvPr>
+          <p:cNvPicPr>
+            <a:picLocks noChangeAspect="1"/>
+          </p:cNvPicPr>
+          <p:nvPr/>
+        </p:nvPicPr>
+        <p:blipFill>
+          <a:blip r:embed="rId2">
+            <a:extLst>
+              <a:ext uri="{28A0092B-C50C-407E-A947-70E740481C1C}">
+                <a14:useLocalDpi xmlns:a14="http://schemas.microsoft.com/office/drawing/2010/main" val="0"/>
+              </a:ext>
+            </a:extLst>
+          </a:blip>
+          <a:srcRect t="1300" b="-1300"/>
+          <a:stretch>
+            <a:fillRect/>
+          </a:stretch>
+        </p:blipFill>
+        <p:spPr>
+          <a:xfrm>
+            <a:off x="0" y="346065"/>
+            <a:ext cx="12192000" cy="6330462"/>
+          </a:xfrm>
+          <a:prstGeom prst="rect">
+            <a:avLst/>
+          </a:prstGeom>
+        </p:spPr>
+      </p:pic>
+    </p:spTree>
+    <p:extLst>
+      <p:ext uri="{BB962C8B-B14F-4D97-AF65-F5344CB8AC3E}">
+        <p14:creationId xmlns:p14="http://schemas.microsoft.com/office/powerpoint/2010/main" val="581696955"/>
+      </p:ext>
+    </p:extLst>
+  </p:cSld>
+  <p:clrMapOvr>
+    <a:masterClrMapping/>
+  </p:clrMapOvr>
+</p:sld>
+</file>
+
+<file path=ppt/slides/slide24.xml><?xml version="1.0" encoding="utf-8"?>
+<p:sld xmlns:a="http://schemas.openxmlformats.org/drawingml/2006/main" xmlns:r="http://schemas.openxmlformats.org/officeDocument/2006/relationships" xmlns:p="http://schemas.openxmlformats.org/presentationml/2006/main">
+  <p:cSld>
+    <p:spTree>
+      <p:nvGrpSpPr>
+        <p:cNvPr id="1" name=""/>
+        <p:cNvGrpSpPr/>
+        <p:nvPr/>
+      </p:nvGrpSpPr>
+      <p:grpSpPr>
+        <a:xfrm>
+          <a:off x="0" y="0"/>
+          <a:ext cx="0" cy="0"/>
+          <a:chOff x="0" y="0"/>
+          <a:chExt cx="0" cy="0"/>
+        </a:xfrm>
+      </p:grpSpPr>
+      <p:pic>
+        <p:nvPicPr>
+          <p:cNvPr id="5" name="Picture 4">
+            <a:extLst>
+              <a:ext uri="{FF2B5EF4-FFF2-40B4-BE49-F238E27FC236}">
+                <a16:creationId xmlns:a16="http://schemas.microsoft.com/office/drawing/2014/main" id="{F45CA17C-02D9-571F-18E3-F58A6B8F4439}"/>
+              </a:ext>
+            </a:extLst>
+          </p:cNvPr>
+          <p:cNvPicPr>
+            <a:picLocks noChangeAspect="1"/>
+          </p:cNvPicPr>
+          <p:nvPr/>
+        </p:nvPicPr>
+        <p:blipFill>
+          <a:blip r:embed="rId2">
+            <a:extLst>
+              <a:ext uri="{28A0092B-C50C-407E-A947-70E740481C1C}">
+                <a14:useLocalDpi xmlns:a14="http://schemas.microsoft.com/office/drawing/2010/main" val="0"/>
+              </a:ext>
+            </a:extLst>
+          </a:blip>
+          <a:stretch>
+            <a:fillRect/>
+          </a:stretch>
+        </p:blipFill>
+        <p:spPr>
+          <a:xfrm>
+            <a:off x="0" y="480056"/>
+            <a:ext cx="12192000" cy="5897888"/>
+          </a:xfrm>
+          <a:prstGeom prst="rect">
+            <a:avLst/>
+          </a:prstGeom>
+        </p:spPr>
+      </p:pic>
+    </p:spTree>
+    <p:extLst>
+      <p:ext uri="{BB962C8B-B14F-4D97-AF65-F5344CB8AC3E}">
+        <p14:creationId xmlns:p14="http://schemas.microsoft.com/office/powerpoint/2010/main" val="3372701898"/>
+      </p:ext>
+    </p:extLst>
+  </p:cSld>
+  <p:clrMapOvr>
+    <a:masterClrMapping/>
+  </p:clrMapOvr>
+</p:sld>
+</file>
+
+<file path=ppt/slides/slide25.xml><?xml version="1.0" encoding="utf-8"?>
+<p:sld xmlns:a="http://schemas.openxmlformats.org/drawingml/2006/main" xmlns:r="http://schemas.openxmlformats.org/officeDocument/2006/relationships" xmlns:p="http://schemas.openxmlformats.org/presentationml/2006/main">
+  <p:cSld>
+    <p:spTree>
+      <p:nvGrpSpPr>
+        <p:cNvPr id="1" name=""/>
+        <p:cNvGrpSpPr/>
+        <p:nvPr/>
+      </p:nvGrpSpPr>
+      <p:grpSpPr>
+        <a:xfrm>
+          <a:off x="0" y="0"/>
+          <a:ext cx="0" cy="0"/>
+          <a:chOff x="0" y="0"/>
+          <a:chExt cx="0" cy="0"/>
+        </a:xfrm>
+      </p:grpSpPr>
+      <p:pic>
+        <p:nvPicPr>
+          <p:cNvPr id="5" name="Picture 4">
+            <a:extLst>
+              <a:ext uri="{FF2B5EF4-FFF2-40B4-BE49-F238E27FC236}">
+                <a16:creationId xmlns:a16="http://schemas.microsoft.com/office/drawing/2014/main" id="{C0A26235-03E7-A7EC-263D-2850A91233E7}"/>
+              </a:ext>
+            </a:extLst>
+          </p:cNvPr>
+          <p:cNvPicPr>
+            <a:picLocks noChangeAspect="1"/>
+          </p:cNvPicPr>
+          <p:nvPr/>
+        </p:nvPicPr>
+        <p:blipFill>
+          <a:blip r:embed="rId2">
+            <a:extLst>
+              <a:ext uri="{28A0092B-C50C-407E-A947-70E740481C1C}">
+                <a14:useLocalDpi xmlns:a14="http://schemas.microsoft.com/office/drawing/2010/main" val="0"/>
+              </a:ext>
+            </a:extLst>
+          </a:blip>
+          <a:stretch>
+            <a:fillRect/>
+          </a:stretch>
+        </p:blipFill>
+        <p:spPr>
+          <a:xfrm>
+            <a:off x="201168" y="91478"/>
+            <a:ext cx="11832336" cy="6645918"/>
+          </a:xfrm>
+          <a:prstGeom prst="rect">
+            <a:avLst/>
+          </a:prstGeom>
+        </p:spPr>
+      </p:pic>
+    </p:spTree>
+    <p:extLst>
+      <p:ext uri="{BB962C8B-B14F-4D97-AF65-F5344CB8AC3E}">
+        <p14:creationId xmlns:p14="http://schemas.microsoft.com/office/powerpoint/2010/main" val="1595852534"/>
+      </p:ext>
+    </p:extLst>
+  </p:cSld>
+  <p:clrMapOvr>
+    <a:masterClrMapping/>
+  </p:clrMapOvr>
+</p:sld>
+</file>
+
+<file path=ppt/slides/slide26.xml><?xml version="1.0" encoding="utf-8"?>
+<p:sld xmlns:a="http://schemas.openxmlformats.org/drawingml/2006/main" xmlns:r="http://schemas.openxmlformats.org/officeDocument/2006/relationships" xmlns:p="http://schemas.openxmlformats.org/presentationml/2006/main">
+  <p:cSld>
+    <p:spTree>
+      <p:nvGrpSpPr>
+        <p:cNvPr id="1" name=""/>
+        <p:cNvGrpSpPr/>
+        <p:nvPr/>
+      </p:nvGrpSpPr>
+      <p:grpSpPr>
+        <a:xfrm>
+          <a:off x="0" y="0"/>
+          <a:ext cx="0" cy="0"/>
+          <a:chOff x="0" y="0"/>
+          <a:chExt cx="0" cy="0"/>
+        </a:xfrm>
+      </p:grpSpPr>
+      <p:sp>
+        <p:nvSpPr>
+          <p:cNvPr id="2" name="Title 1">
+            <a:extLst>
+              <a:ext uri="{FF2B5EF4-FFF2-40B4-BE49-F238E27FC236}">
+                <a16:creationId xmlns:a16="http://schemas.microsoft.com/office/drawing/2014/main" id="{FC85C509-47C4-FFCF-37E9-238104FE4E24}"/>
+              </a:ext>
+            </a:extLst>
+          </p:cNvPr>
+          <p:cNvSpPr>
+            <a:spLocks noGrp="1"/>
+          </p:cNvSpPr>
+          <p:nvPr>
+            <p:ph type="title"/>
+          </p:nvPr>
+        </p:nvSpPr>
+        <p:spPr/>
+        <p:txBody>
+          <a:bodyPr>
+            <a:normAutofit/>
+          </a:bodyPr>
+          <a:lstStyle/>
+          <a:p>
+            <a:r>
+              <a:rPr lang="en-IN" sz="4000" u="sng" spc="-204" dirty="0">
+                <a:latin typeface="Tahoma" panose="020B0604030504040204" pitchFamily="34" charset="0"/>
+                <a:ea typeface="Tahoma" panose="020B0604030504040204" pitchFamily="34" charset="0"/>
+                <a:cs typeface="Tahoma" panose="020B0604030504040204" pitchFamily="34" charset="0"/>
+              </a:rPr>
+              <a:t>Performance</a:t>
+            </a:r>
+            <a:r>
+              <a:rPr lang="en-IN" sz="4000" u="sng" spc="-220" dirty="0">
+                <a:latin typeface="Tahoma" panose="020B0604030504040204" pitchFamily="34" charset="0"/>
+                <a:ea typeface="Tahoma" panose="020B0604030504040204" pitchFamily="34" charset="0"/>
+                <a:cs typeface="Tahoma" panose="020B0604030504040204" pitchFamily="34" charset="0"/>
+              </a:rPr>
+              <a:t> </a:t>
+            </a:r>
+            <a:r>
+              <a:rPr lang="en-IN" sz="4000" u="sng" spc="-145" dirty="0">
+                <a:latin typeface="Tahoma" panose="020B0604030504040204" pitchFamily="34" charset="0"/>
+                <a:ea typeface="Tahoma" panose="020B0604030504040204" pitchFamily="34" charset="0"/>
+                <a:cs typeface="Tahoma" panose="020B0604030504040204" pitchFamily="34" charset="0"/>
+              </a:rPr>
+              <a:t>Metrics</a:t>
+            </a:r>
+            <a:endParaRPr lang="en-IN" sz="4000" u="sng" dirty="0">
+              <a:latin typeface="Tahoma" panose="020B0604030504040204" pitchFamily="34" charset="0"/>
+              <a:ea typeface="Tahoma" panose="020B0604030504040204" pitchFamily="34" charset="0"/>
+              <a:cs typeface="Tahoma" panose="020B0604030504040204" pitchFamily="34" charset="0"/>
+            </a:endParaRPr>
+          </a:p>
+        </p:txBody>
+      </p:sp>
+      <p:sp>
+        <p:nvSpPr>
+          <p:cNvPr id="4" name="TextBox 3">
+            <a:extLst>
+              <a:ext uri="{FF2B5EF4-FFF2-40B4-BE49-F238E27FC236}">
+                <a16:creationId xmlns:a16="http://schemas.microsoft.com/office/drawing/2014/main" id="{B90BFE52-9D1E-BFDC-43DA-9DDD8EA26D1D}"/>
+              </a:ext>
+            </a:extLst>
+          </p:cNvPr>
+          <p:cNvSpPr txBox="1"/>
+          <p:nvPr/>
+        </p:nvSpPr>
+        <p:spPr>
+          <a:xfrm>
+            <a:off x="426720" y="2185416"/>
+            <a:ext cx="2636520" cy="2834622"/>
+          </a:xfrm>
+          <a:prstGeom prst="rect">
+            <a:avLst/>
+          </a:prstGeom>
+          <a:noFill/>
+        </p:spPr>
+        <p:txBody>
+          <a:bodyPr wrap="square" rtlCol="0">
+            <a:spAutoFit/>
+          </a:bodyPr>
+          <a:lstStyle/>
+          <a:p>
+            <a:pPr algn="ctr">
+              <a:lnSpc>
+                <a:spcPct val="100000"/>
+              </a:lnSpc>
+              <a:spcBef>
+                <a:spcPts val="130"/>
+              </a:spcBef>
+            </a:pPr>
+            <a:r>
+              <a:rPr lang="en-US" sz="5400" b="1" spc="-830" dirty="0">
+                <a:latin typeface="Tahoma" panose="020B0604030504040204" pitchFamily="34" charset="0"/>
+                <a:ea typeface="Tahoma" panose="020B0604030504040204" pitchFamily="34" charset="0"/>
+                <a:cs typeface="Tahoma" panose="020B0604030504040204" pitchFamily="34" charset="0"/>
+              </a:rPr>
+              <a:t>95%</a:t>
+            </a:r>
+            <a:endParaRPr lang="en-US" sz="5400" dirty="0">
+              <a:latin typeface="Tahoma" panose="020B0604030504040204" pitchFamily="34" charset="0"/>
+              <a:ea typeface="Tahoma" panose="020B0604030504040204" pitchFamily="34" charset="0"/>
+              <a:cs typeface="Tahoma" panose="020B0604030504040204" pitchFamily="34" charset="0"/>
+            </a:endParaRPr>
+          </a:p>
+          <a:p>
+            <a:pPr algn="ctr">
+              <a:lnSpc>
+                <a:spcPct val="100000"/>
+              </a:lnSpc>
+              <a:spcBef>
+                <a:spcPts val="1335"/>
+              </a:spcBef>
+            </a:pPr>
+            <a:r>
+              <a:rPr lang="en-US" sz="2400" b="1" spc="-80" dirty="0">
+                <a:latin typeface="Tahoma" panose="020B0604030504040204" pitchFamily="34" charset="0"/>
+                <a:ea typeface="Tahoma" panose="020B0604030504040204" pitchFamily="34" charset="0"/>
+                <a:cs typeface="Tahoma" panose="020B0604030504040204" pitchFamily="34" charset="0"/>
+              </a:rPr>
+              <a:t>Prediction</a:t>
+            </a:r>
+            <a:r>
+              <a:rPr lang="en-US" sz="2400" b="1" spc="-70" dirty="0">
+                <a:latin typeface="Tahoma" panose="020B0604030504040204" pitchFamily="34" charset="0"/>
+                <a:ea typeface="Tahoma" panose="020B0604030504040204" pitchFamily="34" charset="0"/>
+                <a:cs typeface="Tahoma" panose="020B0604030504040204" pitchFamily="34" charset="0"/>
+              </a:rPr>
+              <a:t> </a:t>
+            </a:r>
+            <a:r>
+              <a:rPr lang="en-US" sz="2400" b="1" spc="-10" dirty="0">
+                <a:latin typeface="Tahoma" panose="020B0604030504040204" pitchFamily="34" charset="0"/>
+                <a:ea typeface="Tahoma" panose="020B0604030504040204" pitchFamily="34" charset="0"/>
+                <a:cs typeface="Tahoma" panose="020B0604030504040204" pitchFamily="34" charset="0"/>
+              </a:rPr>
+              <a:t>Accuracy</a:t>
+            </a:r>
+            <a:endParaRPr lang="en-US" sz="2400" dirty="0">
+              <a:latin typeface="Tahoma" panose="020B0604030504040204" pitchFamily="34" charset="0"/>
+              <a:ea typeface="Tahoma" panose="020B0604030504040204" pitchFamily="34" charset="0"/>
+              <a:cs typeface="Tahoma" panose="020B0604030504040204" pitchFamily="34" charset="0"/>
+            </a:endParaRPr>
+          </a:p>
+          <a:p>
+            <a:pPr marL="12065" marR="5080" algn="ctr">
+              <a:lnSpc>
+                <a:spcPct val="135000"/>
+              </a:lnSpc>
+              <a:spcBef>
+                <a:spcPts val="520"/>
+              </a:spcBef>
+            </a:pPr>
+            <a:r>
+              <a:rPr lang="en-US" sz="1600" dirty="0">
+                <a:solidFill>
+                  <a:srgbClr val="374552"/>
+                </a:solidFill>
+                <a:latin typeface="Tahoma" panose="020B0604030504040204" pitchFamily="34" charset="0"/>
+                <a:ea typeface="Tahoma" panose="020B0604030504040204" pitchFamily="34" charset="0"/>
+                <a:cs typeface="Tahoma" panose="020B0604030504040204" pitchFamily="34" charset="0"/>
+              </a:rPr>
+              <a:t>Highly reliable</a:t>
+            </a:r>
+            <a:r>
+              <a:rPr lang="en-US" sz="1600" spc="5" dirty="0">
+                <a:solidFill>
+                  <a:srgbClr val="374552"/>
+                </a:solidFill>
+                <a:latin typeface="Tahoma" panose="020B0604030504040204" pitchFamily="34" charset="0"/>
+                <a:ea typeface="Tahoma" panose="020B0604030504040204" pitchFamily="34" charset="0"/>
+                <a:cs typeface="Tahoma" panose="020B0604030504040204" pitchFamily="34" charset="0"/>
+              </a:rPr>
+              <a:t> </a:t>
+            </a:r>
+            <a:r>
+              <a:rPr lang="en-US" sz="1600" dirty="0">
+                <a:solidFill>
+                  <a:srgbClr val="374552"/>
+                </a:solidFill>
+                <a:latin typeface="Tahoma" panose="020B0604030504040204" pitchFamily="34" charset="0"/>
+                <a:ea typeface="Tahoma" panose="020B0604030504040204" pitchFamily="34" charset="0"/>
+                <a:cs typeface="Tahoma" panose="020B0604030504040204" pitchFamily="34" charset="0"/>
+              </a:rPr>
+              <a:t>career</a:t>
+            </a:r>
+            <a:r>
+              <a:rPr lang="en-US" sz="1600" spc="5" dirty="0">
+                <a:solidFill>
+                  <a:srgbClr val="374552"/>
+                </a:solidFill>
+                <a:latin typeface="Tahoma" panose="020B0604030504040204" pitchFamily="34" charset="0"/>
+                <a:ea typeface="Tahoma" panose="020B0604030504040204" pitchFamily="34" charset="0"/>
+                <a:cs typeface="Tahoma" panose="020B0604030504040204" pitchFamily="34" charset="0"/>
+              </a:rPr>
+              <a:t> </a:t>
+            </a:r>
+            <a:r>
+              <a:rPr lang="en-US" sz="1600" spc="-20" dirty="0">
+                <a:solidFill>
+                  <a:srgbClr val="374552"/>
+                </a:solidFill>
+                <a:latin typeface="Tahoma" panose="020B0604030504040204" pitchFamily="34" charset="0"/>
+                <a:ea typeface="Tahoma" panose="020B0604030504040204" pitchFamily="34" charset="0"/>
+                <a:cs typeface="Tahoma" panose="020B0604030504040204" pitchFamily="34" charset="0"/>
+              </a:rPr>
+              <a:t>path </a:t>
+            </a:r>
+            <a:r>
+              <a:rPr lang="en-US" sz="1600" spc="-10" dirty="0">
+                <a:solidFill>
+                  <a:srgbClr val="374552"/>
+                </a:solidFill>
+                <a:latin typeface="Tahoma" panose="020B0604030504040204" pitchFamily="34" charset="0"/>
+                <a:ea typeface="Tahoma" panose="020B0604030504040204" pitchFamily="34" charset="0"/>
+                <a:cs typeface="Tahoma" panose="020B0604030504040204" pitchFamily="34" charset="0"/>
+              </a:rPr>
+              <a:t>suggestions.</a:t>
+            </a:r>
+            <a:endParaRPr lang="en-US" sz="1600" dirty="0">
+              <a:latin typeface="Tahoma" panose="020B0604030504040204" pitchFamily="34" charset="0"/>
+              <a:ea typeface="Tahoma" panose="020B0604030504040204" pitchFamily="34" charset="0"/>
+              <a:cs typeface="Tahoma" panose="020B0604030504040204" pitchFamily="34" charset="0"/>
+            </a:endParaRPr>
+          </a:p>
+          <a:p>
+            <a:endParaRPr lang="en-IN" dirty="0">
+              <a:latin typeface="Tahoma" panose="020B0604030504040204" pitchFamily="34" charset="0"/>
+              <a:ea typeface="Tahoma" panose="020B0604030504040204" pitchFamily="34" charset="0"/>
+              <a:cs typeface="Tahoma" panose="020B0604030504040204" pitchFamily="34" charset="0"/>
+            </a:endParaRPr>
+          </a:p>
+        </p:txBody>
+      </p:sp>
+      <p:sp>
+        <p:nvSpPr>
+          <p:cNvPr id="6" name="TextBox 5">
+            <a:extLst>
+              <a:ext uri="{FF2B5EF4-FFF2-40B4-BE49-F238E27FC236}">
+                <a16:creationId xmlns:a16="http://schemas.microsoft.com/office/drawing/2014/main" id="{20BAB954-C72E-4D8F-FEAE-7CE00FB862A0}"/>
+              </a:ext>
+            </a:extLst>
+          </p:cNvPr>
+          <p:cNvSpPr txBox="1"/>
+          <p:nvPr/>
+        </p:nvSpPr>
+        <p:spPr>
+          <a:xfrm>
+            <a:off x="3273552" y="2185416"/>
+            <a:ext cx="2636520" cy="2465290"/>
+          </a:xfrm>
+          <a:prstGeom prst="rect">
+            <a:avLst/>
+          </a:prstGeom>
+          <a:noFill/>
+        </p:spPr>
+        <p:txBody>
+          <a:bodyPr wrap="square" rtlCol="0">
+            <a:spAutoFit/>
+          </a:bodyPr>
+          <a:lstStyle/>
+          <a:p>
+            <a:pPr algn="ctr">
+              <a:lnSpc>
+                <a:spcPct val="100000"/>
+              </a:lnSpc>
+              <a:spcBef>
+                <a:spcPts val="130"/>
+              </a:spcBef>
+            </a:pPr>
+            <a:r>
+              <a:rPr lang="en-US" sz="5400" b="1" spc="-1410" dirty="0">
+                <a:latin typeface="Tahoma" panose="020B0604030504040204" pitchFamily="34" charset="0"/>
+                <a:ea typeface="Tahoma" panose="020B0604030504040204" pitchFamily="34" charset="0"/>
+                <a:cs typeface="Tahoma" panose="020B0604030504040204" pitchFamily="34" charset="0"/>
+              </a:rPr>
+              <a:t>&lt;</a:t>
+            </a:r>
+            <a:r>
+              <a:rPr lang="en-US" sz="5400" b="1" spc="-385" dirty="0">
+                <a:latin typeface="Tahoma" panose="020B0604030504040204" pitchFamily="34" charset="0"/>
+                <a:ea typeface="Tahoma" panose="020B0604030504040204" pitchFamily="34" charset="0"/>
+                <a:cs typeface="Tahoma" panose="020B0604030504040204" pitchFamily="34" charset="0"/>
+              </a:rPr>
+              <a:t> </a:t>
+            </a:r>
+            <a:r>
+              <a:rPr lang="en-US" sz="5400" b="1" spc="-25" dirty="0">
+                <a:latin typeface="Tahoma" panose="020B0604030504040204" pitchFamily="34" charset="0"/>
+                <a:ea typeface="Tahoma" panose="020B0604030504040204" pitchFamily="34" charset="0"/>
+                <a:cs typeface="Tahoma" panose="020B0604030504040204" pitchFamily="34" charset="0"/>
+              </a:rPr>
+              <a:t>2s</a:t>
+            </a:r>
+            <a:endParaRPr lang="en-US" sz="5400" dirty="0">
+              <a:latin typeface="Tahoma" panose="020B0604030504040204" pitchFamily="34" charset="0"/>
+              <a:ea typeface="Tahoma" panose="020B0604030504040204" pitchFamily="34" charset="0"/>
+              <a:cs typeface="Tahoma" panose="020B0604030504040204" pitchFamily="34" charset="0"/>
+            </a:endParaRPr>
+          </a:p>
+          <a:p>
+            <a:pPr algn="ctr">
+              <a:lnSpc>
+                <a:spcPct val="100000"/>
+              </a:lnSpc>
+              <a:spcBef>
+                <a:spcPts val="1335"/>
+              </a:spcBef>
+            </a:pPr>
+            <a:r>
+              <a:rPr lang="en-US" sz="2400" b="1" spc="-85" dirty="0">
+                <a:latin typeface="Tahoma" panose="020B0604030504040204" pitchFamily="34" charset="0"/>
+                <a:ea typeface="Tahoma" panose="020B0604030504040204" pitchFamily="34" charset="0"/>
+                <a:cs typeface="Tahoma" panose="020B0604030504040204" pitchFamily="34" charset="0"/>
+              </a:rPr>
+              <a:t>Response</a:t>
+            </a:r>
+            <a:r>
+              <a:rPr lang="en-US" sz="2400" b="1" spc="-105" dirty="0">
+                <a:latin typeface="Tahoma" panose="020B0604030504040204" pitchFamily="34" charset="0"/>
+                <a:ea typeface="Tahoma" panose="020B0604030504040204" pitchFamily="34" charset="0"/>
+                <a:cs typeface="Tahoma" panose="020B0604030504040204" pitchFamily="34" charset="0"/>
+              </a:rPr>
+              <a:t> </a:t>
+            </a:r>
+            <a:r>
+              <a:rPr lang="en-US" sz="2400" b="1" spc="-20" dirty="0">
+                <a:latin typeface="Tahoma" panose="020B0604030504040204" pitchFamily="34" charset="0"/>
+                <a:ea typeface="Tahoma" panose="020B0604030504040204" pitchFamily="34" charset="0"/>
+                <a:cs typeface="Tahoma" panose="020B0604030504040204" pitchFamily="34" charset="0"/>
+              </a:rPr>
+              <a:t>Time</a:t>
+            </a:r>
+            <a:endParaRPr lang="en-US" sz="2400" dirty="0">
+              <a:latin typeface="Tahoma" panose="020B0604030504040204" pitchFamily="34" charset="0"/>
+              <a:ea typeface="Tahoma" panose="020B0604030504040204" pitchFamily="34" charset="0"/>
+              <a:cs typeface="Tahoma" panose="020B0604030504040204" pitchFamily="34" charset="0"/>
+            </a:endParaRPr>
+          </a:p>
+          <a:p>
+            <a:pPr marL="12700" marR="5080" algn="ctr">
+              <a:lnSpc>
+                <a:spcPct val="135000"/>
+              </a:lnSpc>
+              <a:spcBef>
+                <a:spcPts val="520"/>
+              </a:spcBef>
+            </a:pPr>
+            <a:r>
+              <a:rPr lang="en-US" sz="1600" spc="-10" dirty="0">
+                <a:solidFill>
+                  <a:srgbClr val="374552"/>
+                </a:solidFill>
+                <a:latin typeface="Tahoma" panose="020B0604030504040204" pitchFamily="34" charset="0"/>
+                <a:ea typeface="Tahoma" panose="020B0604030504040204" pitchFamily="34" charset="0"/>
+                <a:cs typeface="Tahoma" panose="020B0604030504040204" pitchFamily="34" charset="0"/>
+              </a:rPr>
+              <a:t>Instant</a:t>
+            </a:r>
+            <a:r>
+              <a:rPr lang="en-US" sz="1600" spc="55" dirty="0">
+                <a:solidFill>
+                  <a:srgbClr val="374552"/>
+                </a:solidFill>
+                <a:latin typeface="Tahoma" panose="020B0604030504040204" pitchFamily="34" charset="0"/>
+                <a:ea typeface="Tahoma" panose="020B0604030504040204" pitchFamily="34" charset="0"/>
+                <a:cs typeface="Tahoma" panose="020B0604030504040204" pitchFamily="34" charset="0"/>
+              </a:rPr>
+              <a:t> </a:t>
+            </a:r>
+            <a:r>
+              <a:rPr lang="en-US" sz="1600" dirty="0">
+                <a:solidFill>
+                  <a:srgbClr val="374552"/>
+                </a:solidFill>
+                <a:latin typeface="Tahoma" panose="020B0604030504040204" pitchFamily="34" charset="0"/>
+                <a:ea typeface="Tahoma" panose="020B0604030504040204" pitchFamily="34" charset="0"/>
+                <a:cs typeface="Tahoma" panose="020B0604030504040204" pitchFamily="34" charset="0"/>
+              </a:rPr>
+              <a:t>feedback</a:t>
+            </a:r>
+            <a:r>
+              <a:rPr lang="en-US" sz="1600" spc="60" dirty="0">
+                <a:solidFill>
+                  <a:srgbClr val="374552"/>
+                </a:solidFill>
+                <a:latin typeface="Tahoma" panose="020B0604030504040204" pitchFamily="34" charset="0"/>
+                <a:ea typeface="Tahoma" panose="020B0604030504040204" pitchFamily="34" charset="0"/>
+                <a:cs typeface="Tahoma" panose="020B0604030504040204" pitchFamily="34" charset="0"/>
+              </a:rPr>
+              <a:t> </a:t>
+            </a:r>
+            <a:r>
+              <a:rPr lang="en-US" sz="1600" spc="25" dirty="0">
+                <a:solidFill>
+                  <a:srgbClr val="374552"/>
+                </a:solidFill>
+                <a:latin typeface="Tahoma" panose="020B0604030504040204" pitchFamily="34" charset="0"/>
+                <a:ea typeface="Tahoma" panose="020B0604030504040204" pitchFamily="34" charset="0"/>
+                <a:cs typeface="Tahoma" panose="020B0604030504040204" pitchFamily="34" charset="0"/>
+              </a:rPr>
+              <a:t>and </a:t>
+            </a:r>
+            <a:r>
+              <a:rPr lang="en-US" sz="1600" spc="-10" dirty="0">
+                <a:solidFill>
+                  <a:srgbClr val="374552"/>
+                </a:solidFill>
+                <a:latin typeface="Tahoma" panose="020B0604030504040204" pitchFamily="34" charset="0"/>
+                <a:ea typeface="Tahoma" panose="020B0604030504040204" pitchFamily="34" charset="0"/>
+                <a:cs typeface="Tahoma" panose="020B0604030504040204" pitchFamily="34" charset="0"/>
+              </a:rPr>
+              <a:t>recommendations.</a:t>
+            </a:r>
+            <a:endParaRPr lang="en-US" sz="1600" dirty="0">
+              <a:latin typeface="Tahoma" panose="020B0604030504040204" pitchFamily="34" charset="0"/>
+              <a:ea typeface="Tahoma" panose="020B0604030504040204" pitchFamily="34" charset="0"/>
+              <a:cs typeface="Tahoma" panose="020B0604030504040204" pitchFamily="34" charset="0"/>
+            </a:endParaRPr>
+          </a:p>
+          <a:p>
+            <a:endParaRPr lang="en-IN" dirty="0">
+              <a:latin typeface="Tahoma" panose="020B0604030504040204" pitchFamily="34" charset="0"/>
+              <a:ea typeface="Tahoma" panose="020B0604030504040204" pitchFamily="34" charset="0"/>
+              <a:cs typeface="Tahoma" panose="020B0604030504040204" pitchFamily="34" charset="0"/>
+            </a:endParaRPr>
+          </a:p>
+        </p:txBody>
+      </p:sp>
+      <p:sp>
+        <p:nvSpPr>
+          <p:cNvPr id="7" name="TextBox 6">
+            <a:extLst>
+              <a:ext uri="{FF2B5EF4-FFF2-40B4-BE49-F238E27FC236}">
+                <a16:creationId xmlns:a16="http://schemas.microsoft.com/office/drawing/2014/main" id="{F74187A8-8E97-E693-20A1-7B00A43A7EC6}"/>
+              </a:ext>
+            </a:extLst>
+          </p:cNvPr>
+          <p:cNvSpPr txBox="1"/>
+          <p:nvPr/>
+        </p:nvSpPr>
+        <p:spPr>
+          <a:xfrm>
+            <a:off x="6096000" y="2185416"/>
+            <a:ext cx="2834640" cy="2834622"/>
+          </a:xfrm>
+          <a:prstGeom prst="rect">
+            <a:avLst/>
+          </a:prstGeom>
+          <a:noFill/>
+        </p:spPr>
+        <p:txBody>
+          <a:bodyPr wrap="square" rtlCol="0">
+            <a:spAutoFit/>
+          </a:bodyPr>
+          <a:lstStyle/>
+          <a:p>
+            <a:pPr algn="ctr">
+              <a:lnSpc>
+                <a:spcPct val="100000"/>
+              </a:lnSpc>
+              <a:spcBef>
+                <a:spcPts val="130"/>
+              </a:spcBef>
+            </a:pPr>
+            <a:r>
+              <a:rPr lang="en-US" sz="5400" b="1" spc="-350" dirty="0">
+                <a:latin typeface="Tahoma" panose="020B0604030504040204" pitchFamily="34" charset="0"/>
+                <a:ea typeface="Tahoma" panose="020B0604030504040204" pitchFamily="34" charset="0"/>
+                <a:cs typeface="Tahoma" panose="020B0604030504040204" pitchFamily="34" charset="0"/>
+              </a:rPr>
+              <a:t>4.</a:t>
+            </a:r>
+            <a:r>
+              <a:rPr lang="en-US" sz="5400" b="1" spc="-885" dirty="0">
+                <a:latin typeface="Tahoma" panose="020B0604030504040204" pitchFamily="34" charset="0"/>
+                <a:ea typeface="Tahoma" panose="020B0604030504040204" pitchFamily="34" charset="0"/>
+                <a:cs typeface="Tahoma" panose="020B0604030504040204" pitchFamily="34" charset="0"/>
+              </a:rPr>
+              <a:t>7</a:t>
+            </a:r>
+            <a:r>
+              <a:rPr lang="en-US" sz="5400" b="1" spc="-350" dirty="0">
+                <a:latin typeface="Tahoma" panose="020B0604030504040204" pitchFamily="34" charset="0"/>
+                <a:ea typeface="Tahoma" panose="020B0604030504040204" pitchFamily="34" charset="0"/>
+                <a:cs typeface="Tahoma" panose="020B0604030504040204" pitchFamily="34" charset="0"/>
+              </a:rPr>
+              <a:t>/</a:t>
+            </a:r>
+            <a:r>
+              <a:rPr lang="en-US" sz="5400" b="1" spc="-340" dirty="0">
+                <a:latin typeface="Tahoma" panose="020B0604030504040204" pitchFamily="34" charset="0"/>
+                <a:ea typeface="Tahoma" panose="020B0604030504040204" pitchFamily="34" charset="0"/>
+                <a:cs typeface="Tahoma" panose="020B0604030504040204" pitchFamily="34" charset="0"/>
+              </a:rPr>
+              <a:t>5</a:t>
+            </a:r>
+            <a:endParaRPr lang="en-US" sz="5400" dirty="0">
+              <a:latin typeface="Tahoma" panose="020B0604030504040204" pitchFamily="34" charset="0"/>
+              <a:ea typeface="Tahoma" panose="020B0604030504040204" pitchFamily="34" charset="0"/>
+              <a:cs typeface="Tahoma" panose="020B0604030504040204" pitchFamily="34" charset="0"/>
+            </a:endParaRPr>
+          </a:p>
+          <a:p>
+            <a:pPr algn="ctr">
+              <a:lnSpc>
+                <a:spcPct val="100000"/>
+              </a:lnSpc>
+              <a:spcBef>
+                <a:spcPts val="1335"/>
+              </a:spcBef>
+            </a:pPr>
+            <a:r>
+              <a:rPr lang="en-US" sz="2400" b="1" spc="-85" dirty="0">
+                <a:latin typeface="Tahoma" panose="020B0604030504040204" pitchFamily="34" charset="0"/>
+                <a:ea typeface="Tahoma" panose="020B0604030504040204" pitchFamily="34" charset="0"/>
+                <a:cs typeface="Tahoma" panose="020B0604030504040204" pitchFamily="34" charset="0"/>
+              </a:rPr>
+              <a:t>User</a:t>
+            </a:r>
+            <a:r>
+              <a:rPr lang="en-US" sz="2400" b="1" spc="-90" dirty="0">
+                <a:latin typeface="Tahoma" panose="020B0604030504040204" pitchFamily="34" charset="0"/>
+                <a:ea typeface="Tahoma" panose="020B0604030504040204" pitchFamily="34" charset="0"/>
+                <a:cs typeface="Tahoma" panose="020B0604030504040204" pitchFamily="34" charset="0"/>
+              </a:rPr>
+              <a:t> </a:t>
+            </a:r>
+            <a:r>
+              <a:rPr lang="en-US" sz="2400" b="1" spc="-100" dirty="0">
+                <a:latin typeface="Tahoma" panose="020B0604030504040204" pitchFamily="34" charset="0"/>
+                <a:ea typeface="Tahoma" panose="020B0604030504040204" pitchFamily="34" charset="0"/>
+                <a:cs typeface="Tahoma" panose="020B0604030504040204" pitchFamily="34" charset="0"/>
+              </a:rPr>
+              <a:t>Interface</a:t>
+            </a:r>
+            <a:r>
+              <a:rPr lang="en-US" sz="2400" b="1" spc="-85" dirty="0">
+                <a:latin typeface="Tahoma" panose="020B0604030504040204" pitchFamily="34" charset="0"/>
+                <a:ea typeface="Tahoma" panose="020B0604030504040204" pitchFamily="34" charset="0"/>
+                <a:cs typeface="Tahoma" panose="020B0604030504040204" pitchFamily="34" charset="0"/>
+              </a:rPr>
+              <a:t> </a:t>
+            </a:r>
+            <a:r>
+              <a:rPr lang="en-US" sz="2400" b="1" spc="-10" dirty="0">
+                <a:latin typeface="Tahoma" panose="020B0604030504040204" pitchFamily="34" charset="0"/>
+                <a:ea typeface="Tahoma" panose="020B0604030504040204" pitchFamily="34" charset="0"/>
+                <a:cs typeface="Tahoma" panose="020B0604030504040204" pitchFamily="34" charset="0"/>
+              </a:rPr>
+              <a:t>Score</a:t>
+            </a:r>
+            <a:endParaRPr lang="en-US" sz="2400" dirty="0">
+              <a:latin typeface="Tahoma" panose="020B0604030504040204" pitchFamily="34" charset="0"/>
+              <a:ea typeface="Tahoma" panose="020B0604030504040204" pitchFamily="34" charset="0"/>
+              <a:cs typeface="Tahoma" panose="020B0604030504040204" pitchFamily="34" charset="0"/>
+            </a:endParaRPr>
+          </a:p>
+          <a:p>
+            <a:pPr marL="12065" marR="5080" algn="ctr">
+              <a:lnSpc>
+                <a:spcPct val="135000"/>
+              </a:lnSpc>
+              <a:spcBef>
+                <a:spcPts val="520"/>
+              </a:spcBef>
+            </a:pPr>
+            <a:r>
+              <a:rPr lang="en-US" sz="1600" dirty="0">
+                <a:solidFill>
+                  <a:srgbClr val="374552"/>
+                </a:solidFill>
+                <a:latin typeface="Tahoma" panose="020B0604030504040204" pitchFamily="34" charset="0"/>
+                <a:ea typeface="Tahoma" panose="020B0604030504040204" pitchFamily="34" charset="0"/>
+                <a:cs typeface="Tahoma" panose="020B0604030504040204" pitchFamily="34" charset="0"/>
+              </a:rPr>
+              <a:t>Exceptional</a:t>
+            </a:r>
+            <a:r>
+              <a:rPr lang="en-US" sz="1600" spc="45" dirty="0">
+                <a:solidFill>
+                  <a:srgbClr val="374552"/>
+                </a:solidFill>
+                <a:latin typeface="Tahoma" panose="020B0604030504040204" pitchFamily="34" charset="0"/>
+                <a:ea typeface="Tahoma" panose="020B0604030504040204" pitchFamily="34" charset="0"/>
+                <a:cs typeface="Tahoma" panose="020B0604030504040204" pitchFamily="34" charset="0"/>
+              </a:rPr>
+              <a:t> </a:t>
+            </a:r>
+            <a:r>
+              <a:rPr lang="en-US" sz="1600" dirty="0">
+                <a:solidFill>
+                  <a:srgbClr val="374552"/>
+                </a:solidFill>
+                <a:latin typeface="Tahoma" panose="020B0604030504040204" pitchFamily="34" charset="0"/>
+                <a:ea typeface="Tahoma" panose="020B0604030504040204" pitchFamily="34" charset="0"/>
+                <a:cs typeface="Tahoma" panose="020B0604030504040204" pitchFamily="34" charset="0"/>
+              </a:rPr>
+              <a:t>usability</a:t>
+            </a:r>
+            <a:r>
+              <a:rPr lang="en-US" sz="1600" spc="45" dirty="0">
+                <a:solidFill>
+                  <a:srgbClr val="374552"/>
+                </a:solidFill>
+                <a:latin typeface="Tahoma" panose="020B0604030504040204" pitchFamily="34" charset="0"/>
+                <a:ea typeface="Tahoma" panose="020B0604030504040204" pitchFamily="34" charset="0"/>
+                <a:cs typeface="Tahoma" panose="020B0604030504040204" pitchFamily="34" charset="0"/>
+              </a:rPr>
+              <a:t> </a:t>
+            </a:r>
+            <a:r>
+              <a:rPr lang="en-US" sz="1600" spc="25" dirty="0">
+                <a:solidFill>
+                  <a:srgbClr val="374552"/>
+                </a:solidFill>
+                <a:latin typeface="Tahoma" panose="020B0604030504040204" pitchFamily="34" charset="0"/>
+                <a:ea typeface="Tahoma" panose="020B0604030504040204" pitchFamily="34" charset="0"/>
+                <a:cs typeface="Tahoma" panose="020B0604030504040204" pitchFamily="34" charset="0"/>
+              </a:rPr>
+              <a:t>and </a:t>
+            </a:r>
+            <a:r>
+              <a:rPr lang="en-US" sz="1600" spc="-10" dirty="0">
+                <a:solidFill>
+                  <a:srgbClr val="374552"/>
+                </a:solidFill>
+                <a:latin typeface="Tahoma" panose="020B0604030504040204" pitchFamily="34" charset="0"/>
+                <a:ea typeface="Tahoma" panose="020B0604030504040204" pitchFamily="34" charset="0"/>
+                <a:cs typeface="Tahoma" panose="020B0604030504040204" pitchFamily="34" charset="0"/>
+              </a:rPr>
+              <a:t>satisfaction.</a:t>
+            </a:r>
+            <a:endParaRPr lang="en-US" sz="1600" dirty="0">
+              <a:latin typeface="Tahoma" panose="020B0604030504040204" pitchFamily="34" charset="0"/>
+              <a:ea typeface="Tahoma" panose="020B0604030504040204" pitchFamily="34" charset="0"/>
+              <a:cs typeface="Tahoma" panose="020B0604030504040204" pitchFamily="34" charset="0"/>
+            </a:endParaRPr>
+          </a:p>
+          <a:p>
+            <a:endParaRPr lang="en-IN" dirty="0">
+              <a:latin typeface="Tahoma" panose="020B0604030504040204" pitchFamily="34" charset="0"/>
+              <a:ea typeface="Tahoma" panose="020B0604030504040204" pitchFamily="34" charset="0"/>
+              <a:cs typeface="Tahoma" panose="020B0604030504040204" pitchFamily="34" charset="0"/>
+            </a:endParaRPr>
+          </a:p>
+        </p:txBody>
+      </p:sp>
+      <p:sp>
+        <p:nvSpPr>
+          <p:cNvPr id="8" name="TextBox 7">
+            <a:extLst>
+              <a:ext uri="{FF2B5EF4-FFF2-40B4-BE49-F238E27FC236}">
+                <a16:creationId xmlns:a16="http://schemas.microsoft.com/office/drawing/2014/main" id="{53F4EBC7-8BC3-876A-9A1E-648962BA3628}"/>
+              </a:ext>
+            </a:extLst>
+          </p:cNvPr>
+          <p:cNvSpPr txBox="1"/>
+          <p:nvPr/>
+        </p:nvSpPr>
+        <p:spPr>
+          <a:xfrm>
+            <a:off x="9357360" y="2185416"/>
+            <a:ext cx="2834640" cy="2492740"/>
+          </a:xfrm>
+          <a:prstGeom prst="rect">
+            <a:avLst/>
+          </a:prstGeom>
+          <a:noFill/>
+        </p:spPr>
+        <p:txBody>
+          <a:bodyPr wrap="square" rtlCol="0">
+            <a:spAutoFit/>
+          </a:bodyPr>
+          <a:lstStyle/>
+          <a:p>
+            <a:pPr algn="ctr">
+              <a:lnSpc>
+                <a:spcPct val="100000"/>
+              </a:lnSpc>
+              <a:spcBef>
+                <a:spcPts val="130"/>
+              </a:spcBef>
+            </a:pPr>
+            <a:r>
+              <a:rPr lang="en-US" sz="5400" b="1" spc="-620" dirty="0">
+                <a:latin typeface="Tahoma" panose="020B0604030504040204" pitchFamily="34" charset="0"/>
+                <a:ea typeface="Tahoma" panose="020B0604030504040204" pitchFamily="34" charset="0"/>
+                <a:cs typeface="Tahoma" panose="020B0604030504040204" pitchFamily="34" charset="0"/>
+              </a:rPr>
+              <a:t>99.9%</a:t>
+            </a:r>
+            <a:endParaRPr lang="en-US" sz="5400" dirty="0">
+              <a:latin typeface="Tahoma" panose="020B0604030504040204" pitchFamily="34" charset="0"/>
+              <a:ea typeface="Tahoma" panose="020B0604030504040204" pitchFamily="34" charset="0"/>
+              <a:cs typeface="Tahoma" panose="020B0604030504040204" pitchFamily="34" charset="0"/>
+            </a:endParaRPr>
+          </a:p>
+          <a:p>
+            <a:pPr algn="ctr">
+              <a:lnSpc>
+                <a:spcPct val="100000"/>
+              </a:lnSpc>
+              <a:spcBef>
+                <a:spcPts val="1335"/>
+              </a:spcBef>
+            </a:pPr>
+            <a:r>
+              <a:rPr lang="en-US" sz="2400" b="1" spc="-95" dirty="0">
+                <a:latin typeface="Tahoma" panose="020B0604030504040204" pitchFamily="34" charset="0"/>
+                <a:ea typeface="Tahoma" panose="020B0604030504040204" pitchFamily="34" charset="0"/>
+                <a:cs typeface="Tahoma" panose="020B0604030504040204" pitchFamily="34" charset="0"/>
+              </a:rPr>
+              <a:t>System</a:t>
+            </a:r>
+            <a:r>
+              <a:rPr lang="en-US" sz="2400" b="1" spc="-114" dirty="0">
+                <a:latin typeface="Tahoma" panose="020B0604030504040204" pitchFamily="34" charset="0"/>
+                <a:ea typeface="Tahoma" panose="020B0604030504040204" pitchFamily="34" charset="0"/>
+                <a:cs typeface="Tahoma" panose="020B0604030504040204" pitchFamily="34" charset="0"/>
+              </a:rPr>
+              <a:t> </a:t>
+            </a:r>
+            <a:r>
+              <a:rPr lang="en-US" sz="2400" b="1" spc="-10" dirty="0">
+                <a:latin typeface="Tahoma" panose="020B0604030504040204" pitchFamily="34" charset="0"/>
+                <a:ea typeface="Tahoma" panose="020B0604030504040204" pitchFamily="34" charset="0"/>
+                <a:cs typeface="Tahoma" panose="020B0604030504040204" pitchFamily="34" charset="0"/>
+              </a:rPr>
+              <a:t>Uptime</a:t>
+            </a:r>
+            <a:endParaRPr lang="en-US" sz="2400" dirty="0">
+              <a:latin typeface="Tahoma" panose="020B0604030504040204" pitchFamily="34" charset="0"/>
+              <a:ea typeface="Tahoma" panose="020B0604030504040204" pitchFamily="34" charset="0"/>
+              <a:cs typeface="Tahoma" panose="020B0604030504040204" pitchFamily="34" charset="0"/>
+            </a:endParaRPr>
+          </a:p>
+          <a:p>
+            <a:pPr marL="12065" marR="5080" algn="ctr">
+              <a:lnSpc>
+                <a:spcPct val="135000"/>
+              </a:lnSpc>
+              <a:spcBef>
+                <a:spcPts val="520"/>
+              </a:spcBef>
+            </a:pPr>
+            <a:r>
+              <a:rPr lang="en-US" sz="1600" dirty="0">
+                <a:solidFill>
+                  <a:srgbClr val="374552"/>
+                </a:solidFill>
+                <a:latin typeface="Tahoma" panose="020B0604030504040204" pitchFamily="34" charset="0"/>
+                <a:ea typeface="Tahoma" panose="020B0604030504040204" pitchFamily="34" charset="0"/>
+                <a:cs typeface="Tahoma" panose="020B0604030504040204" pitchFamily="34" charset="0"/>
+              </a:rPr>
+              <a:t>Consistent </a:t>
+            </a:r>
+            <a:r>
+              <a:rPr lang="en-US" sz="1600" spc="-10" dirty="0">
+                <a:solidFill>
+                  <a:srgbClr val="374552"/>
+                </a:solidFill>
+                <a:latin typeface="Tahoma" panose="020B0604030504040204" pitchFamily="34" charset="0"/>
+                <a:ea typeface="Tahoma" panose="020B0604030504040204" pitchFamily="34" charset="0"/>
+                <a:cs typeface="Tahoma" panose="020B0604030504040204" pitchFamily="34" charset="0"/>
+              </a:rPr>
+              <a:t>availability</a:t>
+            </a:r>
+            <a:r>
+              <a:rPr lang="en-US" sz="1600" dirty="0">
+                <a:solidFill>
+                  <a:srgbClr val="374552"/>
+                </a:solidFill>
+                <a:latin typeface="Tahoma" panose="020B0604030504040204" pitchFamily="34" charset="0"/>
+                <a:ea typeface="Tahoma" panose="020B0604030504040204" pitchFamily="34" charset="0"/>
+                <a:cs typeface="Tahoma" panose="020B0604030504040204" pitchFamily="34" charset="0"/>
+              </a:rPr>
+              <a:t> </a:t>
+            </a:r>
+            <a:r>
+              <a:rPr lang="en-US" sz="1600" spc="25" dirty="0">
+                <a:solidFill>
+                  <a:srgbClr val="374552"/>
+                </a:solidFill>
+                <a:latin typeface="Tahoma" panose="020B0604030504040204" pitchFamily="34" charset="0"/>
+                <a:ea typeface="Tahoma" panose="020B0604030504040204" pitchFamily="34" charset="0"/>
+                <a:cs typeface="Tahoma" panose="020B0604030504040204" pitchFamily="34" charset="0"/>
+              </a:rPr>
+              <a:t>and </a:t>
+            </a:r>
+            <a:r>
+              <a:rPr lang="en-US" sz="1600" spc="-10" dirty="0">
+                <a:solidFill>
+                  <a:srgbClr val="374552"/>
+                </a:solidFill>
+                <a:latin typeface="Tahoma" panose="020B0604030504040204" pitchFamily="34" charset="0"/>
+                <a:ea typeface="Tahoma" panose="020B0604030504040204" pitchFamily="34" charset="0"/>
+                <a:cs typeface="Tahoma" panose="020B0604030504040204" pitchFamily="34" charset="0"/>
+              </a:rPr>
+              <a:t>reliability.</a:t>
+            </a:r>
+            <a:endParaRPr lang="en-US" sz="1600" dirty="0">
+              <a:latin typeface="Tahoma" panose="020B0604030504040204" pitchFamily="34" charset="0"/>
+              <a:ea typeface="Tahoma" panose="020B0604030504040204" pitchFamily="34" charset="0"/>
+              <a:cs typeface="Tahoma" panose="020B0604030504040204" pitchFamily="34" charset="0"/>
+            </a:endParaRPr>
+          </a:p>
+          <a:p>
+            <a:endParaRPr lang="en-IN" dirty="0">
+              <a:latin typeface="Tahoma" panose="020B0604030504040204" pitchFamily="34" charset="0"/>
+              <a:ea typeface="Tahoma" panose="020B0604030504040204" pitchFamily="34" charset="0"/>
+              <a:cs typeface="Tahoma" panose="020B0604030504040204" pitchFamily="34" charset="0"/>
+            </a:endParaRPr>
+          </a:p>
+        </p:txBody>
+      </p:sp>
+    </p:spTree>
+    <p:extLst>
+      <p:ext uri="{BB962C8B-B14F-4D97-AF65-F5344CB8AC3E}">
+        <p14:creationId xmlns:p14="http://schemas.microsoft.com/office/powerpoint/2010/main" val="3921027233"/>
+      </p:ext>
+    </p:extLst>
+  </p:cSld>
+  <p:clrMapOvr>
+    <a:masterClrMapping/>
+  </p:clrMapOvr>
+</p:sld>
+</file>
+
+<file path=ppt/slides/slide27.xml><?xml version="1.0" encoding="utf-8"?>
+<p:sld xmlns:a="http://schemas.openxmlformats.org/drawingml/2006/main" xmlns:r="http://schemas.openxmlformats.org/officeDocument/2006/relationships" xmlns:p="http://schemas.openxmlformats.org/presentationml/2006/main">
+  <p:cSld>
+    <p:spTree>
+      <p:nvGrpSpPr>
+        <p:cNvPr id="1" name=""/>
+        <p:cNvGrpSpPr/>
+        <p:nvPr/>
+      </p:nvGrpSpPr>
+      <p:grpSpPr>
+        <a:xfrm>
+          <a:off x="0" y="0"/>
+          <a:ext cx="0" cy="0"/>
+          <a:chOff x="0" y="0"/>
+          <a:chExt cx="0" cy="0"/>
+        </a:xfrm>
+      </p:grpSpPr>
+      <p:sp>
+        <p:nvSpPr>
+          <p:cNvPr id="2" name="Title 1">
+            <a:extLst>
+              <a:ext uri="{FF2B5EF4-FFF2-40B4-BE49-F238E27FC236}">
+                <a16:creationId xmlns:a16="http://schemas.microsoft.com/office/drawing/2014/main" id="{C55932FE-DF4C-B6E2-6BEE-1AAEF26CF280}"/>
+              </a:ext>
+            </a:extLst>
+          </p:cNvPr>
+          <p:cNvSpPr>
+            <a:spLocks noGrp="1"/>
+          </p:cNvSpPr>
+          <p:nvPr>
+            <p:ph type="title"/>
+          </p:nvPr>
+        </p:nvSpPr>
+        <p:spPr/>
+        <p:txBody>
+          <a:bodyPr>
+            <a:normAutofit/>
+          </a:bodyPr>
+          <a:lstStyle/>
+          <a:p>
+            <a:r>
+              <a:rPr lang="en-IN" sz="4000" u="sng" spc="-229" dirty="0">
+                <a:latin typeface="Tahoma" panose="020B0604030504040204" pitchFamily="34" charset="0"/>
+                <a:ea typeface="Tahoma" panose="020B0604030504040204" pitchFamily="34" charset="0"/>
+                <a:cs typeface="Tahoma" panose="020B0604030504040204" pitchFamily="34" charset="0"/>
+              </a:rPr>
+              <a:t>Future </a:t>
+            </a:r>
+            <a:r>
+              <a:rPr lang="en-IN" sz="4000" u="sng" spc="-200" dirty="0">
+                <a:latin typeface="Tahoma" panose="020B0604030504040204" pitchFamily="34" charset="0"/>
+                <a:ea typeface="Tahoma" panose="020B0604030504040204" pitchFamily="34" charset="0"/>
+                <a:cs typeface="Tahoma" panose="020B0604030504040204" pitchFamily="34" charset="0"/>
+              </a:rPr>
+              <a:t>Enhancements:</a:t>
+            </a:r>
+            <a:r>
+              <a:rPr lang="en-IN" sz="4000" u="sng" spc="-229" dirty="0">
+                <a:latin typeface="Tahoma" panose="020B0604030504040204" pitchFamily="34" charset="0"/>
+                <a:ea typeface="Tahoma" panose="020B0604030504040204" pitchFamily="34" charset="0"/>
+                <a:cs typeface="Tahoma" panose="020B0604030504040204" pitchFamily="34" charset="0"/>
+              </a:rPr>
+              <a:t> </a:t>
+            </a:r>
+            <a:r>
+              <a:rPr lang="en-IN" sz="4000" u="sng" spc="-145" dirty="0">
+                <a:latin typeface="Tahoma" panose="020B0604030504040204" pitchFamily="34" charset="0"/>
+                <a:ea typeface="Tahoma" panose="020B0604030504040204" pitchFamily="34" charset="0"/>
+                <a:cs typeface="Tahoma" panose="020B0604030504040204" pitchFamily="34" charset="0"/>
+              </a:rPr>
+              <a:t>Scaling </a:t>
+            </a:r>
+            <a:r>
+              <a:rPr lang="en-IN" sz="4000" u="sng" spc="-295" dirty="0">
+                <a:latin typeface="Tahoma" panose="020B0604030504040204" pitchFamily="34" charset="0"/>
+                <a:ea typeface="Tahoma" panose="020B0604030504040204" pitchFamily="34" charset="0"/>
+                <a:cs typeface="Tahoma" panose="020B0604030504040204" pitchFamily="34" charset="0"/>
+              </a:rPr>
+              <a:t>Impact</a:t>
+            </a:r>
+            <a:endParaRPr lang="en-IN" sz="4000" u="sng" dirty="0">
+              <a:latin typeface="Tahoma" panose="020B0604030504040204" pitchFamily="34" charset="0"/>
+              <a:ea typeface="Tahoma" panose="020B0604030504040204" pitchFamily="34" charset="0"/>
+              <a:cs typeface="Tahoma" panose="020B0604030504040204" pitchFamily="34" charset="0"/>
+            </a:endParaRPr>
+          </a:p>
+        </p:txBody>
+      </p:sp>
+      <p:sp>
+        <p:nvSpPr>
+          <p:cNvPr id="3" name="Content Placeholder 2">
+            <a:extLst>
+              <a:ext uri="{FF2B5EF4-FFF2-40B4-BE49-F238E27FC236}">
+                <a16:creationId xmlns:a16="http://schemas.microsoft.com/office/drawing/2014/main" id="{5B783335-3802-00B5-03AF-3D391D61F2CA}"/>
+              </a:ext>
+            </a:extLst>
+          </p:cNvPr>
+          <p:cNvSpPr>
+            <a:spLocks noGrp="1"/>
+          </p:cNvSpPr>
+          <p:nvPr>
+            <p:ph idx="1"/>
+          </p:nvPr>
+        </p:nvSpPr>
+        <p:spPr/>
+        <p:txBody>
+          <a:bodyPr>
+            <a:normAutofit lnSpcReduction="10000"/>
+          </a:bodyPr>
+          <a:lstStyle/>
+          <a:p>
+            <a:pPr marL="12700">
+              <a:lnSpc>
+                <a:spcPct val="100000"/>
+              </a:lnSpc>
+              <a:spcBef>
+                <a:spcPts val="135"/>
+              </a:spcBef>
+            </a:pPr>
+            <a:r>
+              <a:rPr lang="en-US" sz="3500" spc="-110" dirty="0">
+                <a:latin typeface="Tahoma"/>
+                <a:cs typeface="Tahoma"/>
+              </a:rPr>
+              <a:t>Mobile</a:t>
+            </a:r>
+            <a:r>
+              <a:rPr lang="en-US" sz="3500" spc="-150" dirty="0">
+                <a:latin typeface="Tahoma"/>
+                <a:cs typeface="Tahoma"/>
+              </a:rPr>
+              <a:t> </a:t>
+            </a:r>
+            <a:r>
+              <a:rPr lang="en-US" sz="3500" spc="-10" dirty="0">
+                <a:latin typeface="Tahoma"/>
+                <a:cs typeface="Tahoma"/>
+              </a:rPr>
+              <a:t>Application</a:t>
+            </a:r>
+            <a:endParaRPr lang="en-US" sz="3500" dirty="0">
+              <a:latin typeface="Tahoma"/>
+              <a:cs typeface="Tahoma"/>
+            </a:endParaRPr>
+          </a:p>
+          <a:p>
+            <a:pPr marL="0" indent="0">
+              <a:lnSpc>
+                <a:spcPct val="100000"/>
+              </a:lnSpc>
+              <a:spcBef>
+                <a:spcPts val="1120"/>
+              </a:spcBef>
+              <a:buNone/>
+            </a:pPr>
+            <a:r>
+              <a:rPr lang="en-US" sz="3000" dirty="0">
+                <a:solidFill>
+                  <a:srgbClr val="374552"/>
+                </a:solidFill>
+                <a:latin typeface="Tahoma" panose="020B0604030504040204" pitchFamily="34" charset="0"/>
+                <a:ea typeface="Tahoma" panose="020B0604030504040204" pitchFamily="34" charset="0"/>
+                <a:cs typeface="Tahoma" panose="020B0604030504040204" pitchFamily="34" charset="0"/>
+              </a:rPr>
+              <a:t>  Reach</a:t>
+            </a:r>
+            <a:r>
+              <a:rPr lang="en-US" sz="3000" spc="85" dirty="0">
+                <a:solidFill>
+                  <a:srgbClr val="374552"/>
+                </a:solidFill>
+                <a:latin typeface="Tahoma" panose="020B0604030504040204" pitchFamily="34" charset="0"/>
+                <a:ea typeface="Tahoma" panose="020B0604030504040204" pitchFamily="34" charset="0"/>
+                <a:cs typeface="Tahoma" panose="020B0604030504040204" pitchFamily="34" charset="0"/>
+              </a:rPr>
+              <a:t> </a:t>
+            </a:r>
+            <a:r>
+              <a:rPr lang="en-US" sz="3000" dirty="0">
+                <a:solidFill>
+                  <a:srgbClr val="374552"/>
+                </a:solidFill>
+                <a:latin typeface="Tahoma" panose="020B0604030504040204" pitchFamily="34" charset="0"/>
+                <a:ea typeface="Tahoma" panose="020B0604030504040204" pitchFamily="34" charset="0"/>
+                <a:cs typeface="Tahoma" panose="020B0604030504040204" pitchFamily="34" charset="0"/>
+              </a:rPr>
+              <a:t>a</a:t>
+            </a:r>
+            <a:r>
+              <a:rPr lang="en-US" sz="3000" spc="90" dirty="0">
+                <a:solidFill>
+                  <a:srgbClr val="374552"/>
+                </a:solidFill>
+                <a:latin typeface="Tahoma" panose="020B0604030504040204" pitchFamily="34" charset="0"/>
+                <a:ea typeface="Tahoma" panose="020B0604030504040204" pitchFamily="34" charset="0"/>
+                <a:cs typeface="Tahoma" panose="020B0604030504040204" pitchFamily="34" charset="0"/>
+              </a:rPr>
+              <a:t> </a:t>
+            </a:r>
+            <a:r>
+              <a:rPr lang="en-US" sz="3000" dirty="0">
+                <a:solidFill>
+                  <a:srgbClr val="374552"/>
+                </a:solidFill>
+                <a:latin typeface="Tahoma" panose="020B0604030504040204" pitchFamily="34" charset="0"/>
+                <a:ea typeface="Tahoma" panose="020B0604030504040204" pitchFamily="34" charset="0"/>
+                <a:cs typeface="Tahoma" panose="020B0604030504040204" pitchFamily="34" charset="0"/>
+              </a:rPr>
+              <a:t>wider</a:t>
+            </a:r>
+            <a:r>
+              <a:rPr lang="en-US" sz="3000" spc="85" dirty="0">
+                <a:solidFill>
+                  <a:srgbClr val="374552"/>
+                </a:solidFill>
+                <a:latin typeface="Tahoma" panose="020B0604030504040204" pitchFamily="34" charset="0"/>
+                <a:ea typeface="Tahoma" panose="020B0604030504040204" pitchFamily="34" charset="0"/>
+                <a:cs typeface="Tahoma" panose="020B0604030504040204" pitchFamily="34" charset="0"/>
+              </a:rPr>
+              <a:t> </a:t>
+            </a:r>
+            <a:r>
+              <a:rPr lang="en-US" sz="3000" dirty="0">
+                <a:solidFill>
+                  <a:srgbClr val="374552"/>
+                </a:solidFill>
+                <a:latin typeface="Tahoma" panose="020B0604030504040204" pitchFamily="34" charset="0"/>
+                <a:ea typeface="Tahoma" panose="020B0604030504040204" pitchFamily="34" charset="0"/>
+                <a:cs typeface="Tahoma" panose="020B0604030504040204" pitchFamily="34" charset="0"/>
+              </a:rPr>
+              <a:t>audience</a:t>
+            </a:r>
+            <a:r>
+              <a:rPr lang="en-US" sz="3000" spc="90" dirty="0">
+                <a:solidFill>
+                  <a:srgbClr val="374552"/>
+                </a:solidFill>
+                <a:latin typeface="Tahoma" panose="020B0604030504040204" pitchFamily="34" charset="0"/>
+                <a:ea typeface="Tahoma" panose="020B0604030504040204" pitchFamily="34" charset="0"/>
+                <a:cs typeface="Tahoma" panose="020B0604030504040204" pitchFamily="34" charset="0"/>
+              </a:rPr>
+              <a:t> </a:t>
+            </a:r>
+            <a:r>
+              <a:rPr lang="en-US" sz="3000" dirty="0">
+                <a:solidFill>
+                  <a:srgbClr val="374552"/>
+                </a:solidFill>
+                <a:latin typeface="Tahoma" panose="020B0604030504040204" pitchFamily="34" charset="0"/>
+                <a:ea typeface="Tahoma" panose="020B0604030504040204" pitchFamily="34" charset="0"/>
+                <a:cs typeface="Tahoma" panose="020B0604030504040204" pitchFamily="34" charset="0"/>
+              </a:rPr>
+              <a:t>on-the-</a:t>
+            </a:r>
+            <a:r>
+              <a:rPr lang="en-US" sz="3000" spc="-25" dirty="0">
+                <a:solidFill>
+                  <a:srgbClr val="374552"/>
+                </a:solidFill>
+                <a:latin typeface="Tahoma" panose="020B0604030504040204" pitchFamily="34" charset="0"/>
+                <a:ea typeface="Tahoma" panose="020B0604030504040204" pitchFamily="34" charset="0"/>
+                <a:cs typeface="Tahoma" panose="020B0604030504040204" pitchFamily="34" charset="0"/>
+              </a:rPr>
+              <a:t>go.</a:t>
+            </a:r>
+            <a:endParaRPr lang="en-US" sz="3000" dirty="0">
+              <a:latin typeface="Tahoma" panose="020B0604030504040204" pitchFamily="34" charset="0"/>
+              <a:ea typeface="Tahoma" panose="020B0604030504040204" pitchFamily="34" charset="0"/>
+              <a:cs typeface="Tahoma" panose="020B0604030504040204" pitchFamily="34" charset="0"/>
+            </a:endParaRPr>
+          </a:p>
+          <a:p>
+            <a:pPr marL="0" indent="0">
+              <a:lnSpc>
+                <a:spcPct val="100000"/>
+              </a:lnSpc>
+              <a:spcBef>
+                <a:spcPts val="85"/>
+              </a:spcBef>
+              <a:buNone/>
+            </a:pPr>
+            <a:endParaRPr lang="en-US" sz="3200" dirty="0">
+              <a:latin typeface="Tahoma" panose="020B0604030504040204" pitchFamily="34" charset="0"/>
+              <a:ea typeface="Tahoma" panose="020B0604030504040204" pitchFamily="34" charset="0"/>
+              <a:cs typeface="Tahoma" panose="020B0604030504040204" pitchFamily="34" charset="0"/>
+            </a:endParaRPr>
+          </a:p>
+          <a:p>
+            <a:pPr marL="12700">
+              <a:lnSpc>
+                <a:spcPct val="100000"/>
+              </a:lnSpc>
+              <a:spcBef>
+                <a:spcPts val="5"/>
+              </a:spcBef>
+            </a:pPr>
+            <a:r>
+              <a:rPr lang="en-US" sz="3200" spc="-80" dirty="0">
+                <a:latin typeface="Tahoma" panose="020B0604030504040204" pitchFamily="34" charset="0"/>
+                <a:ea typeface="Tahoma" panose="020B0604030504040204" pitchFamily="34" charset="0"/>
+                <a:cs typeface="Tahoma" panose="020B0604030504040204" pitchFamily="34" charset="0"/>
+              </a:rPr>
+              <a:t>Advanced</a:t>
+            </a:r>
+            <a:r>
+              <a:rPr lang="en-US" sz="3200" spc="-125" dirty="0">
+                <a:latin typeface="Tahoma" panose="020B0604030504040204" pitchFamily="34" charset="0"/>
+                <a:ea typeface="Tahoma" panose="020B0604030504040204" pitchFamily="34" charset="0"/>
+                <a:cs typeface="Tahoma" panose="020B0604030504040204" pitchFamily="34" charset="0"/>
+              </a:rPr>
+              <a:t> </a:t>
+            </a:r>
+            <a:r>
+              <a:rPr lang="en-US" sz="3200" spc="-140" dirty="0">
+                <a:latin typeface="Tahoma" panose="020B0604030504040204" pitchFamily="34" charset="0"/>
+                <a:ea typeface="Tahoma" panose="020B0604030504040204" pitchFamily="34" charset="0"/>
+                <a:cs typeface="Tahoma" panose="020B0604030504040204" pitchFamily="34" charset="0"/>
+              </a:rPr>
+              <a:t>ML</a:t>
+            </a:r>
+            <a:r>
+              <a:rPr lang="en-US" sz="3200" spc="-120" dirty="0">
+                <a:latin typeface="Tahoma" panose="020B0604030504040204" pitchFamily="34" charset="0"/>
+                <a:ea typeface="Tahoma" panose="020B0604030504040204" pitchFamily="34" charset="0"/>
+                <a:cs typeface="Tahoma" panose="020B0604030504040204" pitchFamily="34" charset="0"/>
+              </a:rPr>
+              <a:t> </a:t>
+            </a:r>
+            <a:r>
+              <a:rPr lang="en-US" sz="3200" spc="-10" dirty="0">
+                <a:latin typeface="Tahoma" panose="020B0604030504040204" pitchFamily="34" charset="0"/>
+                <a:ea typeface="Tahoma" panose="020B0604030504040204" pitchFamily="34" charset="0"/>
+                <a:cs typeface="Tahoma" panose="020B0604030504040204" pitchFamily="34" charset="0"/>
+              </a:rPr>
+              <a:t>Models</a:t>
+            </a:r>
+            <a:endParaRPr lang="en-US" sz="3200" dirty="0">
+              <a:latin typeface="Tahoma" panose="020B0604030504040204" pitchFamily="34" charset="0"/>
+              <a:ea typeface="Tahoma" panose="020B0604030504040204" pitchFamily="34" charset="0"/>
+              <a:cs typeface="Tahoma" panose="020B0604030504040204" pitchFamily="34" charset="0"/>
+            </a:endParaRPr>
+          </a:p>
+          <a:p>
+            <a:pPr marL="0" indent="0">
+              <a:lnSpc>
+                <a:spcPct val="100000"/>
+              </a:lnSpc>
+              <a:spcBef>
+                <a:spcPts val="1045"/>
+              </a:spcBef>
+              <a:buNone/>
+            </a:pPr>
+            <a:r>
+              <a:rPr lang="en-US" dirty="0">
+                <a:solidFill>
+                  <a:srgbClr val="374552"/>
+                </a:solidFill>
+                <a:latin typeface="Verdana"/>
+                <a:cs typeface="Verdana"/>
+              </a:rPr>
+              <a:t>  </a:t>
+            </a:r>
+            <a:r>
+              <a:rPr lang="en-US" dirty="0">
+                <a:solidFill>
+                  <a:srgbClr val="374552"/>
+                </a:solidFill>
+                <a:latin typeface="Tahoma" panose="020B0604030504040204" pitchFamily="34" charset="0"/>
+                <a:ea typeface="Tahoma" panose="020B0604030504040204" pitchFamily="34" charset="0"/>
+                <a:cs typeface="Tahoma" panose="020B0604030504040204" pitchFamily="34" charset="0"/>
+              </a:rPr>
+              <a:t>Integration</a:t>
+            </a:r>
+            <a:r>
+              <a:rPr lang="en-US" spc="-5" dirty="0">
+                <a:solidFill>
+                  <a:srgbClr val="374552"/>
+                </a:solidFill>
+                <a:latin typeface="Tahoma" panose="020B0604030504040204" pitchFamily="34" charset="0"/>
+                <a:ea typeface="Tahoma" panose="020B0604030504040204" pitchFamily="34" charset="0"/>
+                <a:cs typeface="Tahoma" panose="020B0604030504040204" pitchFamily="34" charset="0"/>
+              </a:rPr>
+              <a:t> </a:t>
+            </a:r>
+            <a:r>
+              <a:rPr lang="en-US" dirty="0">
+                <a:solidFill>
+                  <a:srgbClr val="374552"/>
+                </a:solidFill>
+                <a:latin typeface="Tahoma" panose="020B0604030504040204" pitchFamily="34" charset="0"/>
+                <a:ea typeface="Tahoma" panose="020B0604030504040204" pitchFamily="34" charset="0"/>
+                <a:cs typeface="Tahoma" panose="020B0604030504040204" pitchFamily="34" charset="0"/>
+              </a:rPr>
+              <a:t>of</a:t>
+            </a:r>
+            <a:r>
+              <a:rPr lang="en-US" spc="-5" dirty="0">
+                <a:solidFill>
+                  <a:srgbClr val="374552"/>
+                </a:solidFill>
+                <a:latin typeface="Tahoma" panose="020B0604030504040204" pitchFamily="34" charset="0"/>
+                <a:ea typeface="Tahoma" panose="020B0604030504040204" pitchFamily="34" charset="0"/>
+                <a:cs typeface="Tahoma" panose="020B0604030504040204" pitchFamily="34" charset="0"/>
+              </a:rPr>
+              <a:t> </a:t>
+            </a:r>
+            <a:r>
+              <a:rPr lang="en-US" dirty="0">
+                <a:solidFill>
+                  <a:srgbClr val="374552"/>
+                </a:solidFill>
+                <a:latin typeface="Tahoma" panose="020B0604030504040204" pitchFamily="34" charset="0"/>
+                <a:ea typeface="Tahoma" panose="020B0604030504040204" pitchFamily="34" charset="0"/>
+                <a:cs typeface="Tahoma" panose="020B0604030504040204" pitchFamily="34" charset="0"/>
+              </a:rPr>
+              <a:t>Neural</a:t>
+            </a:r>
+            <a:r>
+              <a:rPr lang="en-US" spc="-5" dirty="0">
+                <a:solidFill>
+                  <a:srgbClr val="374552"/>
+                </a:solidFill>
+                <a:latin typeface="Tahoma" panose="020B0604030504040204" pitchFamily="34" charset="0"/>
+                <a:ea typeface="Tahoma" panose="020B0604030504040204" pitchFamily="34" charset="0"/>
+                <a:cs typeface="Tahoma" panose="020B0604030504040204" pitchFamily="34" charset="0"/>
+              </a:rPr>
+              <a:t> </a:t>
+            </a:r>
+            <a:r>
+              <a:rPr lang="en-US" dirty="0">
+                <a:solidFill>
+                  <a:srgbClr val="374552"/>
+                </a:solidFill>
+                <a:latin typeface="Tahoma" panose="020B0604030504040204" pitchFamily="34" charset="0"/>
+                <a:ea typeface="Tahoma" panose="020B0604030504040204" pitchFamily="34" charset="0"/>
+                <a:cs typeface="Tahoma" panose="020B0604030504040204" pitchFamily="34" charset="0"/>
+              </a:rPr>
+              <a:t>Networks </a:t>
+            </a:r>
+            <a:r>
+              <a:rPr lang="en-US" spc="-10" dirty="0">
+                <a:solidFill>
+                  <a:srgbClr val="374552"/>
+                </a:solidFill>
+                <a:latin typeface="Tahoma" panose="020B0604030504040204" pitchFamily="34" charset="0"/>
+                <a:ea typeface="Tahoma" panose="020B0604030504040204" pitchFamily="34" charset="0"/>
+                <a:cs typeface="Tahoma" panose="020B0604030504040204" pitchFamily="34" charset="0"/>
+              </a:rPr>
+              <a:t>for</a:t>
+            </a:r>
+            <a:r>
+              <a:rPr lang="en-US" spc="-5" dirty="0">
+                <a:solidFill>
+                  <a:srgbClr val="374552"/>
+                </a:solidFill>
+                <a:latin typeface="Tahoma" panose="020B0604030504040204" pitchFamily="34" charset="0"/>
+                <a:ea typeface="Tahoma" panose="020B0604030504040204" pitchFamily="34" charset="0"/>
+                <a:cs typeface="Tahoma" panose="020B0604030504040204" pitchFamily="34" charset="0"/>
+              </a:rPr>
+              <a:t> </a:t>
+            </a:r>
+            <a:r>
+              <a:rPr lang="en-US" dirty="0">
+                <a:solidFill>
+                  <a:srgbClr val="374552"/>
+                </a:solidFill>
+                <a:latin typeface="Tahoma" panose="020B0604030504040204" pitchFamily="34" charset="0"/>
+                <a:ea typeface="Tahoma" panose="020B0604030504040204" pitchFamily="34" charset="0"/>
+                <a:cs typeface="Tahoma" panose="020B0604030504040204" pitchFamily="34" charset="0"/>
+              </a:rPr>
+              <a:t>deeper</a:t>
+            </a:r>
+            <a:r>
+              <a:rPr lang="en-US" spc="-5" dirty="0">
+                <a:solidFill>
+                  <a:srgbClr val="374552"/>
+                </a:solidFill>
+                <a:latin typeface="Tahoma" panose="020B0604030504040204" pitchFamily="34" charset="0"/>
+                <a:ea typeface="Tahoma" panose="020B0604030504040204" pitchFamily="34" charset="0"/>
+                <a:cs typeface="Tahoma" panose="020B0604030504040204" pitchFamily="34" charset="0"/>
+              </a:rPr>
+              <a:t> </a:t>
+            </a:r>
+            <a:r>
+              <a:rPr lang="en-US" spc="-10" dirty="0">
+                <a:solidFill>
+                  <a:srgbClr val="374552"/>
+                </a:solidFill>
+                <a:latin typeface="Tahoma" panose="020B0604030504040204" pitchFamily="34" charset="0"/>
+                <a:ea typeface="Tahoma" panose="020B0604030504040204" pitchFamily="34" charset="0"/>
+                <a:cs typeface="Tahoma" panose="020B0604030504040204" pitchFamily="34" charset="0"/>
+              </a:rPr>
+              <a:t>insights.</a:t>
+            </a:r>
+            <a:endParaRPr lang="en-US" dirty="0">
+              <a:latin typeface="Tahoma" panose="020B0604030504040204" pitchFamily="34" charset="0"/>
+              <a:ea typeface="Tahoma" panose="020B0604030504040204" pitchFamily="34" charset="0"/>
+              <a:cs typeface="Tahoma" panose="020B0604030504040204" pitchFamily="34" charset="0"/>
+            </a:endParaRPr>
+          </a:p>
+          <a:p>
+            <a:pPr marL="0" indent="0">
+              <a:lnSpc>
+                <a:spcPct val="100000"/>
+              </a:lnSpc>
+              <a:spcBef>
+                <a:spcPts val="85"/>
+              </a:spcBef>
+              <a:buNone/>
+            </a:pPr>
+            <a:endParaRPr lang="en-US" dirty="0">
+              <a:latin typeface="Verdana"/>
+              <a:cs typeface="Verdana"/>
+            </a:endParaRPr>
+          </a:p>
+          <a:p>
+            <a:pPr marL="12700">
+              <a:lnSpc>
+                <a:spcPct val="100000"/>
+              </a:lnSpc>
+            </a:pPr>
+            <a:r>
+              <a:rPr lang="en-US" sz="3200" spc="-120" dirty="0">
+                <a:latin typeface="Tahoma"/>
+                <a:cs typeface="Tahoma"/>
+              </a:rPr>
+              <a:t>Company</a:t>
+            </a:r>
+            <a:r>
+              <a:rPr lang="en-US" sz="3200" spc="-105" dirty="0">
+                <a:latin typeface="Tahoma"/>
+                <a:cs typeface="Tahoma"/>
+              </a:rPr>
+              <a:t> </a:t>
+            </a:r>
+            <a:r>
+              <a:rPr lang="en-US" sz="3200" spc="-10" dirty="0">
+                <a:latin typeface="Tahoma"/>
+                <a:cs typeface="Tahoma"/>
+              </a:rPr>
+              <a:t>Partnerships</a:t>
+            </a:r>
+            <a:endParaRPr lang="en-US" sz="3200" dirty="0">
+              <a:latin typeface="Tahoma"/>
+              <a:cs typeface="Tahoma"/>
+            </a:endParaRPr>
+          </a:p>
+          <a:p>
+            <a:pPr marL="0" indent="0">
+              <a:lnSpc>
+                <a:spcPct val="100000"/>
+              </a:lnSpc>
+              <a:spcBef>
+                <a:spcPts val="1120"/>
+              </a:spcBef>
+              <a:buNone/>
+            </a:pPr>
+            <a:r>
+              <a:rPr lang="en-US" spc="45" dirty="0">
+                <a:solidFill>
+                  <a:srgbClr val="374552"/>
+                </a:solidFill>
+                <a:latin typeface="Tahoma" panose="020B0604030504040204" pitchFamily="34" charset="0"/>
+                <a:ea typeface="Tahoma" panose="020B0604030504040204" pitchFamily="34" charset="0"/>
+                <a:cs typeface="Tahoma" panose="020B0604030504040204" pitchFamily="34" charset="0"/>
+              </a:rPr>
+              <a:t>  Connecting</a:t>
+            </a:r>
+            <a:r>
+              <a:rPr lang="en-US" spc="-15" dirty="0">
+                <a:solidFill>
+                  <a:srgbClr val="374552"/>
+                </a:solidFill>
+                <a:latin typeface="Tahoma" panose="020B0604030504040204" pitchFamily="34" charset="0"/>
+                <a:ea typeface="Tahoma" panose="020B0604030504040204" pitchFamily="34" charset="0"/>
+                <a:cs typeface="Tahoma" panose="020B0604030504040204" pitchFamily="34" charset="0"/>
+              </a:rPr>
+              <a:t> </a:t>
+            </a:r>
+            <a:r>
+              <a:rPr lang="en-US" spc="-10" dirty="0">
+                <a:solidFill>
+                  <a:srgbClr val="374552"/>
+                </a:solidFill>
+                <a:latin typeface="Tahoma" panose="020B0604030504040204" pitchFamily="34" charset="0"/>
+                <a:ea typeface="Tahoma" panose="020B0604030504040204" pitchFamily="34" charset="0"/>
+                <a:cs typeface="Tahoma" panose="020B0604030504040204" pitchFamily="34" charset="0"/>
+              </a:rPr>
+              <a:t>users</a:t>
+            </a:r>
+            <a:r>
+              <a:rPr lang="en-US" spc="-15" dirty="0">
+                <a:solidFill>
+                  <a:srgbClr val="374552"/>
+                </a:solidFill>
+                <a:latin typeface="Tahoma" panose="020B0604030504040204" pitchFamily="34" charset="0"/>
+                <a:ea typeface="Tahoma" panose="020B0604030504040204" pitchFamily="34" charset="0"/>
+                <a:cs typeface="Tahoma" panose="020B0604030504040204" pitchFamily="34" charset="0"/>
+              </a:rPr>
+              <a:t> </a:t>
+            </a:r>
+            <a:r>
+              <a:rPr lang="en-US" dirty="0">
+                <a:solidFill>
+                  <a:srgbClr val="374552"/>
+                </a:solidFill>
+                <a:latin typeface="Tahoma" panose="020B0604030504040204" pitchFamily="34" charset="0"/>
+                <a:ea typeface="Tahoma" panose="020B0604030504040204" pitchFamily="34" charset="0"/>
+                <a:cs typeface="Tahoma" panose="020B0604030504040204" pitchFamily="34" charset="0"/>
+              </a:rPr>
+              <a:t>directly</a:t>
+            </a:r>
+            <a:r>
+              <a:rPr lang="en-US" spc="-15" dirty="0">
+                <a:solidFill>
+                  <a:srgbClr val="374552"/>
+                </a:solidFill>
+                <a:latin typeface="Tahoma" panose="020B0604030504040204" pitchFamily="34" charset="0"/>
+                <a:ea typeface="Tahoma" panose="020B0604030504040204" pitchFamily="34" charset="0"/>
+                <a:cs typeface="Tahoma" panose="020B0604030504040204" pitchFamily="34" charset="0"/>
+              </a:rPr>
+              <a:t> </a:t>
+            </a:r>
+            <a:r>
+              <a:rPr lang="en-US" dirty="0">
+                <a:solidFill>
+                  <a:srgbClr val="374552"/>
+                </a:solidFill>
+                <a:latin typeface="Tahoma" panose="020B0604030504040204" pitchFamily="34" charset="0"/>
+                <a:ea typeface="Tahoma" panose="020B0604030504040204" pitchFamily="34" charset="0"/>
+                <a:cs typeface="Tahoma" panose="020B0604030504040204" pitchFamily="34" charset="0"/>
+              </a:rPr>
+              <a:t>with</a:t>
+            </a:r>
+            <a:r>
+              <a:rPr lang="en-US" spc="-15" dirty="0">
+                <a:solidFill>
+                  <a:srgbClr val="374552"/>
+                </a:solidFill>
+                <a:latin typeface="Tahoma" panose="020B0604030504040204" pitchFamily="34" charset="0"/>
+                <a:ea typeface="Tahoma" panose="020B0604030504040204" pitchFamily="34" charset="0"/>
+                <a:cs typeface="Tahoma" panose="020B0604030504040204" pitchFamily="34" charset="0"/>
+              </a:rPr>
+              <a:t> </a:t>
+            </a:r>
+            <a:r>
+              <a:rPr lang="en-US" spc="-10" dirty="0">
+                <a:solidFill>
+                  <a:srgbClr val="374552"/>
+                </a:solidFill>
+                <a:latin typeface="Tahoma" panose="020B0604030504040204" pitchFamily="34" charset="0"/>
+                <a:ea typeface="Tahoma" panose="020B0604030504040204" pitchFamily="34" charset="0"/>
+                <a:cs typeface="Tahoma" panose="020B0604030504040204" pitchFamily="34" charset="0"/>
+              </a:rPr>
+              <a:t>employers.</a:t>
+            </a:r>
+            <a:endParaRPr lang="en-US" dirty="0">
+              <a:latin typeface="Tahoma" panose="020B0604030504040204" pitchFamily="34" charset="0"/>
+              <a:ea typeface="Tahoma" panose="020B0604030504040204" pitchFamily="34" charset="0"/>
+              <a:cs typeface="Tahoma" panose="020B0604030504040204" pitchFamily="34" charset="0"/>
+            </a:endParaRPr>
+          </a:p>
+          <a:p>
+            <a:endParaRPr lang="en-IN" dirty="0"/>
+          </a:p>
+        </p:txBody>
+      </p:sp>
+    </p:spTree>
+    <p:extLst>
+      <p:ext uri="{BB962C8B-B14F-4D97-AF65-F5344CB8AC3E}">
+        <p14:creationId xmlns:p14="http://schemas.microsoft.com/office/powerpoint/2010/main" val="967214823"/>
+      </p:ext>
+    </p:extLst>
+  </p:cSld>
+  <p:clrMapOvr>
+    <a:masterClrMapping/>
+  </p:clrMapOvr>
+</p:sld>
+</file>
+
+<file path=ppt/slides/slide28.xml><?xml version="1.0" encoding="utf-8"?>
+<p:sld xmlns:a="http://schemas.openxmlformats.org/drawingml/2006/main" xmlns:r="http://schemas.openxmlformats.org/officeDocument/2006/relationships" xmlns:p="http://schemas.openxmlformats.org/presentationml/2006/main">
+  <p:cSld>
+    <p:spTree>
+      <p:nvGrpSpPr>
+        <p:cNvPr id="1" name=""/>
+        <p:cNvGrpSpPr/>
+        <p:nvPr/>
+      </p:nvGrpSpPr>
+      <p:grpSpPr>
+        <a:xfrm>
+          <a:off x="0" y="0"/>
+          <a:ext cx="0" cy="0"/>
+          <a:chOff x="0" y="0"/>
+          <a:chExt cx="0" cy="0"/>
+        </a:xfrm>
+      </p:grpSpPr>
+      <p:sp>
+        <p:nvSpPr>
+          <p:cNvPr id="4" name="TextBox 3">
+            <a:extLst>
+              <a:ext uri="{FF2B5EF4-FFF2-40B4-BE49-F238E27FC236}">
+                <a16:creationId xmlns:a16="http://schemas.microsoft.com/office/drawing/2014/main" id="{5EABA5AD-2629-5B77-7461-DA65F37554F3}"/>
+              </a:ext>
+            </a:extLst>
+          </p:cNvPr>
+          <p:cNvSpPr txBox="1"/>
+          <p:nvPr/>
+        </p:nvSpPr>
+        <p:spPr>
+          <a:xfrm>
+            <a:off x="2724912" y="2505670"/>
+            <a:ext cx="7059168" cy="923330"/>
+          </a:xfrm>
+          <a:prstGeom prst="rect">
+            <a:avLst/>
+          </a:prstGeom>
+          <a:noFill/>
+        </p:spPr>
+        <p:txBody>
+          <a:bodyPr wrap="square" rtlCol="0">
+            <a:spAutoFit/>
+          </a:bodyPr>
+          <a:lstStyle/>
+          <a:p>
+            <a:pPr algn="just"/>
+            <a:r>
+              <a:rPr lang="en-US" sz="5400" dirty="0">
+                <a:latin typeface="Tahoma" panose="020B0604030504040204" pitchFamily="34" charset="0"/>
+                <a:ea typeface="Tahoma" panose="020B0604030504040204" pitchFamily="34" charset="0"/>
+                <a:cs typeface="Tahoma" panose="020B0604030504040204" pitchFamily="34" charset="0"/>
+              </a:rPr>
+              <a:t>        Thank You </a:t>
+            </a:r>
+            <a:endParaRPr lang="en-IN" sz="5400" dirty="0">
+              <a:latin typeface="Tahoma" panose="020B0604030504040204" pitchFamily="34" charset="0"/>
+              <a:ea typeface="Tahoma" panose="020B0604030504040204" pitchFamily="34" charset="0"/>
+              <a:cs typeface="Tahoma" panose="020B0604030504040204" pitchFamily="34" charset="0"/>
+            </a:endParaRPr>
+          </a:p>
+        </p:txBody>
+      </p:sp>
+    </p:spTree>
+    <p:extLst>
+      <p:ext uri="{BB962C8B-B14F-4D97-AF65-F5344CB8AC3E}">
+        <p14:creationId xmlns:p14="http://schemas.microsoft.com/office/powerpoint/2010/main" val="761727792"/>
       </p:ext>
     </p:extLst>
   </p:cSld>
@@ -8952,665 +12791,46 @@
           <a:chExt cx="0" cy="0"/>
         </a:xfrm>
       </p:grpSpPr>
-      <p:sp>
-        <p:nvSpPr>
-          <p:cNvPr id="2" name="Title 1">
+      <p:pic>
+        <p:nvPicPr>
+          <p:cNvPr id="5" name="Picture 4">
             <a:extLst>
               <a:ext uri="{FF2B5EF4-FFF2-40B4-BE49-F238E27FC236}">
-                <a16:creationId xmlns:a16="http://schemas.microsoft.com/office/drawing/2014/main" id="{E2A2991E-743B-57AC-F611-7696F0C654A8}"/>
+                <a16:creationId xmlns:a16="http://schemas.microsoft.com/office/drawing/2014/main" id="{17191BE1-F83B-A76D-177D-B7D1A2D8E2F2}"/>
               </a:ext>
             </a:extLst>
           </p:cNvPr>
-          <p:cNvSpPr>
-            <a:spLocks noGrp="1"/>
-          </p:cNvSpPr>
-          <p:nvPr>
-            <p:ph type="title"/>
-          </p:nvPr>
-        </p:nvSpPr>
-        <p:spPr/>
-        <p:txBody>
-          <a:bodyPr>
-            <a:normAutofit/>
-          </a:bodyPr>
-          <a:lstStyle/>
-          <a:p>
-            <a:r>
-              <a:rPr lang="en-US" sz="4000" u="sng" spc="-190" dirty="0">
-                <a:latin typeface="Tahoma" panose="020B0604030504040204" pitchFamily="34" charset="0"/>
-                <a:ea typeface="Tahoma" panose="020B0604030504040204" pitchFamily="34" charset="0"/>
-                <a:cs typeface="Tahoma" panose="020B0604030504040204" pitchFamily="34" charset="0"/>
-              </a:rPr>
-              <a:t>Milestone 2: Education</a:t>
-            </a:r>
-            <a:r>
-              <a:rPr lang="en-US" sz="4000" u="sng" spc="-275" dirty="0">
-                <a:latin typeface="Tahoma" panose="020B0604030504040204" pitchFamily="34" charset="0"/>
-                <a:ea typeface="Tahoma" panose="020B0604030504040204" pitchFamily="34" charset="0"/>
-                <a:cs typeface="Tahoma" panose="020B0604030504040204" pitchFamily="34" charset="0"/>
-              </a:rPr>
-              <a:t> </a:t>
-            </a:r>
-            <a:r>
-              <a:rPr lang="en-US" sz="4000" u="sng" spc="-204" dirty="0">
-                <a:latin typeface="Tahoma" panose="020B0604030504040204" pitchFamily="34" charset="0"/>
-                <a:ea typeface="Tahoma" panose="020B0604030504040204" pitchFamily="34" charset="0"/>
-                <a:cs typeface="Tahoma" panose="020B0604030504040204" pitchFamily="34" charset="0"/>
-              </a:rPr>
-              <a:t>Details</a:t>
-            </a:r>
-            <a:r>
-              <a:rPr lang="en-US" sz="4000" u="sng" spc="-270" dirty="0">
-                <a:latin typeface="Tahoma" panose="020B0604030504040204" pitchFamily="34" charset="0"/>
-                <a:ea typeface="Tahoma" panose="020B0604030504040204" pitchFamily="34" charset="0"/>
-                <a:cs typeface="Tahoma" panose="020B0604030504040204" pitchFamily="34" charset="0"/>
-              </a:rPr>
-              <a:t> </a:t>
-            </a:r>
-            <a:r>
-              <a:rPr lang="en-US" sz="4000" u="sng" spc="-340" dirty="0">
-                <a:latin typeface="Tahoma" panose="020B0604030504040204" pitchFamily="34" charset="0"/>
-                <a:ea typeface="Tahoma" panose="020B0604030504040204" pitchFamily="34" charset="0"/>
-                <a:cs typeface="Tahoma" panose="020B0604030504040204" pitchFamily="34" charset="0"/>
-              </a:rPr>
-              <a:t>Input</a:t>
-            </a:r>
-            <a:r>
-              <a:rPr lang="en-US" sz="4000" u="sng" spc="-270" dirty="0">
-                <a:latin typeface="Tahoma" panose="020B0604030504040204" pitchFamily="34" charset="0"/>
-                <a:ea typeface="Tahoma" panose="020B0604030504040204" pitchFamily="34" charset="0"/>
-                <a:cs typeface="Tahoma" panose="020B0604030504040204" pitchFamily="34" charset="0"/>
-              </a:rPr>
-              <a:t> </a:t>
-            </a:r>
-            <a:r>
-              <a:rPr lang="en-US" sz="4000" u="sng" spc="-95" dirty="0">
-                <a:latin typeface="Tahoma" panose="020B0604030504040204" pitchFamily="34" charset="0"/>
-                <a:ea typeface="Tahoma" panose="020B0604030504040204" pitchFamily="34" charset="0"/>
-                <a:cs typeface="Tahoma" panose="020B0604030504040204" pitchFamily="34" charset="0"/>
-              </a:rPr>
-              <a:t>&amp; </a:t>
-            </a:r>
-            <a:r>
-              <a:rPr lang="en-US" sz="4000" u="sng" spc="-175" dirty="0">
-                <a:latin typeface="Tahoma" panose="020B0604030504040204" pitchFamily="34" charset="0"/>
-                <a:ea typeface="Tahoma" panose="020B0604030504040204" pitchFamily="34" charset="0"/>
-                <a:cs typeface="Tahoma" panose="020B0604030504040204" pitchFamily="34" charset="0"/>
-              </a:rPr>
-              <a:t>Preprocessing</a:t>
-            </a:r>
-            <a:r>
-              <a:rPr lang="en-US" sz="4000" u="sng" spc="-185" dirty="0">
-                <a:latin typeface="Tahoma" panose="020B0604030504040204" pitchFamily="34" charset="0"/>
-                <a:ea typeface="Tahoma" panose="020B0604030504040204" pitchFamily="34" charset="0"/>
-                <a:cs typeface="Tahoma" panose="020B0604030504040204" pitchFamily="34" charset="0"/>
-              </a:rPr>
-              <a:t> </a:t>
-            </a:r>
-            <a:r>
-              <a:rPr lang="en-US" sz="4000" u="sng" spc="-300" dirty="0">
-                <a:latin typeface="Tahoma" panose="020B0604030504040204" pitchFamily="34" charset="0"/>
-                <a:ea typeface="Tahoma" panose="020B0604030504040204" pitchFamily="34" charset="0"/>
-                <a:cs typeface="Tahoma" panose="020B0604030504040204" pitchFamily="34" charset="0"/>
-              </a:rPr>
-              <a:t>Module</a:t>
-            </a:r>
-            <a:endParaRPr lang="en-IN" sz="4000" u="sng" dirty="0">
-              <a:latin typeface="Tahoma" panose="020B0604030504040204" pitchFamily="34" charset="0"/>
-              <a:ea typeface="Tahoma" panose="020B0604030504040204" pitchFamily="34" charset="0"/>
-              <a:cs typeface="Tahoma" panose="020B0604030504040204" pitchFamily="34" charset="0"/>
-            </a:endParaRPr>
-          </a:p>
-        </p:txBody>
-      </p:sp>
-      <p:sp>
-        <p:nvSpPr>
-          <p:cNvPr id="3" name="Content Placeholder 2">
+          <p:cNvPicPr>
+            <a:picLocks noChangeAspect="1"/>
+          </p:cNvPicPr>
+          <p:nvPr/>
+        </p:nvPicPr>
+        <p:blipFill>
+          <a:blip r:embed="rId2">
             <a:extLst>
-              <a:ext uri="{FF2B5EF4-FFF2-40B4-BE49-F238E27FC236}">
-                <a16:creationId xmlns:a16="http://schemas.microsoft.com/office/drawing/2014/main" id="{567825BE-813A-4AAD-C4DF-1DC9DAE52ACB}"/>
+              <a:ext uri="{28A0092B-C50C-407E-A947-70E740481C1C}">
+                <a14:useLocalDpi xmlns:a14="http://schemas.microsoft.com/office/drawing/2010/main" val="0"/>
               </a:ext>
             </a:extLst>
-          </p:cNvPr>
-          <p:cNvSpPr>
-            <a:spLocks noGrp="1"/>
-          </p:cNvSpPr>
-          <p:nvPr>
-            <p:ph idx="1"/>
-          </p:nvPr>
-        </p:nvSpPr>
+          </a:blip>
+          <a:stretch>
+            <a:fillRect/>
+          </a:stretch>
+        </p:blipFill>
         <p:spPr>
           <a:xfrm>
-            <a:off x="838200" y="2197509"/>
-            <a:ext cx="10515600" cy="3979453"/>
+            <a:off x="0" y="287066"/>
+            <a:ext cx="12192000" cy="6283868"/>
           </a:xfrm>
+          <a:prstGeom prst="rect">
+            <a:avLst/>
+          </a:prstGeom>
         </p:spPr>
-        <p:txBody>
-          <a:bodyPr/>
-          <a:lstStyle/>
-          <a:p>
-            <a:pPr marL="12700">
-              <a:lnSpc>
-                <a:spcPct val="100000"/>
-              </a:lnSpc>
-              <a:spcBef>
-                <a:spcPts val="135"/>
-              </a:spcBef>
-            </a:pPr>
-            <a:r>
-              <a:rPr lang="en-US" sz="3200" spc="-60" dirty="0">
-                <a:latin typeface="Tahoma"/>
-                <a:cs typeface="Tahoma"/>
-              </a:rPr>
-              <a:t>Academic</a:t>
-            </a:r>
-            <a:r>
-              <a:rPr lang="en-US" sz="3200" spc="-120" dirty="0">
-                <a:latin typeface="Tahoma"/>
-                <a:cs typeface="Tahoma"/>
-              </a:rPr>
-              <a:t> </a:t>
-            </a:r>
-            <a:r>
-              <a:rPr lang="en-US" sz="3200" spc="-130" dirty="0">
-                <a:latin typeface="Tahoma"/>
-                <a:cs typeface="Tahoma"/>
-              </a:rPr>
-              <a:t>Data</a:t>
-            </a:r>
-            <a:r>
-              <a:rPr lang="en-US" sz="3200" spc="-114" dirty="0">
-                <a:latin typeface="Tahoma"/>
-                <a:cs typeface="Tahoma"/>
-              </a:rPr>
-              <a:t> </a:t>
-            </a:r>
-            <a:r>
-              <a:rPr lang="en-US" sz="3200" spc="-10" dirty="0">
-                <a:latin typeface="Tahoma"/>
-                <a:cs typeface="Tahoma"/>
-              </a:rPr>
-              <a:t>Capture</a:t>
-            </a:r>
-            <a:endParaRPr lang="en-US" sz="3200" dirty="0">
-              <a:latin typeface="Tahoma"/>
-              <a:cs typeface="Tahoma"/>
-            </a:endParaRPr>
-          </a:p>
-          <a:p>
-            <a:pPr marL="0" marR="5080" indent="0">
-              <a:lnSpc>
-                <a:spcPct val="135000"/>
-              </a:lnSpc>
-              <a:spcBef>
-                <a:spcPts val="520"/>
-              </a:spcBef>
-              <a:buNone/>
-            </a:pPr>
-            <a:r>
-              <a:rPr lang="en-US" dirty="0">
-                <a:solidFill>
-                  <a:srgbClr val="374552"/>
-                </a:solidFill>
-                <a:latin typeface="Verdana"/>
-                <a:cs typeface="Verdana"/>
-              </a:rPr>
-              <a:t>  Structured</a:t>
-            </a:r>
-            <a:r>
-              <a:rPr lang="en-US" spc="-25" dirty="0">
-                <a:solidFill>
-                  <a:srgbClr val="374552"/>
-                </a:solidFill>
-                <a:latin typeface="Verdana"/>
-                <a:cs typeface="Verdana"/>
-              </a:rPr>
-              <a:t> </a:t>
-            </a:r>
-            <a:r>
-              <a:rPr lang="en-US" spc="50" dirty="0">
-                <a:solidFill>
-                  <a:srgbClr val="374552"/>
-                </a:solidFill>
-                <a:latin typeface="Verdana"/>
-                <a:cs typeface="Verdana"/>
-              </a:rPr>
-              <a:t>input</a:t>
-            </a:r>
-            <a:r>
-              <a:rPr lang="en-US" spc="-25" dirty="0">
-                <a:solidFill>
-                  <a:srgbClr val="374552"/>
-                </a:solidFill>
-                <a:latin typeface="Verdana"/>
-                <a:cs typeface="Verdana"/>
-              </a:rPr>
-              <a:t> </a:t>
-            </a:r>
-            <a:r>
-              <a:rPr lang="en-US" spc="-10" dirty="0">
-                <a:solidFill>
-                  <a:srgbClr val="374552"/>
-                </a:solidFill>
-                <a:latin typeface="Verdana"/>
-                <a:cs typeface="Verdana"/>
-              </a:rPr>
-              <a:t>for</a:t>
-            </a:r>
-            <a:r>
-              <a:rPr lang="en-US" spc="-25" dirty="0">
-                <a:solidFill>
-                  <a:srgbClr val="374552"/>
-                </a:solidFill>
-                <a:latin typeface="Verdana"/>
-                <a:cs typeface="Verdana"/>
-              </a:rPr>
-              <a:t> </a:t>
-            </a:r>
-            <a:r>
-              <a:rPr lang="en-US" spc="-10" dirty="0">
-                <a:solidFill>
-                  <a:srgbClr val="374552"/>
-                </a:solidFill>
-                <a:latin typeface="Verdana"/>
-                <a:cs typeface="Verdana"/>
-              </a:rPr>
-              <a:t>courses, </a:t>
-            </a:r>
-            <a:r>
-              <a:rPr lang="en-US" spc="-20" dirty="0">
-                <a:solidFill>
-                  <a:srgbClr val="374552"/>
-                </a:solidFill>
-                <a:latin typeface="Verdana"/>
-                <a:cs typeface="Verdana"/>
-              </a:rPr>
-              <a:t>grades,</a:t>
-            </a:r>
-            <a:r>
-              <a:rPr lang="en-US" spc="-80" dirty="0">
-                <a:solidFill>
-                  <a:srgbClr val="374552"/>
-                </a:solidFill>
-                <a:latin typeface="Verdana"/>
-                <a:cs typeface="Verdana"/>
-              </a:rPr>
-              <a:t> </a:t>
-            </a:r>
-            <a:r>
-              <a:rPr lang="en-US" spc="50" dirty="0">
-                <a:solidFill>
-                  <a:srgbClr val="374552"/>
-                </a:solidFill>
-                <a:latin typeface="Verdana"/>
-                <a:cs typeface="Verdana"/>
-              </a:rPr>
-              <a:t>and</a:t>
-            </a:r>
-            <a:r>
-              <a:rPr lang="en-US" spc="-75" dirty="0">
-                <a:solidFill>
-                  <a:srgbClr val="374552"/>
-                </a:solidFill>
-                <a:latin typeface="Verdana"/>
-                <a:cs typeface="Verdana"/>
-              </a:rPr>
-              <a:t> </a:t>
-            </a:r>
-            <a:r>
-              <a:rPr lang="en-US" spc="-10" dirty="0">
-                <a:solidFill>
-                  <a:srgbClr val="374552"/>
-                </a:solidFill>
-                <a:latin typeface="Verdana"/>
-                <a:cs typeface="Verdana"/>
-              </a:rPr>
-              <a:t>qualifications.</a:t>
-            </a:r>
-            <a:endParaRPr lang="en-US" dirty="0">
-              <a:latin typeface="Verdana"/>
-              <a:cs typeface="Verdana"/>
-            </a:endParaRPr>
-          </a:p>
-          <a:p>
-            <a:pPr marL="12700">
-              <a:lnSpc>
-                <a:spcPct val="100000"/>
-              </a:lnSpc>
-              <a:spcBef>
-                <a:spcPts val="135"/>
-              </a:spcBef>
-            </a:pPr>
-            <a:r>
-              <a:rPr lang="en-US" sz="3200" spc="-130" dirty="0">
-                <a:latin typeface="Tahoma"/>
-                <a:cs typeface="Tahoma"/>
-              </a:rPr>
-              <a:t>Data</a:t>
-            </a:r>
-            <a:r>
-              <a:rPr lang="en-US" sz="3200" spc="-125" dirty="0">
-                <a:latin typeface="Tahoma"/>
-                <a:cs typeface="Tahoma"/>
-              </a:rPr>
-              <a:t> </a:t>
-            </a:r>
-            <a:r>
-              <a:rPr lang="en-US" sz="3200" spc="-10" dirty="0">
-                <a:latin typeface="Tahoma"/>
-                <a:cs typeface="Tahoma"/>
-              </a:rPr>
-              <a:t>Cleaning</a:t>
-            </a:r>
-            <a:endParaRPr lang="en-US" sz="3200" dirty="0">
-              <a:latin typeface="Tahoma"/>
-              <a:cs typeface="Tahoma"/>
-            </a:endParaRPr>
-          </a:p>
-          <a:p>
-            <a:pPr marL="0" marR="5080" indent="0">
-              <a:lnSpc>
-                <a:spcPct val="135000"/>
-              </a:lnSpc>
-              <a:spcBef>
-                <a:spcPts val="520"/>
-              </a:spcBef>
-              <a:buNone/>
-            </a:pPr>
-            <a:r>
-              <a:rPr lang="en-US" spc="45" dirty="0">
-                <a:solidFill>
-                  <a:srgbClr val="374552"/>
-                </a:solidFill>
-                <a:latin typeface="Verdana"/>
-                <a:cs typeface="Verdana"/>
-              </a:rPr>
-              <a:t>  Automated</a:t>
-            </a:r>
-            <a:r>
-              <a:rPr lang="en-US" spc="-70" dirty="0">
-                <a:solidFill>
-                  <a:srgbClr val="374552"/>
-                </a:solidFill>
-                <a:latin typeface="Verdana"/>
-                <a:cs typeface="Verdana"/>
-              </a:rPr>
-              <a:t> </a:t>
-            </a:r>
-            <a:r>
-              <a:rPr lang="en-US" dirty="0">
-                <a:solidFill>
-                  <a:srgbClr val="374552"/>
-                </a:solidFill>
-                <a:latin typeface="Verdana"/>
-                <a:cs typeface="Verdana"/>
-              </a:rPr>
-              <a:t>processes</a:t>
-            </a:r>
-            <a:r>
-              <a:rPr lang="en-US" spc="-65" dirty="0">
-                <a:solidFill>
-                  <a:srgbClr val="374552"/>
-                </a:solidFill>
-                <a:latin typeface="Verdana"/>
-                <a:cs typeface="Verdana"/>
-              </a:rPr>
-              <a:t> </a:t>
-            </a:r>
-            <a:r>
-              <a:rPr lang="en-US" spc="-25" dirty="0">
-                <a:solidFill>
-                  <a:srgbClr val="374552"/>
-                </a:solidFill>
-                <a:latin typeface="Verdana"/>
-                <a:cs typeface="Verdana"/>
-              </a:rPr>
-              <a:t>for </a:t>
-            </a:r>
-            <a:r>
-              <a:rPr lang="en-US" dirty="0">
-                <a:solidFill>
-                  <a:srgbClr val="374552"/>
-                </a:solidFill>
-                <a:latin typeface="Verdana"/>
-                <a:cs typeface="Verdana"/>
-              </a:rPr>
-              <a:t>consistency</a:t>
-            </a:r>
-            <a:r>
-              <a:rPr lang="en-US" spc="5" dirty="0">
-                <a:solidFill>
-                  <a:srgbClr val="374552"/>
-                </a:solidFill>
-                <a:latin typeface="Verdana"/>
-                <a:cs typeface="Verdana"/>
-              </a:rPr>
-              <a:t> </a:t>
-            </a:r>
-            <a:r>
-              <a:rPr lang="en-US" spc="50" dirty="0">
-                <a:solidFill>
-                  <a:srgbClr val="374552"/>
-                </a:solidFill>
-                <a:latin typeface="Verdana"/>
-                <a:cs typeface="Verdana"/>
-              </a:rPr>
-              <a:t>and</a:t>
-            </a:r>
-            <a:r>
-              <a:rPr lang="en-US" spc="10" dirty="0">
-                <a:solidFill>
-                  <a:srgbClr val="374552"/>
-                </a:solidFill>
-                <a:latin typeface="Verdana"/>
-                <a:cs typeface="Verdana"/>
-              </a:rPr>
-              <a:t> </a:t>
-            </a:r>
-            <a:r>
-              <a:rPr lang="en-US" spc="-10" dirty="0">
-                <a:solidFill>
-                  <a:srgbClr val="374552"/>
-                </a:solidFill>
-                <a:latin typeface="Verdana"/>
-                <a:cs typeface="Verdana"/>
-              </a:rPr>
-              <a:t>accuracy.</a:t>
-            </a:r>
-            <a:endParaRPr lang="en-US" dirty="0">
-              <a:latin typeface="Verdana"/>
-              <a:cs typeface="Verdana"/>
-            </a:endParaRPr>
-          </a:p>
-          <a:p>
-            <a:pPr marL="12700">
-              <a:lnSpc>
-                <a:spcPct val="100000"/>
-              </a:lnSpc>
-              <a:spcBef>
-                <a:spcPts val="135"/>
-              </a:spcBef>
-            </a:pPr>
-            <a:r>
-              <a:rPr lang="en-US" sz="3200" spc="-100" dirty="0">
-                <a:latin typeface="Tahoma"/>
-                <a:cs typeface="Tahoma"/>
-              </a:rPr>
-              <a:t>Feature</a:t>
-            </a:r>
-            <a:r>
-              <a:rPr lang="en-US" sz="3200" spc="-85" dirty="0">
-                <a:latin typeface="Tahoma"/>
-                <a:cs typeface="Tahoma"/>
-              </a:rPr>
-              <a:t> </a:t>
-            </a:r>
-            <a:r>
-              <a:rPr lang="en-US" sz="3200" spc="-10" dirty="0">
-                <a:latin typeface="Tahoma"/>
-                <a:cs typeface="Tahoma"/>
-              </a:rPr>
-              <a:t>Engineering</a:t>
-            </a:r>
-            <a:endParaRPr lang="en-US" sz="3200" dirty="0">
-              <a:latin typeface="Tahoma"/>
-              <a:cs typeface="Tahoma"/>
-            </a:endParaRPr>
-          </a:p>
-          <a:p>
-            <a:pPr marL="0" indent="0">
-              <a:lnSpc>
-                <a:spcPct val="100000"/>
-              </a:lnSpc>
-              <a:spcBef>
-                <a:spcPts val="1120"/>
-              </a:spcBef>
-              <a:buNone/>
-            </a:pPr>
-            <a:r>
-              <a:rPr lang="en-US" dirty="0">
-                <a:solidFill>
-                  <a:srgbClr val="374552"/>
-                </a:solidFill>
-                <a:latin typeface="Verdana"/>
-                <a:cs typeface="Verdana"/>
-              </a:rPr>
-              <a:t>  Transforming</a:t>
-            </a:r>
-            <a:r>
-              <a:rPr lang="en-US" spc="35" dirty="0">
-                <a:solidFill>
-                  <a:srgbClr val="374552"/>
-                </a:solidFill>
-                <a:latin typeface="Verdana"/>
-                <a:cs typeface="Verdana"/>
-              </a:rPr>
-              <a:t> </a:t>
-            </a:r>
-            <a:r>
-              <a:rPr lang="en-US" spc="-10" dirty="0">
-                <a:solidFill>
-                  <a:srgbClr val="374552"/>
-                </a:solidFill>
-                <a:latin typeface="Verdana"/>
-                <a:cs typeface="Verdana"/>
-              </a:rPr>
-              <a:t>raw</a:t>
-            </a:r>
-            <a:r>
-              <a:rPr lang="en-US" spc="35" dirty="0">
-                <a:solidFill>
-                  <a:srgbClr val="374552"/>
-                </a:solidFill>
-                <a:latin typeface="Verdana"/>
-                <a:cs typeface="Verdana"/>
-              </a:rPr>
-              <a:t> </a:t>
-            </a:r>
-            <a:r>
-              <a:rPr lang="en-US" dirty="0">
-                <a:solidFill>
-                  <a:srgbClr val="374552"/>
-                </a:solidFill>
-                <a:latin typeface="Verdana"/>
-                <a:cs typeface="Verdana"/>
-              </a:rPr>
-              <a:t>data</a:t>
-            </a:r>
-            <a:r>
-              <a:rPr lang="en-US" spc="40" dirty="0">
-                <a:solidFill>
-                  <a:srgbClr val="374552"/>
-                </a:solidFill>
-                <a:latin typeface="Verdana"/>
-                <a:cs typeface="Verdana"/>
-              </a:rPr>
-              <a:t> </a:t>
-            </a:r>
-            <a:r>
-              <a:rPr lang="en-US" dirty="0">
-                <a:solidFill>
-                  <a:srgbClr val="374552"/>
-                </a:solidFill>
-                <a:latin typeface="Verdana"/>
-                <a:cs typeface="Verdana"/>
-              </a:rPr>
-              <a:t>into</a:t>
-            </a:r>
-            <a:r>
-              <a:rPr lang="en-US" spc="35" dirty="0">
-                <a:solidFill>
-                  <a:srgbClr val="374552"/>
-                </a:solidFill>
-                <a:latin typeface="Verdana"/>
-                <a:cs typeface="Verdana"/>
-              </a:rPr>
-              <a:t> </a:t>
-            </a:r>
-            <a:r>
-              <a:rPr lang="en-US" dirty="0">
-                <a:solidFill>
-                  <a:srgbClr val="374552"/>
-                </a:solidFill>
-                <a:latin typeface="Verdana"/>
-                <a:cs typeface="Verdana"/>
-              </a:rPr>
-              <a:t>meaningful</a:t>
-            </a:r>
-            <a:r>
-              <a:rPr lang="en-US" spc="35" dirty="0">
-                <a:solidFill>
-                  <a:srgbClr val="374552"/>
-                </a:solidFill>
-                <a:latin typeface="Verdana"/>
-                <a:cs typeface="Verdana"/>
-              </a:rPr>
-              <a:t> </a:t>
-            </a:r>
-            <a:r>
-              <a:rPr lang="en-US" spc="105" dirty="0">
-                <a:solidFill>
-                  <a:srgbClr val="374552"/>
-                </a:solidFill>
-                <a:latin typeface="Verdana"/>
-                <a:cs typeface="Verdana"/>
-              </a:rPr>
-              <a:t>ML</a:t>
-            </a:r>
-            <a:r>
-              <a:rPr lang="en-US" spc="40" dirty="0">
-                <a:solidFill>
-                  <a:srgbClr val="374552"/>
-                </a:solidFill>
-                <a:latin typeface="Verdana"/>
-                <a:cs typeface="Verdana"/>
-              </a:rPr>
-              <a:t> </a:t>
-            </a:r>
-            <a:r>
-              <a:rPr lang="en-US" spc="-10" dirty="0">
-                <a:solidFill>
-                  <a:srgbClr val="374552"/>
-                </a:solidFill>
-                <a:latin typeface="Verdana"/>
-                <a:cs typeface="Verdana"/>
-              </a:rPr>
-              <a:t>features.</a:t>
-            </a:r>
-            <a:endParaRPr lang="en-US" dirty="0">
-              <a:latin typeface="Verdana"/>
-              <a:cs typeface="Verdana"/>
-            </a:endParaRPr>
-          </a:p>
-          <a:p>
-            <a:endParaRPr lang="en-IN" dirty="0"/>
-          </a:p>
-        </p:txBody>
-      </p:sp>
+      </p:pic>
     </p:spTree>
     <p:extLst>
       <p:ext uri="{BB962C8B-B14F-4D97-AF65-F5344CB8AC3E}">
-        <p14:creationId xmlns:p14="http://schemas.microsoft.com/office/powerpoint/2010/main" val="4179522257"/>
+        <p14:creationId xmlns:p14="http://schemas.microsoft.com/office/powerpoint/2010/main" val="687365606"/>
       </p:ext>
     </p:extLst>
   </p:cSld>
@@ -9637,695 +12857,163 @@
           <a:chExt cx="0" cy="0"/>
         </a:xfrm>
       </p:grpSpPr>
-      <p:sp>
-        <p:nvSpPr>
-          <p:cNvPr id="2" name="Title 1">
+      <p:pic>
+        <p:nvPicPr>
+          <p:cNvPr id="7" name="Picture 6">
             <a:extLst>
               <a:ext uri="{FF2B5EF4-FFF2-40B4-BE49-F238E27FC236}">
-                <a16:creationId xmlns:a16="http://schemas.microsoft.com/office/drawing/2014/main" id="{8617DB0C-D5BB-AF4A-77E0-FC741C774408}"/>
+                <a16:creationId xmlns:a16="http://schemas.microsoft.com/office/drawing/2014/main" id="{BFA2983F-8250-14C8-1409-0D6E7767E064}"/>
               </a:ext>
             </a:extLst>
           </p:cNvPr>
-          <p:cNvSpPr>
-            <a:spLocks noGrp="1"/>
-          </p:cNvSpPr>
-          <p:nvPr>
-            <p:ph type="title"/>
-          </p:nvPr>
+          <p:cNvPicPr>
+            <a:picLocks noChangeAspect="1"/>
+          </p:cNvPicPr>
+          <p:nvPr/>
+        </p:nvPicPr>
+        <p:blipFill>
+          <a:blip r:embed="rId2">
+            <a:extLst>
+              <a:ext uri="{28A0092B-C50C-407E-A947-70E740481C1C}">
+                <a14:useLocalDpi xmlns:a14="http://schemas.microsoft.com/office/drawing/2010/main" val="0"/>
+              </a:ext>
+            </a:extLst>
+          </a:blip>
+          <a:srcRect l="34575" r="34450"/>
+          <a:stretch>
+            <a:fillRect/>
+          </a:stretch>
+        </p:blipFill>
+        <p:spPr>
+          <a:xfrm>
+            <a:off x="1618488" y="905256"/>
+            <a:ext cx="3401028" cy="5673830"/>
+          </a:xfrm>
+          <a:prstGeom prst="rect">
+            <a:avLst/>
+          </a:prstGeom>
+        </p:spPr>
+      </p:pic>
+      <p:pic>
+        <p:nvPicPr>
+          <p:cNvPr id="11" name="Picture 10">
+            <a:extLst>
+              <a:ext uri="{FF2B5EF4-FFF2-40B4-BE49-F238E27FC236}">
+                <a16:creationId xmlns:a16="http://schemas.microsoft.com/office/drawing/2014/main" id="{51FE4232-6090-4A9F-90A3-EE99E951CCBD}"/>
+              </a:ext>
+            </a:extLst>
+          </p:cNvPr>
+          <p:cNvPicPr>
+            <a:picLocks noChangeAspect="1"/>
+          </p:cNvPicPr>
+          <p:nvPr/>
+        </p:nvPicPr>
+        <p:blipFill>
+          <a:blip r:embed="rId3">
+            <a:extLst>
+              <a:ext uri="{28A0092B-C50C-407E-A947-70E740481C1C}">
+                <a14:useLocalDpi xmlns:a14="http://schemas.microsoft.com/office/drawing/2010/main" val="0"/>
+              </a:ext>
+            </a:extLst>
+          </a:blip>
+          <a:srcRect l="34425" r="34600" b="3415"/>
+          <a:stretch>
+            <a:fillRect/>
+          </a:stretch>
+        </p:blipFill>
+        <p:spPr>
+          <a:xfrm>
+            <a:off x="7278624" y="914924"/>
+            <a:ext cx="3776472" cy="5673830"/>
+          </a:xfrm>
+          <a:prstGeom prst="rect">
+            <a:avLst/>
+          </a:prstGeom>
+        </p:spPr>
+      </p:pic>
+      <p:sp>
+        <p:nvSpPr>
+          <p:cNvPr id="12" name="TextBox 11">
+            <a:extLst>
+              <a:ext uri="{FF2B5EF4-FFF2-40B4-BE49-F238E27FC236}">
+                <a16:creationId xmlns:a16="http://schemas.microsoft.com/office/drawing/2014/main" id="{357501B4-038B-2BFA-85E3-85FB34484A89}"/>
+              </a:ext>
+            </a:extLst>
+          </p:cNvPr>
+          <p:cNvSpPr txBox="1"/>
+          <p:nvPr/>
         </p:nvSpPr>
-        <p:spPr/>
+        <p:spPr>
+          <a:xfrm>
+            <a:off x="2286000" y="487776"/>
+            <a:ext cx="2322576" cy="400110"/>
+          </a:xfrm>
+          <a:prstGeom prst="rect">
+            <a:avLst/>
+          </a:prstGeom>
+          <a:noFill/>
+        </p:spPr>
         <p:txBody>
-          <a:bodyPr>
-            <a:normAutofit/>
+          <a:bodyPr wrap="square" rtlCol="0">
+            <a:spAutoFit/>
           </a:bodyPr>
           <a:lstStyle/>
           <a:p>
             <a:r>
-              <a:rPr lang="en-IN" sz="4000" u="sng" spc="-45" dirty="0">
-                <a:latin typeface="Tahoma" panose="020B0604030504040204" pitchFamily="34" charset="0"/>
-                <a:ea typeface="Tahoma" panose="020B0604030504040204" pitchFamily="34" charset="0"/>
-                <a:cs typeface="Tahoma" panose="020B0604030504040204" pitchFamily="34" charset="0"/>
-              </a:rPr>
-              <a:t>Milestone 3: Job</a:t>
-            </a:r>
-            <a:r>
-              <a:rPr lang="en-IN" sz="4000" u="sng" spc="-270" dirty="0">
-                <a:latin typeface="Tahoma" panose="020B0604030504040204" pitchFamily="34" charset="0"/>
-                <a:ea typeface="Tahoma" panose="020B0604030504040204" pitchFamily="34" charset="0"/>
-                <a:cs typeface="Tahoma" panose="020B0604030504040204" pitchFamily="34" charset="0"/>
-              </a:rPr>
-              <a:t> </a:t>
-            </a:r>
-            <a:r>
-              <a:rPr lang="en-IN" sz="4000" u="sng" spc="-245" dirty="0">
-                <a:latin typeface="Tahoma" panose="020B0604030504040204" pitchFamily="34" charset="0"/>
-                <a:ea typeface="Tahoma" panose="020B0604030504040204" pitchFamily="34" charset="0"/>
-                <a:cs typeface="Tahoma" panose="020B0604030504040204" pitchFamily="34" charset="0"/>
-              </a:rPr>
-              <a:t>Role</a:t>
-            </a:r>
-            <a:r>
-              <a:rPr lang="en-IN" sz="4000" u="sng" spc="-270" dirty="0">
-                <a:latin typeface="Tahoma" panose="020B0604030504040204" pitchFamily="34" charset="0"/>
-                <a:ea typeface="Tahoma" panose="020B0604030504040204" pitchFamily="34" charset="0"/>
-                <a:cs typeface="Tahoma" panose="020B0604030504040204" pitchFamily="34" charset="0"/>
-              </a:rPr>
-              <a:t> </a:t>
-            </a:r>
-            <a:r>
-              <a:rPr lang="en-IN" sz="4000" u="sng" spc="-170" dirty="0">
-                <a:latin typeface="Tahoma" panose="020B0604030504040204" pitchFamily="34" charset="0"/>
-                <a:ea typeface="Tahoma" panose="020B0604030504040204" pitchFamily="34" charset="0"/>
-                <a:cs typeface="Tahoma" panose="020B0604030504040204" pitchFamily="34" charset="0"/>
-              </a:rPr>
-              <a:t>Prediction</a:t>
-            </a:r>
-            <a:r>
-              <a:rPr lang="en-IN" sz="4000" u="sng" spc="-265" dirty="0">
-                <a:latin typeface="Tahoma" panose="020B0604030504040204" pitchFamily="34" charset="0"/>
-                <a:ea typeface="Tahoma" panose="020B0604030504040204" pitchFamily="34" charset="0"/>
-                <a:cs typeface="Tahoma" panose="020B0604030504040204" pitchFamily="34" charset="0"/>
-              </a:rPr>
-              <a:t> </a:t>
-            </a:r>
-            <a:r>
-              <a:rPr lang="en-IN" sz="4000" u="sng" spc="-300" dirty="0">
-                <a:latin typeface="Tahoma" panose="020B0604030504040204" pitchFamily="34" charset="0"/>
-                <a:ea typeface="Tahoma" panose="020B0604030504040204" pitchFamily="34" charset="0"/>
-                <a:cs typeface="Tahoma" panose="020B0604030504040204" pitchFamily="34" charset="0"/>
-              </a:rPr>
-              <a:t>Module</a:t>
-            </a:r>
-            <a:endParaRPr lang="en-IN" sz="4000" u="sng" dirty="0">
-              <a:latin typeface="Tahoma" panose="020B0604030504040204" pitchFamily="34" charset="0"/>
-              <a:ea typeface="Tahoma" panose="020B0604030504040204" pitchFamily="34" charset="0"/>
-              <a:cs typeface="Tahoma" panose="020B0604030504040204" pitchFamily="34" charset="0"/>
-            </a:endParaRPr>
+              <a:rPr lang="en-IN" sz="2000" dirty="0"/>
+              <a:t>Registration Page</a:t>
+            </a:r>
           </a:p>
         </p:txBody>
       </p:sp>
       <p:sp>
         <p:nvSpPr>
-          <p:cNvPr id="3" name="Content Placeholder 2">
+          <p:cNvPr id="13" name="TextBox 12">
             <a:extLst>
               <a:ext uri="{FF2B5EF4-FFF2-40B4-BE49-F238E27FC236}">
-                <a16:creationId xmlns:a16="http://schemas.microsoft.com/office/drawing/2014/main" id="{1F31B2C6-71C0-8C70-A3C1-45950387F891}"/>
+                <a16:creationId xmlns:a16="http://schemas.microsoft.com/office/drawing/2014/main" id="{EA4EC83C-870E-8C54-8090-41937558278F}"/>
               </a:ext>
             </a:extLst>
           </p:cNvPr>
-          <p:cNvSpPr>
-            <a:spLocks noGrp="1"/>
-          </p:cNvSpPr>
-          <p:nvPr>
-            <p:ph idx="1"/>
-          </p:nvPr>
+          <p:cNvSpPr txBox="1"/>
+          <p:nvPr/>
         </p:nvSpPr>
-        <p:spPr/>
+        <p:spPr>
+          <a:xfrm>
+            <a:off x="8336280" y="387192"/>
+            <a:ext cx="1901952" cy="400110"/>
+          </a:xfrm>
+          <a:prstGeom prst="rect">
+            <a:avLst/>
+          </a:prstGeom>
+          <a:noFill/>
+        </p:spPr>
         <p:txBody>
-          <a:bodyPr>
-            <a:normAutofit/>
+          <a:bodyPr wrap="square" rtlCol="0">
+            <a:spAutoFit/>
           </a:bodyPr>
           <a:lstStyle/>
           <a:p>
-            <a:pPr marL="12700">
-              <a:lnSpc>
-                <a:spcPct val="100000"/>
-              </a:lnSpc>
-              <a:spcBef>
-                <a:spcPts val="135"/>
-              </a:spcBef>
-            </a:pPr>
-            <a:r>
-              <a:rPr lang="en-US" sz="3200" spc="-85" dirty="0">
-                <a:latin typeface="Tahoma" panose="020B0604030504040204" pitchFamily="34" charset="0"/>
-                <a:ea typeface="Tahoma" panose="020B0604030504040204" pitchFamily="34" charset="0"/>
-                <a:cs typeface="Tahoma" panose="020B0604030504040204" pitchFamily="34" charset="0"/>
-              </a:rPr>
-              <a:t>User</a:t>
-            </a:r>
-            <a:r>
-              <a:rPr lang="en-US" sz="3200" spc="-120" dirty="0">
-                <a:latin typeface="Tahoma" panose="020B0604030504040204" pitchFamily="34" charset="0"/>
-                <a:ea typeface="Tahoma" panose="020B0604030504040204" pitchFamily="34" charset="0"/>
-                <a:cs typeface="Tahoma" panose="020B0604030504040204" pitchFamily="34" charset="0"/>
-              </a:rPr>
-              <a:t> </a:t>
-            </a:r>
-            <a:r>
-              <a:rPr lang="en-US" sz="3200" spc="-130" dirty="0">
-                <a:latin typeface="Tahoma" panose="020B0604030504040204" pitchFamily="34" charset="0"/>
-                <a:ea typeface="Tahoma" panose="020B0604030504040204" pitchFamily="34" charset="0"/>
-                <a:cs typeface="Tahoma" panose="020B0604030504040204" pitchFamily="34" charset="0"/>
-              </a:rPr>
-              <a:t>Data</a:t>
-            </a:r>
-            <a:r>
-              <a:rPr lang="en-US" sz="3200" spc="-114" dirty="0">
-                <a:latin typeface="Tahoma" panose="020B0604030504040204" pitchFamily="34" charset="0"/>
-                <a:ea typeface="Tahoma" panose="020B0604030504040204" pitchFamily="34" charset="0"/>
-                <a:cs typeface="Tahoma" panose="020B0604030504040204" pitchFamily="34" charset="0"/>
-              </a:rPr>
-              <a:t> </a:t>
-            </a:r>
-            <a:r>
-              <a:rPr lang="en-US" sz="3200" spc="-30" dirty="0">
-                <a:latin typeface="Tahoma" panose="020B0604030504040204" pitchFamily="34" charset="0"/>
-                <a:ea typeface="Tahoma" panose="020B0604030504040204" pitchFamily="34" charset="0"/>
-                <a:cs typeface="Tahoma" panose="020B0604030504040204" pitchFamily="34" charset="0"/>
-              </a:rPr>
-              <a:t>Integration</a:t>
-            </a:r>
-            <a:endParaRPr lang="en-US" sz="3200" dirty="0">
-              <a:latin typeface="Tahoma" panose="020B0604030504040204" pitchFamily="34" charset="0"/>
-              <a:ea typeface="Tahoma" panose="020B0604030504040204" pitchFamily="34" charset="0"/>
-              <a:cs typeface="Tahoma" panose="020B0604030504040204" pitchFamily="34" charset="0"/>
-            </a:endParaRPr>
-          </a:p>
-          <a:p>
-            <a:pPr marL="0" indent="0">
-              <a:lnSpc>
-                <a:spcPct val="100000"/>
-              </a:lnSpc>
-              <a:spcBef>
-                <a:spcPts val="1045"/>
-              </a:spcBef>
-              <a:buNone/>
-            </a:pPr>
-            <a:r>
-              <a:rPr lang="en-US" spc="50" dirty="0">
-                <a:solidFill>
-                  <a:srgbClr val="374552"/>
-                </a:solidFill>
-                <a:latin typeface="Tahoma" panose="020B0604030504040204" pitchFamily="34" charset="0"/>
-                <a:ea typeface="Tahoma" panose="020B0604030504040204" pitchFamily="34" charset="0"/>
-                <a:cs typeface="Tahoma" panose="020B0604030504040204" pitchFamily="34" charset="0"/>
-              </a:rPr>
-              <a:t>  Feeding</a:t>
-            </a:r>
-            <a:r>
-              <a:rPr lang="en-US" spc="-20" dirty="0">
-                <a:solidFill>
-                  <a:srgbClr val="374552"/>
-                </a:solidFill>
-                <a:latin typeface="Tahoma" panose="020B0604030504040204" pitchFamily="34" charset="0"/>
-                <a:ea typeface="Tahoma" panose="020B0604030504040204" pitchFamily="34" charset="0"/>
-                <a:cs typeface="Tahoma" panose="020B0604030504040204" pitchFamily="34" charset="0"/>
-              </a:rPr>
-              <a:t> </a:t>
-            </a:r>
-            <a:r>
-              <a:rPr lang="en-US" spc="10" dirty="0">
-                <a:solidFill>
-                  <a:srgbClr val="374552"/>
-                </a:solidFill>
-                <a:latin typeface="Tahoma" panose="020B0604030504040204" pitchFamily="34" charset="0"/>
-                <a:ea typeface="Tahoma" panose="020B0604030504040204" pitchFamily="34" charset="0"/>
-                <a:cs typeface="Tahoma" panose="020B0604030504040204" pitchFamily="34" charset="0"/>
-              </a:rPr>
-              <a:t>processed</a:t>
-            </a:r>
-            <a:r>
-              <a:rPr lang="en-US" spc="-20" dirty="0">
-                <a:solidFill>
-                  <a:srgbClr val="374552"/>
-                </a:solidFill>
-                <a:latin typeface="Tahoma" panose="020B0604030504040204" pitchFamily="34" charset="0"/>
-                <a:ea typeface="Tahoma" panose="020B0604030504040204" pitchFamily="34" charset="0"/>
-                <a:cs typeface="Tahoma" panose="020B0604030504040204" pitchFamily="34" charset="0"/>
-              </a:rPr>
-              <a:t> </a:t>
-            </a:r>
-            <a:r>
-              <a:rPr lang="en-US" spc="10" dirty="0">
-                <a:solidFill>
-                  <a:srgbClr val="374552"/>
-                </a:solidFill>
-                <a:latin typeface="Tahoma" panose="020B0604030504040204" pitchFamily="34" charset="0"/>
-                <a:ea typeface="Tahoma" panose="020B0604030504040204" pitchFamily="34" charset="0"/>
-                <a:cs typeface="Tahoma" panose="020B0604030504040204" pitchFamily="34" charset="0"/>
-              </a:rPr>
-              <a:t>education</a:t>
-            </a:r>
-            <a:r>
-              <a:rPr lang="en-US" spc="-15" dirty="0">
-                <a:solidFill>
-                  <a:srgbClr val="374552"/>
-                </a:solidFill>
-                <a:latin typeface="Tahoma" panose="020B0604030504040204" pitchFamily="34" charset="0"/>
-                <a:ea typeface="Tahoma" panose="020B0604030504040204" pitchFamily="34" charset="0"/>
-                <a:cs typeface="Tahoma" panose="020B0604030504040204" pitchFamily="34" charset="0"/>
-              </a:rPr>
-              <a:t> </a:t>
-            </a:r>
-            <a:r>
-              <a:rPr lang="en-US" spc="50" dirty="0">
-                <a:solidFill>
-                  <a:srgbClr val="374552"/>
-                </a:solidFill>
-                <a:latin typeface="Tahoma" panose="020B0604030504040204" pitchFamily="34" charset="0"/>
-                <a:ea typeface="Tahoma" panose="020B0604030504040204" pitchFamily="34" charset="0"/>
-                <a:cs typeface="Tahoma" panose="020B0604030504040204" pitchFamily="34" charset="0"/>
-              </a:rPr>
-              <a:t>and</a:t>
-            </a:r>
-            <a:r>
-              <a:rPr lang="en-US" spc="-20" dirty="0">
-                <a:solidFill>
-                  <a:srgbClr val="374552"/>
-                </a:solidFill>
-                <a:latin typeface="Tahoma" panose="020B0604030504040204" pitchFamily="34" charset="0"/>
-                <a:ea typeface="Tahoma" panose="020B0604030504040204" pitchFamily="34" charset="0"/>
-                <a:cs typeface="Tahoma" panose="020B0604030504040204" pitchFamily="34" charset="0"/>
-              </a:rPr>
-              <a:t> </a:t>
-            </a:r>
-            <a:r>
-              <a:rPr lang="en-US" spc="10" dirty="0">
-                <a:solidFill>
-                  <a:srgbClr val="374552"/>
-                </a:solidFill>
-                <a:latin typeface="Tahoma" panose="020B0604030504040204" pitchFamily="34" charset="0"/>
-                <a:ea typeface="Tahoma" panose="020B0604030504040204" pitchFamily="34" charset="0"/>
-                <a:cs typeface="Tahoma" panose="020B0604030504040204" pitchFamily="34" charset="0"/>
-              </a:rPr>
-              <a:t>profile</a:t>
-            </a:r>
-            <a:r>
-              <a:rPr lang="en-US" spc="-15" dirty="0">
-                <a:solidFill>
-                  <a:srgbClr val="374552"/>
-                </a:solidFill>
-                <a:latin typeface="Tahoma" panose="020B0604030504040204" pitchFamily="34" charset="0"/>
-                <a:ea typeface="Tahoma" panose="020B0604030504040204" pitchFamily="34" charset="0"/>
-                <a:cs typeface="Tahoma" panose="020B0604030504040204" pitchFamily="34" charset="0"/>
-              </a:rPr>
-              <a:t> </a:t>
-            </a:r>
-            <a:r>
-              <a:rPr lang="en-US" spc="-10" dirty="0">
-                <a:solidFill>
-                  <a:srgbClr val="374552"/>
-                </a:solidFill>
-                <a:latin typeface="Tahoma" panose="020B0604030504040204" pitchFamily="34" charset="0"/>
-                <a:ea typeface="Tahoma" panose="020B0604030504040204" pitchFamily="34" charset="0"/>
-                <a:cs typeface="Tahoma" panose="020B0604030504040204" pitchFamily="34" charset="0"/>
-              </a:rPr>
-              <a:t>data.</a:t>
-            </a:r>
-            <a:endParaRPr lang="en-US" dirty="0">
-              <a:latin typeface="Tahoma" panose="020B0604030504040204" pitchFamily="34" charset="0"/>
-              <a:ea typeface="Tahoma" panose="020B0604030504040204" pitchFamily="34" charset="0"/>
-              <a:cs typeface="Tahoma" panose="020B0604030504040204" pitchFamily="34" charset="0"/>
-            </a:endParaRPr>
-          </a:p>
-          <a:p>
-            <a:pPr marL="0" indent="0">
-              <a:lnSpc>
-                <a:spcPct val="100000"/>
-              </a:lnSpc>
-              <a:spcBef>
-                <a:spcPts val="85"/>
-              </a:spcBef>
-              <a:buNone/>
-            </a:pPr>
-            <a:endParaRPr lang="en-US" dirty="0">
-              <a:latin typeface="Tahoma" panose="020B0604030504040204" pitchFamily="34" charset="0"/>
-              <a:ea typeface="Tahoma" panose="020B0604030504040204" pitchFamily="34" charset="0"/>
-              <a:cs typeface="Tahoma" panose="020B0604030504040204" pitchFamily="34" charset="0"/>
-            </a:endParaRPr>
-          </a:p>
-          <a:p>
-            <a:pPr marL="12700">
-              <a:lnSpc>
-                <a:spcPct val="100000"/>
-              </a:lnSpc>
-              <a:spcBef>
-                <a:spcPts val="5"/>
-              </a:spcBef>
-            </a:pPr>
-            <a:r>
-              <a:rPr lang="en-US" sz="3200" spc="-140" dirty="0">
-                <a:latin typeface="Tahoma" panose="020B0604030504040204" pitchFamily="34" charset="0"/>
-                <a:ea typeface="Tahoma" panose="020B0604030504040204" pitchFamily="34" charset="0"/>
-                <a:cs typeface="Tahoma" panose="020B0604030504040204" pitchFamily="34" charset="0"/>
-              </a:rPr>
-              <a:t>ML</a:t>
-            </a:r>
-            <a:r>
-              <a:rPr lang="en-US" sz="3200" spc="-105" dirty="0">
-                <a:latin typeface="Tahoma" panose="020B0604030504040204" pitchFamily="34" charset="0"/>
-                <a:ea typeface="Tahoma" panose="020B0604030504040204" pitchFamily="34" charset="0"/>
-                <a:cs typeface="Tahoma" panose="020B0604030504040204" pitchFamily="34" charset="0"/>
-              </a:rPr>
-              <a:t> </a:t>
-            </a:r>
-            <a:r>
-              <a:rPr lang="en-US" sz="3200" spc="-80" dirty="0">
-                <a:latin typeface="Tahoma" panose="020B0604030504040204" pitchFamily="34" charset="0"/>
-                <a:ea typeface="Tahoma" panose="020B0604030504040204" pitchFamily="34" charset="0"/>
-                <a:cs typeface="Tahoma" panose="020B0604030504040204" pitchFamily="34" charset="0"/>
-              </a:rPr>
-              <a:t>Prediction</a:t>
-            </a:r>
-            <a:r>
-              <a:rPr lang="en-US" sz="3200" spc="-100" dirty="0">
-                <a:latin typeface="Tahoma" panose="020B0604030504040204" pitchFamily="34" charset="0"/>
-                <a:ea typeface="Tahoma" panose="020B0604030504040204" pitchFamily="34" charset="0"/>
-                <a:cs typeface="Tahoma" panose="020B0604030504040204" pitchFamily="34" charset="0"/>
-              </a:rPr>
-              <a:t> </a:t>
-            </a:r>
-            <a:r>
-              <a:rPr lang="en-US" sz="3200" spc="-10" dirty="0">
-                <a:latin typeface="Tahoma" panose="020B0604030504040204" pitchFamily="34" charset="0"/>
-                <a:ea typeface="Tahoma" panose="020B0604030504040204" pitchFamily="34" charset="0"/>
-                <a:cs typeface="Tahoma" panose="020B0604030504040204" pitchFamily="34" charset="0"/>
-              </a:rPr>
-              <a:t>Engine</a:t>
-            </a:r>
-            <a:endParaRPr lang="en-US" sz="3200" dirty="0">
-              <a:latin typeface="Tahoma" panose="020B0604030504040204" pitchFamily="34" charset="0"/>
-              <a:ea typeface="Tahoma" panose="020B0604030504040204" pitchFamily="34" charset="0"/>
-              <a:cs typeface="Tahoma" panose="020B0604030504040204" pitchFamily="34" charset="0"/>
-            </a:endParaRPr>
-          </a:p>
-          <a:p>
-            <a:pPr marL="0" indent="0">
-              <a:lnSpc>
-                <a:spcPct val="100000"/>
-              </a:lnSpc>
-              <a:spcBef>
-                <a:spcPts val="1120"/>
-              </a:spcBef>
-              <a:buNone/>
-            </a:pPr>
-            <a:r>
-              <a:rPr lang="en-US" dirty="0">
-                <a:solidFill>
-                  <a:srgbClr val="374552"/>
-                </a:solidFill>
-                <a:latin typeface="Tahoma" panose="020B0604030504040204" pitchFamily="34" charset="0"/>
-                <a:ea typeface="Tahoma" panose="020B0604030504040204" pitchFamily="34" charset="0"/>
-                <a:cs typeface="Tahoma" panose="020B0604030504040204" pitchFamily="34" charset="0"/>
-              </a:rPr>
-              <a:t>  Utilizing</a:t>
-            </a:r>
-            <a:r>
-              <a:rPr lang="en-US" spc="-25" dirty="0">
-                <a:solidFill>
-                  <a:srgbClr val="374552"/>
-                </a:solidFill>
-                <a:latin typeface="Tahoma" panose="020B0604030504040204" pitchFamily="34" charset="0"/>
-                <a:ea typeface="Tahoma" panose="020B0604030504040204" pitchFamily="34" charset="0"/>
-                <a:cs typeface="Tahoma" panose="020B0604030504040204" pitchFamily="34" charset="0"/>
-              </a:rPr>
-              <a:t> </a:t>
-            </a:r>
-            <a:r>
-              <a:rPr lang="en-US" spc="60" dirty="0">
-                <a:solidFill>
-                  <a:srgbClr val="374552"/>
-                </a:solidFill>
-                <a:latin typeface="Tahoma" panose="020B0604030504040204" pitchFamily="34" charset="0"/>
-                <a:ea typeface="Tahoma" panose="020B0604030504040204" pitchFamily="34" charset="0"/>
-                <a:cs typeface="Tahoma" panose="020B0604030504040204" pitchFamily="34" charset="0"/>
-              </a:rPr>
-              <a:t>Random</a:t>
-            </a:r>
-            <a:r>
-              <a:rPr lang="en-US" spc="-25" dirty="0">
-                <a:solidFill>
-                  <a:srgbClr val="374552"/>
-                </a:solidFill>
-                <a:latin typeface="Tahoma" panose="020B0604030504040204" pitchFamily="34" charset="0"/>
-                <a:ea typeface="Tahoma" panose="020B0604030504040204" pitchFamily="34" charset="0"/>
-                <a:cs typeface="Tahoma" panose="020B0604030504040204" pitchFamily="34" charset="0"/>
-              </a:rPr>
-              <a:t> </a:t>
-            </a:r>
-            <a:r>
-              <a:rPr lang="en-US" dirty="0">
-                <a:solidFill>
-                  <a:srgbClr val="374552"/>
-                </a:solidFill>
-                <a:latin typeface="Tahoma" panose="020B0604030504040204" pitchFamily="34" charset="0"/>
-                <a:ea typeface="Tahoma" panose="020B0604030504040204" pitchFamily="34" charset="0"/>
-                <a:cs typeface="Tahoma" panose="020B0604030504040204" pitchFamily="34" charset="0"/>
-              </a:rPr>
-              <a:t>Forest</a:t>
-            </a:r>
-            <a:r>
-              <a:rPr lang="en-US" spc="-25" dirty="0">
-                <a:solidFill>
-                  <a:srgbClr val="374552"/>
-                </a:solidFill>
-                <a:latin typeface="Tahoma" panose="020B0604030504040204" pitchFamily="34" charset="0"/>
-                <a:ea typeface="Tahoma" panose="020B0604030504040204" pitchFamily="34" charset="0"/>
-                <a:cs typeface="Tahoma" panose="020B0604030504040204" pitchFamily="34" charset="0"/>
-              </a:rPr>
-              <a:t> </a:t>
-            </a:r>
-            <a:r>
-              <a:rPr lang="en-US" spc="-10" dirty="0">
-                <a:solidFill>
-                  <a:srgbClr val="374552"/>
-                </a:solidFill>
-                <a:latin typeface="Tahoma" panose="020B0604030504040204" pitchFamily="34" charset="0"/>
-                <a:ea typeface="Tahoma" panose="020B0604030504040204" pitchFamily="34" charset="0"/>
-                <a:cs typeface="Tahoma" panose="020B0604030504040204" pitchFamily="34" charset="0"/>
-              </a:rPr>
-              <a:t>for</a:t>
-            </a:r>
-            <a:r>
-              <a:rPr lang="en-US" spc="-25" dirty="0">
-                <a:solidFill>
-                  <a:srgbClr val="374552"/>
-                </a:solidFill>
-                <a:latin typeface="Tahoma" panose="020B0604030504040204" pitchFamily="34" charset="0"/>
-                <a:ea typeface="Tahoma" panose="020B0604030504040204" pitchFamily="34" charset="0"/>
-                <a:cs typeface="Tahoma" panose="020B0604030504040204" pitchFamily="34" charset="0"/>
-              </a:rPr>
-              <a:t> </a:t>
-            </a:r>
-            <a:r>
-              <a:rPr lang="en-US" dirty="0">
-                <a:solidFill>
-                  <a:srgbClr val="374552"/>
-                </a:solidFill>
-                <a:latin typeface="Tahoma" panose="020B0604030504040204" pitchFamily="34" charset="0"/>
-                <a:ea typeface="Tahoma" panose="020B0604030504040204" pitchFamily="34" charset="0"/>
-                <a:cs typeface="Tahoma" panose="020B0604030504040204" pitchFamily="34" charset="0"/>
-              </a:rPr>
-              <a:t>career</a:t>
-            </a:r>
-            <a:r>
-              <a:rPr lang="en-US" spc="-25" dirty="0">
-                <a:solidFill>
-                  <a:srgbClr val="374552"/>
-                </a:solidFill>
-                <a:latin typeface="Tahoma" panose="020B0604030504040204" pitchFamily="34" charset="0"/>
-                <a:ea typeface="Tahoma" panose="020B0604030504040204" pitchFamily="34" charset="0"/>
-                <a:cs typeface="Tahoma" panose="020B0604030504040204" pitchFamily="34" charset="0"/>
-              </a:rPr>
-              <a:t> </a:t>
-            </a:r>
-            <a:r>
-              <a:rPr lang="en-US" spc="-10" dirty="0">
-                <a:solidFill>
-                  <a:srgbClr val="374552"/>
-                </a:solidFill>
-                <a:latin typeface="Tahoma" panose="020B0604030504040204" pitchFamily="34" charset="0"/>
-                <a:ea typeface="Tahoma" panose="020B0604030504040204" pitchFamily="34" charset="0"/>
-                <a:cs typeface="Tahoma" panose="020B0604030504040204" pitchFamily="34" charset="0"/>
-              </a:rPr>
-              <a:t>forecasting.</a:t>
-            </a:r>
-            <a:endParaRPr lang="en-US" dirty="0">
-              <a:latin typeface="Tahoma" panose="020B0604030504040204" pitchFamily="34" charset="0"/>
-              <a:ea typeface="Tahoma" panose="020B0604030504040204" pitchFamily="34" charset="0"/>
-              <a:cs typeface="Tahoma" panose="020B0604030504040204" pitchFamily="34" charset="0"/>
-            </a:endParaRPr>
-          </a:p>
-          <a:p>
-            <a:pPr marL="0" indent="0">
-              <a:lnSpc>
-                <a:spcPct val="100000"/>
-              </a:lnSpc>
-              <a:spcBef>
-                <a:spcPts val="85"/>
-              </a:spcBef>
-              <a:buNone/>
-            </a:pPr>
-            <a:endParaRPr lang="en-US" dirty="0">
-              <a:latin typeface="Tahoma" panose="020B0604030504040204" pitchFamily="34" charset="0"/>
-              <a:ea typeface="Tahoma" panose="020B0604030504040204" pitchFamily="34" charset="0"/>
-              <a:cs typeface="Tahoma" panose="020B0604030504040204" pitchFamily="34" charset="0"/>
-            </a:endParaRPr>
-          </a:p>
-          <a:p>
-            <a:pPr marL="12700">
-              <a:lnSpc>
-                <a:spcPct val="100000"/>
-              </a:lnSpc>
-            </a:pPr>
-            <a:r>
-              <a:rPr lang="en-US" sz="3200" spc="-90" dirty="0">
-                <a:latin typeface="Tahoma" panose="020B0604030504040204" pitchFamily="34" charset="0"/>
-                <a:ea typeface="Tahoma" panose="020B0604030504040204" pitchFamily="34" charset="0"/>
-                <a:cs typeface="Tahoma" panose="020B0604030504040204" pitchFamily="34" charset="0"/>
-              </a:rPr>
-              <a:t>Personalized</a:t>
-            </a:r>
-            <a:r>
-              <a:rPr lang="en-US" sz="3200" spc="-60" dirty="0">
-                <a:latin typeface="Tahoma" panose="020B0604030504040204" pitchFamily="34" charset="0"/>
-                <a:ea typeface="Tahoma" panose="020B0604030504040204" pitchFamily="34" charset="0"/>
-                <a:cs typeface="Tahoma" panose="020B0604030504040204" pitchFamily="34" charset="0"/>
-              </a:rPr>
-              <a:t> </a:t>
-            </a:r>
-            <a:r>
-              <a:rPr lang="en-US" sz="3200" spc="-30" dirty="0">
-                <a:latin typeface="Tahoma" panose="020B0604030504040204" pitchFamily="34" charset="0"/>
-                <a:ea typeface="Tahoma" panose="020B0604030504040204" pitchFamily="34" charset="0"/>
-                <a:cs typeface="Tahoma" panose="020B0604030504040204" pitchFamily="34" charset="0"/>
-              </a:rPr>
-              <a:t>Recommendations</a:t>
-            </a:r>
-            <a:endParaRPr lang="en-US" sz="3200" dirty="0">
-              <a:latin typeface="Tahoma" panose="020B0604030504040204" pitchFamily="34" charset="0"/>
-              <a:ea typeface="Tahoma" panose="020B0604030504040204" pitchFamily="34" charset="0"/>
-              <a:cs typeface="Tahoma" panose="020B0604030504040204" pitchFamily="34" charset="0"/>
-            </a:endParaRPr>
-          </a:p>
-          <a:p>
-            <a:pPr marL="0" indent="0">
-              <a:lnSpc>
-                <a:spcPct val="100000"/>
-              </a:lnSpc>
-              <a:spcBef>
-                <a:spcPts val="1045"/>
-              </a:spcBef>
-              <a:buNone/>
-            </a:pPr>
-            <a:r>
-              <a:rPr lang="en-US" dirty="0">
-                <a:solidFill>
-                  <a:srgbClr val="374552"/>
-                </a:solidFill>
-                <a:latin typeface="Tahoma" panose="020B0604030504040204" pitchFamily="34" charset="0"/>
-                <a:ea typeface="Tahoma" panose="020B0604030504040204" pitchFamily="34" charset="0"/>
-                <a:cs typeface="Tahoma" panose="020B0604030504040204" pitchFamily="34" charset="0"/>
-              </a:rPr>
-              <a:t>  Generating</a:t>
-            </a:r>
-            <a:r>
-              <a:rPr lang="en-US" spc="-35" dirty="0">
-                <a:solidFill>
-                  <a:srgbClr val="374552"/>
-                </a:solidFill>
-                <a:latin typeface="Tahoma" panose="020B0604030504040204" pitchFamily="34" charset="0"/>
-                <a:ea typeface="Tahoma" panose="020B0604030504040204" pitchFamily="34" charset="0"/>
-                <a:cs typeface="Tahoma" panose="020B0604030504040204" pitchFamily="34" charset="0"/>
-              </a:rPr>
-              <a:t> </a:t>
-            </a:r>
-            <a:r>
-              <a:rPr lang="en-US" dirty="0">
-                <a:solidFill>
-                  <a:srgbClr val="374552"/>
-                </a:solidFill>
-                <a:latin typeface="Tahoma" panose="020B0604030504040204" pitchFamily="34" charset="0"/>
-                <a:ea typeface="Tahoma" panose="020B0604030504040204" pitchFamily="34" charset="0"/>
-                <a:cs typeface="Tahoma" panose="020B0604030504040204" pitchFamily="34" charset="0"/>
-              </a:rPr>
-              <a:t>relevant</a:t>
-            </a:r>
-            <a:r>
-              <a:rPr lang="en-US" spc="-40" dirty="0">
-                <a:solidFill>
-                  <a:srgbClr val="374552"/>
-                </a:solidFill>
-                <a:latin typeface="Tahoma" panose="020B0604030504040204" pitchFamily="34" charset="0"/>
-                <a:ea typeface="Tahoma" panose="020B0604030504040204" pitchFamily="34" charset="0"/>
-                <a:cs typeface="Tahoma" panose="020B0604030504040204" pitchFamily="34" charset="0"/>
-              </a:rPr>
-              <a:t> </a:t>
-            </a:r>
-            <a:r>
-              <a:rPr lang="en-US" dirty="0">
-                <a:solidFill>
-                  <a:srgbClr val="374552"/>
-                </a:solidFill>
-                <a:latin typeface="Tahoma" panose="020B0604030504040204" pitchFamily="34" charset="0"/>
-                <a:ea typeface="Tahoma" panose="020B0604030504040204" pitchFamily="34" charset="0"/>
-                <a:cs typeface="Tahoma" panose="020B0604030504040204" pitchFamily="34" charset="0"/>
-              </a:rPr>
-              <a:t>job</a:t>
-            </a:r>
-            <a:r>
-              <a:rPr lang="en-US" spc="-30" dirty="0">
-                <a:solidFill>
-                  <a:srgbClr val="374552"/>
-                </a:solidFill>
-                <a:latin typeface="Tahoma" panose="020B0604030504040204" pitchFamily="34" charset="0"/>
-                <a:ea typeface="Tahoma" panose="020B0604030504040204" pitchFamily="34" charset="0"/>
-                <a:cs typeface="Tahoma" panose="020B0604030504040204" pitchFamily="34" charset="0"/>
-              </a:rPr>
-              <a:t> </a:t>
-            </a:r>
-            <a:r>
-              <a:rPr lang="en-US" dirty="0">
-                <a:solidFill>
-                  <a:srgbClr val="374552"/>
-                </a:solidFill>
-                <a:latin typeface="Tahoma" panose="020B0604030504040204" pitchFamily="34" charset="0"/>
-                <a:ea typeface="Tahoma" panose="020B0604030504040204" pitchFamily="34" charset="0"/>
-                <a:cs typeface="Tahoma" panose="020B0604030504040204" pitchFamily="34" charset="0"/>
-              </a:rPr>
-              <a:t>role</a:t>
-            </a:r>
-            <a:r>
-              <a:rPr lang="en-US" spc="-30" dirty="0">
-                <a:solidFill>
-                  <a:srgbClr val="374552"/>
-                </a:solidFill>
-                <a:latin typeface="Tahoma" panose="020B0604030504040204" pitchFamily="34" charset="0"/>
-                <a:ea typeface="Tahoma" panose="020B0604030504040204" pitchFamily="34" charset="0"/>
-                <a:cs typeface="Tahoma" panose="020B0604030504040204" pitchFamily="34" charset="0"/>
-              </a:rPr>
-              <a:t> </a:t>
-            </a:r>
-            <a:r>
-              <a:rPr lang="en-US" spc="-10" dirty="0">
-                <a:solidFill>
-                  <a:srgbClr val="374552"/>
-                </a:solidFill>
-                <a:latin typeface="Tahoma" panose="020B0604030504040204" pitchFamily="34" charset="0"/>
-                <a:ea typeface="Tahoma" panose="020B0604030504040204" pitchFamily="34" charset="0"/>
-                <a:cs typeface="Tahoma" panose="020B0604030504040204" pitchFamily="34" charset="0"/>
-              </a:rPr>
-              <a:t>suggestions.</a:t>
-            </a:r>
-            <a:endParaRPr lang="en-US" dirty="0">
-              <a:latin typeface="Tahoma" panose="020B0604030504040204" pitchFamily="34" charset="0"/>
-              <a:ea typeface="Tahoma" panose="020B0604030504040204" pitchFamily="34" charset="0"/>
-              <a:cs typeface="Tahoma" panose="020B0604030504040204" pitchFamily="34" charset="0"/>
-            </a:endParaRPr>
-          </a:p>
-          <a:p>
-            <a:endParaRPr lang="en-IN" dirty="0">
-              <a:latin typeface="Tahoma" panose="020B0604030504040204" pitchFamily="34" charset="0"/>
-              <a:ea typeface="Tahoma" panose="020B0604030504040204" pitchFamily="34" charset="0"/>
-              <a:cs typeface="Tahoma" panose="020B0604030504040204" pitchFamily="34" charset="0"/>
-            </a:endParaRPr>
+            <a:r>
+              <a:rPr lang="en-IN" sz="2000" dirty="0"/>
+              <a:t>Login</a:t>
+            </a:r>
+            <a:r>
+              <a:rPr lang="en-IN" dirty="0"/>
+              <a:t> </a:t>
+            </a:r>
+            <a:r>
+              <a:rPr lang="en-IN" sz="2000" dirty="0"/>
+              <a:t>Page</a:t>
+            </a:r>
+            <a:endParaRPr lang="en-IN" dirty="0"/>
           </a:p>
         </p:txBody>
       </p:sp>
     </p:spTree>
     <p:extLst>
       <p:ext uri="{BB962C8B-B14F-4D97-AF65-F5344CB8AC3E}">
-        <p14:creationId xmlns:p14="http://schemas.microsoft.com/office/powerpoint/2010/main" val="1600732341"/>
+        <p14:creationId xmlns:p14="http://schemas.microsoft.com/office/powerpoint/2010/main" val="3728952581"/>
       </p:ext>
     </p:extLst>
   </p:cSld>
@@ -10352,399 +13040,46 @@
           <a:chExt cx="0" cy="0"/>
         </a:xfrm>
       </p:grpSpPr>
-      <p:sp>
-        <p:nvSpPr>
-          <p:cNvPr id="2" name="Title 1">
+      <p:pic>
+        <p:nvPicPr>
+          <p:cNvPr id="5" name="Picture 4">
             <a:extLst>
               <a:ext uri="{FF2B5EF4-FFF2-40B4-BE49-F238E27FC236}">
-                <a16:creationId xmlns:a16="http://schemas.microsoft.com/office/drawing/2014/main" id="{02DCA196-E67B-8DA5-E839-9C360638986F}"/>
+                <a16:creationId xmlns:a16="http://schemas.microsoft.com/office/drawing/2014/main" id="{F7561F02-7B9C-431D-ED34-39E9F2C7FE30}"/>
               </a:ext>
             </a:extLst>
           </p:cNvPr>
-          <p:cNvSpPr>
-            <a:spLocks noGrp="1"/>
-          </p:cNvSpPr>
-          <p:nvPr>
-            <p:ph type="title"/>
-          </p:nvPr>
-        </p:nvSpPr>
-        <p:spPr/>
-        <p:txBody>
-          <a:bodyPr>
-            <a:normAutofit/>
-          </a:bodyPr>
-          <a:lstStyle/>
-          <a:p>
-            <a:r>
-              <a:rPr lang="en-IN" sz="4000" spc="-245" dirty="0">
-                <a:latin typeface="Tahoma" panose="020B0604030504040204" pitchFamily="34" charset="0"/>
-                <a:ea typeface="Tahoma" panose="020B0604030504040204" pitchFamily="34" charset="0"/>
-                <a:cs typeface="Tahoma" panose="020B0604030504040204" pitchFamily="34" charset="0"/>
-              </a:rPr>
-              <a:t>Milestone 4: Admin</a:t>
-            </a:r>
-            <a:r>
-              <a:rPr lang="en-IN" sz="4000" spc="-280" dirty="0">
-                <a:latin typeface="Tahoma" panose="020B0604030504040204" pitchFamily="34" charset="0"/>
-                <a:ea typeface="Tahoma" panose="020B0604030504040204" pitchFamily="34" charset="0"/>
-                <a:cs typeface="Tahoma" panose="020B0604030504040204" pitchFamily="34" charset="0"/>
-              </a:rPr>
-              <a:t> </a:t>
-            </a:r>
-            <a:r>
-              <a:rPr lang="en-IN" sz="4000" spc="-245" dirty="0">
-                <a:latin typeface="Tahoma" panose="020B0604030504040204" pitchFamily="34" charset="0"/>
-                <a:ea typeface="Tahoma" panose="020B0604030504040204" pitchFamily="34" charset="0"/>
-                <a:cs typeface="Tahoma" panose="020B0604030504040204" pitchFamily="34" charset="0"/>
-              </a:rPr>
-              <a:t>Dashboard</a:t>
-            </a:r>
-            <a:r>
-              <a:rPr lang="en-IN" sz="4000" spc="-275" dirty="0">
-                <a:latin typeface="Tahoma" panose="020B0604030504040204" pitchFamily="34" charset="0"/>
-                <a:ea typeface="Tahoma" panose="020B0604030504040204" pitchFamily="34" charset="0"/>
-                <a:cs typeface="Tahoma" panose="020B0604030504040204" pitchFamily="34" charset="0"/>
-              </a:rPr>
-              <a:t> </a:t>
-            </a:r>
-            <a:r>
-              <a:rPr lang="en-IN" sz="4000" spc="-245" dirty="0">
-                <a:latin typeface="Tahoma" panose="020B0604030504040204" pitchFamily="34" charset="0"/>
-                <a:ea typeface="Tahoma" panose="020B0604030504040204" pitchFamily="34" charset="0"/>
-                <a:cs typeface="Tahoma" panose="020B0604030504040204" pitchFamily="34" charset="0"/>
-              </a:rPr>
-              <a:t>&amp;</a:t>
-            </a:r>
-            <a:r>
-              <a:rPr lang="en-IN" sz="4000" spc="-275" dirty="0">
-                <a:latin typeface="Tahoma" panose="020B0604030504040204" pitchFamily="34" charset="0"/>
-                <a:ea typeface="Tahoma" panose="020B0604030504040204" pitchFamily="34" charset="0"/>
-                <a:cs typeface="Tahoma" panose="020B0604030504040204" pitchFamily="34" charset="0"/>
-              </a:rPr>
-              <a:t> Model </a:t>
-            </a:r>
-            <a:r>
-              <a:rPr lang="en-IN" sz="4000" spc="-290" dirty="0">
-                <a:latin typeface="Tahoma" panose="020B0604030504040204" pitchFamily="34" charset="0"/>
-                <a:ea typeface="Tahoma" panose="020B0604030504040204" pitchFamily="34" charset="0"/>
-                <a:cs typeface="Tahoma" panose="020B0604030504040204" pitchFamily="34" charset="0"/>
-              </a:rPr>
-              <a:t>Management</a:t>
-            </a:r>
-            <a:endParaRPr lang="en-IN" sz="4000" dirty="0">
-              <a:latin typeface="Tahoma" panose="020B0604030504040204" pitchFamily="34" charset="0"/>
-              <a:ea typeface="Tahoma" panose="020B0604030504040204" pitchFamily="34" charset="0"/>
-              <a:cs typeface="Tahoma" panose="020B0604030504040204" pitchFamily="34" charset="0"/>
-            </a:endParaRPr>
-          </a:p>
-        </p:txBody>
-      </p:sp>
-      <p:sp>
-        <p:nvSpPr>
-          <p:cNvPr id="3" name="Content Placeholder 2">
+          <p:cNvPicPr>
+            <a:picLocks noChangeAspect="1"/>
+          </p:cNvPicPr>
+          <p:nvPr/>
+        </p:nvPicPr>
+        <p:blipFill>
+          <a:blip r:embed="rId2">
             <a:extLst>
-              <a:ext uri="{FF2B5EF4-FFF2-40B4-BE49-F238E27FC236}">
-                <a16:creationId xmlns:a16="http://schemas.microsoft.com/office/drawing/2014/main" id="{548B6444-E8B5-E843-7A97-651A3A3F8B4E}"/>
+              <a:ext uri="{28A0092B-C50C-407E-A947-70E740481C1C}">
+                <a14:useLocalDpi xmlns:a14="http://schemas.microsoft.com/office/drawing/2010/main" val="0"/>
               </a:ext>
             </a:extLst>
-          </p:cNvPr>
-          <p:cNvSpPr>
-            <a:spLocks noGrp="1"/>
-          </p:cNvSpPr>
-          <p:nvPr>
-            <p:ph idx="1"/>
-          </p:nvPr>
-        </p:nvSpPr>
-        <p:spPr/>
-        <p:txBody>
-          <a:bodyPr/>
-          <a:lstStyle/>
-          <a:p>
-            <a:pPr marL="298450" marR="72390" indent="-285750">
-              <a:lnSpc>
-                <a:spcPct val="135000"/>
-              </a:lnSpc>
-              <a:spcBef>
-                <a:spcPts val="90"/>
-              </a:spcBef>
-            </a:pPr>
-            <a:r>
-              <a:rPr lang="it-IT" dirty="0">
-                <a:solidFill>
-                  <a:srgbClr val="374552"/>
-                </a:solidFill>
-                <a:latin typeface="Tahoma" panose="020B0604030504040204" pitchFamily="34" charset="0"/>
-                <a:ea typeface="Tahoma" panose="020B0604030504040204" pitchFamily="34" charset="0"/>
-                <a:cs typeface="Tahoma" panose="020B0604030504040204" pitchFamily="34" charset="0"/>
-              </a:rPr>
-              <a:t>User</a:t>
-            </a:r>
-            <a:r>
-              <a:rPr lang="it-IT" spc="70" dirty="0">
-                <a:solidFill>
-                  <a:srgbClr val="374552"/>
-                </a:solidFill>
-                <a:latin typeface="Tahoma" panose="020B0604030504040204" pitchFamily="34" charset="0"/>
-                <a:ea typeface="Tahoma" panose="020B0604030504040204" pitchFamily="34" charset="0"/>
-                <a:cs typeface="Tahoma" panose="020B0604030504040204" pitchFamily="34" charset="0"/>
-              </a:rPr>
-              <a:t> </a:t>
-            </a:r>
-            <a:r>
-              <a:rPr lang="it-IT" dirty="0">
-                <a:solidFill>
-                  <a:srgbClr val="374552"/>
-                </a:solidFill>
-                <a:latin typeface="Tahoma" panose="020B0604030504040204" pitchFamily="34" charset="0"/>
-                <a:ea typeface="Tahoma" panose="020B0604030504040204" pitchFamily="34" charset="0"/>
-                <a:cs typeface="Tahoma" panose="020B0604030504040204" pitchFamily="34" charset="0"/>
-              </a:rPr>
-              <a:t>Management</a:t>
-            </a:r>
-            <a:endParaRPr lang="it-IT" dirty="0">
-              <a:latin typeface="Tahoma" panose="020B0604030504040204" pitchFamily="34" charset="0"/>
-              <a:ea typeface="Tahoma" panose="020B0604030504040204" pitchFamily="34" charset="0"/>
-              <a:cs typeface="Tahoma" panose="020B0604030504040204" pitchFamily="34" charset="0"/>
-            </a:endParaRPr>
-          </a:p>
-          <a:p>
-            <a:pPr marL="298450" marR="327025" indent="-285750">
-              <a:lnSpc>
-                <a:spcPct val="137500"/>
-              </a:lnSpc>
-              <a:spcBef>
-                <a:spcPts val="415"/>
-              </a:spcBef>
-            </a:pPr>
-            <a:r>
-              <a:rPr lang="it-IT" dirty="0">
-                <a:solidFill>
-                  <a:srgbClr val="374552"/>
-                </a:solidFill>
-                <a:latin typeface="Tahoma" panose="020B0604030504040204" pitchFamily="34" charset="0"/>
-                <a:ea typeface="Tahoma" panose="020B0604030504040204" pitchFamily="34" charset="0"/>
-                <a:cs typeface="Tahoma" panose="020B0604030504040204" pitchFamily="34" charset="0"/>
-              </a:rPr>
-              <a:t>Data</a:t>
-            </a:r>
-            <a:r>
-              <a:rPr lang="it-IT" spc="5" dirty="0">
-                <a:solidFill>
-                  <a:srgbClr val="374552"/>
-                </a:solidFill>
-                <a:latin typeface="Tahoma" panose="020B0604030504040204" pitchFamily="34" charset="0"/>
-                <a:ea typeface="Tahoma" panose="020B0604030504040204" pitchFamily="34" charset="0"/>
-                <a:cs typeface="Tahoma" panose="020B0604030504040204" pitchFamily="34" charset="0"/>
-              </a:rPr>
-              <a:t> </a:t>
-            </a:r>
-            <a:r>
-              <a:rPr lang="it-IT" dirty="0">
-                <a:solidFill>
-                  <a:srgbClr val="374552"/>
-                </a:solidFill>
-                <a:latin typeface="Tahoma" panose="020B0604030504040204" pitchFamily="34" charset="0"/>
-                <a:ea typeface="Tahoma" panose="020B0604030504040204" pitchFamily="34" charset="0"/>
-                <a:cs typeface="Tahoma" panose="020B0604030504040204" pitchFamily="34" charset="0"/>
-              </a:rPr>
-              <a:t>Monitoring</a:t>
-            </a:r>
-          </a:p>
-          <a:p>
-            <a:pPr marL="298450" marR="327025" indent="-285750">
-              <a:lnSpc>
-                <a:spcPct val="137500"/>
-              </a:lnSpc>
-              <a:spcBef>
-                <a:spcPts val="415"/>
-              </a:spcBef>
-            </a:pPr>
-            <a:r>
-              <a:rPr lang="it-IT" spc="60" dirty="0">
-                <a:solidFill>
-                  <a:srgbClr val="374552"/>
-                </a:solidFill>
-                <a:latin typeface="Tahoma" panose="020B0604030504040204" pitchFamily="34" charset="0"/>
-                <a:ea typeface="Tahoma" panose="020B0604030504040204" pitchFamily="34" charset="0"/>
-                <a:cs typeface="Tahoma" panose="020B0604030504040204" pitchFamily="34" charset="0"/>
-              </a:rPr>
-              <a:t>Model</a:t>
-            </a:r>
-            <a:r>
-              <a:rPr lang="it-IT" spc="-55" dirty="0">
-                <a:solidFill>
-                  <a:srgbClr val="374552"/>
-                </a:solidFill>
-                <a:latin typeface="Tahoma" panose="020B0604030504040204" pitchFamily="34" charset="0"/>
-                <a:ea typeface="Tahoma" panose="020B0604030504040204" pitchFamily="34" charset="0"/>
-                <a:cs typeface="Tahoma" panose="020B0604030504040204" pitchFamily="34" charset="0"/>
-              </a:rPr>
-              <a:t> </a:t>
-            </a:r>
-            <a:r>
-              <a:rPr lang="it-IT" dirty="0">
-                <a:solidFill>
-                  <a:srgbClr val="374552"/>
-                </a:solidFill>
-                <a:latin typeface="Tahoma" panose="020B0604030504040204" pitchFamily="34" charset="0"/>
-                <a:ea typeface="Tahoma" panose="020B0604030504040204" pitchFamily="34" charset="0"/>
-                <a:cs typeface="Tahoma" panose="020B0604030504040204" pitchFamily="34" charset="0"/>
-              </a:rPr>
-              <a:t>Performance</a:t>
-            </a:r>
-            <a:endParaRPr lang="it-IT" dirty="0">
-              <a:latin typeface="Tahoma" panose="020B0604030504040204" pitchFamily="34" charset="0"/>
-              <a:ea typeface="Tahoma" panose="020B0604030504040204" pitchFamily="34" charset="0"/>
-              <a:cs typeface="Tahoma" panose="020B0604030504040204" pitchFamily="34" charset="0"/>
-            </a:endParaRPr>
-          </a:p>
-          <a:p>
-            <a:pPr marL="298450" marR="21590" indent="-285750">
-              <a:lnSpc>
-                <a:spcPct val="135000"/>
-              </a:lnSpc>
-              <a:spcBef>
-                <a:spcPts val="90"/>
-              </a:spcBef>
-            </a:pPr>
-            <a:r>
-              <a:rPr lang="en-US" dirty="0">
-                <a:solidFill>
-                  <a:srgbClr val="374552"/>
-                </a:solidFill>
-                <a:latin typeface="Tahoma" panose="020B0604030504040204" pitchFamily="34" charset="0"/>
-                <a:ea typeface="Tahoma" panose="020B0604030504040204" pitchFamily="34" charset="0"/>
-                <a:cs typeface="Tahoma" panose="020B0604030504040204" pitchFamily="34" charset="0"/>
-              </a:rPr>
-              <a:t>Retraining</a:t>
-            </a:r>
-            <a:r>
-              <a:rPr lang="en-US" spc="10" dirty="0">
-                <a:solidFill>
-                  <a:srgbClr val="374552"/>
-                </a:solidFill>
-                <a:latin typeface="Tahoma" panose="020B0604030504040204" pitchFamily="34" charset="0"/>
-                <a:ea typeface="Tahoma" panose="020B0604030504040204" pitchFamily="34" charset="0"/>
-                <a:cs typeface="Tahoma" panose="020B0604030504040204" pitchFamily="34" charset="0"/>
-              </a:rPr>
-              <a:t> </a:t>
-            </a:r>
-            <a:r>
-              <a:rPr lang="en-US" spc="-30" dirty="0">
-                <a:solidFill>
-                  <a:srgbClr val="374552"/>
-                </a:solidFill>
-                <a:latin typeface="Tahoma" panose="020B0604030504040204" pitchFamily="34" charset="0"/>
-                <a:ea typeface="Tahoma" panose="020B0604030504040204" pitchFamily="34" charset="0"/>
-                <a:cs typeface="Tahoma" panose="020B0604030504040204" pitchFamily="34" charset="0"/>
-              </a:rPr>
-              <a:t>Control</a:t>
-            </a:r>
-          </a:p>
-          <a:p>
-            <a:pPr marL="298450" marR="21590" indent="-285750">
-              <a:lnSpc>
-                <a:spcPct val="135000"/>
-              </a:lnSpc>
-              <a:spcBef>
-                <a:spcPts val="90"/>
-              </a:spcBef>
-            </a:pPr>
-            <a:r>
-              <a:rPr lang="en-US" dirty="0">
-                <a:solidFill>
-                  <a:srgbClr val="374552"/>
-                </a:solidFill>
-                <a:latin typeface="Tahoma" panose="020B0604030504040204" pitchFamily="34" charset="0"/>
-                <a:ea typeface="Tahoma" panose="020B0604030504040204" pitchFamily="34" charset="0"/>
-                <a:cs typeface="Tahoma" panose="020B0604030504040204" pitchFamily="34" charset="0"/>
-              </a:rPr>
-              <a:t>System</a:t>
-            </a:r>
-            <a:r>
-              <a:rPr lang="en-US" spc="-55" dirty="0">
-                <a:solidFill>
-                  <a:srgbClr val="374552"/>
-                </a:solidFill>
-                <a:latin typeface="Tahoma" panose="020B0604030504040204" pitchFamily="34" charset="0"/>
-                <a:ea typeface="Tahoma" panose="020B0604030504040204" pitchFamily="34" charset="0"/>
-                <a:cs typeface="Tahoma" panose="020B0604030504040204" pitchFamily="34" charset="0"/>
-              </a:rPr>
-              <a:t> </a:t>
-            </a:r>
-            <a:r>
-              <a:rPr lang="en-US" spc="-20" dirty="0">
-                <a:solidFill>
-                  <a:srgbClr val="374552"/>
-                </a:solidFill>
-                <a:latin typeface="Tahoma" panose="020B0604030504040204" pitchFamily="34" charset="0"/>
-                <a:ea typeface="Tahoma" panose="020B0604030504040204" pitchFamily="34" charset="0"/>
-                <a:cs typeface="Tahoma" panose="020B0604030504040204" pitchFamily="34" charset="0"/>
-              </a:rPr>
-              <a:t>Analytics</a:t>
-            </a:r>
-          </a:p>
-          <a:p>
-            <a:pPr marL="298450" marR="21590" indent="-285750">
-              <a:lnSpc>
-                <a:spcPct val="135000"/>
-              </a:lnSpc>
-              <a:spcBef>
-                <a:spcPts val="90"/>
-              </a:spcBef>
-            </a:pPr>
-            <a:r>
-              <a:rPr lang="en-US" dirty="0">
-                <a:solidFill>
-                  <a:srgbClr val="374552"/>
-                </a:solidFill>
-                <a:latin typeface="Tahoma" panose="020B0604030504040204" pitchFamily="34" charset="0"/>
-                <a:ea typeface="Tahoma" panose="020B0604030504040204" pitchFamily="34" charset="0"/>
-                <a:cs typeface="Tahoma" panose="020B0604030504040204" pitchFamily="34" charset="0"/>
-              </a:rPr>
-              <a:t>Content</a:t>
-            </a:r>
-            <a:r>
-              <a:rPr lang="en-US" spc="30" dirty="0">
-                <a:solidFill>
-                  <a:srgbClr val="374552"/>
-                </a:solidFill>
-                <a:latin typeface="Tahoma" panose="020B0604030504040204" pitchFamily="34" charset="0"/>
-                <a:ea typeface="Tahoma" panose="020B0604030504040204" pitchFamily="34" charset="0"/>
-                <a:cs typeface="Tahoma" panose="020B0604030504040204" pitchFamily="34" charset="0"/>
-              </a:rPr>
-              <a:t> </a:t>
-            </a:r>
-            <a:r>
-              <a:rPr lang="en-US" spc="-10" dirty="0">
-                <a:solidFill>
-                  <a:srgbClr val="374552"/>
-                </a:solidFill>
-                <a:latin typeface="Tahoma" panose="020B0604030504040204" pitchFamily="34" charset="0"/>
-                <a:ea typeface="Tahoma" panose="020B0604030504040204" pitchFamily="34" charset="0"/>
-                <a:cs typeface="Tahoma" panose="020B0604030504040204" pitchFamily="34" charset="0"/>
-              </a:rPr>
-              <a:t>Updates</a:t>
-            </a:r>
-            <a:endParaRPr lang="en-US" dirty="0">
-              <a:latin typeface="Tahoma" panose="020B0604030504040204" pitchFamily="34" charset="0"/>
-              <a:ea typeface="Tahoma" panose="020B0604030504040204" pitchFamily="34" charset="0"/>
-              <a:cs typeface="Tahoma" panose="020B0604030504040204" pitchFamily="34" charset="0"/>
-            </a:endParaRPr>
-          </a:p>
-          <a:p>
-            <a:endParaRPr lang="en-IN" dirty="0">
-              <a:latin typeface="Tahoma" panose="020B0604030504040204" pitchFamily="34" charset="0"/>
-              <a:ea typeface="Tahoma" panose="020B0604030504040204" pitchFamily="34" charset="0"/>
-              <a:cs typeface="Tahoma" panose="020B0604030504040204" pitchFamily="34" charset="0"/>
-            </a:endParaRPr>
-          </a:p>
-        </p:txBody>
-      </p:sp>
+          </a:blip>
+          <a:stretch>
+            <a:fillRect/>
+          </a:stretch>
+        </p:blipFill>
+        <p:spPr>
+          <a:xfrm>
+            <a:off x="0" y="506730"/>
+            <a:ext cx="12192000" cy="5844540"/>
+          </a:xfrm>
+          <a:prstGeom prst="rect">
+            <a:avLst/>
+          </a:prstGeom>
+        </p:spPr>
+      </p:pic>
     </p:spTree>
     <p:extLst>
       <p:ext uri="{BB962C8B-B14F-4D97-AF65-F5344CB8AC3E}">
-        <p14:creationId xmlns:p14="http://schemas.microsoft.com/office/powerpoint/2010/main" val="1899847168"/>
+        <p14:creationId xmlns:p14="http://schemas.microsoft.com/office/powerpoint/2010/main" val="1063193900"/>
       </p:ext>
     </p:extLst>
   </p:cSld>
